--- a/Slides/04 - Managing the Database.pptx
+++ b/Slides/04 - Managing the Database.pptx
@@ -5,10 +5,10 @@
     <p:sldMasterId id="2147483660" r:id="rId4"/>
   </p:sldMasterIdLst>
   <p:notesMasterIdLst>
-    <p:notesMasterId r:id="rId29"/>
+    <p:notesMasterId r:id="rId30"/>
   </p:notesMasterIdLst>
   <p:handoutMasterIdLst>
-    <p:handoutMasterId r:id="rId30"/>
+    <p:handoutMasterId r:id="rId31"/>
   </p:handoutMasterIdLst>
   <p:sldIdLst>
     <p:sldId id="336" r:id="rId5"/>
@@ -17,24 +17,25 @@
     <p:sldId id="314" r:id="rId8"/>
     <p:sldId id="343" r:id="rId9"/>
     <p:sldId id="331" r:id="rId10"/>
-    <p:sldId id="372" r:id="rId11"/>
-    <p:sldId id="373" r:id="rId12"/>
-    <p:sldId id="360" r:id="rId13"/>
-    <p:sldId id="374" r:id="rId14"/>
-    <p:sldId id="383" r:id="rId15"/>
-    <p:sldId id="382" r:id="rId16"/>
-    <p:sldId id="361" r:id="rId17"/>
-    <p:sldId id="375" r:id="rId18"/>
-    <p:sldId id="376" r:id="rId19"/>
-    <p:sldId id="379" r:id="rId20"/>
-    <p:sldId id="381" r:id="rId21"/>
-    <p:sldId id="380" r:id="rId22"/>
-    <p:sldId id="378" r:id="rId23"/>
-    <p:sldId id="377" r:id="rId24"/>
-    <p:sldId id="367" r:id="rId25"/>
-    <p:sldId id="371" r:id="rId26"/>
-    <p:sldId id="347" r:id="rId27"/>
-    <p:sldId id="269" r:id="rId28"/>
+    <p:sldId id="385" r:id="rId11"/>
+    <p:sldId id="386" r:id="rId12"/>
+    <p:sldId id="372" r:id="rId13"/>
+    <p:sldId id="373" r:id="rId14"/>
+    <p:sldId id="360" r:id="rId15"/>
+    <p:sldId id="383" r:id="rId16"/>
+    <p:sldId id="382" r:id="rId17"/>
+    <p:sldId id="361" r:id="rId18"/>
+    <p:sldId id="375" r:id="rId19"/>
+    <p:sldId id="376" r:id="rId20"/>
+    <p:sldId id="379" r:id="rId21"/>
+    <p:sldId id="381" r:id="rId22"/>
+    <p:sldId id="380" r:id="rId23"/>
+    <p:sldId id="378" r:id="rId24"/>
+    <p:sldId id="377" r:id="rId25"/>
+    <p:sldId id="384" r:id="rId26"/>
+    <p:sldId id="367" r:id="rId27"/>
+    <p:sldId id="347" r:id="rId28"/>
+    <p:sldId id="269" r:id="rId29"/>
   </p:sldIdLst>
   <p:sldSz cx="12192000" cy="6858000"/>
   <p:notesSz cx="6858000" cy="9144000"/>
@@ -226,7 +227,7 @@
           <a:p>
             <a:fld id="{312E7B4A-039C-48A2-9B2C-AF16AA3873D8}" type="datetimeFigureOut">
               <a:rPr lang="en-US" smtClean="0"/>
-              <a:t>1/24/2015</a:t>
+              <a:t>1/27/2015</a:t>
             </a:fld>
             <a:endParaRPr lang="en-US" dirty="0"/>
           </a:p>
@@ -391,7 +392,7 @@
           <a:p>
             <a:fld id="{DA005A0C-54D9-45AA-87D4-C551D08DFCE1}" type="datetimeFigureOut">
               <a:rPr lang="en-US" smtClean="0"/>
-              <a:t>1/24/2015</a:t>
+              <a:t>1/27/2015</a:t>
             </a:fld>
             <a:endParaRPr lang="en-US" dirty="0"/>
           </a:p>
@@ -793,76 +794,234 @@
           <a:bodyPr/>
           <a:lstStyle/>
           <a:p>
-            <a:pPr marL="0" marR="0" indent="0" algn="l" defTabSz="914400" rtl="0" eaLnBrk="1" fontAlgn="auto" latinLnBrk="0" hangingPunct="1">
-              <a:lnSpc>
-                <a:spcPct val="100000"/>
-              </a:lnSpc>
-              <a:spcBef>
-                <a:spcPts val="0"/>
-              </a:spcBef>
-              <a:spcAft>
-                <a:spcPts val="0"/>
-              </a:spcAft>
-              <a:buClrTx/>
-              <a:buSzTx/>
-              <a:buFontTx/>
-              <a:buNone/>
-              <a:tabLst/>
-              <a:defRPr/>
+            <a:pPr marL="228600" indent="-228600">
+              <a:buAutoNum type="arabicPeriod"/>
             </a:pPr>
             <a:r>
               <a:rPr lang="en-US" dirty="0" smtClean="0"/>
-              <a:t>Create package.</a:t>
-            </a:r>
-          </a:p>
-          <a:p>
-            <a:pPr marL="0" marR="0" indent="0" algn="l" defTabSz="914400" rtl="0" eaLnBrk="1" fontAlgn="auto" latinLnBrk="0" hangingPunct="1">
-              <a:lnSpc>
-                <a:spcPct val="100000"/>
-              </a:lnSpc>
-              <a:spcBef>
-                <a:spcPts val="0"/>
-              </a:spcBef>
-              <a:spcAft>
-                <a:spcPts val="0"/>
-              </a:spcAft>
-              <a:buClrTx/>
-              <a:buSzTx/>
-              <a:buFontTx/>
-              <a:buNone/>
-              <a:tabLst/>
-              <a:defRPr/>
+              <a:t>Open</a:t>
+            </a:r>
+            <a:r>
+              <a:rPr lang="en-US" baseline="0" dirty="0" smtClean="0"/>
+              <a:t> MVC project</a:t>
+            </a:r>
+          </a:p>
+          <a:p>
+            <a:pPr marL="228600" indent="-228600">
+              <a:buAutoNum type="arabicPeriod"/>
             </a:pPr>
             <a:r>
-              <a:rPr lang="en-US" dirty="0" smtClean="0"/>
-              <a:t>Create prefab</a:t>
-            </a:r>
-          </a:p>
-          <a:p>
-            <a:pPr marL="0" marR="0" indent="0" algn="l" defTabSz="914400" rtl="0" eaLnBrk="1" fontAlgn="auto" latinLnBrk="0" hangingPunct="1">
-              <a:lnSpc>
-                <a:spcPct val="100000"/>
-              </a:lnSpc>
-              <a:spcBef>
-                <a:spcPts val="0"/>
-              </a:spcBef>
-              <a:spcAft>
-                <a:spcPts val="0"/>
-              </a:spcAft>
-              <a:buClrTx/>
-              <a:buSzTx/>
-              <a:buFontTx/>
-              <a:buNone/>
-              <a:tabLst/>
-              <a:defRPr/>
-            </a:pPr>
-            <a:r>
-              <a:rPr lang="en-US" dirty="0" smtClean="0"/>
-              <a:t>Import package</a:t>
-            </a:r>
-          </a:p>
-          <a:p>
-            <a:endParaRPr lang="en-US" dirty="0"/>
+              <a:rPr lang="en-US" baseline="0" dirty="0" smtClean="0"/>
+              <a:t>Add below into context</a:t>
+            </a:r>
+            <a:endParaRPr lang="en-US" baseline="0" dirty="0"/>
+          </a:p>
+          <a:p>
+            <a:r>
+              <a:rPr lang="en-US" sz="1200" kern="1200" dirty="0" smtClean="0">
+                <a:solidFill>
+                  <a:schemeClr val="tx1"/>
+                </a:solidFill>
+                <a:latin typeface="+mn-lt"/>
+                <a:ea typeface="+mn-ea"/>
+                <a:cs typeface="+mn-cs"/>
+              </a:rPr>
+              <a:t>protected override void </a:t>
+            </a:r>
+            <a:r>
+              <a:rPr lang="en-US" sz="1200" kern="1200" dirty="0" err="1" smtClean="0">
+                <a:solidFill>
+                  <a:schemeClr val="tx1"/>
+                </a:solidFill>
+                <a:latin typeface="+mn-lt"/>
+                <a:ea typeface="+mn-ea"/>
+                <a:cs typeface="+mn-cs"/>
+              </a:rPr>
+              <a:t>OnModelCreating</a:t>
+            </a:r>
+            <a:r>
+              <a:rPr lang="en-US" sz="1200" kern="1200" dirty="0" smtClean="0">
+                <a:solidFill>
+                  <a:schemeClr val="tx1"/>
+                </a:solidFill>
+                <a:latin typeface="+mn-lt"/>
+                <a:ea typeface="+mn-ea"/>
+                <a:cs typeface="+mn-cs"/>
+              </a:rPr>
+              <a:t>(</a:t>
+            </a:r>
+            <a:r>
+              <a:rPr lang="en-US" sz="1200" kern="1200" dirty="0" err="1" smtClean="0">
+                <a:solidFill>
+                  <a:schemeClr val="tx1"/>
+                </a:solidFill>
+                <a:latin typeface="+mn-lt"/>
+                <a:ea typeface="+mn-ea"/>
+                <a:cs typeface="+mn-cs"/>
+              </a:rPr>
+              <a:t>DbModelBuilder</a:t>
+            </a:r>
+            <a:r>
+              <a:rPr lang="en-US" sz="1200" kern="1200" dirty="0" smtClean="0">
+                <a:solidFill>
+                  <a:schemeClr val="tx1"/>
+                </a:solidFill>
+                <a:latin typeface="+mn-lt"/>
+                <a:ea typeface="+mn-ea"/>
+                <a:cs typeface="+mn-cs"/>
+              </a:rPr>
+              <a:t> </a:t>
+            </a:r>
+            <a:r>
+              <a:rPr lang="en-US" sz="1200" kern="1200" dirty="0" err="1" smtClean="0">
+                <a:solidFill>
+                  <a:schemeClr val="tx1"/>
+                </a:solidFill>
+                <a:latin typeface="+mn-lt"/>
+                <a:ea typeface="+mn-ea"/>
+                <a:cs typeface="+mn-cs"/>
+              </a:rPr>
+              <a:t>modelBuilder</a:t>
+            </a:r>
+            <a:r>
+              <a:rPr lang="en-US" sz="1200" kern="1200" dirty="0" smtClean="0">
+                <a:solidFill>
+                  <a:schemeClr val="tx1"/>
+                </a:solidFill>
+                <a:latin typeface="+mn-lt"/>
+                <a:ea typeface="+mn-ea"/>
+                <a:cs typeface="+mn-cs"/>
+              </a:rPr>
+              <a:t>)</a:t>
+            </a:r>
+          </a:p>
+          <a:p>
+            <a:r>
+              <a:rPr lang="en-US" sz="1200" kern="1200" dirty="0" smtClean="0">
+                <a:solidFill>
+                  <a:schemeClr val="tx1"/>
+                </a:solidFill>
+                <a:latin typeface="+mn-lt"/>
+                <a:ea typeface="+mn-ea"/>
+                <a:cs typeface="+mn-cs"/>
+              </a:rPr>
+              <a:t>{</a:t>
+            </a:r>
+          </a:p>
+          <a:p>
+            <a:r>
+              <a:rPr lang="en-US" sz="1200" kern="1200" baseline="0" dirty="0" smtClean="0">
+                <a:solidFill>
+                  <a:schemeClr val="tx1"/>
+                </a:solidFill>
+                <a:latin typeface="+mn-lt"/>
+                <a:ea typeface="+mn-ea"/>
+                <a:cs typeface="+mn-cs"/>
+              </a:rPr>
+              <a:t>      </a:t>
+            </a:r>
+            <a:r>
+              <a:rPr lang="en-US" sz="1200" kern="1200" dirty="0" err="1" smtClean="0">
+                <a:solidFill>
+                  <a:schemeClr val="tx1"/>
+                </a:solidFill>
+                <a:latin typeface="+mn-lt"/>
+                <a:ea typeface="+mn-ea"/>
+                <a:cs typeface="+mn-cs"/>
+              </a:rPr>
+              <a:t>modelBuilder.Entity</a:t>
+            </a:r>
+            <a:r>
+              <a:rPr lang="en-US" sz="1200" kern="1200" dirty="0" smtClean="0">
+                <a:solidFill>
+                  <a:schemeClr val="tx1"/>
+                </a:solidFill>
+                <a:latin typeface="+mn-lt"/>
+                <a:ea typeface="+mn-ea"/>
+                <a:cs typeface="+mn-cs"/>
+              </a:rPr>
+              <a:t>&lt;Album&gt;().Property(e =&gt; </a:t>
+            </a:r>
+            <a:r>
+              <a:rPr lang="en-US" sz="1200" kern="1200" dirty="0" err="1" smtClean="0">
+                <a:solidFill>
+                  <a:schemeClr val="tx1"/>
+                </a:solidFill>
+                <a:latin typeface="+mn-lt"/>
+                <a:ea typeface="+mn-ea"/>
+                <a:cs typeface="+mn-cs"/>
+              </a:rPr>
+              <a:t>e.Title</a:t>
+            </a:r>
+            <a:r>
+              <a:rPr lang="en-US" sz="1200" kern="1200" dirty="0" smtClean="0">
+                <a:solidFill>
+                  <a:schemeClr val="tx1"/>
+                </a:solidFill>
+                <a:latin typeface="+mn-lt"/>
+                <a:ea typeface="+mn-ea"/>
+                <a:cs typeface="+mn-cs"/>
+              </a:rPr>
+              <a:t>).</a:t>
+            </a:r>
+            <a:r>
+              <a:rPr lang="en-US" sz="1200" kern="1200" dirty="0" err="1" smtClean="0">
+                <a:solidFill>
+                  <a:schemeClr val="tx1"/>
+                </a:solidFill>
+                <a:latin typeface="+mn-lt"/>
+                <a:ea typeface="+mn-ea"/>
+                <a:cs typeface="+mn-cs"/>
+              </a:rPr>
+              <a:t>HasColumnName</a:t>
+            </a:r>
+            <a:r>
+              <a:rPr lang="en-US" sz="1200" kern="1200" dirty="0" smtClean="0">
+                <a:solidFill>
+                  <a:schemeClr val="tx1"/>
+                </a:solidFill>
+                <a:latin typeface="+mn-lt"/>
+                <a:ea typeface="+mn-ea"/>
+                <a:cs typeface="+mn-cs"/>
+              </a:rPr>
+              <a:t>("</a:t>
+            </a:r>
+            <a:r>
+              <a:rPr lang="en-US" sz="1200" kern="1200" dirty="0" err="1" smtClean="0">
+                <a:solidFill>
+                  <a:schemeClr val="tx1"/>
+                </a:solidFill>
+                <a:latin typeface="+mn-lt"/>
+                <a:ea typeface="+mn-ea"/>
+                <a:cs typeface="+mn-cs"/>
+              </a:rPr>
+              <a:t>Album_Title</a:t>
+            </a:r>
+            <a:r>
+              <a:rPr lang="en-US" sz="1200" kern="1200" dirty="0" smtClean="0">
+                <a:solidFill>
+                  <a:schemeClr val="tx1"/>
+                </a:solidFill>
+                <a:latin typeface="+mn-lt"/>
+                <a:ea typeface="+mn-ea"/>
+                <a:cs typeface="+mn-cs"/>
+              </a:rPr>
+              <a:t>");</a:t>
+            </a:r>
+          </a:p>
+          <a:p>
+            <a:r>
+              <a:rPr lang="en-US" sz="1200" kern="1200" dirty="0" smtClean="0">
+                <a:solidFill>
+                  <a:schemeClr val="tx1"/>
+                </a:solidFill>
+                <a:latin typeface="+mn-lt"/>
+                <a:ea typeface="+mn-ea"/>
+                <a:cs typeface="+mn-cs"/>
+              </a:rPr>
+              <a:t>}</a:t>
+            </a:r>
+            <a:endParaRPr lang="en-US" baseline="0" dirty="0" smtClean="0"/>
           </a:p>
         </p:txBody>
       </p:sp>
@@ -892,7 +1051,7 @@
     </p:spTree>
     <p:extLst>
       <p:ext uri="{BB962C8B-B14F-4D97-AF65-F5344CB8AC3E}">
-        <p14:creationId xmlns:p14="http://schemas.microsoft.com/office/powerpoint/2010/main" val="1162175093"/>
+        <p14:creationId xmlns:p14="http://schemas.microsoft.com/office/powerpoint/2010/main" val="1302140377"/>
       </p:ext>
     </p:extLst>
   </p:cSld>
@@ -946,78 +1105,7 @@
           <a:bodyPr/>
           <a:lstStyle/>
           <a:p>
-            <a:pPr marL="228600" indent="-228600">
-              <a:buAutoNum type="arabicPeriod"/>
-            </a:pPr>
-            <a:r>
-              <a:rPr lang="en-US" baseline="0" dirty="0" smtClean="0"/>
-              <a:t>Open up connection in Visual Studio Server Manager – Data Connections</a:t>
-            </a:r>
-          </a:p>
-          <a:p>
-            <a:pPr marL="228600" indent="-228600">
-              <a:buAutoNum type="arabicPeriod"/>
-            </a:pPr>
-            <a:r>
-              <a:rPr lang="en-US" baseline="0" dirty="0" smtClean="0"/>
-              <a:t>Right click on </a:t>
-            </a:r>
-            <a:r>
-              <a:rPr lang="en-US" baseline="0" dirty="0" err="1" smtClean="0"/>
-              <a:t>db</a:t>
-            </a:r>
-            <a:r>
-              <a:rPr lang="en-US" baseline="0" dirty="0" smtClean="0"/>
-              <a:t>, browse in </a:t>
-            </a:r>
-            <a:r>
-              <a:rPr lang="en-US" baseline="0" dirty="0" err="1" smtClean="0"/>
-              <a:t>sql</a:t>
-            </a:r>
-            <a:r>
-              <a:rPr lang="en-US" baseline="0" dirty="0" smtClean="0"/>
-              <a:t> server object explorer</a:t>
-            </a:r>
-          </a:p>
-          <a:p>
-            <a:pPr marL="228600" indent="-228600">
-              <a:buAutoNum type="arabicPeriod"/>
-            </a:pPr>
-            <a:r>
-              <a:rPr lang="en-US" baseline="0" dirty="0" smtClean="0"/>
-              <a:t>Right click on </a:t>
-            </a:r>
-            <a:r>
-              <a:rPr lang="en-US" baseline="0" dirty="0" err="1" smtClean="0"/>
-              <a:t>db</a:t>
-            </a:r>
-            <a:r>
-              <a:rPr lang="en-US" baseline="0" dirty="0" smtClean="0"/>
-              <a:t> in SSOE and select Create New Project. Stress this isn’t part of EF Migrations, but one method of managing those scripts.</a:t>
-            </a:r>
-          </a:p>
-          <a:p>
-            <a:pPr marL="228600" indent="-228600">
-              <a:buAutoNum type="arabicPeriod"/>
-            </a:pPr>
-            <a:r>
-              <a:rPr lang="en-US" baseline="0" dirty="0" smtClean="0"/>
-              <a:t>Talk about having to do this anytime your database changes. Do you change DB then script? Do you change SQL, then apply to DB? Now you need either bits and pieces of </a:t>
-            </a:r>
-            <a:r>
-              <a:rPr lang="en-US" baseline="0" dirty="0" err="1" smtClean="0"/>
-              <a:t>sql</a:t>
-            </a:r>
-            <a:r>
-              <a:rPr lang="en-US" baseline="0" dirty="0" smtClean="0"/>
-              <a:t> or </a:t>
-            </a:r>
-          </a:p>
-          <a:p>
-            <a:pPr marL="228600" indent="-228600">
-              <a:buAutoNum type="arabicPeriod"/>
-            </a:pPr>
-            <a:endParaRPr lang="en-US" baseline="0" dirty="0" smtClean="0"/>
+            <a:endParaRPr lang="en-US" dirty="0"/>
           </a:p>
         </p:txBody>
       </p:sp>
@@ -1038,7 +1126,7 @@
           <a:p>
             <a:fld id="{4CFD207A-07DF-40AD-A916-9872E089CE7A}" type="slidenum">
               <a:rPr lang="en-US" smtClean="0"/>
-              <a:t>15</a:t>
+              <a:t>14</a:t>
             </a:fld>
             <a:endParaRPr lang="en-US" dirty="0"/>
           </a:p>
@@ -1047,7 +1135,7 @@
     </p:spTree>
     <p:extLst>
       <p:ext uri="{BB962C8B-B14F-4D97-AF65-F5344CB8AC3E}">
-        <p14:creationId xmlns:p14="http://schemas.microsoft.com/office/powerpoint/2010/main" val="4191209478"/>
+        <p14:creationId xmlns:p14="http://schemas.microsoft.com/office/powerpoint/2010/main" val="1162175093"/>
       </p:ext>
     </p:extLst>
   </p:cSld>
@@ -1105,10 +1193,9 @@
               <a:buAutoNum type="arabicPeriod"/>
             </a:pPr>
             <a:r>
-              <a:rPr lang="en-US" baseline="0" dirty="0" err="1" smtClean="0"/>
-              <a:t>Intellisense</a:t>
-            </a:r>
-            <a:endParaRPr lang="en-US" baseline="0" dirty="0" smtClean="0"/>
+              <a:rPr lang="en-US" baseline="0" dirty="0" smtClean="0"/>
+              <a:t>Open up connection in Visual Studio Server Manager – Data Connections</a:t>
+            </a:r>
           </a:p>
           <a:p>
             <a:pPr marL="228600" indent="-228600">
@@ -1116,16 +1203,23 @@
             </a:pPr>
             <a:r>
               <a:rPr lang="en-US" baseline="0" dirty="0" smtClean="0"/>
-              <a:t>Enable-migrations – talk about issue if we have Identity installed into an app.</a:t>
-            </a:r>
-          </a:p>
-          <a:p>
-            <a:pPr marL="685800" lvl="1" indent="-228600">
-              <a:buAutoNum type="arabicPeriod"/>
-            </a:pPr>
+              <a:t>Right click on </a:t>
+            </a:r>
+            <a:r>
+              <a:rPr lang="en-US" baseline="0" dirty="0" err="1" smtClean="0"/>
+              <a:t>db</a:t>
+            </a:r>
             <a:r>
               <a:rPr lang="en-US" baseline="0" dirty="0" smtClean="0"/>
-              <a:t>http://stackoverflow.com/questions/13469881/how-do-i-enable-ef-migrations-for-multiple-contexts-to-separate-databases</a:t>
+              <a:t>, browse in </a:t>
+            </a:r>
+            <a:r>
+              <a:rPr lang="en-US" baseline="0" dirty="0" err="1" smtClean="0"/>
+              <a:t>sql</a:t>
+            </a:r>
+            <a:r>
+              <a:rPr lang="en-US" baseline="0" dirty="0" smtClean="0"/>
+              <a:t> server object explorer</a:t>
             </a:r>
           </a:p>
           <a:p>
@@ -1134,7 +1228,15 @@
             </a:pPr>
             <a:r>
               <a:rPr lang="en-US" baseline="0" dirty="0" smtClean="0"/>
-              <a:t>Talk about the initial state. The database is created (review of first module) Problem. How do we script this database?</a:t>
+              <a:t>Right click on </a:t>
+            </a:r>
+            <a:r>
+              <a:rPr lang="en-US" baseline="0" dirty="0" err="1" smtClean="0"/>
+              <a:t>db</a:t>
+            </a:r>
+            <a:r>
+              <a:rPr lang="en-US" baseline="0" dirty="0" smtClean="0"/>
+              <a:t> in SSOE and select Create New Project. Stress this isn’t part of EF Migrations, but one method of managing those scripts.</a:t>
             </a:r>
           </a:p>
           <a:p>
@@ -1143,21 +1245,16 @@
             </a:pPr>
             <a:r>
               <a:rPr lang="en-US" baseline="0" dirty="0" smtClean="0"/>
-              <a:t>Script initial database update-database –script –</a:t>
+              <a:t>Talk about having to do this anytime your database changes. Do you change DB then script? Do you change SQL, then apply to DB? Now you need either bits and pieces of </a:t>
             </a:r>
             <a:r>
               <a:rPr lang="en-US" baseline="0" dirty="0" err="1" smtClean="0"/>
-              <a:t>targetmigration</a:t>
+              <a:t>sql</a:t>
             </a:r>
             <a:r>
               <a:rPr lang="en-US" baseline="0" dirty="0" smtClean="0"/>
-              <a:t> $</a:t>
-            </a:r>
-            <a:r>
-              <a:rPr lang="en-US" baseline="0" dirty="0" err="1" smtClean="0"/>
-              <a:t>InitialDatabase</a:t>
-            </a:r>
-            <a:endParaRPr lang="en-US" baseline="0" dirty="0" smtClean="0"/>
+              <a:t> or </a:t>
+            </a:r>
           </a:p>
           <a:p>
             <a:pPr marL="228600" indent="-228600">
@@ -1184,7 +1281,7 @@
           <a:p>
             <a:fld id="{4CFD207A-07DF-40AD-A916-9872E089CE7A}" type="slidenum">
               <a:rPr lang="en-US" smtClean="0"/>
-              <a:t>20</a:t>
+              <a:t>16</a:t>
             </a:fld>
             <a:endParaRPr lang="en-US" dirty="0"/>
           </a:p>
@@ -1193,7 +1290,7 @@
     </p:spTree>
     <p:extLst>
       <p:ext uri="{BB962C8B-B14F-4D97-AF65-F5344CB8AC3E}">
-        <p14:creationId xmlns:p14="http://schemas.microsoft.com/office/powerpoint/2010/main" val="2345377119"/>
+        <p14:creationId xmlns:p14="http://schemas.microsoft.com/office/powerpoint/2010/main" val="4191209478"/>
       </p:ext>
     </p:extLst>
   </p:cSld>
@@ -1247,45 +1344,7 @@
           <a:bodyPr/>
           <a:lstStyle/>
           <a:p>
-            <a:pPr marL="228600" indent="-228600">
-              <a:buAutoNum type="arabicPeriod"/>
-            </a:pPr>
-            <a:r>
-              <a:rPr lang="en-US" baseline="0" dirty="0" smtClean="0"/>
-              <a:t>Point to existing database file.</a:t>
-            </a:r>
-          </a:p>
-          <a:p>
-            <a:pPr marL="228600" indent="-228600">
-              <a:buAutoNum type="arabicPeriod"/>
-            </a:pPr>
-            <a:r>
-              <a:rPr lang="en-US" baseline="0" dirty="0" smtClean="0"/>
-              <a:t>Reverse engineer.</a:t>
-            </a:r>
-          </a:p>
-          <a:p>
-            <a:pPr marL="228600" indent="-228600">
-              <a:buAutoNum type="arabicPeriod"/>
-            </a:pPr>
-            <a:r>
-              <a:rPr lang="en-US" baseline="0" dirty="0" smtClean="0"/>
-              <a:t>Set initial migration (enable-migration)</a:t>
-            </a:r>
-          </a:p>
-          <a:p>
-            <a:pPr marL="228600" indent="-228600">
-              <a:buAutoNum type="arabicPeriod"/>
-            </a:pPr>
-            <a:r>
-              <a:rPr lang="en-US" baseline="0" dirty="0" smtClean="0"/>
-              <a:t>Script </a:t>
-            </a:r>
-            <a:r>
-              <a:rPr lang="en-US" baseline="0" dirty="0" err="1" smtClean="0"/>
-              <a:t>initialdatabase</a:t>
-            </a:r>
-            <a:endParaRPr lang="en-US" baseline="0" dirty="0" smtClean="0"/>
+            <a:endParaRPr lang="en-US" dirty="0"/>
           </a:p>
         </p:txBody>
       </p:sp>
@@ -1306,7 +1365,7 @@
           <a:p>
             <a:fld id="{4CFD207A-07DF-40AD-A916-9872E089CE7A}" type="slidenum">
               <a:rPr lang="en-US" smtClean="0"/>
-              <a:t>21</a:t>
+              <a:t>20</a:t>
             </a:fld>
             <a:endParaRPr lang="en-US" dirty="0"/>
           </a:p>
@@ -1315,7 +1374,7 @@
     </p:spTree>
     <p:extLst>
       <p:ext uri="{BB962C8B-B14F-4D97-AF65-F5344CB8AC3E}">
-        <p14:creationId xmlns:p14="http://schemas.microsoft.com/office/powerpoint/2010/main" val="2360327334"/>
+        <p14:creationId xmlns:p14="http://schemas.microsoft.com/office/powerpoint/2010/main" val="3822251827"/>
       </p:ext>
     </p:extLst>
   </p:cSld>
@@ -1369,7 +1428,181 @@
           <a:bodyPr/>
           <a:lstStyle/>
           <a:p>
-            <a:endParaRPr lang="en-US" dirty="0"/>
+            <a:pPr marL="228600" indent="-228600">
+              <a:buAutoNum type="arabicPeriod"/>
+            </a:pPr>
+            <a:r>
+              <a:rPr lang="en-US" baseline="0" dirty="0" err="1" smtClean="0"/>
+              <a:t>Intellisense</a:t>
+            </a:r>
+            <a:endParaRPr lang="en-US" baseline="0" dirty="0" smtClean="0"/>
+          </a:p>
+          <a:p>
+            <a:pPr marL="228600" indent="-228600">
+              <a:buAutoNum type="arabicPeriod"/>
+            </a:pPr>
+            <a:r>
+              <a:rPr lang="en-US" baseline="0" dirty="0" smtClean="0"/>
+              <a:t>Enable-migrations – talk about issue if we have Identity installed into an app.</a:t>
+            </a:r>
+          </a:p>
+          <a:p>
+            <a:pPr marL="685800" lvl="1" indent="-228600">
+              <a:buAutoNum type="arabicPeriod"/>
+            </a:pPr>
+            <a:r>
+              <a:rPr lang="en-US" baseline="0" dirty="0" smtClean="0"/>
+              <a:t>http://stackoverflow.com/questions/13469881/how-do-i-enable-ef-migrations-for-multiple-contexts-to-separate-databases</a:t>
+            </a:r>
+          </a:p>
+          <a:p>
+            <a:pPr marL="228600" indent="-228600">
+              <a:buAutoNum type="arabicPeriod"/>
+            </a:pPr>
+            <a:r>
+              <a:rPr lang="en-US" baseline="0" dirty="0" smtClean="0"/>
+              <a:t>Talk about the initial state. The database is created (review of first module) Problem. How do we script this database?</a:t>
+            </a:r>
+          </a:p>
+          <a:p>
+            <a:pPr marL="228600" indent="-228600">
+              <a:buAutoNum type="arabicPeriod"/>
+            </a:pPr>
+            <a:r>
+              <a:rPr lang="en-US" baseline="0" dirty="0" smtClean="0"/>
+              <a:t>Script initial database update-database –script –</a:t>
+            </a:r>
+            <a:r>
+              <a:rPr lang="en-US" baseline="0" dirty="0" err="1" smtClean="0"/>
+              <a:t>targetmigration</a:t>
+            </a:r>
+            <a:r>
+              <a:rPr lang="en-US" baseline="0" dirty="0" smtClean="0"/>
+              <a:t> $</a:t>
+            </a:r>
+            <a:r>
+              <a:rPr lang="en-US" baseline="0" dirty="0" err="1" smtClean="0"/>
+              <a:t>InitialDatabase</a:t>
+            </a:r>
+            <a:endParaRPr lang="en-US" baseline="0" dirty="0" smtClean="0"/>
+          </a:p>
+          <a:p>
+            <a:pPr marL="228600" indent="-228600">
+              <a:buAutoNum type="arabicPeriod"/>
+            </a:pPr>
+            <a:r>
+              <a:rPr lang="en-US" baseline="0" dirty="0" smtClean="0"/>
+              <a:t>Add some fields</a:t>
+            </a:r>
+          </a:p>
+          <a:p>
+            <a:pPr marL="228600" indent="-228600">
+              <a:buAutoNum type="arabicPeriod"/>
+            </a:pPr>
+            <a:r>
+              <a:rPr lang="en-US" baseline="0" dirty="0" smtClean="0"/>
+              <a:t>Add migration</a:t>
+            </a:r>
+          </a:p>
+          <a:p>
+            <a:pPr marL="228600" indent="-228600">
+              <a:buAutoNum type="arabicPeriod"/>
+            </a:pPr>
+            <a:r>
+              <a:rPr lang="en-US" baseline="0" dirty="0" smtClean="0"/>
+              <a:t>Add some fields</a:t>
+            </a:r>
+          </a:p>
+          <a:p>
+            <a:pPr marL="228600" indent="-228600">
+              <a:buAutoNum type="arabicPeriod"/>
+            </a:pPr>
+            <a:r>
+              <a:rPr lang="en-US" baseline="0" dirty="0" smtClean="0"/>
+              <a:t>Add new migration</a:t>
+            </a:r>
+          </a:p>
+          <a:p>
+            <a:pPr marL="228600" indent="-228600">
+              <a:buAutoNum type="arabicPeriod"/>
+            </a:pPr>
+            <a:r>
+              <a:rPr lang="en-US" baseline="0" dirty="0" smtClean="0"/>
+              <a:t>Generate down script: </a:t>
+            </a:r>
+            <a:r>
+              <a:rPr lang="en-US" sz="1200" kern="1200" dirty="0" smtClean="0">
+                <a:solidFill>
+                  <a:schemeClr val="tx1"/>
+                </a:solidFill>
+                <a:latin typeface="+mn-lt"/>
+                <a:ea typeface="+mn-ea"/>
+                <a:cs typeface="+mn-cs"/>
+              </a:rPr>
+              <a:t>update-database -script -</a:t>
+            </a:r>
+            <a:r>
+              <a:rPr lang="en-US" sz="1200" kern="1200" dirty="0" err="1" smtClean="0">
+                <a:solidFill>
+                  <a:schemeClr val="tx1"/>
+                </a:solidFill>
+                <a:latin typeface="+mn-lt"/>
+                <a:ea typeface="+mn-ea"/>
+                <a:cs typeface="+mn-cs"/>
+              </a:rPr>
+              <a:t>SourceMigration</a:t>
+            </a:r>
+            <a:r>
+              <a:rPr lang="en-US" sz="1200" kern="1200" dirty="0" smtClean="0">
+                <a:solidFill>
+                  <a:schemeClr val="tx1"/>
+                </a:solidFill>
+                <a:latin typeface="+mn-lt"/>
+                <a:ea typeface="+mn-ea"/>
+                <a:cs typeface="+mn-cs"/>
+              </a:rPr>
+              <a:t> XXXXX –</a:t>
+            </a:r>
+            <a:r>
+              <a:rPr lang="en-US" sz="1200" kern="1200" dirty="0" err="1" smtClean="0">
+                <a:solidFill>
+                  <a:schemeClr val="tx1"/>
+                </a:solidFill>
+                <a:latin typeface="+mn-lt"/>
+                <a:ea typeface="+mn-ea"/>
+                <a:cs typeface="+mn-cs"/>
+              </a:rPr>
+              <a:t>TargetMigration</a:t>
+            </a:r>
+            <a:r>
+              <a:rPr lang="en-US" sz="1200" kern="1200" dirty="0" smtClean="0">
+                <a:solidFill>
+                  <a:schemeClr val="tx1"/>
+                </a:solidFill>
+                <a:latin typeface="+mn-lt"/>
+                <a:ea typeface="+mn-ea"/>
+                <a:cs typeface="+mn-cs"/>
+              </a:rPr>
+              <a:t> </a:t>
+            </a:r>
+            <a:r>
+              <a:rPr lang="en-US" sz="1200" kern="1200" dirty="0" err="1" smtClean="0">
+                <a:solidFill>
+                  <a:schemeClr val="tx1"/>
+                </a:solidFill>
+                <a:latin typeface="+mn-lt"/>
+                <a:ea typeface="+mn-ea"/>
+                <a:cs typeface="+mn-cs"/>
+              </a:rPr>
+              <a:t>InitialCreate</a:t>
+            </a:r>
+            <a:endParaRPr lang="en-US" baseline="0" dirty="0" smtClean="0"/>
+          </a:p>
+          <a:p>
+            <a:pPr marL="228600" indent="-228600">
+              <a:buAutoNum type="arabicPeriod"/>
+            </a:pPr>
+            <a:endParaRPr lang="en-US" baseline="0" dirty="0" smtClean="0"/>
           </a:p>
         </p:txBody>
       </p:sp>
@@ -1390,7 +1623,7 @@
           <a:p>
             <a:fld id="{4CFD207A-07DF-40AD-A916-9872E089CE7A}" type="slidenum">
               <a:rPr lang="en-US" smtClean="0"/>
-              <a:t>22</a:t>
+              <a:t>21</a:t>
             </a:fld>
             <a:endParaRPr lang="en-US" dirty="0"/>
           </a:p>
@@ -1399,7 +1632,350 @@
     </p:spTree>
     <p:extLst>
       <p:ext uri="{BB962C8B-B14F-4D97-AF65-F5344CB8AC3E}">
-        <p14:creationId xmlns:p14="http://schemas.microsoft.com/office/powerpoint/2010/main" val="1949832222"/>
+        <p14:creationId xmlns:p14="http://schemas.microsoft.com/office/powerpoint/2010/main" val="2345377119"/>
+      </p:ext>
+    </p:extLst>
+  </p:cSld>
+  <p:clrMapOvr>
+    <a:masterClrMapping/>
+  </p:clrMapOvr>
+</p:notes>
+</file>
+
+<file path=ppt/notesSlides/notesSlide15.xml><?xml version="1.0" encoding="utf-8"?>
+<p:notes xmlns:a="http://schemas.openxmlformats.org/drawingml/2006/main" xmlns:r="http://schemas.openxmlformats.org/officeDocument/2006/relationships" xmlns:p="http://schemas.openxmlformats.org/presentationml/2006/main">
+  <p:cSld>
+    <p:spTree>
+      <p:nvGrpSpPr>
+        <p:cNvPr id="1" name=""/>
+        <p:cNvGrpSpPr/>
+        <p:nvPr/>
+      </p:nvGrpSpPr>
+      <p:grpSpPr>
+        <a:xfrm>
+          <a:off x="0" y="0"/>
+          <a:ext cx="0" cy="0"/>
+          <a:chOff x="0" y="0"/>
+          <a:chExt cx="0" cy="0"/>
+        </a:xfrm>
+      </p:grpSpPr>
+      <p:sp>
+        <p:nvSpPr>
+          <p:cNvPr id="2" name="Slide Image Placeholder 1"/>
+          <p:cNvSpPr>
+            <a:spLocks noGrp="1" noRot="1" noChangeAspect="1"/>
+          </p:cNvSpPr>
+          <p:nvPr>
+            <p:ph type="sldImg"/>
+          </p:nvPr>
+        </p:nvSpPr>
+        <p:spPr/>
+      </p:sp>
+      <p:sp>
+        <p:nvSpPr>
+          <p:cNvPr id="3" name="Notes Placeholder 2"/>
+          <p:cNvSpPr>
+            <a:spLocks noGrp="1"/>
+          </p:cNvSpPr>
+          <p:nvPr>
+            <p:ph type="body" idx="1"/>
+          </p:nvPr>
+        </p:nvSpPr>
+        <p:spPr/>
+        <p:txBody>
+          <a:bodyPr/>
+          <a:lstStyle/>
+          <a:p>
+            <a:pPr marL="228600" indent="-228600">
+              <a:buAutoNum type="arabicPeriod"/>
+            </a:pPr>
+            <a:r>
+              <a:rPr lang="en-US" baseline="0" dirty="0" smtClean="0"/>
+              <a:t>Add a decimal Cost field to Album class</a:t>
+            </a:r>
+          </a:p>
+          <a:p>
+            <a:pPr marL="228600" indent="-228600">
+              <a:buAutoNum type="arabicPeriod"/>
+            </a:pPr>
+            <a:r>
+              <a:rPr lang="en-US" baseline="0" dirty="0" smtClean="0"/>
+              <a:t>Add-migration </a:t>
+            </a:r>
+            <a:r>
+              <a:rPr lang="en-US" baseline="0" dirty="0" err="1" smtClean="0"/>
+              <a:t>AlbumCost</a:t>
+            </a:r>
+            <a:endParaRPr lang="en-US" baseline="0" dirty="0" smtClean="0"/>
+          </a:p>
+          <a:p>
+            <a:pPr marL="228600" indent="-228600">
+              <a:buAutoNum type="arabicPeriod"/>
+            </a:pPr>
+            <a:r>
+              <a:rPr lang="en-US" baseline="0" dirty="0" smtClean="0"/>
+              <a:t>Customize</a:t>
+            </a:r>
+          </a:p>
+          <a:p>
+            <a:pPr marL="685800" lvl="1" indent="-228600">
+              <a:buAutoNum type="arabicPeriod"/>
+            </a:pPr>
+            <a:r>
+              <a:rPr lang="en-US" dirty="0" err="1" smtClean="0"/>
+              <a:t>AddColumn</a:t>
+            </a:r>
+            <a:r>
+              <a:rPr lang="en-US" dirty="0" smtClean="0"/>
+              <a:t>(“Album", “Cost", c =&gt; </a:t>
+            </a:r>
+            <a:r>
+              <a:rPr lang="en-US" dirty="0" err="1" smtClean="0"/>
+              <a:t>c.Decimal</a:t>
+            </a:r>
+            <a:r>
+              <a:rPr lang="en-US" dirty="0" smtClean="0"/>
+              <a:t>(</a:t>
+            </a:r>
+            <a:r>
+              <a:rPr lang="en-US" dirty="0" err="1" smtClean="0"/>
+              <a:t>nullable</a:t>
+            </a:r>
+            <a:r>
+              <a:rPr lang="en-US" dirty="0" smtClean="0"/>
+              <a:t>: false, </a:t>
+            </a:r>
+            <a:r>
+              <a:rPr lang="en-US" dirty="0" err="1" smtClean="0"/>
+              <a:t>defaultValue</a:t>
+            </a:r>
+            <a:r>
+              <a:rPr lang="en-US" dirty="0" smtClean="0"/>
+              <a:t>: 9.99m));</a:t>
+            </a:r>
+            <a:endParaRPr lang="en-US" baseline="0" dirty="0" smtClean="0"/>
+          </a:p>
+        </p:txBody>
+      </p:sp>
+      <p:sp>
+        <p:nvSpPr>
+          <p:cNvPr id="4" name="Slide Number Placeholder 3"/>
+          <p:cNvSpPr>
+            <a:spLocks noGrp="1"/>
+          </p:cNvSpPr>
+          <p:nvPr>
+            <p:ph type="sldNum" sz="quarter" idx="10"/>
+          </p:nvPr>
+        </p:nvSpPr>
+        <p:spPr/>
+        <p:txBody>
+          <a:bodyPr/>
+          <a:lstStyle/>
+          <a:p>
+            <a:fld id="{4CFD207A-07DF-40AD-A916-9872E089CE7A}" type="slidenum">
+              <a:rPr lang="en-US" smtClean="0"/>
+              <a:t>22</a:t>
+            </a:fld>
+            <a:endParaRPr lang="en-US" dirty="0"/>
+          </a:p>
+        </p:txBody>
+      </p:sp>
+    </p:spTree>
+    <p:extLst>
+      <p:ext uri="{BB962C8B-B14F-4D97-AF65-F5344CB8AC3E}">
+        <p14:creationId xmlns:p14="http://schemas.microsoft.com/office/powerpoint/2010/main" val="2342746553"/>
+      </p:ext>
+    </p:extLst>
+  </p:cSld>
+  <p:clrMapOvr>
+    <a:masterClrMapping/>
+  </p:clrMapOvr>
+</p:notes>
+</file>
+
+<file path=ppt/notesSlides/notesSlide16.xml><?xml version="1.0" encoding="utf-8"?>
+<p:notes xmlns:a="http://schemas.openxmlformats.org/drawingml/2006/main" xmlns:r="http://schemas.openxmlformats.org/officeDocument/2006/relationships" xmlns:p="http://schemas.openxmlformats.org/presentationml/2006/main">
+  <p:cSld>
+    <p:spTree>
+      <p:nvGrpSpPr>
+        <p:cNvPr id="1" name=""/>
+        <p:cNvGrpSpPr/>
+        <p:nvPr/>
+      </p:nvGrpSpPr>
+      <p:grpSpPr>
+        <a:xfrm>
+          <a:off x="0" y="0"/>
+          <a:ext cx="0" cy="0"/>
+          <a:chOff x="0" y="0"/>
+          <a:chExt cx="0" cy="0"/>
+        </a:xfrm>
+      </p:grpSpPr>
+      <p:sp>
+        <p:nvSpPr>
+          <p:cNvPr id="2" name="Slide Image Placeholder 1"/>
+          <p:cNvSpPr>
+            <a:spLocks noGrp="1" noRot="1" noChangeAspect="1"/>
+          </p:cNvSpPr>
+          <p:nvPr>
+            <p:ph type="sldImg"/>
+          </p:nvPr>
+        </p:nvSpPr>
+        <p:spPr/>
+      </p:sp>
+      <p:sp>
+        <p:nvSpPr>
+          <p:cNvPr id="3" name="Notes Placeholder 2"/>
+          <p:cNvSpPr>
+            <a:spLocks noGrp="1"/>
+          </p:cNvSpPr>
+          <p:nvPr>
+            <p:ph type="body" idx="1"/>
+          </p:nvPr>
+        </p:nvSpPr>
+        <p:spPr/>
+        <p:txBody>
+          <a:bodyPr/>
+          <a:lstStyle/>
+          <a:p>
+            <a:pPr marL="228600" indent="-228600">
+              <a:buAutoNum type="arabicPeriod"/>
+            </a:pPr>
+            <a:r>
+              <a:rPr lang="en-US" baseline="0" dirty="0" smtClean="0"/>
+              <a:t>Point to existing database file.</a:t>
+            </a:r>
+          </a:p>
+          <a:p>
+            <a:pPr marL="228600" indent="-228600">
+              <a:buAutoNum type="arabicPeriod"/>
+            </a:pPr>
+            <a:r>
+              <a:rPr lang="en-US" baseline="0" dirty="0" smtClean="0"/>
+              <a:t>Reverse engineer. Note that this process creates data annotations (to work with validation) AND fluent </a:t>
+            </a:r>
+            <a:r>
+              <a:rPr lang="en-US" baseline="0" dirty="0" err="1" smtClean="0"/>
+              <a:t>api</a:t>
+            </a:r>
+            <a:r>
+              <a:rPr lang="en-US" baseline="0" dirty="0" smtClean="0"/>
+              <a:t>.</a:t>
+            </a:r>
+          </a:p>
+          <a:p>
+            <a:pPr marL="228600" indent="-228600">
+              <a:buAutoNum type="arabicPeriod"/>
+            </a:pPr>
+            <a:r>
+              <a:rPr lang="en-US" baseline="0" dirty="0" smtClean="0"/>
+              <a:t>enable-migrations</a:t>
+            </a:r>
+          </a:p>
+          <a:p>
+            <a:pPr marL="228600" indent="-228600">
+              <a:buAutoNum type="arabicPeriod"/>
+            </a:pPr>
+            <a:r>
+              <a:rPr lang="en-US" sz="1200" kern="1200" dirty="0" smtClean="0">
+                <a:solidFill>
+                  <a:schemeClr val="tx1"/>
+                </a:solidFill>
+                <a:latin typeface="+mn-lt"/>
+                <a:ea typeface="+mn-ea"/>
+                <a:cs typeface="+mn-cs"/>
+              </a:rPr>
+              <a:t>Add-Migration Initial</a:t>
+            </a:r>
+            <a:r>
+              <a:rPr lang="en-US" sz="1200" kern="1200" baseline="0" dirty="0" smtClean="0">
+                <a:solidFill>
+                  <a:schemeClr val="tx1"/>
+                </a:solidFill>
+                <a:latin typeface="+mn-lt"/>
+                <a:ea typeface="+mn-ea"/>
+                <a:cs typeface="+mn-cs"/>
+              </a:rPr>
+              <a:t> </a:t>
+            </a:r>
+            <a:r>
+              <a:rPr lang="en-US" sz="1200" kern="1200" dirty="0" smtClean="0">
+                <a:solidFill>
+                  <a:schemeClr val="tx1"/>
+                </a:solidFill>
+                <a:latin typeface="+mn-lt"/>
+                <a:ea typeface="+mn-ea"/>
+                <a:cs typeface="+mn-cs"/>
+              </a:rPr>
+              <a:t>–</a:t>
+            </a:r>
+            <a:r>
+              <a:rPr lang="en-US" sz="1200" kern="1200" dirty="0" err="1" smtClean="0">
+                <a:solidFill>
+                  <a:schemeClr val="tx1"/>
+                </a:solidFill>
+                <a:latin typeface="+mn-lt"/>
+                <a:ea typeface="+mn-ea"/>
+                <a:cs typeface="+mn-cs"/>
+              </a:rPr>
+              <a:t>IgnoreChanges</a:t>
+            </a:r>
+            <a:endParaRPr lang="en-US" sz="1200" kern="1200" dirty="0" smtClean="0">
+              <a:solidFill>
+                <a:schemeClr val="tx1"/>
+              </a:solidFill>
+              <a:latin typeface="+mn-lt"/>
+              <a:ea typeface="+mn-ea"/>
+              <a:cs typeface="+mn-cs"/>
+            </a:endParaRPr>
+          </a:p>
+          <a:p>
+            <a:pPr marL="228600" indent="-228600">
+              <a:buAutoNum type="arabicPeriod"/>
+            </a:pPr>
+            <a:endParaRPr lang="en-US" sz="1200" kern="1200" baseline="0" dirty="0" smtClean="0">
+              <a:solidFill>
+                <a:schemeClr val="tx1"/>
+              </a:solidFill>
+              <a:latin typeface="+mn-lt"/>
+              <a:ea typeface="+mn-ea"/>
+              <a:cs typeface="+mn-cs"/>
+            </a:endParaRPr>
+          </a:p>
+          <a:p>
+            <a:pPr marL="228600" indent="-228600">
+              <a:buAutoNum type="arabicPeriod"/>
+            </a:pPr>
+            <a:endParaRPr lang="en-US" baseline="0" dirty="0" smtClean="0"/>
+          </a:p>
+        </p:txBody>
+      </p:sp>
+      <p:sp>
+        <p:nvSpPr>
+          <p:cNvPr id="4" name="Slide Number Placeholder 3"/>
+          <p:cNvSpPr>
+            <a:spLocks noGrp="1"/>
+          </p:cNvSpPr>
+          <p:nvPr>
+            <p:ph type="sldNum" sz="quarter" idx="10"/>
+          </p:nvPr>
+        </p:nvSpPr>
+        <p:spPr/>
+        <p:txBody>
+          <a:bodyPr/>
+          <a:lstStyle/>
+          <a:p>
+            <a:fld id="{4CFD207A-07DF-40AD-A916-9872E089CE7A}" type="slidenum">
+              <a:rPr lang="en-US" smtClean="0"/>
+              <a:t>23</a:t>
+            </a:fld>
+            <a:endParaRPr lang="en-US" dirty="0"/>
+          </a:p>
+        </p:txBody>
+      </p:sp>
+    </p:spTree>
+    <p:extLst>
+      <p:ext uri="{BB962C8B-B14F-4D97-AF65-F5344CB8AC3E}">
+        <p14:creationId xmlns:p14="http://schemas.microsoft.com/office/powerpoint/2010/main" val="2360327334"/>
       </p:ext>
     </p:extLst>
   </p:cSld>
@@ -1804,30 +2380,163 @@
           <a:bodyPr/>
           <a:lstStyle/>
           <a:p>
-            <a:pPr marL="0" marR="0" indent="0" algn="l" defTabSz="914400" rtl="0" eaLnBrk="1" fontAlgn="auto" latinLnBrk="0" hangingPunct="1">
-              <a:lnSpc>
-                <a:spcPct val="100000"/>
-              </a:lnSpc>
-              <a:spcBef>
-                <a:spcPts val="0"/>
-              </a:spcBef>
-              <a:spcAft>
-                <a:spcPts val="0"/>
-              </a:spcAft>
-              <a:buClrTx/>
-              <a:buSzTx/>
-              <a:buFontTx/>
-              <a:buNone/>
-              <a:tabLst/>
-              <a:defRPr/>
-            </a:pPr>
-            <a:r>
-              <a:rPr lang="en-US" dirty="0" smtClean="0"/>
-              <a:t>Some places now use three factor!</a:t>
-            </a:r>
-          </a:p>
-          <a:p>
-            <a:endParaRPr lang="en-US" dirty="0"/>
+            <a:r>
+              <a:rPr lang="en-US" dirty="0" smtClean="0"/>
+              <a:t>Database reverse engineering uses Fluent API &amp; Data Annotations</a:t>
+            </a:r>
+          </a:p>
+          <a:p>
+            <a:r>
+              <a:rPr lang="en-US" dirty="0" smtClean="0"/>
+              <a:t>MVC validation understands annotations</a:t>
+            </a:r>
+          </a:p>
+          <a:p>
+            <a:endParaRPr lang="en-US" dirty="0" smtClean="0"/>
+          </a:p>
+          <a:p>
+            <a:endParaRPr lang="en-US" dirty="0" smtClean="0"/>
+          </a:p>
+          <a:p>
+            <a:pPr fontAlgn="base"/>
+            <a:r>
+              <a:rPr lang="en-US" sz="1200" b="0" i="0" kern="1200" dirty="0" smtClean="0">
+                <a:solidFill>
+                  <a:schemeClr val="tx1"/>
+                </a:solidFill>
+                <a:effectLst/>
+                <a:latin typeface="+mn-lt"/>
+                <a:ea typeface="+mn-ea"/>
+                <a:cs typeface="+mn-cs"/>
+              </a:rPr>
+              <a:t>The precision of a </a:t>
+            </a:r>
+            <a:r>
+              <a:rPr lang="en-US" sz="1200" b="0" i="0" kern="1200" dirty="0" err="1" smtClean="0">
+                <a:solidFill>
+                  <a:schemeClr val="tx1"/>
+                </a:solidFill>
+                <a:effectLst/>
+                <a:latin typeface="+mn-lt"/>
+                <a:ea typeface="+mn-ea"/>
+                <a:cs typeface="+mn-cs"/>
+              </a:rPr>
+              <a:t>DateTime</a:t>
+            </a:r>
+            <a:r>
+              <a:rPr lang="en-US" sz="1200" b="0" i="0" kern="1200" dirty="0" smtClean="0">
+                <a:solidFill>
+                  <a:schemeClr val="tx1"/>
+                </a:solidFill>
+                <a:effectLst/>
+                <a:latin typeface="+mn-lt"/>
+                <a:ea typeface="+mn-ea"/>
+                <a:cs typeface="+mn-cs"/>
+              </a:rPr>
+              <a:t> property</a:t>
+            </a:r>
+          </a:p>
+          <a:p>
+            <a:pPr fontAlgn="base"/>
+            <a:r>
+              <a:rPr lang="en-US" sz="1200" b="0" i="0" kern="1200" dirty="0" smtClean="0">
+                <a:solidFill>
+                  <a:schemeClr val="tx1"/>
+                </a:solidFill>
+                <a:effectLst/>
+                <a:latin typeface="+mn-lt"/>
+                <a:ea typeface="+mn-ea"/>
+                <a:cs typeface="+mn-cs"/>
+              </a:rPr>
+              <a:t>The precision and scale of numeric properties</a:t>
+            </a:r>
+          </a:p>
+          <a:p>
+            <a:pPr fontAlgn="base"/>
+            <a:r>
+              <a:rPr lang="en-US" sz="1200" b="0" i="0" kern="1200" dirty="0" smtClean="0">
+                <a:solidFill>
+                  <a:schemeClr val="tx1"/>
+                </a:solidFill>
+                <a:effectLst/>
+                <a:latin typeface="+mn-lt"/>
+                <a:ea typeface="+mn-ea"/>
+                <a:cs typeface="+mn-cs"/>
+              </a:rPr>
+              <a:t>A String or Binary property as fixed-length</a:t>
+            </a:r>
+          </a:p>
+          <a:p>
+            <a:pPr fontAlgn="base"/>
+            <a:r>
+              <a:rPr lang="en-US" sz="1200" b="0" i="0" kern="1200" dirty="0" smtClean="0">
+                <a:solidFill>
+                  <a:schemeClr val="tx1"/>
+                </a:solidFill>
+                <a:effectLst/>
+                <a:latin typeface="+mn-lt"/>
+                <a:ea typeface="+mn-ea"/>
+                <a:cs typeface="+mn-cs"/>
+              </a:rPr>
+              <a:t>A String property as non-</a:t>
+            </a:r>
+            <a:r>
+              <a:rPr lang="en-US" sz="1200" b="0" i="0" kern="1200" dirty="0" err="1" smtClean="0">
+                <a:solidFill>
+                  <a:schemeClr val="tx1"/>
+                </a:solidFill>
+                <a:effectLst/>
+                <a:latin typeface="+mn-lt"/>
+                <a:ea typeface="+mn-ea"/>
+                <a:cs typeface="+mn-cs"/>
+              </a:rPr>
+              <a:t>unicode</a:t>
+            </a:r>
+            <a:endParaRPr lang="en-US" sz="1200" b="0" i="0" kern="1200" dirty="0" smtClean="0">
+              <a:solidFill>
+                <a:schemeClr val="tx1"/>
+              </a:solidFill>
+              <a:effectLst/>
+              <a:latin typeface="+mn-lt"/>
+              <a:ea typeface="+mn-ea"/>
+              <a:cs typeface="+mn-cs"/>
+            </a:endParaRPr>
+          </a:p>
+          <a:p>
+            <a:pPr fontAlgn="base"/>
+            <a:r>
+              <a:rPr lang="en-US" sz="1200" b="0" i="0" kern="1200" dirty="0" smtClean="0">
+                <a:solidFill>
+                  <a:schemeClr val="tx1"/>
+                </a:solidFill>
+                <a:effectLst/>
+                <a:latin typeface="+mn-lt"/>
+                <a:ea typeface="+mn-ea"/>
+                <a:cs typeface="+mn-cs"/>
+              </a:rPr>
+              <a:t>The on-delete behavior of relationships</a:t>
+            </a:r>
+          </a:p>
+          <a:p>
+            <a:pPr fontAlgn="base"/>
+            <a:r>
+              <a:rPr lang="en-US" sz="1200" b="0" i="0" kern="1200" dirty="0" smtClean="0">
+                <a:solidFill>
+                  <a:schemeClr val="tx1"/>
+                </a:solidFill>
+                <a:effectLst/>
+                <a:latin typeface="+mn-lt"/>
+                <a:ea typeface="+mn-ea"/>
+                <a:cs typeface="+mn-cs"/>
+              </a:rPr>
+              <a:t>Advanced mapping strategies</a:t>
+            </a:r>
+          </a:p>
+          <a:p>
+            <a:endParaRPr lang="en-US" dirty="0" smtClean="0"/>
+          </a:p>
+          <a:p>
+            <a:endParaRPr lang="en-US" dirty="0" smtClean="0"/>
           </a:p>
         </p:txBody>
       </p:sp>
@@ -1911,369 +2620,1557 @@
           <a:bodyPr/>
           <a:lstStyle/>
           <a:p>
-            <a:pPr marL="0" marR="0" lvl="0" indent="0" algn="l" defTabSz="914400" rtl="0" eaLnBrk="1" fontAlgn="auto" latinLnBrk="0" hangingPunct="1">
-              <a:lnSpc>
-                <a:spcPct val="100000"/>
-              </a:lnSpc>
-              <a:spcBef>
-                <a:spcPts val="0"/>
-              </a:spcBef>
-              <a:spcAft>
-                <a:spcPts val="0"/>
-              </a:spcAft>
-              <a:buClrTx/>
-              <a:buSzTx/>
-              <a:buFontTx/>
-              <a:buNone/>
-              <a:tabLst/>
-              <a:defRPr/>
-            </a:pPr>
-            <a:r>
-              <a:rPr kumimoji="0" lang="en-US" altLang="en-US" sz="1200" b="1" i="0" u="none" strike="noStrike" cap="none" normalizeH="0" baseline="0" dirty="0" smtClean="0">
-                <a:ln>
-                  <a:noFill/>
-                </a:ln>
-                <a:solidFill>
-                  <a:srgbClr val="0000FF"/>
-                </a:solidFill>
-                <a:effectLst/>
-                <a:latin typeface="Consolas" panose="020B0609020204030204" pitchFamily="49" charset="0"/>
-                <a:cs typeface="Consolas" panose="020B0609020204030204" pitchFamily="49" charset="0"/>
-              </a:rPr>
-              <a:t>protected</a:t>
-            </a:r>
-            <a:r>
-              <a:rPr kumimoji="0" lang="en-US" altLang="en-US" sz="1200" b="1" i="0" u="none" strike="noStrike" cap="none" normalizeH="0" baseline="0" dirty="0" smtClean="0">
-                <a:ln>
-                  <a:noFill/>
-                </a:ln>
-                <a:solidFill>
-                  <a:srgbClr val="000000"/>
-                </a:solidFill>
-                <a:effectLst/>
-                <a:latin typeface="Consolas" panose="020B0609020204030204" pitchFamily="49" charset="0"/>
-                <a:cs typeface="Consolas" panose="020B0609020204030204" pitchFamily="49" charset="0"/>
+            <a:r>
+              <a:rPr lang="en-US" sz="1200" kern="1200" dirty="0" smtClean="0">
+                <a:solidFill>
+                  <a:schemeClr val="tx1"/>
+                </a:solidFill>
+                <a:latin typeface="+mn-lt"/>
+                <a:ea typeface="+mn-ea"/>
+                <a:cs typeface="+mn-cs"/>
+              </a:rPr>
+              <a:t> [</a:t>
+            </a:r>
+            <a:r>
+              <a:rPr lang="en-US" sz="1200" kern="1200" dirty="0" err="1" smtClean="0">
+                <a:solidFill>
+                  <a:schemeClr val="tx1"/>
+                </a:solidFill>
+                <a:latin typeface="+mn-lt"/>
+                <a:ea typeface="+mn-ea"/>
+                <a:cs typeface="+mn-cs"/>
+              </a:rPr>
+              <a:t>HttpPost</a:t>
+            </a:r>
+            <a:r>
+              <a:rPr lang="en-US" sz="1200" kern="1200" dirty="0" smtClean="0">
+                <a:solidFill>
+                  <a:schemeClr val="tx1"/>
+                </a:solidFill>
+                <a:latin typeface="+mn-lt"/>
+                <a:ea typeface="+mn-ea"/>
+                <a:cs typeface="+mn-cs"/>
+              </a:rPr>
+              <a:t>]</a:t>
+            </a:r>
+          </a:p>
+          <a:p>
+            <a:r>
+              <a:rPr lang="en-US" sz="1200" kern="1200" dirty="0" smtClean="0">
+                <a:solidFill>
+                  <a:schemeClr val="tx1"/>
+                </a:solidFill>
+                <a:latin typeface="+mn-lt"/>
+                <a:ea typeface="+mn-ea"/>
+                <a:cs typeface="+mn-cs"/>
+              </a:rPr>
+              <a:t>        [</a:t>
+            </a:r>
+            <a:r>
+              <a:rPr lang="en-US" sz="1200" kern="1200" dirty="0" err="1" smtClean="0">
+                <a:solidFill>
+                  <a:schemeClr val="tx1"/>
+                </a:solidFill>
+                <a:latin typeface="+mn-lt"/>
+                <a:ea typeface="+mn-ea"/>
+                <a:cs typeface="+mn-cs"/>
+              </a:rPr>
+              <a:t>ValidateAntiForgeryToken</a:t>
+            </a:r>
+            <a:r>
+              <a:rPr lang="en-US" sz="1200" kern="1200" dirty="0" smtClean="0">
+                <a:solidFill>
+                  <a:schemeClr val="tx1"/>
+                </a:solidFill>
+                <a:latin typeface="+mn-lt"/>
+                <a:ea typeface="+mn-ea"/>
+                <a:cs typeface="+mn-cs"/>
+              </a:rPr>
+              <a:t>]</a:t>
+            </a:r>
+          </a:p>
+          <a:p>
+            <a:r>
+              <a:rPr lang="en-US" sz="1200" kern="1200" dirty="0" smtClean="0">
+                <a:solidFill>
+                  <a:schemeClr val="tx1"/>
+                </a:solidFill>
+                <a:latin typeface="+mn-lt"/>
+                <a:ea typeface="+mn-ea"/>
+                <a:cs typeface="+mn-cs"/>
+              </a:rPr>
+              <a:t>        public </a:t>
+            </a:r>
+            <a:r>
+              <a:rPr lang="en-US" sz="1200" kern="1200" dirty="0" err="1" smtClean="0">
+                <a:solidFill>
+                  <a:schemeClr val="tx1"/>
+                </a:solidFill>
+                <a:latin typeface="+mn-lt"/>
+                <a:ea typeface="+mn-ea"/>
+                <a:cs typeface="+mn-cs"/>
+              </a:rPr>
+              <a:t>ActionResult</a:t>
+            </a:r>
+            <a:r>
+              <a:rPr lang="en-US" sz="1200" kern="1200" dirty="0" smtClean="0">
+                <a:solidFill>
+                  <a:schemeClr val="tx1"/>
+                </a:solidFill>
+                <a:latin typeface="+mn-lt"/>
+                <a:ea typeface="+mn-ea"/>
+                <a:cs typeface="+mn-cs"/>
+              </a:rPr>
+              <a:t> Edit(</a:t>
+            </a:r>
+            <a:r>
+              <a:rPr lang="en-US" sz="1200" kern="1200" dirty="0" err="1" smtClean="0">
+                <a:solidFill>
+                  <a:schemeClr val="tx1"/>
+                </a:solidFill>
+                <a:latin typeface="+mn-lt"/>
+                <a:ea typeface="+mn-ea"/>
+                <a:cs typeface="+mn-cs"/>
+              </a:rPr>
+              <a:t>AlbumEditViewModel</a:t>
+            </a:r>
+            <a:r>
+              <a:rPr lang="en-US" sz="1200" kern="1200" dirty="0" smtClean="0">
+                <a:solidFill>
+                  <a:schemeClr val="tx1"/>
+                </a:solidFill>
+                <a:latin typeface="+mn-lt"/>
+                <a:ea typeface="+mn-ea"/>
+                <a:cs typeface="+mn-cs"/>
               </a:rPr>
               <a:t> </a:t>
             </a:r>
             <a:r>
-              <a:rPr kumimoji="0" lang="en-US" altLang="en-US" sz="1200" b="1" i="0" u="none" strike="noStrike" cap="none" normalizeH="0" baseline="0" dirty="0" smtClean="0">
-                <a:ln>
-                  <a:noFill/>
-                </a:ln>
-                <a:solidFill>
-                  <a:srgbClr val="0000FF"/>
-                </a:solidFill>
-                <a:effectLst/>
-                <a:latin typeface="Consolas" panose="020B0609020204030204" pitchFamily="49" charset="0"/>
-                <a:cs typeface="Consolas" panose="020B0609020204030204" pitchFamily="49" charset="0"/>
-              </a:rPr>
-              <a:t>override</a:t>
-            </a:r>
-            <a:r>
-              <a:rPr kumimoji="0" lang="en-US" altLang="en-US" sz="1200" b="1" i="0" u="none" strike="noStrike" cap="none" normalizeH="0" baseline="0" dirty="0" smtClean="0">
-                <a:ln>
-                  <a:noFill/>
-                </a:ln>
-                <a:solidFill>
-                  <a:srgbClr val="000000"/>
-                </a:solidFill>
-                <a:effectLst/>
-                <a:latin typeface="Consolas" panose="020B0609020204030204" pitchFamily="49" charset="0"/>
-                <a:cs typeface="Consolas" panose="020B0609020204030204" pitchFamily="49" charset="0"/>
-              </a:rPr>
-              <a:t> </a:t>
-            </a:r>
-            <a:r>
-              <a:rPr kumimoji="0" lang="en-US" altLang="en-US" sz="1200" b="1" i="0" u="none" strike="noStrike" cap="none" normalizeH="0" baseline="0" dirty="0" smtClean="0">
-                <a:ln>
-                  <a:noFill/>
-                </a:ln>
-                <a:solidFill>
-                  <a:srgbClr val="0000FF"/>
-                </a:solidFill>
-                <a:effectLst/>
-                <a:latin typeface="Consolas" panose="020B0609020204030204" pitchFamily="49" charset="0"/>
-                <a:cs typeface="Consolas" panose="020B0609020204030204" pitchFamily="49" charset="0"/>
-              </a:rPr>
-              <a:t>void</a:t>
-            </a:r>
-            <a:r>
-              <a:rPr kumimoji="0" lang="en-US" altLang="en-US" sz="1200" b="1" i="0" u="none" strike="noStrike" cap="none" normalizeH="0" baseline="0" dirty="0" smtClean="0">
-                <a:ln>
-                  <a:noFill/>
-                </a:ln>
-                <a:solidFill>
-                  <a:srgbClr val="000000"/>
-                </a:solidFill>
-                <a:effectLst/>
-                <a:latin typeface="Consolas" panose="020B0609020204030204" pitchFamily="49" charset="0"/>
-                <a:cs typeface="Consolas" panose="020B0609020204030204" pitchFamily="49" charset="0"/>
-              </a:rPr>
-              <a:t> </a:t>
-            </a:r>
-            <a:r>
-              <a:rPr kumimoji="0" lang="en-US" altLang="en-US" sz="1200" b="1" i="0" u="none" strike="noStrike" cap="none" normalizeH="0" baseline="0" dirty="0" err="1" smtClean="0">
-                <a:ln>
-                  <a:noFill/>
-                </a:ln>
-                <a:solidFill>
-                  <a:srgbClr val="000000"/>
-                </a:solidFill>
-                <a:effectLst/>
-                <a:latin typeface="Consolas" panose="020B0609020204030204" pitchFamily="49" charset="0"/>
-                <a:cs typeface="Consolas" panose="020B0609020204030204" pitchFamily="49" charset="0"/>
-              </a:rPr>
-              <a:t>OnModelCreating</a:t>
-            </a:r>
-            <a:r>
-              <a:rPr kumimoji="0" lang="en-US" altLang="en-US" sz="1200" b="1" i="0" u="none" strike="noStrike" cap="none" normalizeH="0" baseline="0" dirty="0" smtClean="0">
-                <a:ln>
-                  <a:noFill/>
-                </a:ln>
-                <a:solidFill>
-                  <a:srgbClr val="000000"/>
-                </a:solidFill>
-                <a:effectLst/>
-                <a:latin typeface="Consolas" panose="020B0609020204030204" pitchFamily="49" charset="0"/>
-                <a:cs typeface="Consolas" panose="020B0609020204030204" pitchFamily="49" charset="0"/>
-              </a:rPr>
-              <a:t>(</a:t>
-            </a:r>
-            <a:r>
-              <a:rPr kumimoji="0" lang="en-US" altLang="en-US" sz="1200" b="1" i="0" u="none" strike="noStrike" cap="none" normalizeH="0" baseline="0" dirty="0" err="1" smtClean="0">
-                <a:ln>
-                  <a:noFill/>
-                </a:ln>
-                <a:solidFill>
-                  <a:srgbClr val="2B91AF"/>
-                </a:solidFill>
-                <a:effectLst/>
-                <a:latin typeface="Consolas" panose="020B0609020204030204" pitchFamily="49" charset="0"/>
-                <a:cs typeface="Consolas" panose="020B0609020204030204" pitchFamily="49" charset="0"/>
-              </a:rPr>
-              <a:t>DbModelBuilder</a:t>
-            </a:r>
-            <a:r>
-              <a:rPr kumimoji="0" lang="en-US" altLang="en-US" sz="1200" b="1" i="0" u="none" strike="noStrike" cap="none" normalizeH="0" baseline="0" dirty="0" smtClean="0">
-                <a:ln>
-                  <a:noFill/>
-                </a:ln>
-                <a:solidFill>
-                  <a:srgbClr val="000000"/>
-                </a:solidFill>
-                <a:effectLst/>
-                <a:latin typeface="Consolas" panose="020B0609020204030204" pitchFamily="49" charset="0"/>
-                <a:cs typeface="Consolas" panose="020B0609020204030204" pitchFamily="49" charset="0"/>
-              </a:rPr>
-              <a:t> </a:t>
-            </a:r>
-            <a:r>
-              <a:rPr kumimoji="0" lang="en-US" altLang="en-US" sz="1200" b="1" i="0" u="none" strike="noStrike" cap="none" normalizeH="0" baseline="0" dirty="0" err="1" smtClean="0">
-                <a:ln>
-                  <a:noFill/>
-                </a:ln>
-                <a:solidFill>
-                  <a:srgbClr val="000000"/>
-                </a:solidFill>
-                <a:effectLst/>
-                <a:latin typeface="Consolas" panose="020B0609020204030204" pitchFamily="49" charset="0"/>
-                <a:cs typeface="Consolas" panose="020B0609020204030204" pitchFamily="49" charset="0"/>
-              </a:rPr>
-              <a:t>modelBuilder</a:t>
-            </a:r>
-            <a:r>
-              <a:rPr kumimoji="0" lang="en-US" altLang="en-US" sz="1200" b="1" i="0" u="none" strike="noStrike" cap="none" normalizeH="0" baseline="0" dirty="0" smtClean="0">
-                <a:ln>
-                  <a:noFill/>
-                </a:ln>
-                <a:solidFill>
-                  <a:srgbClr val="000000"/>
-                </a:solidFill>
-                <a:effectLst/>
-                <a:latin typeface="Consolas" panose="020B0609020204030204" pitchFamily="49" charset="0"/>
-                <a:cs typeface="Consolas" panose="020B0609020204030204" pitchFamily="49" charset="0"/>
+              <a:rPr lang="en-US" sz="1200" kern="1200" dirty="0" err="1" smtClean="0">
+                <a:solidFill>
+                  <a:schemeClr val="tx1"/>
+                </a:solidFill>
+                <a:latin typeface="+mn-lt"/>
+                <a:ea typeface="+mn-ea"/>
+                <a:cs typeface="+mn-cs"/>
+              </a:rPr>
+              <a:t>albumViewModel</a:t>
+            </a:r>
+            <a:r>
+              <a:rPr lang="en-US" sz="1200" kern="1200" dirty="0" smtClean="0">
+                <a:solidFill>
+                  <a:schemeClr val="tx1"/>
+                </a:solidFill>
+                <a:latin typeface="+mn-lt"/>
+                <a:ea typeface="+mn-ea"/>
+                <a:cs typeface="+mn-cs"/>
               </a:rPr>
               <a:t>)</a:t>
             </a:r>
-            <a:r>
-              <a:rPr kumimoji="0" lang="en-US" altLang="en-US" sz="1200" b="0" i="0" u="none" strike="noStrike" cap="none" normalizeH="0" baseline="0" dirty="0" smtClean="0">
-                <a:ln>
-                  <a:noFill/>
-                </a:ln>
-                <a:solidFill>
-                  <a:srgbClr val="000000"/>
-                </a:solidFill>
-                <a:effectLst/>
-                <a:latin typeface="Consolas" panose="020B0609020204030204" pitchFamily="49" charset="0"/>
-                <a:cs typeface="Consolas" panose="020B0609020204030204" pitchFamily="49" charset="0"/>
-              </a:rPr>
-              <a:t> </a:t>
-            </a:r>
-            <a:r>
-              <a:rPr kumimoji="0" lang="en-US" altLang="en-US" sz="1200" b="1" i="0" u="none" strike="noStrike" cap="none" normalizeH="0" baseline="0" dirty="0" smtClean="0">
-                <a:ln>
-                  <a:noFill/>
-                </a:ln>
-                <a:solidFill>
-                  <a:srgbClr val="000000"/>
-                </a:solidFill>
-                <a:effectLst/>
-                <a:latin typeface="Consolas" panose="020B0609020204030204" pitchFamily="49" charset="0"/>
-                <a:cs typeface="Consolas" panose="020B0609020204030204" pitchFamily="49" charset="0"/>
-              </a:rPr>
-              <a:t>{ </a:t>
-            </a:r>
-            <a:r>
-              <a:rPr kumimoji="0" lang="en-US" altLang="en-US" sz="1200" b="1" i="0" u="none" strike="noStrike" cap="none" normalizeH="0" baseline="0" dirty="0" smtClean="0">
-                <a:ln>
-                  <a:noFill/>
-                </a:ln>
-                <a:solidFill>
-                  <a:srgbClr val="008000"/>
-                </a:solidFill>
-                <a:effectLst/>
-                <a:latin typeface="Consolas" panose="020B0609020204030204" pitchFamily="49" charset="0"/>
-                <a:cs typeface="Consolas" panose="020B0609020204030204" pitchFamily="49" charset="0"/>
-              </a:rPr>
-              <a:t>//Configure domain classes using </a:t>
-            </a:r>
-            <a:r>
-              <a:rPr kumimoji="0" lang="en-US" altLang="en-US" sz="1200" b="1" i="0" u="none" strike="noStrike" cap="none" normalizeH="0" baseline="0" dirty="0" err="1" smtClean="0">
-                <a:ln>
-                  <a:noFill/>
-                </a:ln>
-                <a:solidFill>
-                  <a:srgbClr val="008000"/>
-                </a:solidFill>
-                <a:effectLst/>
-                <a:latin typeface="Consolas" panose="020B0609020204030204" pitchFamily="49" charset="0"/>
-                <a:cs typeface="Consolas" panose="020B0609020204030204" pitchFamily="49" charset="0"/>
-              </a:rPr>
-              <a:t>modelBuilder</a:t>
-            </a:r>
-            <a:r>
-              <a:rPr kumimoji="0" lang="en-US" altLang="en-US" sz="1200" b="1" i="0" u="none" strike="noStrike" cap="none" normalizeH="0" baseline="0" dirty="0" smtClean="0">
-                <a:ln>
-                  <a:noFill/>
-                </a:ln>
-                <a:solidFill>
-                  <a:srgbClr val="008000"/>
-                </a:solidFill>
-                <a:effectLst/>
-                <a:latin typeface="Consolas" panose="020B0609020204030204" pitchFamily="49" charset="0"/>
-                <a:cs typeface="Consolas" panose="020B0609020204030204" pitchFamily="49" charset="0"/>
-              </a:rPr>
-              <a:t> here</a:t>
-            </a:r>
-            <a:r>
-              <a:rPr kumimoji="0" lang="en-US" altLang="en-US" sz="1200" b="1" i="0" u="none" strike="noStrike" cap="none" normalizeH="0" baseline="0" dirty="0" smtClean="0">
-                <a:ln>
-                  <a:noFill/>
-                </a:ln>
-                <a:solidFill>
-                  <a:srgbClr val="000000"/>
-                </a:solidFill>
-                <a:effectLst/>
-                <a:latin typeface="Consolas" panose="020B0609020204030204" pitchFamily="49" charset="0"/>
-                <a:cs typeface="Consolas" panose="020B0609020204030204" pitchFamily="49" charset="0"/>
-              </a:rPr>
-              <a:t> </a:t>
-            </a:r>
-            <a:r>
-              <a:rPr kumimoji="0" lang="en-US" altLang="en-US" sz="1200" b="1" i="0" u="none" strike="noStrike" cap="none" normalizeH="0" baseline="0" dirty="0" err="1" smtClean="0">
-                <a:ln>
-                  <a:noFill/>
-                </a:ln>
-                <a:solidFill>
-                  <a:srgbClr val="0000FF"/>
-                </a:solidFill>
-                <a:effectLst/>
-                <a:latin typeface="Consolas" panose="020B0609020204030204" pitchFamily="49" charset="0"/>
-                <a:cs typeface="Consolas" panose="020B0609020204030204" pitchFamily="49" charset="0"/>
-              </a:rPr>
-              <a:t>base</a:t>
-            </a:r>
-            <a:r>
-              <a:rPr kumimoji="0" lang="en-US" altLang="en-US" sz="1200" b="1" i="0" u="none" strike="noStrike" cap="none" normalizeH="0" baseline="0" dirty="0" err="1" smtClean="0">
-                <a:ln>
-                  <a:noFill/>
-                </a:ln>
-                <a:solidFill>
-                  <a:srgbClr val="000000"/>
-                </a:solidFill>
-                <a:effectLst/>
-                <a:latin typeface="Consolas" panose="020B0609020204030204" pitchFamily="49" charset="0"/>
-                <a:cs typeface="Consolas" panose="020B0609020204030204" pitchFamily="49" charset="0"/>
-              </a:rPr>
-              <a:t>.OnModelCreating</a:t>
-            </a:r>
-            <a:r>
-              <a:rPr kumimoji="0" lang="en-US" altLang="en-US" sz="1200" b="1" i="0" u="none" strike="noStrike" cap="none" normalizeH="0" baseline="0" dirty="0" smtClean="0">
-                <a:ln>
-                  <a:noFill/>
-                </a:ln>
-                <a:solidFill>
-                  <a:srgbClr val="000000"/>
-                </a:solidFill>
-                <a:effectLst/>
-                <a:latin typeface="Consolas" panose="020B0609020204030204" pitchFamily="49" charset="0"/>
-                <a:cs typeface="Consolas" panose="020B0609020204030204" pitchFamily="49" charset="0"/>
-              </a:rPr>
-              <a:t>(</a:t>
-            </a:r>
-            <a:r>
-              <a:rPr kumimoji="0" lang="en-US" altLang="en-US" sz="1200" b="1" i="0" u="none" strike="noStrike" cap="none" normalizeH="0" baseline="0" dirty="0" err="1" smtClean="0">
-                <a:ln>
-                  <a:noFill/>
-                </a:ln>
-                <a:solidFill>
-                  <a:srgbClr val="000000"/>
-                </a:solidFill>
-                <a:effectLst/>
-                <a:latin typeface="Consolas" panose="020B0609020204030204" pitchFamily="49" charset="0"/>
-                <a:cs typeface="Consolas" panose="020B0609020204030204" pitchFamily="49" charset="0"/>
-              </a:rPr>
-              <a:t>modelBuilder</a:t>
-            </a:r>
-            <a:r>
-              <a:rPr kumimoji="0" lang="en-US" altLang="en-US" sz="1200" b="1" i="0" u="none" strike="noStrike" cap="none" normalizeH="0" baseline="0" dirty="0" smtClean="0">
-                <a:ln>
-                  <a:noFill/>
-                </a:ln>
-                <a:solidFill>
-                  <a:srgbClr val="000000"/>
-                </a:solidFill>
-                <a:effectLst/>
-                <a:latin typeface="Consolas" panose="020B0609020204030204" pitchFamily="49" charset="0"/>
-                <a:cs typeface="Consolas" panose="020B0609020204030204" pitchFamily="49" charset="0"/>
-              </a:rPr>
-              <a:t>); }</a:t>
-            </a:r>
-            <a:r>
-              <a:rPr kumimoji="0" lang="en-US" altLang="en-US" sz="1050" b="0" i="0" u="none" strike="noStrike" cap="none" normalizeH="0" baseline="0" dirty="0" smtClean="0">
-                <a:ln>
-                  <a:noFill/>
-                </a:ln>
-                <a:solidFill>
-                  <a:schemeClr val="tx1"/>
-                </a:solidFill>
-                <a:effectLst/>
-              </a:rPr>
-              <a:t> </a:t>
-            </a:r>
-            <a:endParaRPr kumimoji="0" lang="en-US" altLang="en-US" sz="2800" b="0" i="0" u="none" strike="noStrike" cap="none" normalizeH="0" baseline="0" dirty="0" smtClean="0">
-              <a:ln>
-                <a:noFill/>
-              </a:ln>
+          </a:p>
+          <a:p>
+            <a:r>
+              <a:rPr lang="en-US" sz="1200" kern="1200" dirty="0" smtClean="0">
+                <a:solidFill>
+                  <a:schemeClr val="tx1"/>
+                </a:solidFill>
+                <a:latin typeface="+mn-lt"/>
+                <a:ea typeface="+mn-ea"/>
+                <a:cs typeface="+mn-cs"/>
+              </a:rPr>
+              <a:t>        {</a:t>
+            </a:r>
+          </a:p>
+          <a:p>
+            <a:r>
+              <a:rPr lang="en-US" sz="1200" kern="1200" dirty="0" smtClean="0">
+                <a:solidFill>
+                  <a:schemeClr val="tx1"/>
+                </a:solidFill>
+                <a:latin typeface="+mn-lt"/>
+                <a:ea typeface="+mn-ea"/>
+                <a:cs typeface="+mn-cs"/>
+              </a:rPr>
+              <a:t>            //If our </a:t>
+            </a:r>
+            <a:r>
+              <a:rPr lang="en-US" sz="1200" kern="1200" dirty="0" err="1" smtClean="0">
+                <a:solidFill>
+                  <a:schemeClr val="tx1"/>
+                </a:solidFill>
+                <a:latin typeface="+mn-lt"/>
+                <a:ea typeface="+mn-ea"/>
+                <a:cs typeface="+mn-cs"/>
+              </a:rPr>
+              <a:t>ViewModel</a:t>
+            </a:r>
+            <a:r>
+              <a:rPr lang="en-US" sz="1200" kern="1200" dirty="0" smtClean="0">
+                <a:solidFill>
+                  <a:schemeClr val="tx1"/>
+                </a:solidFill>
+                <a:latin typeface="+mn-lt"/>
+                <a:ea typeface="+mn-ea"/>
+                <a:cs typeface="+mn-cs"/>
+              </a:rPr>
+              <a:t> is valid based on </a:t>
+            </a:r>
+            <a:r>
+              <a:rPr lang="en-US" sz="1200" kern="1200" dirty="0" err="1" smtClean="0">
+                <a:solidFill>
+                  <a:schemeClr val="tx1"/>
+                </a:solidFill>
+                <a:latin typeface="+mn-lt"/>
+                <a:ea typeface="+mn-ea"/>
+                <a:cs typeface="+mn-cs"/>
+              </a:rPr>
+              <a:t>DataAnnotations</a:t>
+            </a:r>
+            <a:endParaRPr lang="en-US" sz="1200" kern="1200" dirty="0" smtClean="0">
               <a:solidFill>
                 <a:schemeClr val="tx1"/>
               </a:solidFill>
-              <a:effectLst/>
-              <a:latin typeface="Arial" panose="020B0604020202020204" pitchFamily="34" charset="0"/>
+              <a:latin typeface="+mn-lt"/>
+              <a:ea typeface="+mn-ea"/>
+              <a:cs typeface="+mn-cs"/>
             </a:endParaRPr>
           </a:p>
           <a:p>
+            <a:r>
+              <a:rPr lang="en-US" sz="1200" kern="1200" dirty="0" smtClean="0">
+                <a:solidFill>
+                  <a:schemeClr val="tx1"/>
+                </a:solidFill>
+                <a:latin typeface="+mn-lt"/>
+                <a:ea typeface="+mn-ea"/>
+                <a:cs typeface="+mn-cs"/>
+              </a:rPr>
+              <a:t>            if (</a:t>
+            </a:r>
+            <a:r>
+              <a:rPr lang="en-US" sz="1200" kern="1200" dirty="0" err="1" smtClean="0">
+                <a:solidFill>
+                  <a:schemeClr val="tx1"/>
+                </a:solidFill>
+                <a:latin typeface="+mn-lt"/>
+                <a:ea typeface="+mn-ea"/>
+                <a:cs typeface="+mn-cs"/>
+              </a:rPr>
+              <a:t>ModelState.IsValid</a:t>
+            </a:r>
+            <a:r>
+              <a:rPr lang="en-US" sz="1200" kern="1200" dirty="0" smtClean="0">
+                <a:solidFill>
+                  <a:schemeClr val="tx1"/>
+                </a:solidFill>
+                <a:latin typeface="+mn-lt"/>
+                <a:ea typeface="+mn-ea"/>
+                <a:cs typeface="+mn-cs"/>
+              </a:rPr>
+              <a:t>)</a:t>
+            </a:r>
+          </a:p>
+          <a:p>
+            <a:r>
+              <a:rPr lang="en-US" sz="1200" kern="1200" dirty="0" smtClean="0">
+                <a:solidFill>
+                  <a:schemeClr val="tx1"/>
+                </a:solidFill>
+                <a:latin typeface="+mn-lt"/>
+                <a:ea typeface="+mn-ea"/>
+                <a:cs typeface="+mn-cs"/>
+              </a:rPr>
+              <a:t>            {</a:t>
+            </a:r>
+          </a:p>
+          <a:p>
+            <a:r>
+              <a:rPr lang="en-US" sz="1200" kern="1200" dirty="0" smtClean="0">
+                <a:solidFill>
+                  <a:schemeClr val="tx1"/>
+                </a:solidFill>
+                <a:latin typeface="+mn-lt"/>
+                <a:ea typeface="+mn-ea"/>
+                <a:cs typeface="+mn-cs"/>
+              </a:rPr>
+              <a:t>                //Copy view model to entity</a:t>
+            </a:r>
+          </a:p>
+          <a:p>
+            <a:r>
+              <a:rPr lang="en-US" sz="1200" kern="1200" dirty="0" smtClean="0">
+                <a:solidFill>
+                  <a:schemeClr val="tx1"/>
+                </a:solidFill>
+                <a:latin typeface="+mn-lt"/>
+                <a:ea typeface="+mn-ea"/>
+                <a:cs typeface="+mn-cs"/>
+              </a:rPr>
+              <a:t>                </a:t>
+            </a:r>
+            <a:r>
+              <a:rPr lang="en-US" sz="1200" kern="1200" dirty="0" err="1" smtClean="0">
+                <a:solidFill>
+                  <a:schemeClr val="tx1"/>
+                </a:solidFill>
+                <a:latin typeface="+mn-lt"/>
+                <a:ea typeface="+mn-ea"/>
+                <a:cs typeface="+mn-cs"/>
+              </a:rPr>
+              <a:t>var</a:t>
+            </a:r>
+            <a:r>
+              <a:rPr lang="en-US" sz="1200" kern="1200" dirty="0" smtClean="0">
+                <a:solidFill>
+                  <a:schemeClr val="tx1"/>
+                </a:solidFill>
+                <a:latin typeface="+mn-lt"/>
+                <a:ea typeface="+mn-ea"/>
+                <a:cs typeface="+mn-cs"/>
+              </a:rPr>
+              <a:t> album = new Album() {</a:t>
+            </a:r>
+          </a:p>
+          <a:p>
+            <a:r>
+              <a:rPr lang="en-US" sz="1200" kern="1200" dirty="0" smtClean="0">
+                <a:solidFill>
+                  <a:schemeClr val="tx1"/>
+                </a:solidFill>
+                <a:latin typeface="+mn-lt"/>
+                <a:ea typeface="+mn-ea"/>
+                <a:cs typeface="+mn-cs"/>
+              </a:rPr>
+              <a:t>                    </a:t>
+            </a:r>
+            <a:r>
+              <a:rPr lang="en-US" sz="1200" kern="1200" dirty="0" err="1" smtClean="0">
+                <a:solidFill>
+                  <a:schemeClr val="tx1"/>
+                </a:solidFill>
+                <a:latin typeface="+mn-lt"/>
+                <a:ea typeface="+mn-ea"/>
+                <a:cs typeface="+mn-cs"/>
+              </a:rPr>
+              <a:t>AlbumArtUrl</a:t>
+            </a:r>
+            <a:r>
+              <a:rPr lang="en-US" sz="1200" kern="1200" dirty="0" smtClean="0">
+                <a:solidFill>
+                  <a:schemeClr val="tx1"/>
+                </a:solidFill>
+                <a:latin typeface="+mn-lt"/>
+                <a:ea typeface="+mn-ea"/>
+                <a:cs typeface="+mn-cs"/>
+              </a:rPr>
+              <a:t> = </a:t>
+            </a:r>
+            <a:r>
+              <a:rPr lang="en-US" sz="1200" kern="1200" dirty="0" err="1" smtClean="0">
+                <a:solidFill>
+                  <a:schemeClr val="tx1"/>
+                </a:solidFill>
+                <a:latin typeface="+mn-lt"/>
+                <a:ea typeface="+mn-ea"/>
+                <a:cs typeface="+mn-cs"/>
+              </a:rPr>
+              <a:t>albumViewModel.AlbumArtUrl</a:t>
+            </a:r>
+            <a:r>
+              <a:rPr lang="en-US" sz="1200" kern="1200" dirty="0" smtClean="0">
+                <a:solidFill>
+                  <a:schemeClr val="tx1"/>
+                </a:solidFill>
+                <a:latin typeface="+mn-lt"/>
+                <a:ea typeface="+mn-ea"/>
+                <a:cs typeface="+mn-cs"/>
+              </a:rPr>
+              <a:t>,</a:t>
+            </a:r>
+          </a:p>
+          <a:p>
+            <a:r>
+              <a:rPr lang="en-US" sz="1200" kern="1200" dirty="0" smtClean="0">
+                <a:solidFill>
+                  <a:schemeClr val="tx1"/>
+                </a:solidFill>
+                <a:latin typeface="+mn-lt"/>
+                <a:ea typeface="+mn-ea"/>
+                <a:cs typeface="+mn-cs"/>
+              </a:rPr>
+              <a:t>                    </a:t>
+            </a:r>
+            <a:r>
+              <a:rPr lang="en-US" sz="1200" kern="1200" dirty="0" err="1" smtClean="0">
+                <a:solidFill>
+                  <a:schemeClr val="tx1"/>
+                </a:solidFill>
+                <a:latin typeface="+mn-lt"/>
+                <a:ea typeface="+mn-ea"/>
+                <a:cs typeface="+mn-cs"/>
+              </a:rPr>
+              <a:t>AlbumId</a:t>
+            </a:r>
+            <a:r>
+              <a:rPr lang="en-US" sz="1200" kern="1200" dirty="0" smtClean="0">
+                <a:solidFill>
+                  <a:schemeClr val="tx1"/>
+                </a:solidFill>
+                <a:latin typeface="+mn-lt"/>
+                <a:ea typeface="+mn-ea"/>
+                <a:cs typeface="+mn-cs"/>
+              </a:rPr>
+              <a:t> = </a:t>
+            </a:r>
+            <a:r>
+              <a:rPr lang="en-US" sz="1200" kern="1200" dirty="0" err="1" smtClean="0">
+                <a:solidFill>
+                  <a:schemeClr val="tx1"/>
+                </a:solidFill>
+                <a:latin typeface="+mn-lt"/>
+                <a:ea typeface="+mn-ea"/>
+                <a:cs typeface="+mn-cs"/>
+              </a:rPr>
+              <a:t>albumViewModel.AlbumId</a:t>
+            </a:r>
+            <a:r>
+              <a:rPr lang="en-US" sz="1200" kern="1200" dirty="0" smtClean="0">
+                <a:solidFill>
+                  <a:schemeClr val="tx1"/>
+                </a:solidFill>
+                <a:latin typeface="+mn-lt"/>
+                <a:ea typeface="+mn-ea"/>
+                <a:cs typeface="+mn-cs"/>
+              </a:rPr>
+              <a:t>,</a:t>
+            </a:r>
+          </a:p>
+          <a:p>
+            <a:r>
+              <a:rPr lang="en-US" sz="1200" kern="1200" dirty="0" smtClean="0">
+                <a:solidFill>
+                  <a:schemeClr val="tx1"/>
+                </a:solidFill>
+                <a:latin typeface="+mn-lt"/>
+                <a:ea typeface="+mn-ea"/>
+                <a:cs typeface="+mn-cs"/>
+              </a:rPr>
+              <a:t>                    </a:t>
+            </a:r>
+            <a:r>
+              <a:rPr lang="en-US" sz="1200" kern="1200" dirty="0" err="1" smtClean="0">
+                <a:solidFill>
+                  <a:schemeClr val="tx1"/>
+                </a:solidFill>
+                <a:latin typeface="+mn-lt"/>
+                <a:ea typeface="+mn-ea"/>
+                <a:cs typeface="+mn-cs"/>
+              </a:rPr>
+              <a:t>ArtistId</a:t>
+            </a:r>
+            <a:r>
+              <a:rPr lang="en-US" sz="1200" kern="1200" dirty="0" smtClean="0">
+                <a:solidFill>
+                  <a:schemeClr val="tx1"/>
+                </a:solidFill>
+                <a:latin typeface="+mn-lt"/>
+                <a:ea typeface="+mn-ea"/>
+                <a:cs typeface="+mn-cs"/>
+              </a:rPr>
+              <a:t> = </a:t>
+            </a:r>
+            <a:r>
+              <a:rPr lang="en-US" sz="1200" kern="1200" dirty="0" err="1" smtClean="0">
+                <a:solidFill>
+                  <a:schemeClr val="tx1"/>
+                </a:solidFill>
+                <a:latin typeface="+mn-lt"/>
+                <a:ea typeface="+mn-ea"/>
+                <a:cs typeface="+mn-cs"/>
+              </a:rPr>
+              <a:t>albumViewModel.ArtistId</a:t>
+            </a:r>
+            <a:r>
+              <a:rPr lang="en-US" sz="1200" kern="1200" dirty="0" smtClean="0">
+                <a:solidFill>
+                  <a:schemeClr val="tx1"/>
+                </a:solidFill>
+                <a:latin typeface="+mn-lt"/>
+                <a:ea typeface="+mn-ea"/>
+                <a:cs typeface="+mn-cs"/>
+              </a:rPr>
+              <a:t>,</a:t>
+            </a:r>
+          </a:p>
+          <a:p>
+            <a:r>
+              <a:rPr lang="en-US" sz="1200" kern="1200" dirty="0" smtClean="0">
+                <a:solidFill>
+                  <a:schemeClr val="tx1"/>
+                </a:solidFill>
+                <a:latin typeface="+mn-lt"/>
+                <a:ea typeface="+mn-ea"/>
+                <a:cs typeface="+mn-cs"/>
+              </a:rPr>
+              <a:t>                    </a:t>
+            </a:r>
+            <a:r>
+              <a:rPr lang="en-US" sz="1200" kern="1200" dirty="0" err="1" smtClean="0">
+                <a:solidFill>
+                  <a:schemeClr val="tx1"/>
+                </a:solidFill>
+                <a:latin typeface="+mn-lt"/>
+                <a:ea typeface="+mn-ea"/>
+                <a:cs typeface="+mn-cs"/>
+              </a:rPr>
+              <a:t>GenreId</a:t>
+            </a:r>
+            <a:r>
+              <a:rPr lang="en-US" sz="1200" kern="1200" dirty="0" smtClean="0">
+                <a:solidFill>
+                  <a:schemeClr val="tx1"/>
+                </a:solidFill>
+                <a:latin typeface="+mn-lt"/>
+                <a:ea typeface="+mn-ea"/>
+                <a:cs typeface="+mn-cs"/>
+              </a:rPr>
+              <a:t>= </a:t>
+            </a:r>
+            <a:r>
+              <a:rPr lang="en-US" sz="1200" kern="1200" dirty="0" err="1" smtClean="0">
+                <a:solidFill>
+                  <a:schemeClr val="tx1"/>
+                </a:solidFill>
+                <a:latin typeface="+mn-lt"/>
+                <a:ea typeface="+mn-ea"/>
+                <a:cs typeface="+mn-cs"/>
+              </a:rPr>
+              <a:t>albumViewModel.GenreId</a:t>
+            </a:r>
+            <a:r>
+              <a:rPr lang="en-US" sz="1200" kern="1200" dirty="0" smtClean="0">
+                <a:solidFill>
+                  <a:schemeClr val="tx1"/>
+                </a:solidFill>
+                <a:latin typeface="+mn-lt"/>
+                <a:ea typeface="+mn-ea"/>
+                <a:cs typeface="+mn-cs"/>
+              </a:rPr>
+              <a:t>,</a:t>
+            </a:r>
+          </a:p>
+          <a:p>
+            <a:r>
+              <a:rPr lang="en-US" sz="1200" kern="1200" dirty="0" smtClean="0">
+                <a:solidFill>
+                  <a:schemeClr val="tx1"/>
+                </a:solidFill>
+                <a:latin typeface="+mn-lt"/>
+                <a:ea typeface="+mn-ea"/>
+                <a:cs typeface="+mn-cs"/>
+              </a:rPr>
+              <a:t>                    //Note lack of price in view model</a:t>
+            </a:r>
+          </a:p>
+          <a:p>
+            <a:r>
+              <a:rPr lang="en-US" sz="1200" kern="1200" dirty="0" smtClean="0">
+                <a:solidFill>
+                  <a:schemeClr val="tx1"/>
+                </a:solidFill>
+                <a:latin typeface="+mn-lt"/>
+                <a:ea typeface="+mn-ea"/>
+                <a:cs typeface="+mn-cs"/>
+              </a:rPr>
+              <a:t>                    Price= 9.99m,</a:t>
+            </a:r>
+          </a:p>
+          <a:p>
+            <a:r>
+              <a:rPr lang="en-US" sz="1200" kern="1200" dirty="0" smtClean="0">
+                <a:solidFill>
+                  <a:schemeClr val="tx1"/>
+                </a:solidFill>
+                <a:latin typeface="+mn-lt"/>
+                <a:ea typeface="+mn-ea"/>
+                <a:cs typeface="+mn-cs"/>
+              </a:rPr>
+              <a:t>                    Title = </a:t>
+            </a:r>
+            <a:r>
+              <a:rPr lang="en-US" sz="1200" kern="1200" dirty="0" err="1" smtClean="0">
+                <a:solidFill>
+                  <a:schemeClr val="tx1"/>
+                </a:solidFill>
+                <a:latin typeface="+mn-lt"/>
+                <a:ea typeface="+mn-ea"/>
+                <a:cs typeface="+mn-cs"/>
+              </a:rPr>
+              <a:t>albumViewModel.Title</a:t>
+            </a:r>
+            <a:endParaRPr lang="en-US" sz="1200" kern="1200" dirty="0" smtClean="0">
+              <a:solidFill>
+                <a:schemeClr val="tx1"/>
+              </a:solidFill>
+              <a:latin typeface="+mn-lt"/>
+              <a:ea typeface="+mn-ea"/>
+              <a:cs typeface="+mn-cs"/>
+            </a:endParaRPr>
+          </a:p>
+          <a:p>
+            <a:r>
+              <a:rPr lang="en-US" sz="1200" kern="1200" dirty="0" smtClean="0">
+                <a:solidFill>
+                  <a:schemeClr val="tx1"/>
+                </a:solidFill>
+                <a:latin typeface="+mn-lt"/>
+                <a:ea typeface="+mn-ea"/>
+                <a:cs typeface="+mn-cs"/>
+              </a:rPr>
+              <a:t>                }</a:t>
+            </a:r>
+          </a:p>
+          <a:p>
+            <a:r>
+              <a:rPr lang="en-US" sz="1200" kern="1200" dirty="0" smtClean="0">
+                <a:solidFill>
+                  <a:schemeClr val="tx1"/>
+                </a:solidFill>
+                <a:latin typeface="+mn-lt"/>
+                <a:ea typeface="+mn-ea"/>
+                <a:cs typeface="+mn-cs"/>
+              </a:rPr>
+              <a:t>                //Attach it and save it</a:t>
+            </a:r>
+          </a:p>
+          <a:p>
+            <a:r>
+              <a:rPr lang="en-US" sz="1200" kern="1200" dirty="0" smtClean="0">
+                <a:solidFill>
+                  <a:schemeClr val="tx1"/>
+                </a:solidFill>
+                <a:latin typeface="+mn-lt"/>
+                <a:ea typeface="+mn-ea"/>
+                <a:cs typeface="+mn-cs"/>
+              </a:rPr>
+              <a:t>                </a:t>
+            </a:r>
+            <a:r>
+              <a:rPr lang="en-US" sz="1200" kern="1200" dirty="0" err="1" smtClean="0">
+                <a:solidFill>
+                  <a:schemeClr val="tx1"/>
+                </a:solidFill>
+                <a:latin typeface="+mn-lt"/>
+                <a:ea typeface="+mn-ea"/>
+                <a:cs typeface="+mn-cs"/>
+              </a:rPr>
+              <a:t>db.Entry</a:t>
+            </a:r>
+            <a:r>
+              <a:rPr lang="en-US" sz="1200" kern="1200" dirty="0" smtClean="0">
+                <a:solidFill>
+                  <a:schemeClr val="tx1"/>
+                </a:solidFill>
+                <a:latin typeface="+mn-lt"/>
+                <a:ea typeface="+mn-ea"/>
+                <a:cs typeface="+mn-cs"/>
+              </a:rPr>
+              <a:t>(album).State = </a:t>
+            </a:r>
+            <a:r>
+              <a:rPr lang="en-US" sz="1200" kern="1200" dirty="0" err="1" smtClean="0">
+                <a:solidFill>
+                  <a:schemeClr val="tx1"/>
+                </a:solidFill>
+                <a:latin typeface="+mn-lt"/>
+                <a:ea typeface="+mn-ea"/>
+                <a:cs typeface="+mn-cs"/>
+              </a:rPr>
+              <a:t>EntityState.Modified</a:t>
+            </a:r>
+            <a:r>
+              <a:rPr lang="en-US" sz="1200" kern="1200" dirty="0" smtClean="0">
+                <a:solidFill>
+                  <a:schemeClr val="tx1"/>
+                </a:solidFill>
+                <a:latin typeface="+mn-lt"/>
+                <a:ea typeface="+mn-ea"/>
+                <a:cs typeface="+mn-cs"/>
+              </a:rPr>
+              <a:t>;</a:t>
+            </a:r>
+          </a:p>
+          <a:p>
+            <a:r>
+              <a:rPr lang="en-US" sz="1200" kern="1200" dirty="0" smtClean="0">
+                <a:solidFill>
+                  <a:schemeClr val="tx1"/>
+                </a:solidFill>
+                <a:latin typeface="+mn-lt"/>
+                <a:ea typeface="+mn-ea"/>
+                <a:cs typeface="+mn-cs"/>
+              </a:rPr>
+              <a:t>                try</a:t>
+            </a:r>
+          </a:p>
+          <a:p>
+            <a:r>
+              <a:rPr lang="en-US" sz="1200" kern="1200" dirty="0" smtClean="0">
+                <a:solidFill>
+                  <a:schemeClr val="tx1"/>
+                </a:solidFill>
+                <a:latin typeface="+mn-lt"/>
+                <a:ea typeface="+mn-ea"/>
+                <a:cs typeface="+mn-cs"/>
+              </a:rPr>
+              <a:t>                {</a:t>
+            </a:r>
+          </a:p>
+          <a:p>
+            <a:r>
+              <a:rPr lang="en-US" sz="1200" kern="1200" dirty="0" smtClean="0">
+                <a:solidFill>
+                  <a:schemeClr val="tx1"/>
+                </a:solidFill>
+                <a:latin typeface="+mn-lt"/>
+                <a:ea typeface="+mn-ea"/>
+                <a:cs typeface="+mn-cs"/>
+              </a:rPr>
+              <a:t>                    </a:t>
+            </a:r>
+            <a:r>
+              <a:rPr lang="en-US" sz="1200" kern="1200" dirty="0" err="1" smtClean="0">
+                <a:solidFill>
+                  <a:schemeClr val="tx1"/>
+                </a:solidFill>
+                <a:latin typeface="+mn-lt"/>
+                <a:ea typeface="+mn-ea"/>
+                <a:cs typeface="+mn-cs"/>
+              </a:rPr>
+              <a:t>db.SaveChanges</a:t>
+            </a:r>
+            <a:r>
+              <a:rPr lang="en-US" sz="1200" kern="1200" dirty="0" smtClean="0">
+                <a:solidFill>
+                  <a:schemeClr val="tx1"/>
+                </a:solidFill>
+                <a:latin typeface="+mn-lt"/>
+                <a:ea typeface="+mn-ea"/>
+                <a:cs typeface="+mn-cs"/>
+              </a:rPr>
+              <a:t>();</a:t>
+            </a:r>
+          </a:p>
+          <a:p>
+            <a:r>
+              <a:rPr lang="en-US" sz="1200" kern="1200" dirty="0" smtClean="0">
+                <a:solidFill>
+                  <a:schemeClr val="tx1"/>
+                </a:solidFill>
+                <a:latin typeface="+mn-lt"/>
+                <a:ea typeface="+mn-ea"/>
+                <a:cs typeface="+mn-cs"/>
+              </a:rPr>
+              <a:t>                    return </a:t>
+            </a:r>
+            <a:r>
+              <a:rPr lang="en-US" sz="1200" kern="1200" dirty="0" err="1" smtClean="0">
+                <a:solidFill>
+                  <a:schemeClr val="tx1"/>
+                </a:solidFill>
+                <a:latin typeface="+mn-lt"/>
+                <a:ea typeface="+mn-ea"/>
+                <a:cs typeface="+mn-cs"/>
+              </a:rPr>
+              <a:t>RedirectToAction</a:t>
+            </a:r>
+            <a:r>
+              <a:rPr lang="en-US" sz="1200" kern="1200" dirty="0" smtClean="0">
+                <a:solidFill>
+                  <a:schemeClr val="tx1"/>
+                </a:solidFill>
+                <a:latin typeface="+mn-lt"/>
+                <a:ea typeface="+mn-ea"/>
+                <a:cs typeface="+mn-cs"/>
+              </a:rPr>
+              <a:t>("Index");</a:t>
+            </a:r>
+          </a:p>
+          <a:p>
+            <a:endParaRPr lang="en-US" sz="1200" kern="1200" dirty="0" smtClean="0">
+              <a:solidFill>
+                <a:schemeClr val="tx1"/>
+              </a:solidFill>
+              <a:latin typeface="+mn-lt"/>
+              <a:ea typeface="+mn-ea"/>
+              <a:cs typeface="+mn-cs"/>
+            </a:endParaRPr>
+          </a:p>
+          <a:p>
+            <a:r>
+              <a:rPr lang="en-US" sz="1200" kern="1200" dirty="0" smtClean="0">
+                <a:solidFill>
+                  <a:schemeClr val="tx1"/>
+                </a:solidFill>
+                <a:latin typeface="+mn-lt"/>
+                <a:ea typeface="+mn-ea"/>
+                <a:cs typeface="+mn-cs"/>
+              </a:rPr>
+              <a:t>                }</a:t>
+            </a:r>
+          </a:p>
+          <a:p>
+            <a:r>
+              <a:rPr lang="en-US" sz="1200" kern="1200" dirty="0" smtClean="0">
+                <a:solidFill>
+                  <a:schemeClr val="tx1"/>
+                </a:solidFill>
+                <a:latin typeface="+mn-lt"/>
+                <a:ea typeface="+mn-ea"/>
+                <a:cs typeface="+mn-cs"/>
+              </a:rPr>
+              <a:t>                catch (</a:t>
+            </a:r>
+            <a:r>
+              <a:rPr lang="en-US" sz="1200" kern="1200" dirty="0" err="1" smtClean="0">
+                <a:solidFill>
+                  <a:schemeClr val="tx1"/>
+                </a:solidFill>
+                <a:latin typeface="+mn-lt"/>
+                <a:ea typeface="+mn-ea"/>
+                <a:cs typeface="+mn-cs"/>
+              </a:rPr>
+              <a:t>DbEntityValidationException</a:t>
+            </a:r>
+            <a:r>
+              <a:rPr lang="en-US" sz="1200" kern="1200" dirty="0" smtClean="0">
+                <a:solidFill>
+                  <a:schemeClr val="tx1"/>
+                </a:solidFill>
+                <a:latin typeface="+mn-lt"/>
+                <a:ea typeface="+mn-ea"/>
+                <a:cs typeface="+mn-cs"/>
+              </a:rPr>
+              <a:t> ex)</a:t>
+            </a:r>
+          </a:p>
+          <a:p>
+            <a:r>
+              <a:rPr lang="en-US" sz="1200" kern="1200" dirty="0" smtClean="0">
+                <a:solidFill>
+                  <a:schemeClr val="tx1"/>
+                </a:solidFill>
+                <a:latin typeface="+mn-lt"/>
+                <a:ea typeface="+mn-ea"/>
+                <a:cs typeface="+mn-cs"/>
+              </a:rPr>
+              <a:t>                {</a:t>
+            </a:r>
+          </a:p>
+          <a:p>
+            <a:r>
+              <a:rPr lang="en-US" sz="1200" kern="1200" dirty="0" smtClean="0">
+                <a:solidFill>
+                  <a:schemeClr val="tx1"/>
+                </a:solidFill>
+                <a:latin typeface="+mn-lt"/>
+                <a:ea typeface="+mn-ea"/>
+                <a:cs typeface="+mn-cs"/>
+              </a:rPr>
+              <a:t>                    </a:t>
+            </a:r>
+            <a:r>
+              <a:rPr lang="en-US" sz="1200" kern="1200" dirty="0" err="1" smtClean="0">
+                <a:solidFill>
+                  <a:schemeClr val="tx1"/>
+                </a:solidFill>
+                <a:latin typeface="+mn-lt"/>
+                <a:ea typeface="+mn-ea"/>
+                <a:cs typeface="+mn-cs"/>
+              </a:rPr>
+              <a:t>foreach</a:t>
+            </a:r>
+            <a:r>
+              <a:rPr lang="en-US" sz="1200" kern="1200" dirty="0" smtClean="0">
+                <a:solidFill>
+                  <a:schemeClr val="tx1"/>
+                </a:solidFill>
+                <a:latin typeface="+mn-lt"/>
+                <a:ea typeface="+mn-ea"/>
+                <a:cs typeface="+mn-cs"/>
+              </a:rPr>
+              <a:t> (</a:t>
+            </a:r>
+            <a:r>
+              <a:rPr lang="en-US" sz="1200" kern="1200" dirty="0" err="1" smtClean="0">
+                <a:solidFill>
+                  <a:schemeClr val="tx1"/>
+                </a:solidFill>
+                <a:latin typeface="+mn-lt"/>
+                <a:ea typeface="+mn-ea"/>
+                <a:cs typeface="+mn-cs"/>
+              </a:rPr>
+              <a:t>var</a:t>
+            </a:r>
+            <a:r>
+              <a:rPr lang="en-US" sz="1200" kern="1200" dirty="0" smtClean="0">
+                <a:solidFill>
+                  <a:schemeClr val="tx1"/>
+                </a:solidFill>
+                <a:latin typeface="+mn-lt"/>
+                <a:ea typeface="+mn-ea"/>
+                <a:cs typeface="+mn-cs"/>
+              </a:rPr>
+              <a:t> result in </a:t>
+            </a:r>
+            <a:r>
+              <a:rPr lang="en-US" sz="1200" kern="1200" dirty="0" err="1" smtClean="0">
+                <a:solidFill>
+                  <a:schemeClr val="tx1"/>
+                </a:solidFill>
+                <a:latin typeface="+mn-lt"/>
+                <a:ea typeface="+mn-ea"/>
+                <a:cs typeface="+mn-cs"/>
+              </a:rPr>
+              <a:t>ex.EntityValidationErrors</a:t>
+            </a:r>
+            <a:r>
+              <a:rPr lang="en-US" sz="1200" kern="1200" dirty="0" smtClean="0">
+                <a:solidFill>
+                  <a:schemeClr val="tx1"/>
+                </a:solidFill>
+                <a:latin typeface="+mn-lt"/>
+                <a:ea typeface="+mn-ea"/>
+                <a:cs typeface="+mn-cs"/>
+              </a:rPr>
+              <a:t>)</a:t>
+            </a:r>
+          </a:p>
+          <a:p>
+            <a:r>
+              <a:rPr lang="en-US" sz="1200" kern="1200" dirty="0" smtClean="0">
+                <a:solidFill>
+                  <a:schemeClr val="tx1"/>
+                </a:solidFill>
+                <a:latin typeface="+mn-lt"/>
+                <a:ea typeface="+mn-ea"/>
+                <a:cs typeface="+mn-cs"/>
+              </a:rPr>
+              <a:t>                    {</a:t>
+            </a:r>
+          </a:p>
+          <a:p>
+            <a:r>
+              <a:rPr lang="sv-SE" sz="1200" kern="1200" dirty="0" smtClean="0">
+                <a:solidFill>
+                  <a:schemeClr val="tx1"/>
+                </a:solidFill>
+                <a:latin typeface="+mn-lt"/>
+                <a:ea typeface="+mn-ea"/>
+                <a:cs typeface="+mn-cs"/>
+              </a:rPr>
+              <a:t>                        foreach (var error in result.ValidationErrors)</a:t>
+            </a:r>
+          </a:p>
+          <a:p>
+            <a:r>
+              <a:rPr lang="en-US" sz="1200" kern="1200" dirty="0" smtClean="0">
+                <a:solidFill>
+                  <a:schemeClr val="tx1"/>
+                </a:solidFill>
+                <a:latin typeface="+mn-lt"/>
+                <a:ea typeface="+mn-ea"/>
+                <a:cs typeface="+mn-cs"/>
+              </a:rPr>
+              <a:t>                        {</a:t>
+            </a:r>
+          </a:p>
+          <a:p>
+            <a:r>
+              <a:rPr lang="en-US" sz="1200" kern="1200" dirty="0" smtClean="0">
+                <a:solidFill>
+                  <a:schemeClr val="tx1"/>
+                </a:solidFill>
+                <a:latin typeface="+mn-lt"/>
+                <a:ea typeface="+mn-ea"/>
+                <a:cs typeface="+mn-cs"/>
+              </a:rPr>
+              <a:t>                            </a:t>
+            </a:r>
+            <a:r>
+              <a:rPr lang="en-US" sz="1200" kern="1200" dirty="0" err="1" smtClean="0">
+                <a:solidFill>
+                  <a:schemeClr val="tx1"/>
+                </a:solidFill>
+                <a:latin typeface="+mn-lt"/>
+                <a:ea typeface="+mn-ea"/>
+                <a:cs typeface="+mn-cs"/>
+              </a:rPr>
+              <a:t>ModelState.AddModelError</a:t>
+            </a:r>
+            <a:r>
+              <a:rPr lang="en-US" sz="1200" kern="1200" dirty="0" smtClean="0">
+                <a:solidFill>
+                  <a:schemeClr val="tx1"/>
+                </a:solidFill>
+                <a:latin typeface="+mn-lt"/>
+                <a:ea typeface="+mn-ea"/>
+                <a:cs typeface="+mn-cs"/>
+              </a:rPr>
+              <a:t>(</a:t>
+            </a:r>
+            <a:r>
+              <a:rPr lang="en-US" sz="1200" kern="1200" dirty="0" err="1" smtClean="0">
+                <a:solidFill>
+                  <a:schemeClr val="tx1"/>
+                </a:solidFill>
+                <a:latin typeface="+mn-lt"/>
+                <a:ea typeface="+mn-ea"/>
+                <a:cs typeface="+mn-cs"/>
+              </a:rPr>
+              <a:t>error.PropertyName</a:t>
+            </a:r>
+            <a:r>
+              <a:rPr lang="en-US" sz="1200" kern="1200" dirty="0" smtClean="0">
+                <a:solidFill>
+                  <a:schemeClr val="tx1"/>
+                </a:solidFill>
+                <a:latin typeface="+mn-lt"/>
+                <a:ea typeface="+mn-ea"/>
+                <a:cs typeface="+mn-cs"/>
+              </a:rPr>
+              <a:t>, </a:t>
+            </a:r>
+            <a:r>
+              <a:rPr lang="en-US" sz="1200" kern="1200" dirty="0" err="1" smtClean="0">
+                <a:solidFill>
+                  <a:schemeClr val="tx1"/>
+                </a:solidFill>
+                <a:latin typeface="+mn-lt"/>
+                <a:ea typeface="+mn-ea"/>
+                <a:cs typeface="+mn-cs"/>
+              </a:rPr>
+              <a:t>error.ErrorMessage</a:t>
+            </a:r>
+            <a:r>
+              <a:rPr lang="en-US" sz="1200" kern="1200" dirty="0" smtClean="0">
+                <a:solidFill>
+                  <a:schemeClr val="tx1"/>
+                </a:solidFill>
+                <a:latin typeface="+mn-lt"/>
+                <a:ea typeface="+mn-ea"/>
+                <a:cs typeface="+mn-cs"/>
+              </a:rPr>
+              <a:t>);</a:t>
+            </a:r>
+          </a:p>
+          <a:p>
+            <a:r>
+              <a:rPr lang="en-US" sz="1200" kern="1200" dirty="0" smtClean="0">
+                <a:solidFill>
+                  <a:schemeClr val="tx1"/>
+                </a:solidFill>
+                <a:latin typeface="+mn-lt"/>
+                <a:ea typeface="+mn-ea"/>
+                <a:cs typeface="+mn-cs"/>
+              </a:rPr>
+              <a:t>                        }</a:t>
+            </a:r>
+          </a:p>
+          <a:p>
+            <a:r>
+              <a:rPr lang="en-US" sz="1200" kern="1200" dirty="0" smtClean="0">
+                <a:solidFill>
+                  <a:schemeClr val="tx1"/>
+                </a:solidFill>
+                <a:latin typeface="+mn-lt"/>
+                <a:ea typeface="+mn-ea"/>
+                <a:cs typeface="+mn-cs"/>
+              </a:rPr>
+              <a:t>                    }</a:t>
+            </a:r>
+          </a:p>
+          <a:p>
+            <a:r>
+              <a:rPr lang="en-US" sz="1200" kern="1200" dirty="0" smtClean="0">
+                <a:solidFill>
+                  <a:schemeClr val="tx1"/>
+                </a:solidFill>
+                <a:latin typeface="+mn-lt"/>
+                <a:ea typeface="+mn-ea"/>
+                <a:cs typeface="+mn-cs"/>
+              </a:rPr>
+              <a:t>                    return View(album);</a:t>
+            </a:r>
+          </a:p>
+          <a:p>
+            <a:r>
+              <a:rPr lang="en-US" sz="1200" kern="1200" dirty="0" smtClean="0">
+                <a:solidFill>
+                  <a:schemeClr val="tx1"/>
+                </a:solidFill>
+                <a:latin typeface="+mn-lt"/>
+                <a:ea typeface="+mn-ea"/>
+                <a:cs typeface="+mn-cs"/>
+              </a:rPr>
+              <a:t>                }</a:t>
+            </a:r>
+          </a:p>
+          <a:p>
+            <a:r>
+              <a:rPr lang="en-US" sz="1200" kern="1200" dirty="0" smtClean="0">
+                <a:solidFill>
+                  <a:schemeClr val="tx1"/>
+                </a:solidFill>
+                <a:latin typeface="+mn-lt"/>
+                <a:ea typeface="+mn-ea"/>
+                <a:cs typeface="+mn-cs"/>
+              </a:rPr>
+              <a:t>            }</a:t>
+            </a:r>
+          </a:p>
+          <a:p>
+            <a:r>
+              <a:rPr lang="en-US" sz="1200" kern="1200" dirty="0" smtClean="0">
+                <a:solidFill>
+                  <a:schemeClr val="tx1"/>
+                </a:solidFill>
+                <a:latin typeface="+mn-lt"/>
+                <a:ea typeface="+mn-ea"/>
+                <a:cs typeface="+mn-cs"/>
+              </a:rPr>
+              <a:t>            return View(album);</a:t>
+            </a:r>
+          </a:p>
+          <a:p>
+            <a:r>
+              <a:rPr lang="en-US" sz="1200" kern="1200" dirty="0" smtClean="0">
+                <a:solidFill>
+                  <a:schemeClr val="tx1"/>
+                </a:solidFill>
+                <a:latin typeface="+mn-lt"/>
+                <a:ea typeface="+mn-ea"/>
+                <a:cs typeface="+mn-cs"/>
+              </a:rPr>
+              <a:t>        }</a:t>
+            </a:r>
+          </a:p>
+          <a:p>
+            <a:endParaRPr lang="en-US" sz="1200" kern="1200" dirty="0" smtClean="0">
+              <a:solidFill>
+                <a:schemeClr val="tx1"/>
+              </a:solidFill>
+              <a:latin typeface="+mn-lt"/>
+              <a:ea typeface="+mn-ea"/>
+              <a:cs typeface="+mn-cs"/>
+            </a:endParaRPr>
+          </a:p>
+          <a:p>
+            <a:endParaRPr lang="en-US" sz="1200" kern="1200" dirty="0" smtClean="0">
+              <a:solidFill>
+                <a:schemeClr val="tx1"/>
+              </a:solidFill>
+              <a:latin typeface="+mn-lt"/>
+              <a:ea typeface="+mn-ea"/>
+              <a:cs typeface="+mn-cs"/>
+            </a:endParaRPr>
+          </a:p>
+          <a:p>
+            <a:endParaRPr lang="en-US" sz="1200" kern="1200" dirty="0" smtClean="0">
+              <a:solidFill>
+                <a:schemeClr val="tx1"/>
+              </a:solidFill>
+              <a:latin typeface="+mn-lt"/>
+              <a:ea typeface="+mn-ea"/>
+              <a:cs typeface="+mn-cs"/>
+            </a:endParaRPr>
+          </a:p>
+          <a:p>
+            <a:r>
+              <a:rPr lang="en-US" sz="1200" kern="1200" dirty="0" smtClean="0">
+                <a:solidFill>
+                  <a:schemeClr val="tx1"/>
+                </a:solidFill>
+                <a:latin typeface="+mn-lt"/>
+                <a:ea typeface="+mn-ea"/>
+                <a:cs typeface="+mn-cs"/>
+              </a:rPr>
+              <a:t>    private class </a:t>
+            </a:r>
+            <a:r>
+              <a:rPr lang="en-US" sz="1200" kern="1200" dirty="0" err="1" smtClean="0">
+                <a:solidFill>
+                  <a:schemeClr val="tx1"/>
+                </a:solidFill>
+                <a:latin typeface="+mn-lt"/>
+                <a:ea typeface="+mn-ea"/>
+                <a:cs typeface="+mn-cs"/>
+              </a:rPr>
+              <a:t>AlbumEditViewModel</a:t>
+            </a:r>
+            <a:endParaRPr lang="en-US" sz="1200" kern="1200" dirty="0" smtClean="0">
+              <a:solidFill>
+                <a:schemeClr val="tx1"/>
+              </a:solidFill>
+              <a:latin typeface="+mn-lt"/>
+              <a:ea typeface="+mn-ea"/>
+              <a:cs typeface="+mn-cs"/>
+            </a:endParaRPr>
+          </a:p>
+          <a:p>
+            <a:r>
+              <a:rPr lang="en-US" sz="1200" kern="1200" dirty="0" smtClean="0">
+                <a:solidFill>
+                  <a:schemeClr val="tx1"/>
+                </a:solidFill>
+                <a:latin typeface="+mn-lt"/>
+                <a:ea typeface="+mn-ea"/>
+                <a:cs typeface="+mn-cs"/>
+              </a:rPr>
+              <a:t>    {</a:t>
+            </a:r>
+          </a:p>
+          <a:p>
+            <a:r>
+              <a:rPr lang="en-US" sz="1200" kern="1200" dirty="0" smtClean="0">
+                <a:solidFill>
+                  <a:schemeClr val="tx1"/>
+                </a:solidFill>
+                <a:latin typeface="+mn-lt"/>
+                <a:ea typeface="+mn-ea"/>
+                <a:cs typeface="+mn-cs"/>
+              </a:rPr>
+              <a:t>        public </a:t>
+            </a:r>
+            <a:r>
+              <a:rPr lang="en-US" sz="1200" kern="1200" dirty="0" err="1" smtClean="0">
+                <a:solidFill>
+                  <a:schemeClr val="tx1"/>
+                </a:solidFill>
+                <a:latin typeface="+mn-lt"/>
+                <a:ea typeface="+mn-ea"/>
+                <a:cs typeface="+mn-cs"/>
+              </a:rPr>
+              <a:t>int</a:t>
+            </a:r>
+            <a:r>
+              <a:rPr lang="en-US" sz="1200" kern="1200" dirty="0" smtClean="0">
+                <a:solidFill>
+                  <a:schemeClr val="tx1"/>
+                </a:solidFill>
+                <a:latin typeface="+mn-lt"/>
+                <a:ea typeface="+mn-ea"/>
+                <a:cs typeface="+mn-cs"/>
+              </a:rPr>
+              <a:t> </a:t>
+            </a:r>
+            <a:r>
+              <a:rPr lang="en-US" sz="1200" kern="1200" dirty="0" err="1" smtClean="0">
+                <a:solidFill>
+                  <a:schemeClr val="tx1"/>
+                </a:solidFill>
+                <a:latin typeface="+mn-lt"/>
+                <a:ea typeface="+mn-ea"/>
+                <a:cs typeface="+mn-cs"/>
+              </a:rPr>
+              <a:t>AlbumId</a:t>
+            </a:r>
+            <a:r>
+              <a:rPr lang="en-US" sz="1200" kern="1200" dirty="0" smtClean="0">
+                <a:solidFill>
+                  <a:schemeClr val="tx1"/>
+                </a:solidFill>
+                <a:latin typeface="+mn-lt"/>
+                <a:ea typeface="+mn-ea"/>
+                <a:cs typeface="+mn-cs"/>
+              </a:rPr>
+              <a:t> { get; set; }</a:t>
+            </a:r>
+          </a:p>
+          <a:p>
+            <a:endParaRPr lang="en-US" sz="1200" kern="1200" dirty="0" smtClean="0">
+              <a:solidFill>
+                <a:schemeClr val="tx1"/>
+              </a:solidFill>
+              <a:latin typeface="+mn-lt"/>
+              <a:ea typeface="+mn-ea"/>
+              <a:cs typeface="+mn-cs"/>
+            </a:endParaRPr>
+          </a:p>
+          <a:p>
+            <a:r>
+              <a:rPr lang="en-US" sz="1200" kern="1200" dirty="0" smtClean="0">
+                <a:solidFill>
+                  <a:schemeClr val="tx1"/>
+                </a:solidFill>
+                <a:latin typeface="+mn-lt"/>
+                <a:ea typeface="+mn-ea"/>
+                <a:cs typeface="+mn-cs"/>
+              </a:rPr>
+              <a:t>        public </a:t>
+            </a:r>
+            <a:r>
+              <a:rPr lang="en-US" sz="1200" kern="1200" dirty="0" err="1" smtClean="0">
+                <a:solidFill>
+                  <a:schemeClr val="tx1"/>
+                </a:solidFill>
+                <a:latin typeface="+mn-lt"/>
+                <a:ea typeface="+mn-ea"/>
+                <a:cs typeface="+mn-cs"/>
+              </a:rPr>
+              <a:t>int</a:t>
+            </a:r>
+            <a:r>
+              <a:rPr lang="en-US" sz="1200" kern="1200" dirty="0" smtClean="0">
+                <a:solidFill>
+                  <a:schemeClr val="tx1"/>
+                </a:solidFill>
+                <a:latin typeface="+mn-lt"/>
+                <a:ea typeface="+mn-ea"/>
+                <a:cs typeface="+mn-cs"/>
+              </a:rPr>
+              <a:t> </a:t>
+            </a:r>
+            <a:r>
+              <a:rPr lang="en-US" sz="1200" kern="1200" dirty="0" err="1" smtClean="0">
+                <a:solidFill>
+                  <a:schemeClr val="tx1"/>
+                </a:solidFill>
+                <a:latin typeface="+mn-lt"/>
+                <a:ea typeface="+mn-ea"/>
+                <a:cs typeface="+mn-cs"/>
+              </a:rPr>
+              <a:t>GenreId</a:t>
+            </a:r>
+            <a:r>
+              <a:rPr lang="en-US" sz="1200" kern="1200" dirty="0" smtClean="0">
+                <a:solidFill>
+                  <a:schemeClr val="tx1"/>
+                </a:solidFill>
+                <a:latin typeface="+mn-lt"/>
+                <a:ea typeface="+mn-ea"/>
+                <a:cs typeface="+mn-cs"/>
+              </a:rPr>
+              <a:t> { get; set; }</a:t>
+            </a:r>
+          </a:p>
+          <a:p>
+            <a:endParaRPr lang="en-US" sz="1200" kern="1200" dirty="0" smtClean="0">
+              <a:solidFill>
+                <a:schemeClr val="tx1"/>
+              </a:solidFill>
+              <a:latin typeface="+mn-lt"/>
+              <a:ea typeface="+mn-ea"/>
+              <a:cs typeface="+mn-cs"/>
+            </a:endParaRPr>
+          </a:p>
+          <a:p>
+            <a:r>
+              <a:rPr lang="en-US" sz="1200" kern="1200" dirty="0" smtClean="0">
+                <a:solidFill>
+                  <a:schemeClr val="tx1"/>
+                </a:solidFill>
+                <a:latin typeface="+mn-lt"/>
+                <a:ea typeface="+mn-ea"/>
+                <a:cs typeface="+mn-cs"/>
+              </a:rPr>
+              <a:t>        public </a:t>
+            </a:r>
+            <a:r>
+              <a:rPr lang="en-US" sz="1200" kern="1200" dirty="0" err="1" smtClean="0">
+                <a:solidFill>
+                  <a:schemeClr val="tx1"/>
+                </a:solidFill>
+                <a:latin typeface="+mn-lt"/>
+                <a:ea typeface="+mn-ea"/>
+                <a:cs typeface="+mn-cs"/>
+              </a:rPr>
+              <a:t>int</a:t>
+            </a:r>
+            <a:r>
+              <a:rPr lang="en-US" sz="1200" kern="1200" dirty="0" smtClean="0">
+                <a:solidFill>
+                  <a:schemeClr val="tx1"/>
+                </a:solidFill>
+                <a:latin typeface="+mn-lt"/>
+                <a:ea typeface="+mn-ea"/>
+                <a:cs typeface="+mn-cs"/>
+              </a:rPr>
+              <a:t> </a:t>
+            </a:r>
+            <a:r>
+              <a:rPr lang="en-US" sz="1200" kern="1200" dirty="0" err="1" smtClean="0">
+                <a:solidFill>
+                  <a:schemeClr val="tx1"/>
+                </a:solidFill>
+                <a:latin typeface="+mn-lt"/>
+                <a:ea typeface="+mn-ea"/>
+                <a:cs typeface="+mn-cs"/>
+              </a:rPr>
+              <a:t>ArtistId</a:t>
+            </a:r>
+            <a:r>
+              <a:rPr lang="en-US" sz="1200" kern="1200" dirty="0" smtClean="0">
+                <a:solidFill>
+                  <a:schemeClr val="tx1"/>
+                </a:solidFill>
+                <a:latin typeface="+mn-lt"/>
+                <a:ea typeface="+mn-ea"/>
+                <a:cs typeface="+mn-cs"/>
+              </a:rPr>
+              <a:t> { get; set; }</a:t>
+            </a:r>
+          </a:p>
+          <a:p>
+            <a:endParaRPr lang="en-US" sz="1200" kern="1200" dirty="0" smtClean="0">
+              <a:solidFill>
+                <a:schemeClr val="tx1"/>
+              </a:solidFill>
+              <a:latin typeface="+mn-lt"/>
+              <a:ea typeface="+mn-ea"/>
+              <a:cs typeface="+mn-cs"/>
+            </a:endParaRPr>
+          </a:p>
+          <a:p>
+            <a:r>
+              <a:rPr lang="en-US" sz="1200" kern="1200" dirty="0" smtClean="0">
+                <a:solidFill>
+                  <a:schemeClr val="tx1"/>
+                </a:solidFill>
+                <a:latin typeface="+mn-lt"/>
+                <a:ea typeface="+mn-ea"/>
+                <a:cs typeface="+mn-cs"/>
+              </a:rPr>
+              <a:t>        [</a:t>
+            </a:r>
+            <a:r>
+              <a:rPr lang="en-US" sz="1200" kern="1200" dirty="0" err="1" smtClean="0">
+                <a:solidFill>
+                  <a:schemeClr val="tx1"/>
+                </a:solidFill>
+                <a:latin typeface="+mn-lt"/>
+                <a:ea typeface="+mn-ea"/>
+                <a:cs typeface="+mn-cs"/>
+              </a:rPr>
+              <a:t>StringLength</a:t>
+            </a:r>
+            <a:r>
+              <a:rPr lang="en-US" sz="1200" kern="1200" dirty="0" smtClean="0">
+                <a:solidFill>
+                  <a:schemeClr val="tx1"/>
+                </a:solidFill>
+                <a:latin typeface="+mn-lt"/>
+                <a:ea typeface="+mn-ea"/>
+                <a:cs typeface="+mn-cs"/>
+              </a:rPr>
+              <a:t>(50)]</a:t>
+            </a:r>
+          </a:p>
+          <a:p>
+            <a:r>
+              <a:rPr lang="en-US" sz="1200" kern="1200" dirty="0" smtClean="0">
+                <a:solidFill>
+                  <a:schemeClr val="tx1"/>
+                </a:solidFill>
+                <a:latin typeface="+mn-lt"/>
+                <a:ea typeface="+mn-ea"/>
+                <a:cs typeface="+mn-cs"/>
+              </a:rPr>
+              <a:t>        public string Title { get; set; }</a:t>
+            </a:r>
+          </a:p>
+          <a:p>
+            <a:endParaRPr lang="en-US" sz="1200" kern="1200" dirty="0" smtClean="0">
+              <a:solidFill>
+                <a:schemeClr val="tx1"/>
+              </a:solidFill>
+              <a:latin typeface="+mn-lt"/>
+              <a:ea typeface="+mn-ea"/>
+              <a:cs typeface="+mn-cs"/>
+            </a:endParaRPr>
+          </a:p>
+          <a:p>
+            <a:r>
+              <a:rPr lang="en-US" sz="1200" kern="1200" dirty="0" smtClean="0">
+                <a:solidFill>
+                  <a:schemeClr val="tx1"/>
+                </a:solidFill>
+                <a:latin typeface="+mn-lt"/>
+                <a:ea typeface="+mn-ea"/>
+                <a:cs typeface="+mn-cs"/>
+              </a:rPr>
+              <a:t>        [</a:t>
+            </a:r>
+            <a:r>
+              <a:rPr lang="en-US" sz="1200" kern="1200" dirty="0" err="1" smtClean="0">
+                <a:solidFill>
+                  <a:schemeClr val="tx1"/>
+                </a:solidFill>
+                <a:latin typeface="+mn-lt"/>
+                <a:ea typeface="+mn-ea"/>
+                <a:cs typeface="+mn-cs"/>
+              </a:rPr>
+              <a:t>StringLength</a:t>
+            </a:r>
+            <a:r>
+              <a:rPr lang="en-US" sz="1200" kern="1200" dirty="0" smtClean="0">
+                <a:solidFill>
+                  <a:schemeClr val="tx1"/>
+                </a:solidFill>
+                <a:latin typeface="+mn-lt"/>
+                <a:ea typeface="+mn-ea"/>
+                <a:cs typeface="+mn-cs"/>
+              </a:rPr>
+              <a:t>(1024)]</a:t>
+            </a:r>
+          </a:p>
+          <a:p>
+            <a:r>
+              <a:rPr lang="en-US" sz="1200" kern="1200" dirty="0" smtClean="0">
+                <a:solidFill>
+                  <a:schemeClr val="tx1"/>
+                </a:solidFill>
+                <a:latin typeface="+mn-lt"/>
+                <a:ea typeface="+mn-ea"/>
+                <a:cs typeface="+mn-cs"/>
+              </a:rPr>
+              <a:t>        public string </a:t>
+            </a:r>
+            <a:r>
+              <a:rPr lang="en-US" sz="1200" kern="1200" dirty="0" err="1" smtClean="0">
+                <a:solidFill>
+                  <a:schemeClr val="tx1"/>
+                </a:solidFill>
+                <a:latin typeface="+mn-lt"/>
+                <a:ea typeface="+mn-ea"/>
+                <a:cs typeface="+mn-cs"/>
+              </a:rPr>
+              <a:t>AlbumArtUrl</a:t>
+            </a:r>
+            <a:r>
+              <a:rPr lang="en-US" sz="1200" kern="1200" dirty="0" smtClean="0">
+                <a:solidFill>
+                  <a:schemeClr val="tx1"/>
+                </a:solidFill>
+                <a:latin typeface="+mn-lt"/>
+                <a:ea typeface="+mn-ea"/>
+                <a:cs typeface="+mn-cs"/>
+              </a:rPr>
+              <a:t> { get; set; }</a:t>
+            </a:r>
+          </a:p>
+          <a:p>
+            <a:r>
+              <a:rPr lang="en-US" sz="1200" kern="1200" dirty="0" smtClean="0">
+                <a:solidFill>
+                  <a:schemeClr val="tx1"/>
+                </a:solidFill>
+                <a:latin typeface="+mn-lt"/>
+                <a:ea typeface="+mn-ea"/>
+                <a:cs typeface="+mn-cs"/>
+              </a:rPr>
+              <a:t>    }</a:t>
+            </a:r>
             <a:endParaRPr lang="en-US" dirty="0"/>
           </a:p>
         </p:txBody>
@@ -2304,7 +4201,7 @@
     </p:spTree>
     <p:extLst>
       <p:ext uri="{BB962C8B-B14F-4D97-AF65-F5344CB8AC3E}">
-        <p14:creationId xmlns:p14="http://schemas.microsoft.com/office/powerpoint/2010/main" val="2622062590"/>
+        <p14:creationId xmlns:p14="http://schemas.microsoft.com/office/powerpoint/2010/main" val="3203165855"/>
       </p:ext>
     </p:extLst>
   </p:cSld>
@@ -2358,17 +4255,596 @@
           <a:bodyPr/>
           <a:lstStyle/>
           <a:p>
-            <a:r>
-              <a:rPr lang="en-US" dirty="0" smtClean="0"/>
-              <a:t>1. Install-package</a:t>
+            <a:pPr marL="0" marR="0" lvl="0" indent="0" algn="l" defTabSz="914400" rtl="0" eaLnBrk="1" fontAlgn="auto" latinLnBrk="0" hangingPunct="1">
+              <a:lnSpc>
+                <a:spcPct val="100000"/>
+              </a:lnSpc>
+              <a:spcBef>
+                <a:spcPts val="0"/>
+              </a:spcBef>
+              <a:spcAft>
+                <a:spcPts val="0"/>
+              </a:spcAft>
+              <a:buClrTx/>
+              <a:buSzTx/>
+              <a:buFontTx/>
+              <a:buNone/>
+              <a:tabLst/>
+              <a:defRPr/>
+            </a:pPr>
+            <a:r>
+              <a:rPr kumimoji="0" lang="en-US" altLang="en-US" sz="1200" b="1" i="0" u="none" strike="noStrike" cap="none" normalizeH="0" baseline="0" dirty="0" smtClean="0">
+                <a:ln>
+                  <a:noFill/>
+                </a:ln>
+                <a:solidFill>
+                  <a:srgbClr val="0000FF"/>
+                </a:solidFill>
+                <a:effectLst/>
+                <a:latin typeface="Consolas" panose="020B0609020204030204" pitchFamily="49" charset="0"/>
+                <a:cs typeface="Consolas" panose="020B0609020204030204" pitchFamily="49" charset="0"/>
+              </a:rPr>
+              <a:t>protected</a:t>
+            </a:r>
+            <a:r>
+              <a:rPr kumimoji="0" lang="en-US" altLang="en-US" sz="1200" b="1" i="0" u="none" strike="noStrike" cap="none" normalizeH="0" baseline="0" dirty="0" smtClean="0">
+                <a:ln>
+                  <a:noFill/>
+                </a:ln>
+                <a:solidFill>
+                  <a:srgbClr val="000000"/>
+                </a:solidFill>
+                <a:effectLst/>
+                <a:latin typeface="Consolas" panose="020B0609020204030204" pitchFamily="49" charset="0"/>
+                <a:cs typeface="Consolas" panose="020B0609020204030204" pitchFamily="49" charset="0"/>
+              </a:rPr>
+              <a:t> </a:t>
+            </a:r>
+            <a:r>
+              <a:rPr kumimoji="0" lang="en-US" altLang="en-US" sz="1200" b="1" i="0" u="none" strike="noStrike" cap="none" normalizeH="0" baseline="0" dirty="0" smtClean="0">
+                <a:ln>
+                  <a:noFill/>
+                </a:ln>
+                <a:solidFill>
+                  <a:srgbClr val="0000FF"/>
+                </a:solidFill>
+                <a:effectLst/>
+                <a:latin typeface="Consolas" panose="020B0609020204030204" pitchFamily="49" charset="0"/>
+                <a:cs typeface="Consolas" panose="020B0609020204030204" pitchFamily="49" charset="0"/>
+              </a:rPr>
+              <a:t>override</a:t>
+            </a:r>
+            <a:r>
+              <a:rPr kumimoji="0" lang="en-US" altLang="en-US" sz="1200" b="1" i="0" u="none" strike="noStrike" cap="none" normalizeH="0" baseline="0" dirty="0" smtClean="0">
+                <a:ln>
+                  <a:noFill/>
+                </a:ln>
+                <a:solidFill>
+                  <a:srgbClr val="000000"/>
+                </a:solidFill>
+                <a:effectLst/>
+                <a:latin typeface="Consolas" panose="020B0609020204030204" pitchFamily="49" charset="0"/>
+                <a:cs typeface="Consolas" panose="020B0609020204030204" pitchFamily="49" charset="0"/>
+              </a:rPr>
+              <a:t> </a:t>
+            </a:r>
+            <a:r>
+              <a:rPr kumimoji="0" lang="en-US" altLang="en-US" sz="1200" b="1" i="0" u="none" strike="noStrike" cap="none" normalizeH="0" baseline="0" dirty="0" smtClean="0">
+                <a:ln>
+                  <a:noFill/>
+                </a:ln>
+                <a:solidFill>
+                  <a:srgbClr val="0000FF"/>
+                </a:solidFill>
+                <a:effectLst/>
+                <a:latin typeface="Consolas" panose="020B0609020204030204" pitchFamily="49" charset="0"/>
+                <a:cs typeface="Consolas" panose="020B0609020204030204" pitchFamily="49" charset="0"/>
+              </a:rPr>
+              <a:t>void</a:t>
+            </a:r>
+            <a:r>
+              <a:rPr kumimoji="0" lang="en-US" altLang="en-US" sz="1200" b="1" i="0" u="none" strike="noStrike" cap="none" normalizeH="0" baseline="0" dirty="0" smtClean="0">
+                <a:ln>
+                  <a:noFill/>
+                </a:ln>
+                <a:solidFill>
+                  <a:srgbClr val="000000"/>
+                </a:solidFill>
+                <a:effectLst/>
+                <a:latin typeface="Consolas" panose="020B0609020204030204" pitchFamily="49" charset="0"/>
+                <a:cs typeface="Consolas" panose="020B0609020204030204" pitchFamily="49" charset="0"/>
+              </a:rPr>
+              <a:t> </a:t>
+            </a:r>
+            <a:r>
+              <a:rPr kumimoji="0" lang="en-US" altLang="en-US" sz="1200" b="1" i="0" u="none" strike="noStrike" cap="none" normalizeH="0" baseline="0" dirty="0" err="1" smtClean="0">
+                <a:ln>
+                  <a:noFill/>
+                </a:ln>
+                <a:solidFill>
+                  <a:srgbClr val="000000"/>
+                </a:solidFill>
+                <a:effectLst/>
+                <a:latin typeface="Consolas" panose="020B0609020204030204" pitchFamily="49" charset="0"/>
+                <a:cs typeface="Consolas" panose="020B0609020204030204" pitchFamily="49" charset="0"/>
+              </a:rPr>
+              <a:t>OnModelCreating</a:t>
+            </a:r>
+            <a:r>
+              <a:rPr kumimoji="0" lang="en-US" altLang="en-US" sz="1200" b="1" i="0" u="none" strike="noStrike" cap="none" normalizeH="0" baseline="0" dirty="0" smtClean="0">
+                <a:ln>
+                  <a:noFill/>
+                </a:ln>
+                <a:solidFill>
+                  <a:srgbClr val="000000"/>
+                </a:solidFill>
+                <a:effectLst/>
+                <a:latin typeface="Consolas" panose="020B0609020204030204" pitchFamily="49" charset="0"/>
+                <a:cs typeface="Consolas" panose="020B0609020204030204" pitchFamily="49" charset="0"/>
+              </a:rPr>
+              <a:t>(</a:t>
+            </a:r>
+            <a:r>
+              <a:rPr kumimoji="0" lang="en-US" altLang="en-US" sz="1200" b="1" i="0" u="none" strike="noStrike" cap="none" normalizeH="0" baseline="0" dirty="0" err="1" smtClean="0">
+                <a:ln>
+                  <a:noFill/>
+                </a:ln>
+                <a:solidFill>
+                  <a:srgbClr val="2B91AF"/>
+                </a:solidFill>
+                <a:effectLst/>
+                <a:latin typeface="Consolas" panose="020B0609020204030204" pitchFamily="49" charset="0"/>
+                <a:cs typeface="Consolas" panose="020B0609020204030204" pitchFamily="49" charset="0"/>
+              </a:rPr>
+              <a:t>DbModelBuilder</a:t>
+            </a:r>
+            <a:r>
+              <a:rPr kumimoji="0" lang="en-US" altLang="en-US" sz="1200" b="1" i="0" u="none" strike="noStrike" cap="none" normalizeH="0" baseline="0" dirty="0" smtClean="0">
+                <a:ln>
+                  <a:noFill/>
+                </a:ln>
+                <a:solidFill>
+                  <a:srgbClr val="000000"/>
+                </a:solidFill>
+                <a:effectLst/>
+                <a:latin typeface="Consolas" panose="020B0609020204030204" pitchFamily="49" charset="0"/>
+                <a:cs typeface="Consolas" panose="020B0609020204030204" pitchFamily="49" charset="0"/>
+              </a:rPr>
+              <a:t> </a:t>
+            </a:r>
+            <a:r>
+              <a:rPr kumimoji="0" lang="en-US" altLang="en-US" sz="1200" b="1" i="0" u="none" strike="noStrike" cap="none" normalizeH="0" baseline="0" dirty="0" err="1" smtClean="0">
+                <a:ln>
+                  <a:noFill/>
+                </a:ln>
+                <a:solidFill>
+                  <a:srgbClr val="000000"/>
+                </a:solidFill>
+                <a:effectLst/>
+                <a:latin typeface="Consolas" panose="020B0609020204030204" pitchFamily="49" charset="0"/>
+                <a:cs typeface="Consolas" panose="020B0609020204030204" pitchFamily="49" charset="0"/>
+              </a:rPr>
+              <a:t>modelBuilder</a:t>
+            </a:r>
+            <a:r>
+              <a:rPr kumimoji="0" lang="en-US" altLang="en-US" sz="1200" b="1" i="0" u="none" strike="noStrike" cap="none" normalizeH="0" baseline="0" dirty="0" smtClean="0">
+                <a:ln>
+                  <a:noFill/>
+                </a:ln>
+                <a:solidFill>
+                  <a:srgbClr val="000000"/>
+                </a:solidFill>
+                <a:effectLst/>
+                <a:latin typeface="Consolas" panose="020B0609020204030204" pitchFamily="49" charset="0"/>
+                <a:cs typeface="Consolas" panose="020B0609020204030204" pitchFamily="49" charset="0"/>
+              </a:rPr>
+              <a:t>)</a:t>
+            </a:r>
+            <a:r>
+              <a:rPr kumimoji="0" lang="en-US" altLang="en-US" sz="1200" b="0" i="0" u="none" strike="noStrike" cap="none" normalizeH="0" baseline="0" dirty="0" smtClean="0">
+                <a:ln>
+                  <a:noFill/>
+                </a:ln>
+                <a:solidFill>
+                  <a:srgbClr val="000000"/>
+                </a:solidFill>
+                <a:effectLst/>
+                <a:latin typeface="Consolas" panose="020B0609020204030204" pitchFamily="49" charset="0"/>
+                <a:cs typeface="Consolas" panose="020B0609020204030204" pitchFamily="49" charset="0"/>
+              </a:rPr>
+              <a:t> </a:t>
+            </a:r>
+            <a:r>
+              <a:rPr kumimoji="0" lang="en-US" altLang="en-US" sz="1200" b="1" i="0" u="none" strike="noStrike" cap="none" normalizeH="0" baseline="0" dirty="0" smtClean="0">
+                <a:ln>
+                  <a:noFill/>
+                </a:ln>
+                <a:solidFill>
+                  <a:srgbClr val="000000"/>
+                </a:solidFill>
+                <a:effectLst/>
+                <a:latin typeface="Consolas" panose="020B0609020204030204" pitchFamily="49" charset="0"/>
+                <a:cs typeface="Consolas" panose="020B0609020204030204" pitchFamily="49" charset="0"/>
+              </a:rPr>
+              <a:t>{ </a:t>
+            </a:r>
+            <a:r>
+              <a:rPr kumimoji="0" lang="en-US" altLang="en-US" sz="1200" b="1" i="0" u="none" strike="noStrike" cap="none" normalizeH="0" baseline="0" dirty="0" smtClean="0">
+                <a:ln>
+                  <a:noFill/>
+                </a:ln>
+                <a:solidFill>
+                  <a:srgbClr val="008000"/>
+                </a:solidFill>
+                <a:effectLst/>
+                <a:latin typeface="Consolas" panose="020B0609020204030204" pitchFamily="49" charset="0"/>
+                <a:cs typeface="Consolas" panose="020B0609020204030204" pitchFamily="49" charset="0"/>
+              </a:rPr>
+              <a:t>//Configure domain classes using </a:t>
+            </a:r>
+            <a:r>
+              <a:rPr kumimoji="0" lang="en-US" altLang="en-US" sz="1200" b="1" i="0" u="none" strike="noStrike" cap="none" normalizeH="0" baseline="0" dirty="0" err="1" smtClean="0">
+                <a:ln>
+                  <a:noFill/>
+                </a:ln>
+                <a:solidFill>
+                  <a:srgbClr val="008000"/>
+                </a:solidFill>
+                <a:effectLst/>
+                <a:latin typeface="Consolas" panose="020B0609020204030204" pitchFamily="49" charset="0"/>
+                <a:cs typeface="Consolas" panose="020B0609020204030204" pitchFamily="49" charset="0"/>
+              </a:rPr>
+              <a:t>modelBuilder</a:t>
+            </a:r>
+            <a:r>
+              <a:rPr kumimoji="0" lang="en-US" altLang="en-US" sz="1200" b="1" i="0" u="none" strike="noStrike" cap="none" normalizeH="0" baseline="0" dirty="0" smtClean="0">
+                <a:ln>
+                  <a:noFill/>
+                </a:ln>
+                <a:solidFill>
+                  <a:srgbClr val="008000"/>
+                </a:solidFill>
+                <a:effectLst/>
+                <a:latin typeface="Consolas" panose="020B0609020204030204" pitchFamily="49" charset="0"/>
+                <a:cs typeface="Consolas" panose="020B0609020204030204" pitchFamily="49" charset="0"/>
+              </a:rPr>
+              <a:t> here</a:t>
+            </a:r>
+            <a:r>
+              <a:rPr kumimoji="0" lang="en-US" altLang="en-US" sz="1200" b="1" i="0" u="none" strike="noStrike" cap="none" normalizeH="0" baseline="0" dirty="0" smtClean="0">
+                <a:ln>
+                  <a:noFill/>
+                </a:ln>
+                <a:solidFill>
+                  <a:srgbClr val="000000"/>
+                </a:solidFill>
+                <a:effectLst/>
+                <a:latin typeface="Consolas" panose="020B0609020204030204" pitchFamily="49" charset="0"/>
+                <a:cs typeface="Consolas" panose="020B0609020204030204" pitchFamily="49" charset="0"/>
+              </a:rPr>
+              <a:t> </a:t>
+            </a:r>
+            <a:r>
+              <a:rPr kumimoji="0" lang="en-US" altLang="en-US" sz="1200" b="1" i="0" u="none" strike="noStrike" cap="none" normalizeH="0" baseline="0" dirty="0" err="1" smtClean="0">
+                <a:ln>
+                  <a:noFill/>
+                </a:ln>
+                <a:solidFill>
+                  <a:srgbClr val="0000FF"/>
+                </a:solidFill>
+                <a:effectLst/>
+                <a:latin typeface="Consolas" panose="020B0609020204030204" pitchFamily="49" charset="0"/>
+                <a:cs typeface="Consolas" panose="020B0609020204030204" pitchFamily="49" charset="0"/>
+              </a:rPr>
+              <a:t>base</a:t>
+            </a:r>
+            <a:r>
+              <a:rPr kumimoji="0" lang="en-US" altLang="en-US" sz="1200" b="1" i="0" u="none" strike="noStrike" cap="none" normalizeH="0" baseline="0" dirty="0" err="1" smtClean="0">
+                <a:ln>
+                  <a:noFill/>
+                </a:ln>
+                <a:solidFill>
+                  <a:srgbClr val="000000"/>
+                </a:solidFill>
+                <a:effectLst/>
+                <a:latin typeface="Consolas" panose="020B0609020204030204" pitchFamily="49" charset="0"/>
+                <a:cs typeface="Consolas" panose="020B0609020204030204" pitchFamily="49" charset="0"/>
+              </a:rPr>
+              <a:t>.OnModelCreating</a:t>
+            </a:r>
+            <a:r>
+              <a:rPr kumimoji="0" lang="en-US" altLang="en-US" sz="1200" b="1" i="0" u="none" strike="noStrike" cap="none" normalizeH="0" baseline="0" dirty="0" smtClean="0">
+                <a:ln>
+                  <a:noFill/>
+                </a:ln>
+                <a:solidFill>
+                  <a:srgbClr val="000000"/>
+                </a:solidFill>
+                <a:effectLst/>
+                <a:latin typeface="Consolas" panose="020B0609020204030204" pitchFamily="49" charset="0"/>
+                <a:cs typeface="Consolas" panose="020B0609020204030204" pitchFamily="49" charset="0"/>
+              </a:rPr>
+              <a:t>(</a:t>
+            </a:r>
+            <a:r>
+              <a:rPr kumimoji="0" lang="en-US" altLang="en-US" sz="1200" b="1" i="0" u="none" strike="noStrike" cap="none" normalizeH="0" baseline="0" dirty="0" err="1" smtClean="0">
+                <a:ln>
+                  <a:noFill/>
+                </a:ln>
+                <a:solidFill>
+                  <a:srgbClr val="000000"/>
+                </a:solidFill>
+                <a:effectLst/>
+                <a:latin typeface="Consolas" panose="020B0609020204030204" pitchFamily="49" charset="0"/>
+                <a:cs typeface="Consolas" panose="020B0609020204030204" pitchFamily="49" charset="0"/>
+              </a:rPr>
+              <a:t>modelBuilder</a:t>
+            </a:r>
+            <a:r>
+              <a:rPr kumimoji="0" lang="en-US" altLang="en-US" sz="1200" b="1" i="0" u="none" strike="noStrike" cap="none" normalizeH="0" baseline="0" dirty="0" smtClean="0">
+                <a:ln>
+                  <a:noFill/>
+                </a:ln>
+                <a:solidFill>
+                  <a:srgbClr val="000000"/>
+                </a:solidFill>
+                <a:effectLst/>
+                <a:latin typeface="Consolas" panose="020B0609020204030204" pitchFamily="49" charset="0"/>
+                <a:cs typeface="Consolas" panose="020B0609020204030204" pitchFamily="49" charset="0"/>
+              </a:rPr>
+              <a:t>); }</a:t>
+            </a:r>
+            <a:r>
+              <a:rPr kumimoji="0" lang="en-US" altLang="en-US" sz="1050" b="0" i="0" u="none" strike="noStrike" cap="none" normalizeH="0" baseline="0" dirty="0" smtClean="0">
+                <a:ln>
+                  <a:noFill/>
+                </a:ln>
+                <a:solidFill>
+                  <a:schemeClr val="tx1"/>
+                </a:solidFill>
+                <a:effectLst/>
+              </a:rPr>
+              <a:t> </a:t>
+            </a:r>
+            <a:endParaRPr kumimoji="0" lang="en-US" altLang="en-US" sz="2800" b="0" i="0" u="none" strike="noStrike" cap="none" normalizeH="0" baseline="0" dirty="0" smtClean="0">
+              <a:ln>
+                <a:noFill/>
+              </a:ln>
+              <a:solidFill>
+                <a:schemeClr val="tx1"/>
+              </a:solidFill>
+              <a:effectLst/>
+              <a:latin typeface="Arial" panose="020B0604020202020204" pitchFamily="34" charset="0"/>
+            </a:endParaRPr>
+          </a:p>
+          <a:p>
+            <a:endParaRPr lang="en-US" dirty="0" smtClean="0"/>
+          </a:p>
+          <a:p>
+            <a:r>
+              <a:rPr lang="en-US" dirty="0" smtClean="0"/>
+              <a:t>Want to specify a foreign key</a:t>
             </a:r>
             <a:r>
               <a:rPr lang="en-US" baseline="0" dirty="0" smtClean="0"/>
+              <a:t> and rename it? (don’t want to rename, don’t use map but then its </a:t>
+            </a:r>
+            <a:r>
+              <a:rPr lang="en-US" baseline="0" dirty="0" err="1" smtClean="0"/>
+              <a:t>Artist_ArtistID</a:t>
+            </a:r>
+            <a:r>
+              <a:rPr lang="en-US" baseline="0" dirty="0" smtClean="0"/>
+              <a:t> I believe)</a:t>
+            </a:r>
+          </a:p>
+          <a:p>
+            <a:endParaRPr lang="en-US" dirty="0" smtClean="0"/>
+          </a:p>
+          <a:p>
+            <a:r>
+              <a:rPr lang="en-US" sz="1200" kern="1200" dirty="0" smtClean="0">
+                <a:solidFill>
+                  <a:schemeClr val="tx1"/>
+                </a:solidFill>
+                <a:latin typeface="+mn-lt"/>
+                <a:ea typeface="+mn-ea"/>
+                <a:cs typeface="+mn-cs"/>
+              </a:rPr>
               <a:t> </a:t>
             </a:r>
             <a:r>
-              <a:rPr lang="en-US" baseline="0" dirty="0" err="1" smtClean="0"/>
-              <a:t>entityframework</a:t>
+              <a:rPr lang="en-US" sz="1200" kern="1200" dirty="0" err="1" smtClean="0">
+                <a:solidFill>
+                  <a:schemeClr val="tx1"/>
+                </a:solidFill>
+                <a:latin typeface="+mn-lt"/>
+                <a:ea typeface="+mn-ea"/>
+                <a:cs typeface="+mn-cs"/>
+              </a:rPr>
+              <a:t>modelBuilder.Entity</a:t>
+            </a:r>
+            <a:r>
+              <a:rPr lang="en-US" sz="1200" kern="1200" dirty="0" smtClean="0">
+                <a:solidFill>
+                  <a:schemeClr val="tx1"/>
+                </a:solidFill>
+                <a:latin typeface="+mn-lt"/>
+                <a:ea typeface="+mn-ea"/>
+                <a:cs typeface="+mn-cs"/>
+              </a:rPr>
+              <a:t>&lt;Album&gt;()</a:t>
+            </a:r>
+          </a:p>
+          <a:p>
+            <a:r>
+              <a:rPr lang="en-US" sz="1200" kern="1200" dirty="0" smtClean="0">
+                <a:solidFill>
+                  <a:schemeClr val="tx1"/>
+                </a:solidFill>
+                <a:latin typeface="+mn-lt"/>
+                <a:ea typeface="+mn-ea"/>
+                <a:cs typeface="+mn-cs"/>
+              </a:rPr>
+              <a:t>                               .</a:t>
+            </a:r>
+            <a:r>
+              <a:rPr lang="en-US" sz="1200" kern="1200" dirty="0" err="1" smtClean="0">
+                <a:solidFill>
+                  <a:schemeClr val="tx1"/>
+                </a:solidFill>
+                <a:latin typeface="+mn-lt"/>
+                <a:ea typeface="+mn-ea"/>
+                <a:cs typeface="+mn-cs"/>
+              </a:rPr>
+              <a:t>HasRequired</a:t>
+            </a:r>
+            <a:r>
+              <a:rPr lang="en-US" sz="1200" kern="1200" dirty="0" smtClean="0">
+                <a:solidFill>
+                  <a:schemeClr val="tx1"/>
+                </a:solidFill>
+                <a:latin typeface="+mn-lt"/>
+                <a:ea typeface="+mn-ea"/>
+                <a:cs typeface="+mn-cs"/>
+              </a:rPr>
+              <a:t>&lt;Artist&gt;(s =&gt; </a:t>
+            </a:r>
+            <a:r>
+              <a:rPr lang="en-US" sz="1200" kern="1200" dirty="0" err="1" smtClean="0">
+                <a:solidFill>
+                  <a:schemeClr val="tx1"/>
+                </a:solidFill>
+                <a:latin typeface="+mn-lt"/>
+                <a:ea typeface="+mn-ea"/>
+                <a:cs typeface="+mn-cs"/>
+              </a:rPr>
+              <a:t>s.Artist</a:t>
+            </a:r>
+            <a:r>
+              <a:rPr lang="en-US" sz="1200" kern="1200" dirty="0" smtClean="0">
+                <a:solidFill>
+                  <a:schemeClr val="tx1"/>
+                </a:solidFill>
+                <a:latin typeface="+mn-lt"/>
+                <a:ea typeface="+mn-ea"/>
+                <a:cs typeface="+mn-cs"/>
+              </a:rPr>
+              <a:t>)</a:t>
+            </a:r>
+          </a:p>
+          <a:p>
+            <a:r>
+              <a:rPr lang="en-US" sz="1200" kern="1200" dirty="0" smtClean="0">
+                <a:solidFill>
+                  <a:schemeClr val="tx1"/>
+                </a:solidFill>
+                <a:latin typeface="+mn-lt"/>
+                <a:ea typeface="+mn-ea"/>
+                <a:cs typeface="+mn-cs"/>
+              </a:rPr>
+              <a:t>                               .</a:t>
+            </a:r>
+            <a:r>
+              <a:rPr lang="en-US" sz="1200" kern="1200" dirty="0" err="1" smtClean="0">
+                <a:solidFill>
+                  <a:schemeClr val="tx1"/>
+                </a:solidFill>
+                <a:latin typeface="+mn-lt"/>
+                <a:ea typeface="+mn-ea"/>
+                <a:cs typeface="+mn-cs"/>
+              </a:rPr>
+              <a:t>WithMany</a:t>
+            </a:r>
+            <a:r>
+              <a:rPr lang="en-US" sz="1200" kern="1200" dirty="0" smtClean="0">
+                <a:solidFill>
+                  <a:schemeClr val="tx1"/>
+                </a:solidFill>
+                <a:latin typeface="+mn-lt"/>
+                <a:ea typeface="+mn-ea"/>
+                <a:cs typeface="+mn-cs"/>
+              </a:rPr>
+              <a:t>(s =&gt; </a:t>
+            </a:r>
+            <a:r>
+              <a:rPr lang="en-US" sz="1200" kern="1200" dirty="0" err="1" smtClean="0">
+                <a:solidFill>
+                  <a:schemeClr val="tx1"/>
+                </a:solidFill>
+                <a:latin typeface="+mn-lt"/>
+                <a:ea typeface="+mn-ea"/>
+                <a:cs typeface="+mn-cs"/>
+              </a:rPr>
+              <a:t>s.Albums</a:t>
+            </a:r>
+            <a:r>
+              <a:rPr lang="en-US" sz="1200" kern="1200" dirty="0" smtClean="0">
+                <a:solidFill>
+                  <a:schemeClr val="tx1"/>
+                </a:solidFill>
+                <a:latin typeface="+mn-lt"/>
+                <a:ea typeface="+mn-ea"/>
+                <a:cs typeface="+mn-cs"/>
+              </a:rPr>
+              <a:t>)</a:t>
+            </a:r>
+          </a:p>
+          <a:p>
+            <a:r>
+              <a:rPr lang="en-US" sz="1200" kern="1200" dirty="0" smtClean="0">
+                <a:solidFill>
+                  <a:schemeClr val="tx1"/>
+                </a:solidFill>
+                <a:latin typeface="+mn-lt"/>
+                <a:ea typeface="+mn-ea"/>
+                <a:cs typeface="+mn-cs"/>
+              </a:rPr>
+              <a:t>                               .Map(o=&gt;</a:t>
+            </a:r>
+            <a:r>
+              <a:rPr lang="en-US" sz="1200" kern="1200" dirty="0" err="1" smtClean="0">
+                <a:solidFill>
+                  <a:schemeClr val="tx1"/>
+                </a:solidFill>
+                <a:latin typeface="+mn-lt"/>
+                <a:ea typeface="+mn-ea"/>
+                <a:cs typeface="+mn-cs"/>
+              </a:rPr>
+              <a:t>o.MapKey</a:t>
+            </a:r>
+            <a:r>
+              <a:rPr lang="en-US" sz="1200" kern="1200" dirty="0" smtClean="0">
+                <a:solidFill>
+                  <a:schemeClr val="tx1"/>
+                </a:solidFill>
+                <a:latin typeface="+mn-lt"/>
+                <a:ea typeface="+mn-ea"/>
+                <a:cs typeface="+mn-cs"/>
+              </a:rPr>
+              <a:t>("</a:t>
+            </a:r>
+            <a:r>
+              <a:rPr lang="en-US" sz="1200" kern="1200" dirty="0" err="1" smtClean="0">
+                <a:solidFill>
+                  <a:schemeClr val="tx1"/>
+                </a:solidFill>
+                <a:latin typeface="+mn-lt"/>
+                <a:ea typeface="+mn-ea"/>
+                <a:cs typeface="+mn-cs"/>
+              </a:rPr>
+              <a:t>ArtistId</a:t>
+            </a:r>
+            <a:r>
+              <a:rPr lang="en-US" sz="1200" kern="1200" dirty="0" smtClean="0">
+                <a:solidFill>
+                  <a:schemeClr val="tx1"/>
+                </a:solidFill>
+                <a:latin typeface="+mn-lt"/>
+                <a:ea typeface="+mn-ea"/>
+                <a:cs typeface="+mn-cs"/>
+              </a:rPr>
+              <a:t>"));</a:t>
             </a:r>
             <a:endParaRPr lang="en-US" dirty="0"/>
           </a:p>
@@ -2391,7 +4867,7 @@
           <a:p>
             <a:fld id="{4CFD207A-07DF-40AD-A916-9872E089CE7A}" type="slidenum">
               <a:rPr lang="en-US" smtClean="0"/>
-              <a:t>9</a:t>
+              <a:t>10</a:t>
             </a:fld>
             <a:endParaRPr lang="en-US" dirty="0"/>
           </a:p>
@@ -2400,7 +4876,7 @@
     </p:spTree>
     <p:extLst>
       <p:ext uri="{BB962C8B-B14F-4D97-AF65-F5344CB8AC3E}">
-        <p14:creationId xmlns:p14="http://schemas.microsoft.com/office/powerpoint/2010/main" val="3476266708"/>
+        <p14:creationId xmlns:p14="http://schemas.microsoft.com/office/powerpoint/2010/main" val="2622062590"/>
       </p:ext>
     </p:extLst>
   </p:cSld>
@@ -2487,7 +4963,7 @@
           <a:p>
             <a:fld id="{4CFD207A-07DF-40AD-A916-9872E089CE7A}" type="slidenum">
               <a:rPr lang="en-US" smtClean="0"/>
-              <a:t>12</a:t>
+              <a:t>11</a:t>
             </a:fld>
             <a:endParaRPr lang="en-US" dirty="0"/>
           </a:p>
@@ -2496,7 +4972,7 @@
     </p:spTree>
     <p:extLst>
       <p:ext uri="{BB962C8B-B14F-4D97-AF65-F5344CB8AC3E}">
-        <p14:creationId xmlns:p14="http://schemas.microsoft.com/office/powerpoint/2010/main" val="1302140377"/>
+        <p14:creationId xmlns:p14="http://schemas.microsoft.com/office/powerpoint/2010/main" val="3476266708"/>
       </p:ext>
     </p:extLst>
   </p:cSld>
@@ -5204,7 +7680,7 @@
           <a:p>
             <a:r>
               <a:rPr lang="en-US" dirty="0" smtClean="0"/>
-              <a:t>Christopher Harrison | Technical Evangelist, Microsoft</a:t>
+              <a:t>Christopher Harrison | Content Developer, Microsoft</a:t>
             </a:r>
           </a:p>
           <a:p>
@@ -5267,31 +7743,14 @@
             <p:ph type="title"/>
           </p:nvPr>
         </p:nvSpPr>
-        <p:spPr>
-          <a:xfrm>
-            <a:off x="379413" y="63279"/>
-            <a:ext cx="11524432" cy="1063487"/>
-          </a:xfrm>
-        </p:spPr>
+        <p:spPr/>
         <p:txBody>
           <a:bodyPr/>
           <a:lstStyle/>
           <a:p>
             <a:r>
-              <a:rPr lang="en-US" dirty="0" smtClean="0"/>
-              <a:t>Advanced types - </a:t>
-            </a:r>
-            <a:r>
-              <a:rPr lang="en-US" dirty="0" err="1" smtClean="0"/>
-              <a:t>Enums</a:t>
-            </a:r>
-            <a:r>
-              <a:rPr lang="en-US" dirty="0" smtClean="0"/>
-              <a:t> and </a:t>
-            </a:r>
-            <a:r>
-              <a:rPr lang="en-US" dirty="0" err="1" smtClean="0"/>
-              <a:t>Structs</a:t>
+              <a:rPr lang="en-US" smtClean="0"/>
+              <a:t>OnModelCreating</a:t>
             </a:r>
             <a:endParaRPr lang="en-US" dirty="0"/>
           </a:p>
@@ -5299,7 +7758,7 @@
       </p:sp>
       <p:sp>
         <p:nvSpPr>
-          <p:cNvPr id="3" name="Content Placeholder 2"/>
+          <p:cNvPr id="5" name="Content Placeholder 4"/>
           <p:cNvSpPr>
             <a:spLocks noGrp="1"/>
           </p:cNvSpPr>
@@ -5314,26 +7773,872 @@
           <a:p>
             <a:r>
               <a:rPr lang="en-US" dirty="0" smtClean="0"/>
-              <a:t>TBC</a:t>
+              <a:t>Override </a:t>
+            </a:r>
+            <a:r>
+              <a:rPr lang="en-US" dirty="0" err="1" smtClean="0"/>
+              <a:t>OnModelCreating</a:t>
+            </a:r>
+            <a:r>
+              <a:rPr lang="en-US" dirty="0" smtClean="0"/>
+              <a:t> in </a:t>
+            </a:r>
+            <a:r>
+              <a:rPr lang="en-US" dirty="0" err="1" smtClean="0"/>
+              <a:t>DbContext</a:t>
             </a:r>
             <a:endParaRPr lang="en-US" dirty="0"/>
+          </a:p>
+          <a:p>
+            <a:endParaRPr lang="en-US" dirty="0" smtClean="0"/>
+          </a:p>
+          <a:p>
+            <a:endParaRPr lang="en-US" dirty="0" smtClean="0"/>
+          </a:p>
+          <a:p>
+            <a:endParaRPr lang="en-US" dirty="0"/>
+          </a:p>
+        </p:txBody>
+      </p:sp>
+      <p:sp>
+        <p:nvSpPr>
+          <p:cNvPr id="3" name="TextBox 2"/>
+          <p:cNvSpPr txBox="1"/>
+          <p:nvPr/>
+        </p:nvSpPr>
+        <p:spPr>
+          <a:xfrm>
+            <a:off x="516835" y="2154299"/>
+            <a:ext cx="11675165" cy="4524315"/>
+          </a:xfrm>
+          <a:prstGeom prst="rect">
+            <a:avLst/>
+          </a:prstGeom>
+          <a:noFill/>
+        </p:spPr>
+        <p:txBody>
+          <a:bodyPr wrap="square" rtlCol="0">
+            <a:spAutoFit/>
+          </a:bodyPr>
+          <a:lstStyle/>
+          <a:p>
+            <a:r>
+              <a:rPr lang="en-US" sz="2400" dirty="0">
+                <a:solidFill>
+                  <a:srgbClr val="0000FF"/>
+                </a:solidFill>
+                <a:highlight>
+                  <a:srgbClr val="FFFFFF"/>
+                </a:highlight>
+                <a:latin typeface="Consolas" panose="020B0609020204030204" pitchFamily="49" charset="0"/>
+              </a:rPr>
+              <a:t>protected</a:t>
+            </a:r>
+            <a:r>
+              <a:rPr lang="en-US" sz="2400" dirty="0">
+                <a:solidFill>
+                  <a:srgbClr val="000000"/>
+                </a:solidFill>
+                <a:highlight>
+                  <a:srgbClr val="FFFFFF"/>
+                </a:highlight>
+                <a:latin typeface="Consolas" panose="020B0609020204030204" pitchFamily="49" charset="0"/>
+              </a:rPr>
+              <a:t> </a:t>
+            </a:r>
+            <a:r>
+              <a:rPr lang="en-US" sz="2400" dirty="0">
+                <a:solidFill>
+                  <a:srgbClr val="0000FF"/>
+                </a:solidFill>
+                <a:highlight>
+                  <a:srgbClr val="FFFFFF"/>
+                </a:highlight>
+                <a:latin typeface="Consolas" panose="020B0609020204030204" pitchFamily="49" charset="0"/>
+              </a:rPr>
+              <a:t>override</a:t>
+            </a:r>
+            <a:r>
+              <a:rPr lang="en-US" sz="2400" dirty="0">
+                <a:solidFill>
+                  <a:srgbClr val="000000"/>
+                </a:solidFill>
+                <a:highlight>
+                  <a:srgbClr val="FFFFFF"/>
+                </a:highlight>
+                <a:latin typeface="Consolas" panose="020B0609020204030204" pitchFamily="49" charset="0"/>
+              </a:rPr>
+              <a:t> </a:t>
+            </a:r>
+            <a:r>
+              <a:rPr lang="en-US" sz="2400" dirty="0">
+                <a:solidFill>
+                  <a:srgbClr val="0000FF"/>
+                </a:solidFill>
+                <a:highlight>
+                  <a:srgbClr val="FFFFFF"/>
+                </a:highlight>
+                <a:latin typeface="Consolas" panose="020B0609020204030204" pitchFamily="49" charset="0"/>
+              </a:rPr>
+              <a:t>void</a:t>
+            </a:r>
+            <a:r>
+              <a:rPr lang="en-US" sz="2400" dirty="0">
+                <a:solidFill>
+                  <a:srgbClr val="000000"/>
+                </a:solidFill>
+                <a:highlight>
+                  <a:srgbClr val="FFFFFF"/>
+                </a:highlight>
+                <a:latin typeface="Consolas" panose="020B0609020204030204" pitchFamily="49" charset="0"/>
+              </a:rPr>
+              <a:t> </a:t>
+            </a:r>
+            <a:r>
+              <a:rPr lang="en-US" sz="2400" dirty="0" err="1">
+                <a:solidFill>
+                  <a:srgbClr val="000000"/>
+                </a:solidFill>
+                <a:highlight>
+                  <a:srgbClr val="FFFFFF"/>
+                </a:highlight>
+                <a:latin typeface="Consolas" panose="020B0609020204030204" pitchFamily="49" charset="0"/>
+              </a:rPr>
+              <a:t>OnModelCreating</a:t>
+            </a:r>
+            <a:r>
+              <a:rPr lang="en-US" sz="2400" dirty="0">
+                <a:solidFill>
+                  <a:srgbClr val="000000"/>
+                </a:solidFill>
+                <a:highlight>
+                  <a:srgbClr val="FFFFFF"/>
+                </a:highlight>
+                <a:latin typeface="Consolas" panose="020B0609020204030204" pitchFamily="49" charset="0"/>
+              </a:rPr>
+              <a:t>(</a:t>
+            </a:r>
+            <a:r>
+              <a:rPr lang="en-US" sz="2400" dirty="0" err="1">
+                <a:solidFill>
+                  <a:srgbClr val="2B91AF"/>
+                </a:solidFill>
+                <a:highlight>
+                  <a:srgbClr val="FFFFFF"/>
+                </a:highlight>
+                <a:latin typeface="Consolas" panose="020B0609020204030204" pitchFamily="49" charset="0"/>
+              </a:rPr>
+              <a:t>DbModelBuilder</a:t>
+            </a:r>
+            <a:r>
+              <a:rPr lang="en-US" sz="2400" dirty="0">
+                <a:solidFill>
+                  <a:srgbClr val="000000"/>
+                </a:solidFill>
+                <a:highlight>
+                  <a:srgbClr val="FFFFFF"/>
+                </a:highlight>
+                <a:latin typeface="Consolas" panose="020B0609020204030204" pitchFamily="49" charset="0"/>
+              </a:rPr>
+              <a:t> </a:t>
+            </a:r>
+            <a:r>
+              <a:rPr lang="en-US" sz="2400" dirty="0" err="1">
+                <a:solidFill>
+                  <a:srgbClr val="000000"/>
+                </a:solidFill>
+                <a:highlight>
+                  <a:srgbClr val="FFFFFF"/>
+                </a:highlight>
+                <a:latin typeface="Consolas" panose="020B0609020204030204" pitchFamily="49" charset="0"/>
+              </a:rPr>
+              <a:t>modelBuilder</a:t>
+            </a:r>
+            <a:r>
+              <a:rPr lang="en-US" sz="2400" dirty="0">
+                <a:solidFill>
+                  <a:srgbClr val="000000"/>
+                </a:solidFill>
+                <a:highlight>
+                  <a:srgbClr val="FFFFFF"/>
+                </a:highlight>
+                <a:latin typeface="Consolas" panose="020B0609020204030204" pitchFamily="49" charset="0"/>
+              </a:rPr>
+              <a:t>)</a:t>
+            </a:r>
+          </a:p>
+          <a:p>
+            <a:r>
+              <a:rPr lang="en-US" sz="2400" dirty="0" smtClean="0">
+                <a:solidFill>
+                  <a:srgbClr val="000000"/>
+                </a:solidFill>
+                <a:highlight>
+                  <a:srgbClr val="FFFFFF"/>
+                </a:highlight>
+                <a:latin typeface="Consolas" panose="020B0609020204030204" pitchFamily="49" charset="0"/>
+              </a:rPr>
+              <a:t>{</a:t>
+            </a:r>
+          </a:p>
+          <a:p>
+            <a:r>
+              <a:rPr lang="en-US" sz="2400" dirty="0">
+                <a:solidFill>
+                  <a:srgbClr val="000000"/>
+                </a:solidFill>
+                <a:highlight>
+                  <a:srgbClr val="FFFFFF"/>
+                </a:highlight>
+                <a:latin typeface="Consolas" panose="020B0609020204030204" pitchFamily="49" charset="0"/>
+              </a:rPr>
+              <a:t>   </a:t>
+            </a:r>
+            <a:r>
+              <a:rPr lang="en-US" sz="2400" dirty="0" err="1">
+                <a:solidFill>
+                  <a:srgbClr val="000000"/>
+                </a:solidFill>
+                <a:highlight>
+                  <a:srgbClr val="FFFFFF"/>
+                </a:highlight>
+                <a:latin typeface="Consolas" panose="020B0609020204030204" pitchFamily="49" charset="0"/>
+              </a:rPr>
+              <a:t>modelBuilder.HasDefaultSchema</a:t>
+            </a:r>
+            <a:r>
+              <a:rPr lang="en-US" sz="2400" dirty="0">
+                <a:solidFill>
+                  <a:srgbClr val="000000"/>
+                </a:solidFill>
+                <a:highlight>
+                  <a:srgbClr val="FFFFFF"/>
+                </a:highlight>
+                <a:latin typeface="Consolas" panose="020B0609020204030204" pitchFamily="49" charset="0"/>
+              </a:rPr>
+              <a:t>("</a:t>
+            </a:r>
+            <a:r>
+              <a:rPr lang="en-US" sz="2400" dirty="0" err="1">
+                <a:solidFill>
+                  <a:srgbClr val="000000"/>
+                </a:solidFill>
+                <a:highlight>
+                  <a:srgbClr val="FFFFFF"/>
+                </a:highlight>
+                <a:latin typeface="Consolas" panose="020B0609020204030204" pitchFamily="49" charset="0"/>
+              </a:rPr>
+              <a:t>MusicStore</a:t>
+            </a:r>
+            <a:r>
+              <a:rPr lang="en-US" sz="2400" dirty="0" smtClean="0">
+                <a:solidFill>
+                  <a:srgbClr val="000000"/>
+                </a:solidFill>
+                <a:highlight>
+                  <a:srgbClr val="FFFFFF"/>
+                </a:highlight>
+                <a:latin typeface="Consolas" panose="020B0609020204030204" pitchFamily="49" charset="0"/>
+              </a:rPr>
+              <a:t>");</a:t>
+            </a:r>
+          </a:p>
+          <a:p>
+            <a:endParaRPr lang="en-US" sz="2400" dirty="0" smtClean="0">
+              <a:solidFill>
+                <a:srgbClr val="000000"/>
+              </a:solidFill>
+              <a:highlight>
+                <a:srgbClr val="FFFFFF"/>
+              </a:highlight>
+              <a:latin typeface="Consolas" panose="020B0609020204030204" pitchFamily="49" charset="0"/>
+            </a:endParaRPr>
+          </a:p>
+          <a:p>
+            <a:r>
+              <a:rPr lang="en-US" sz="2400" dirty="0">
+                <a:solidFill>
+                  <a:srgbClr val="000000"/>
+                </a:solidFill>
+                <a:highlight>
+                  <a:srgbClr val="FFFFFF"/>
+                </a:highlight>
+                <a:latin typeface="Consolas" panose="020B0609020204030204" pitchFamily="49" charset="0"/>
+              </a:rPr>
+              <a:t> </a:t>
+            </a:r>
+            <a:r>
+              <a:rPr lang="en-US" sz="2400" dirty="0" smtClean="0">
+                <a:solidFill>
+                  <a:srgbClr val="000000"/>
+                </a:solidFill>
+                <a:highlight>
+                  <a:srgbClr val="FFFFFF"/>
+                </a:highlight>
+                <a:latin typeface="Consolas" panose="020B0609020204030204" pitchFamily="49" charset="0"/>
+              </a:rPr>
+              <a:t>  </a:t>
+            </a:r>
+            <a:r>
+              <a:rPr lang="en-US" sz="2400" dirty="0" err="1" smtClean="0">
+                <a:solidFill>
+                  <a:srgbClr val="000000"/>
+                </a:solidFill>
+                <a:highlight>
+                  <a:srgbClr val="FFFFFF"/>
+                </a:highlight>
+                <a:latin typeface="Consolas" panose="020B0609020204030204" pitchFamily="49" charset="0"/>
+              </a:rPr>
+              <a:t>modelBuilder.Entity</a:t>
+            </a:r>
+            <a:r>
+              <a:rPr lang="en-US" sz="2400" dirty="0" smtClean="0">
+                <a:solidFill>
+                  <a:srgbClr val="000000"/>
+                </a:solidFill>
+                <a:highlight>
+                  <a:srgbClr val="FFFFFF"/>
+                </a:highlight>
+                <a:latin typeface="Consolas" panose="020B0609020204030204" pitchFamily="49" charset="0"/>
+              </a:rPr>
+              <a:t>&lt;</a:t>
+            </a:r>
+            <a:r>
+              <a:rPr lang="en-US" sz="2400" dirty="0" smtClean="0">
+                <a:solidFill>
+                  <a:srgbClr val="2B91AF"/>
+                </a:solidFill>
+                <a:highlight>
+                  <a:srgbClr val="FFFFFF"/>
+                </a:highlight>
+                <a:latin typeface="Consolas" panose="020B0609020204030204" pitchFamily="49" charset="0"/>
+              </a:rPr>
+              <a:t>Album</a:t>
+            </a:r>
+            <a:r>
+              <a:rPr lang="en-US" sz="2400" dirty="0" smtClean="0">
+                <a:solidFill>
+                  <a:srgbClr val="000000"/>
+                </a:solidFill>
+                <a:highlight>
+                  <a:srgbClr val="FFFFFF"/>
+                </a:highlight>
+                <a:latin typeface="Consolas" panose="020B0609020204030204" pitchFamily="49" charset="0"/>
+              </a:rPr>
+              <a:t>&gt;()</a:t>
+            </a:r>
+          </a:p>
+          <a:p>
+            <a:r>
+              <a:rPr lang="en-US" sz="2400" dirty="0">
+                <a:solidFill>
+                  <a:srgbClr val="000000"/>
+                </a:solidFill>
+                <a:highlight>
+                  <a:srgbClr val="FFFFFF"/>
+                </a:highlight>
+                <a:latin typeface="Consolas" panose="020B0609020204030204" pitchFamily="49" charset="0"/>
+              </a:rPr>
+              <a:t> </a:t>
+            </a:r>
+            <a:r>
+              <a:rPr lang="en-US" sz="2400" dirty="0" smtClean="0">
+                <a:solidFill>
+                  <a:srgbClr val="000000"/>
+                </a:solidFill>
+                <a:highlight>
+                  <a:srgbClr val="FFFFFF"/>
+                </a:highlight>
+                <a:latin typeface="Consolas" panose="020B0609020204030204" pitchFamily="49" charset="0"/>
+              </a:rPr>
+              <a:t>              .</a:t>
+            </a:r>
+            <a:r>
+              <a:rPr lang="en-US" sz="2400" dirty="0">
+                <a:solidFill>
+                  <a:srgbClr val="000000"/>
+                </a:solidFill>
+                <a:highlight>
+                  <a:srgbClr val="FFFFFF"/>
+                </a:highlight>
+                <a:latin typeface="Consolas" panose="020B0609020204030204" pitchFamily="49" charset="0"/>
+              </a:rPr>
+              <a:t>Property(e =&gt; </a:t>
+            </a:r>
+            <a:r>
+              <a:rPr lang="en-US" sz="2400" dirty="0" err="1">
+                <a:solidFill>
+                  <a:srgbClr val="000000"/>
+                </a:solidFill>
+                <a:highlight>
+                  <a:srgbClr val="FFFFFF"/>
+                </a:highlight>
+                <a:latin typeface="Consolas" panose="020B0609020204030204" pitchFamily="49" charset="0"/>
+              </a:rPr>
+              <a:t>e.Title</a:t>
+            </a:r>
+            <a:r>
+              <a:rPr lang="en-US" sz="2400" dirty="0" smtClean="0">
+                <a:solidFill>
+                  <a:srgbClr val="000000"/>
+                </a:solidFill>
+                <a:highlight>
+                  <a:srgbClr val="FFFFFF"/>
+                </a:highlight>
+                <a:latin typeface="Consolas" panose="020B0609020204030204" pitchFamily="49" charset="0"/>
+              </a:rPr>
+              <a:t>)</a:t>
+            </a:r>
+          </a:p>
+          <a:p>
+            <a:r>
+              <a:rPr lang="en-US" sz="2400" dirty="0">
+                <a:solidFill>
+                  <a:srgbClr val="000000"/>
+                </a:solidFill>
+                <a:highlight>
+                  <a:srgbClr val="FFFFFF"/>
+                </a:highlight>
+                <a:latin typeface="Consolas" panose="020B0609020204030204" pitchFamily="49" charset="0"/>
+              </a:rPr>
+              <a:t> </a:t>
+            </a:r>
+            <a:r>
+              <a:rPr lang="en-US" sz="2400" dirty="0" smtClean="0">
+                <a:solidFill>
+                  <a:srgbClr val="000000"/>
+                </a:solidFill>
+                <a:highlight>
+                  <a:srgbClr val="FFFFFF"/>
+                </a:highlight>
+                <a:latin typeface="Consolas" panose="020B0609020204030204" pitchFamily="49" charset="0"/>
+              </a:rPr>
+              <a:t>              .</a:t>
+            </a:r>
+            <a:r>
+              <a:rPr lang="en-US" sz="2400" dirty="0" err="1">
+                <a:solidFill>
+                  <a:srgbClr val="000000"/>
+                </a:solidFill>
+                <a:highlight>
+                  <a:srgbClr val="FFFFFF"/>
+                </a:highlight>
+                <a:latin typeface="Consolas" panose="020B0609020204030204" pitchFamily="49" charset="0"/>
+              </a:rPr>
+              <a:t>HasColumnName</a:t>
+            </a:r>
+            <a:r>
+              <a:rPr lang="en-US" sz="2400" dirty="0">
+                <a:solidFill>
+                  <a:srgbClr val="000000"/>
+                </a:solidFill>
+                <a:highlight>
+                  <a:srgbClr val="FFFFFF"/>
+                </a:highlight>
+                <a:latin typeface="Consolas" panose="020B0609020204030204" pitchFamily="49" charset="0"/>
+              </a:rPr>
+              <a:t>(</a:t>
+            </a:r>
+            <a:r>
+              <a:rPr lang="en-US" sz="2400" dirty="0">
+                <a:solidFill>
+                  <a:srgbClr val="A31515"/>
+                </a:solidFill>
+                <a:highlight>
+                  <a:srgbClr val="FFFFFF"/>
+                </a:highlight>
+                <a:latin typeface="Consolas" panose="020B0609020204030204" pitchFamily="49" charset="0"/>
+              </a:rPr>
+              <a:t>"</a:t>
+            </a:r>
+            <a:r>
+              <a:rPr lang="en-US" sz="2400" dirty="0" err="1">
+                <a:solidFill>
+                  <a:srgbClr val="A31515"/>
+                </a:solidFill>
+                <a:highlight>
+                  <a:srgbClr val="FFFFFF"/>
+                </a:highlight>
+                <a:latin typeface="Consolas" panose="020B0609020204030204" pitchFamily="49" charset="0"/>
+              </a:rPr>
+              <a:t>Album_Title</a:t>
+            </a:r>
+            <a:r>
+              <a:rPr lang="en-US" sz="2400" dirty="0">
+                <a:solidFill>
+                  <a:srgbClr val="A31515"/>
+                </a:solidFill>
+                <a:highlight>
+                  <a:srgbClr val="FFFFFF"/>
+                </a:highlight>
+                <a:latin typeface="Consolas" panose="020B0609020204030204" pitchFamily="49" charset="0"/>
+              </a:rPr>
+              <a:t>"</a:t>
+            </a:r>
+            <a:r>
+              <a:rPr lang="en-US" sz="2400" dirty="0">
+                <a:solidFill>
+                  <a:srgbClr val="000000"/>
+                </a:solidFill>
+                <a:highlight>
+                  <a:srgbClr val="FFFFFF"/>
+                </a:highlight>
+                <a:latin typeface="Consolas" panose="020B0609020204030204" pitchFamily="49" charset="0"/>
+              </a:rPr>
+              <a:t>);</a:t>
+            </a:r>
+          </a:p>
+          <a:p>
+            <a:endParaRPr lang="en-US" sz="2400" dirty="0">
+              <a:solidFill>
+                <a:srgbClr val="000000"/>
+              </a:solidFill>
+              <a:highlight>
+                <a:srgbClr val="FFFFFF"/>
+              </a:highlight>
+              <a:latin typeface="Consolas" panose="020B0609020204030204" pitchFamily="49" charset="0"/>
+            </a:endParaRPr>
+          </a:p>
+          <a:p>
+            <a:r>
+              <a:rPr lang="en-US" sz="2400" dirty="0">
+                <a:solidFill>
+                  <a:srgbClr val="000000"/>
+                </a:solidFill>
+                <a:highlight>
+                  <a:srgbClr val="FFFFFF"/>
+                </a:highlight>
+                <a:latin typeface="Consolas" panose="020B0609020204030204" pitchFamily="49" charset="0"/>
+              </a:rPr>
+              <a:t>    </a:t>
+            </a:r>
+            <a:r>
+              <a:rPr lang="en-US" sz="2400" dirty="0" err="1">
+                <a:solidFill>
+                  <a:srgbClr val="000000"/>
+                </a:solidFill>
+                <a:highlight>
+                  <a:srgbClr val="FFFFFF"/>
+                </a:highlight>
+                <a:latin typeface="Consolas" panose="020B0609020204030204" pitchFamily="49" charset="0"/>
+              </a:rPr>
+              <a:t>modelBuilder.Entity</a:t>
+            </a:r>
+            <a:r>
+              <a:rPr lang="en-US" sz="2400" dirty="0">
+                <a:solidFill>
+                  <a:srgbClr val="000000"/>
+                </a:solidFill>
+                <a:highlight>
+                  <a:srgbClr val="FFFFFF"/>
+                </a:highlight>
+                <a:latin typeface="Consolas" panose="020B0609020204030204" pitchFamily="49" charset="0"/>
+              </a:rPr>
+              <a:t>&lt;</a:t>
+            </a:r>
+            <a:r>
+              <a:rPr lang="en-US" sz="2400" dirty="0">
+                <a:solidFill>
+                  <a:srgbClr val="2B91AF"/>
+                </a:solidFill>
+                <a:highlight>
+                  <a:srgbClr val="FFFFFF"/>
+                </a:highlight>
+                <a:latin typeface="Consolas" panose="020B0609020204030204" pitchFamily="49" charset="0"/>
+              </a:rPr>
+              <a:t>Album</a:t>
+            </a:r>
+            <a:r>
+              <a:rPr lang="en-US" sz="2400" dirty="0">
+                <a:solidFill>
+                  <a:srgbClr val="000000"/>
+                </a:solidFill>
+                <a:highlight>
+                  <a:srgbClr val="FFFFFF"/>
+                </a:highlight>
+                <a:latin typeface="Consolas" panose="020B0609020204030204" pitchFamily="49" charset="0"/>
+              </a:rPr>
+              <a:t>&gt;()</a:t>
+            </a:r>
+          </a:p>
+          <a:p>
+            <a:r>
+              <a:rPr lang="en-US" sz="2400" dirty="0">
+                <a:solidFill>
+                  <a:srgbClr val="000000"/>
+                </a:solidFill>
+                <a:highlight>
+                  <a:srgbClr val="FFFFFF"/>
+                </a:highlight>
+                <a:latin typeface="Consolas" panose="020B0609020204030204" pitchFamily="49" charset="0"/>
+              </a:rPr>
+              <a:t>                </a:t>
+            </a:r>
+            <a:r>
+              <a:rPr lang="en-US" sz="2400" dirty="0" smtClean="0">
+                <a:solidFill>
+                  <a:srgbClr val="000000"/>
+                </a:solidFill>
+                <a:highlight>
+                  <a:srgbClr val="FFFFFF"/>
+                </a:highlight>
+                <a:latin typeface="Consolas" panose="020B0609020204030204" pitchFamily="49" charset="0"/>
+              </a:rPr>
+              <a:t>.</a:t>
+            </a:r>
+            <a:r>
+              <a:rPr lang="en-US" sz="2400" dirty="0" err="1">
+                <a:solidFill>
+                  <a:srgbClr val="000000"/>
+                </a:solidFill>
+                <a:highlight>
+                  <a:srgbClr val="FFFFFF"/>
+                </a:highlight>
+                <a:latin typeface="Consolas" panose="020B0609020204030204" pitchFamily="49" charset="0"/>
+              </a:rPr>
+              <a:t>HasRequired</a:t>
+            </a:r>
+            <a:r>
+              <a:rPr lang="en-US" sz="2400" dirty="0">
+                <a:solidFill>
+                  <a:srgbClr val="000000"/>
+                </a:solidFill>
+                <a:highlight>
+                  <a:srgbClr val="FFFFFF"/>
+                </a:highlight>
+                <a:latin typeface="Consolas" panose="020B0609020204030204" pitchFamily="49" charset="0"/>
+              </a:rPr>
+              <a:t>&lt;</a:t>
+            </a:r>
+            <a:r>
+              <a:rPr lang="en-US" sz="2400" dirty="0">
+                <a:solidFill>
+                  <a:srgbClr val="2B91AF"/>
+                </a:solidFill>
+                <a:highlight>
+                  <a:srgbClr val="FFFFFF"/>
+                </a:highlight>
+                <a:latin typeface="Consolas" panose="020B0609020204030204" pitchFamily="49" charset="0"/>
+              </a:rPr>
+              <a:t>Artist</a:t>
+            </a:r>
+            <a:r>
+              <a:rPr lang="en-US" sz="2400" dirty="0">
+                <a:solidFill>
+                  <a:srgbClr val="000000"/>
+                </a:solidFill>
+                <a:highlight>
+                  <a:srgbClr val="FFFFFF"/>
+                </a:highlight>
+                <a:latin typeface="Consolas" panose="020B0609020204030204" pitchFamily="49" charset="0"/>
+              </a:rPr>
+              <a:t>&gt;(s =&gt; </a:t>
+            </a:r>
+            <a:r>
+              <a:rPr lang="en-US" sz="2400" dirty="0" err="1">
+                <a:solidFill>
+                  <a:srgbClr val="000000"/>
+                </a:solidFill>
+                <a:highlight>
+                  <a:srgbClr val="FFFFFF"/>
+                </a:highlight>
+                <a:latin typeface="Consolas" panose="020B0609020204030204" pitchFamily="49" charset="0"/>
+              </a:rPr>
+              <a:t>s.Artist</a:t>
+            </a:r>
+            <a:r>
+              <a:rPr lang="en-US" sz="2400" dirty="0">
+                <a:solidFill>
+                  <a:srgbClr val="000000"/>
+                </a:solidFill>
+                <a:highlight>
+                  <a:srgbClr val="FFFFFF"/>
+                </a:highlight>
+                <a:latin typeface="Consolas" panose="020B0609020204030204" pitchFamily="49" charset="0"/>
+              </a:rPr>
+              <a:t>)</a:t>
+            </a:r>
+          </a:p>
+          <a:p>
+            <a:r>
+              <a:rPr lang="en-US" sz="2400" dirty="0">
+                <a:solidFill>
+                  <a:srgbClr val="000000"/>
+                </a:solidFill>
+                <a:highlight>
+                  <a:srgbClr val="FFFFFF"/>
+                </a:highlight>
+                <a:latin typeface="Consolas" panose="020B0609020204030204" pitchFamily="49" charset="0"/>
+              </a:rPr>
+              <a:t>                </a:t>
+            </a:r>
+            <a:r>
+              <a:rPr lang="en-US" sz="2400" dirty="0" smtClean="0">
+                <a:solidFill>
+                  <a:srgbClr val="000000"/>
+                </a:solidFill>
+                <a:highlight>
+                  <a:srgbClr val="FFFFFF"/>
+                </a:highlight>
+                <a:latin typeface="Consolas" panose="020B0609020204030204" pitchFamily="49" charset="0"/>
+              </a:rPr>
+              <a:t>.</a:t>
+            </a:r>
+            <a:r>
+              <a:rPr lang="en-US" sz="2400" dirty="0" err="1">
+                <a:solidFill>
+                  <a:srgbClr val="000000"/>
+                </a:solidFill>
+                <a:highlight>
+                  <a:srgbClr val="FFFFFF"/>
+                </a:highlight>
+                <a:latin typeface="Consolas" panose="020B0609020204030204" pitchFamily="49" charset="0"/>
+              </a:rPr>
+              <a:t>WithMany</a:t>
+            </a:r>
+            <a:r>
+              <a:rPr lang="en-US" sz="2400" dirty="0">
+                <a:solidFill>
+                  <a:srgbClr val="000000"/>
+                </a:solidFill>
+                <a:highlight>
+                  <a:srgbClr val="FFFFFF"/>
+                </a:highlight>
+                <a:latin typeface="Consolas" panose="020B0609020204030204" pitchFamily="49" charset="0"/>
+              </a:rPr>
+              <a:t>(s =&gt; </a:t>
+            </a:r>
+            <a:r>
+              <a:rPr lang="en-US" sz="2400" dirty="0" err="1">
+                <a:solidFill>
+                  <a:srgbClr val="000000"/>
+                </a:solidFill>
+                <a:highlight>
+                  <a:srgbClr val="FFFFFF"/>
+                </a:highlight>
+                <a:latin typeface="Consolas" panose="020B0609020204030204" pitchFamily="49" charset="0"/>
+              </a:rPr>
+              <a:t>s.Albums</a:t>
+            </a:r>
+            <a:r>
+              <a:rPr lang="en-US" sz="2400" dirty="0" smtClean="0">
+                <a:solidFill>
+                  <a:srgbClr val="000000"/>
+                </a:solidFill>
+                <a:highlight>
+                  <a:srgbClr val="FFFFFF"/>
+                </a:highlight>
+                <a:latin typeface="Consolas" panose="020B0609020204030204" pitchFamily="49" charset="0"/>
+              </a:rPr>
+              <a:t>);</a:t>
+            </a:r>
+            <a:endParaRPr lang="en-US" sz="2400" dirty="0">
+              <a:solidFill>
+                <a:srgbClr val="000000"/>
+              </a:solidFill>
+              <a:highlight>
+                <a:srgbClr val="FFFFFF"/>
+              </a:highlight>
+              <a:latin typeface="Consolas" panose="020B0609020204030204" pitchFamily="49" charset="0"/>
+            </a:endParaRPr>
+          </a:p>
+          <a:p>
+            <a:r>
+              <a:rPr lang="en-US" sz="2400" dirty="0">
+                <a:solidFill>
+                  <a:srgbClr val="000000"/>
+                </a:solidFill>
+                <a:highlight>
+                  <a:srgbClr val="FFFFFF"/>
+                </a:highlight>
+                <a:latin typeface="Consolas" panose="020B0609020204030204" pitchFamily="49" charset="0"/>
+              </a:rPr>
+              <a:t>}</a:t>
+            </a:r>
           </a:p>
         </p:txBody>
       </p:sp>
     </p:spTree>
     <p:extLst>
       <p:ext uri="{BB962C8B-B14F-4D97-AF65-F5344CB8AC3E}">
-        <p14:creationId xmlns:p14="http://schemas.microsoft.com/office/powerpoint/2010/main" val="1564823799"/>
+        <p14:creationId xmlns:p14="http://schemas.microsoft.com/office/powerpoint/2010/main" val="4170731073"/>
       </p:ext>
     </p:extLst>
   </p:cSld>
   <p:clrMapOvr>
     <a:masterClrMapping/>
   </p:clrMapOvr>
+  <p:timing>
+    <p:tnLst>
+      <p:par>
+        <p:cTn id="1" dur="indefinite" restart="never" nodeType="tmRoot"/>
+      </p:par>
+    </p:tnLst>
+  </p:timing>
 </p:sld>
 </file>
 
 <file path=ppt/slides/slide11.xml><?xml version="1.0" encoding="utf-8"?>
+<p:sld xmlns:a="http://schemas.openxmlformats.org/drawingml/2006/main" xmlns:r="http://schemas.openxmlformats.org/officeDocument/2006/relationships" xmlns:p="http://schemas.openxmlformats.org/presentationml/2006/main">
+  <p:cSld>
+    <p:spTree>
+      <p:nvGrpSpPr>
+        <p:cNvPr id="1" name=""/>
+        <p:cNvGrpSpPr/>
+        <p:nvPr/>
+      </p:nvGrpSpPr>
+      <p:grpSpPr>
+        <a:xfrm>
+          <a:off x="0" y="0"/>
+          <a:ext cx="0" cy="0"/>
+          <a:chOff x="0" y="0"/>
+          <a:chExt cx="0" cy="0"/>
+        </a:xfrm>
+      </p:grpSpPr>
+      <p:sp>
+        <p:nvSpPr>
+          <p:cNvPr id="4" name="Title 3"/>
+          <p:cNvSpPr>
+            <a:spLocks noGrp="1"/>
+          </p:cNvSpPr>
+          <p:nvPr>
+            <p:ph type="title"/>
+          </p:nvPr>
+        </p:nvSpPr>
+        <p:spPr/>
+        <p:txBody>
+          <a:bodyPr/>
+          <a:lstStyle/>
+          <a:p>
+            <a:r>
+              <a:rPr lang="en-US" dirty="0" smtClean="0"/>
+              <a:t>Fluent API Basics</a:t>
+            </a:r>
+            <a:endParaRPr lang="en-US" dirty="0"/>
+          </a:p>
+        </p:txBody>
+      </p:sp>
+    </p:spTree>
+    <p:extLst>
+      <p:ext uri="{BB962C8B-B14F-4D97-AF65-F5344CB8AC3E}">
+        <p14:creationId xmlns:p14="http://schemas.microsoft.com/office/powerpoint/2010/main" val="3983632752"/>
+      </p:ext>
+    </p:extLst>
+  </p:cSld>
+  <p:clrMapOvr>
+    <a:masterClrMapping/>
+  </p:clrMapOvr>
+  <p:timing>
+    <p:tnLst>
+      <p:par>
+        <p:cTn id="1" dur="indefinite" restart="never" nodeType="tmRoot"/>
+      </p:par>
+    </p:tnLst>
+  </p:timing>
+</p:sld>
+</file>
+
+<file path=ppt/slides/slide12.xml><?xml version="1.0" encoding="utf-8"?>
 <p:sld xmlns:a="http://schemas.openxmlformats.org/drawingml/2006/main" xmlns:r="http://schemas.openxmlformats.org/officeDocument/2006/relationships" xmlns:p="http://schemas.openxmlformats.org/presentationml/2006/main">
   <p:cSld>
     <p:spTree>
@@ -5392,6 +8697,55 @@
               <a:rPr lang="en-US" dirty="0" smtClean="0"/>
               <a:t>Often legacy databases use ‘bad’ naming conventions</a:t>
             </a:r>
+          </a:p>
+          <a:p>
+            <a:r>
+              <a:rPr lang="en-US" dirty="0" smtClean="0"/>
+              <a:t>Fluent API allows mapping scenarios</a:t>
+            </a:r>
+          </a:p>
+          <a:p>
+            <a:pPr lvl="1"/>
+            <a:r>
+              <a:rPr lang="en-US" dirty="0" smtClean="0"/>
+              <a:t>Any column name to any field</a:t>
+            </a:r>
+          </a:p>
+          <a:p>
+            <a:pPr lvl="1"/>
+            <a:r>
+              <a:rPr lang="en-US" dirty="0" smtClean="0"/>
+              <a:t>Table per type - subclasses have their own table ex Animal, Cat, Dog</a:t>
+            </a:r>
+          </a:p>
+          <a:p>
+            <a:pPr lvl="1"/>
+            <a:r>
+              <a:rPr lang="en-US" dirty="0" smtClean="0"/>
+              <a:t>Table per class –</a:t>
+            </a:r>
+          </a:p>
+          <a:p>
+            <a:pPr lvl="1"/>
+            <a:r>
+              <a:rPr lang="en-US" dirty="0" smtClean="0"/>
+              <a:t>Entity splitting – multiple entities per table</a:t>
+            </a:r>
+          </a:p>
+          <a:p>
+            <a:pPr lvl="1"/>
+            <a:r>
+              <a:rPr lang="en-US" dirty="0" smtClean="0"/>
+              <a:t>Table Splitting- multiple tables per entity</a:t>
+            </a:r>
+            <a:endParaRPr lang="en-US" dirty="0"/>
+          </a:p>
+          <a:p>
+            <a:pPr lvl="1"/>
+            <a:endParaRPr lang="en-US" dirty="0" smtClean="0"/>
+          </a:p>
+          <a:p>
+            <a:pPr lvl="1"/>
             <a:endParaRPr lang="en-US" dirty="0"/>
           </a:p>
         </p:txBody>
@@ -5409,7 +8763,7 @@
 </p:sld>
 </file>
 
-<file path=ppt/slides/slide12.xml><?xml version="1.0" encoding="utf-8"?>
+<file path=ppt/slides/slide13.xml><?xml version="1.0" encoding="utf-8"?>
 <p:sld xmlns:a="http://schemas.openxmlformats.org/drawingml/2006/main" xmlns:r="http://schemas.openxmlformats.org/officeDocument/2006/relationships" xmlns:p="http://schemas.openxmlformats.org/presentationml/2006/main">
   <p:cSld>
     <p:spTree>
@@ -5453,85 +8807,6 @@
     <p:extLst>
       <p:ext uri="{BB962C8B-B14F-4D97-AF65-F5344CB8AC3E}">
         <p14:creationId xmlns:p14="http://schemas.microsoft.com/office/powerpoint/2010/main" val="3846842034"/>
-      </p:ext>
-    </p:extLst>
-  </p:cSld>
-  <p:clrMapOvr>
-    <a:masterClrMapping/>
-  </p:clrMapOvr>
-  <p:timing>
-    <p:tnLst>
-      <p:par>
-        <p:cTn id="1" dur="indefinite" restart="never" nodeType="tmRoot"/>
-      </p:par>
-    </p:tnLst>
-  </p:timing>
-</p:sld>
-</file>
-
-<file path=ppt/slides/slide13.xml><?xml version="1.0" encoding="utf-8"?>
-<p:sld xmlns:a="http://schemas.openxmlformats.org/drawingml/2006/main" xmlns:r="http://schemas.openxmlformats.org/officeDocument/2006/relationships" xmlns:p="http://schemas.openxmlformats.org/presentationml/2006/main">
-  <p:cSld>
-    <p:spTree>
-      <p:nvGrpSpPr>
-        <p:cNvPr id="1" name=""/>
-        <p:cNvGrpSpPr/>
-        <p:nvPr/>
-      </p:nvGrpSpPr>
-      <p:grpSpPr>
-        <a:xfrm>
-          <a:off x="0" y="0"/>
-          <a:ext cx="0" cy="0"/>
-          <a:chOff x="0" y="0"/>
-          <a:chExt cx="0" cy="0"/>
-        </a:xfrm>
-      </p:grpSpPr>
-      <p:sp>
-        <p:nvSpPr>
-          <p:cNvPr id="4" name="Text Placeholder 3"/>
-          <p:cNvSpPr>
-            <a:spLocks noGrp="1"/>
-          </p:cNvSpPr>
-          <p:nvPr>
-            <p:ph type="body" sz="quarter" idx="10"/>
-          </p:nvPr>
-        </p:nvSpPr>
-        <p:spPr/>
-        <p:txBody>
-          <a:bodyPr/>
-          <a:lstStyle/>
-          <a:p>
-            <a:r>
-              <a:rPr lang="en-US" dirty="0" smtClean="0"/>
-              <a:t>Code First Migrations</a:t>
-            </a:r>
-            <a:endParaRPr lang="en-US" dirty="0"/>
-          </a:p>
-        </p:txBody>
-      </p:sp>
-      <p:sp>
-        <p:nvSpPr>
-          <p:cNvPr id="3" name="Subtitle 2"/>
-          <p:cNvSpPr>
-            <a:spLocks noGrp="1"/>
-          </p:cNvSpPr>
-          <p:nvPr>
-            <p:ph type="subTitle" idx="1"/>
-          </p:nvPr>
-        </p:nvSpPr>
-        <p:spPr/>
-        <p:txBody>
-          <a:bodyPr/>
-          <a:lstStyle/>
-          <a:p>
-            <a:endParaRPr lang="en-US" dirty="0"/>
-          </a:p>
-        </p:txBody>
-      </p:sp>
-    </p:spTree>
-    <p:extLst>
-      <p:ext uri="{BB962C8B-B14F-4D97-AF65-F5344CB8AC3E}">
-        <p14:creationId xmlns:p14="http://schemas.microsoft.com/office/powerpoint/2010/main" val="2500459743"/>
       </p:ext>
     </p:extLst>
   </p:cSld>
@@ -5567,12 +8842,12 @@
       </p:grpSpPr>
       <p:sp>
         <p:nvSpPr>
-          <p:cNvPr id="2" name="Title 1"/>
+          <p:cNvPr id="4" name="Text Placeholder 3"/>
           <p:cNvSpPr>
             <a:spLocks noGrp="1"/>
           </p:cNvSpPr>
           <p:nvPr>
-            <p:ph type="title"/>
+            <p:ph type="body" sz="quarter" idx="10"/>
           </p:nvPr>
         </p:nvSpPr>
         <p:spPr/>
@@ -5582,7 +8857,7 @@
           <a:p>
             <a:r>
               <a:rPr lang="en-US" dirty="0" smtClean="0"/>
-              <a:t>Traditional DB/Code Management</a:t>
+              <a:t>Code First Migrations</a:t>
             </a:r>
             <a:endParaRPr lang="en-US" dirty="0"/>
           </a:p>
@@ -5590,12 +8865,12 @@
       </p:sp>
       <p:sp>
         <p:nvSpPr>
-          <p:cNvPr id="3" name="Content Placeholder 2"/>
+          <p:cNvPr id="3" name="Subtitle 2"/>
           <p:cNvSpPr>
             <a:spLocks noGrp="1"/>
           </p:cNvSpPr>
           <p:nvPr>
-            <p:ph sz="quarter" idx="10"/>
+            <p:ph type="subTitle" idx="1"/>
           </p:nvPr>
         </p:nvSpPr>
         <p:spPr/>
@@ -5603,33 +8878,6 @@
           <a:bodyPr/>
           <a:lstStyle/>
           <a:p>
-            <a:r>
-              <a:rPr lang="en-US" dirty="0" smtClean="0"/>
-              <a:t>We can manage databases for our apps in many ways</a:t>
-            </a:r>
-          </a:p>
-          <a:p>
-            <a:r>
-              <a:rPr lang="en-US" dirty="0" smtClean="0"/>
-              <a:t>Create code, write </a:t>
-            </a:r>
-            <a:r>
-              <a:rPr lang="en-US" dirty="0" err="1" smtClean="0"/>
-              <a:t>sql</a:t>
-            </a:r>
-            <a:r>
-              <a:rPr lang="en-US" dirty="0" smtClean="0"/>
-              <a:t>, create database</a:t>
-            </a:r>
-          </a:p>
-          <a:p>
-            <a:r>
-              <a:rPr lang="en-US" dirty="0" smtClean="0"/>
-              <a:t>Create database, write code, script database</a:t>
-            </a:r>
-          </a:p>
-          <a:p>
-            <a:pPr lvl="1"/>
             <a:endParaRPr lang="en-US" dirty="0"/>
           </a:p>
         </p:txBody>
@@ -5637,13 +8885,20 @@
     </p:spTree>
     <p:extLst>
       <p:ext uri="{BB962C8B-B14F-4D97-AF65-F5344CB8AC3E}">
-        <p14:creationId xmlns:p14="http://schemas.microsoft.com/office/powerpoint/2010/main" val="1407088065"/>
+        <p14:creationId xmlns:p14="http://schemas.microsoft.com/office/powerpoint/2010/main" val="2500459743"/>
       </p:ext>
     </p:extLst>
   </p:cSld>
   <p:clrMapOvr>
     <a:masterClrMapping/>
   </p:clrMapOvr>
+  <p:timing>
+    <p:tnLst>
+      <p:par>
+        <p:cTn id="1" dur="indefinite" restart="never" nodeType="tmRoot"/>
+      </p:par>
+    </p:tnLst>
+  </p:timing>
 </p:sld>
 </file>
 
@@ -5666,7 +8921,7 @@
       </p:grpSpPr>
       <p:sp>
         <p:nvSpPr>
-          <p:cNvPr id="4" name="Title 3"/>
+          <p:cNvPr id="2" name="Title 1"/>
           <p:cNvSpPr>
             <a:spLocks noGrp="1"/>
           </p:cNvSpPr>
@@ -5681,8 +8936,54 @@
           <a:p>
             <a:r>
               <a:rPr lang="en-US" dirty="0" smtClean="0"/>
-              <a:t>Manual Script Management</a:t>
-            </a:r>
+              <a:t>Traditional DB/Code Management</a:t>
+            </a:r>
+            <a:endParaRPr lang="en-US" dirty="0"/>
+          </a:p>
+        </p:txBody>
+      </p:sp>
+      <p:sp>
+        <p:nvSpPr>
+          <p:cNvPr id="3" name="Content Placeholder 2"/>
+          <p:cNvSpPr>
+            <a:spLocks noGrp="1"/>
+          </p:cNvSpPr>
+          <p:nvPr>
+            <p:ph sz="quarter" idx="10"/>
+          </p:nvPr>
+        </p:nvSpPr>
+        <p:spPr/>
+        <p:txBody>
+          <a:bodyPr/>
+          <a:lstStyle/>
+          <a:p>
+            <a:r>
+              <a:rPr lang="en-US" dirty="0" smtClean="0"/>
+              <a:t>We can manage databases for our apps in many ways</a:t>
+            </a:r>
+          </a:p>
+          <a:p>
+            <a:r>
+              <a:rPr lang="en-US" dirty="0" smtClean="0"/>
+              <a:t>Create code, write </a:t>
+            </a:r>
+            <a:r>
+              <a:rPr lang="en-US" dirty="0" err="1" smtClean="0"/>
+              <a:t>sql</a:t>
+            </a:r>
+            <a:r>
+              <a:rPr lang="en-US" dirty="0" smtClean="0"/>
+              <a:t>, create database</a:t>
+            </a:r>
+          </a:p>
+          <a:p>
+            <a:r>
+              <a:rPr lang="en-US" dirty="0" smtClean="0"/>
+              <a:t>Create database, write code, script database</a:t>
+            </a:r>
+          </a:p>
+          <a:p>
+            <a:pPr lvl="1"/>
             <a:endParaRPr lang="en-US" dirty="0"/>
           </a:p>
         </p:txBody>
@@ -5690,20 +8991,13 @@
     </p:spTree>
     <p:extLst>
       <p:ext uri="{BB962C8B-B14F-4D97-AF65-F5344CB8AC3E}">
-        <p14:creationId xmlns:p14="http://schemas.microsoft.com/office/powerpoint/2010/main" val="1068677498"/>
+        <p14:creationId xmlns:p14="http://schemas.microsoft.com/office/powerpoint/2010/main" val="1407088065"/>
       </p:ext>
     </p:extLst>
   </p:cSld>
   <p:clrMapOvr>
     <a:masterClrMapping/>
   </p:clrMapOvr>
-  <p:timing>
-    <p:tnLst>
-      <p:par>
-        <p:cTn id="1" dur="indefinite" restart="never" nodeType="tmRoot"/>
-      </p:par>
-    </p:tnLst>
-  </p:timing>
 </p:sld>
 </file>
 
@@ -5741,6 +9035,66 @@
           <a:p>
             <a:r>
               <a:rPr lang="en-US" dirty="0" smtClean="0"/>
+              <a:t>Manual Script Management</a:t>
+            </a:r>
+            <a:endParaRPr lang="en-US" dirty="0"/>
+          </a:p>
+        </p:txBody>
+      </p:sp>
+    </p:spTree>
+    <p:extLst>
+      <p:ext uri="{BB962C8B-B14F-4D97-AF65-F5344CB8AC3E}">
+        <p14:creationId xmlns:p14="http://schemas.microsoft.com/office/powerpoint/2010/main" val="1068677498"/>
+      </p:ext>
+    </p:extLst>
+  </p:cSld>
+  <p:clrMapOvr>
+    <a:masterClrMapping/>
+  </p:clrMapOvr>
+  <p:timing>
+    <p:tnLst>
+      <p:par>
+        <p:cTn id="1" dur="indefinite" restart="never" nodeType="tmRoot"/>
+      </p:par>
+    </p:tnLst>
+  </p:timing>
+</p:sld>
+</file>
+
+<file path=ppt/slides/slide17.xml><?xml version="1.0" encoding="utf-8"?>
+<p:sld xmlns:a="http://schemas.openxmlformats.org/drawingml/2006/main" xmlns:r="http://schemas.openxmlformats.org/officeDocument/2006/relationships" xmlns:p="http://schemas.openxmlformats.org/presentationml/2006/main">
+  <p:cSld>
+    <p:spTree>
+      <p:nvGrpSpPr>
+        <p:cNvPr id="1" name=""/>
+        <p:cNvGrpSpPr/>
+        <p:nvPr/>
+      </p:nvGrpSpPr>
+      <p:grpSpPr>
+        <a:xfrm>
+          <a:off x="0" y="0"/>
+          <a:ext cx="0" cy="0"/>
+          <a:chOff x="0" y="0"/>
+          <a:chExt cx="0" cy="0"/>
+        </a:xfrm>
+      </p:grpSpPr>
+      <p:sp>
+        <p:nvSpPr>
+          <p:cNvPr id="4" name="Title 3"/>
+          <p:cNvSpPr>
+            <a:spLocks noGrp="1"/>
+          </p:cNvSpPr>
+          <p:nvPr>
+            <p:ph type="title"/>
+          </p:nvPr>
+        </p:nvSpPr>
+        <p:spPr/>
+        <p:txBody>
+          <a:bodyPr/>
+          <a:lstStyle/>
+          <a:p>
+            <a:r>
+              <a:rPr lang="en-US" dirty="0" smtClean="0"/>
               <a:t>What’s the problem?</a:t>
             </a:r>
             <a:endParaRPr lang="en-US" dirty="0"/>
@@ -5790,16 +9144,47 @@
             </a:r>
           </a:p>
           <a:p>
-            <a:r>
-              <a:rPr lang="en-US" dirty="0" smtClean="0"/>
-              <a:t>Fix issues (many went to production bugs)</a:t>
-            </a:r>
-          </a:p>
-          <a:p>
             <a:pPr lvl="1"/>
             <a:r>
               <a:rPr lang="en-US" dirty="0" smtClean="0"/>
-              <a:t>string customer didn’t validate to </a:t>
+              <a:t>Ever forget/lose a script?</a:t>
+            </a:r>
+          </a:p>
+          <a:p>
+            <a:r>
+              <a:rPr lang="en-US" dirty="0" smtClean="0"/>
+              <a:t>Fix issues (many ‘went to production’ bugs)</a:t>
+            </a:r>
+          </a:p>
+          <a:p>
+            <a:pPr lvl="1"/>
+            <a:r>
+              <a:rPr lang="en-US" dirty="0">
+                <a:solidFill>
+                  <a:srgbClr val="0000FF"/>
+                </a:solidFill>
+                <a:highlight>
+                  <a:srgbClr val="FFFFFF"/>
+                </a:highlight>
+                <a:latin typeface="Consolas" panose="020B0609020204030204" pitchFamily="49" charset="0"/>
+              </a:rPr>
+              <a:t>string</a:t>
+            </a:r>
+            <a:r>
+              <a:rPr lang="en-US" dirty="0">
+                <a:solidFill>
+                  <a:srgbClr val="000000"/>
+                </a:solidFill>
+                <a:highlight>
+                  <a:srgbClr val="FFFFFF"/>
+                </a:highlight>
+                <a:latin typeface="Consolas" panose="020B0609020204030204" pitchFamily="49" charset="0"/>
+              </a:rPr>
+              <a:t> customer; </a:t>
+            </a:r>
+            <a:r>
+              <a:rPr lang="en-US" dirty="0" smtClean="0"/>
+              <a:t>didn’t validate to </a:t>
             </a:r>
             <a:r>
               <a:rPr lang="en-US" dirty="0" err="1" smtClean="0"/>
@@ -5807,26 +9192,8 @@
             </a:r>
             <a:r>
               <a:rPr lang="en-US" dirty="0" smtClean="0"/>
-              <a:t>( </a:t>
-            </a:r>
-          </a:p>
-          <a:p>
-            <a:r>
-              <a:rPr lang="en-US" dirty="0" smtClean="0"/>
-              <a:t>TBC? Replace </a:t>
-            </a:r>
-            <a:r>
-              <a:rPr lang="en-US" dirty="0" smtClean="0"/>
-              <a:t>with animations for work flow (code, database, map, fix, deploy, create scripts)</a:t>
-            </a:r>
-          </a:p>
-          <a:p>
-            <a:pPr lvl="1"/>
-            <a:r>
-              <a:rPr lang="en-US" dirty="0" smtClean="0"/>
-              <a:t>Manage code AND database manually</a:t>
-            </a:r>
-            <a:endParaRPr lang="en-US" dirty="0"/>
+              <a:t>(50)</a:t>
+            </a:r>
           </a:p>
         </p:txBody>
       </p:sp>
@@ -5843,7 +9210,7 @@
 </p:sld>
 </file>
 
-<file path=ppt/slides/slide17.xml><?xml version="1.0" encoding="utf-8"?>
+<file path=ppt/slides/slide18.xml><?xml version="1.0" encoding="utf-8"?>
 <p:sld xmlns:a="http://schemas.openxmlformats.org/drawingml/2006/main" xmlns:r="http://schemas.openxmlformats.org/officeDocument/2006/relationships" xmlns:p="http://schemas.openxmlformats.org/presentationml/2006/main">
   <p:cSld>
     <p:spTree>
@@ -5900,15 +9267,7 @@
           <a:p>
             <a:r>
               <a:rPr lang="en-US" dirty="0" smtClean="0"/>
-              <a:t>Our apps run code </a:t>
-            </a:r>
-            <a:r>
-              <a:rPr lang="en-US" dirty="0" smtClean="0"/>
-              <a:t>that maps </a:t>
-            </a:r>
-            <a:r>
-              <a:rPr lang="en-US" dirty="0" smtClean="0"/>
-              <a:t>between database and code</a:t>
+              <a:t>Our apps run code that maps between database and code</a:t>
             </a:r>
           </a:p>
           <a:p>
@@ -5922,21 +9281,8 @@
           <a:p>
             <a:r>
               <a:rPr lang="en-US" dirty="0" smtClean="0"/>
-              <a:t>We write code, </a:t>
-            </a:r>
-            <a:r>
-              <a:rPr lang="en-US" dirty="0" smtClean="0"/>
-              <a:t>would be nice </a:t>
-            </a:r>
-            <a:r>
-              <a:rPr lang="en-US" dirty="0" smtClean="0"/>
-              <a:t>to have </a:t>
-            </a:r>
-            <a:r>
-              <a:rPr lang="en-US" dirty="0" smtClean="0"/>
-              <a:t>feature to manage scripts</a:t>
-            </a:r>
-            <a:endParaRPr lang="en-US" dirty="0" smtClean="0"/>
+              <a:t>We write code, would be nice to have feature to manage scripts</a:t>
+            </a:r>
           </a:p>
         </p:txBody>
       </p:sp>
@@ -5953,7 +9299,7 @@
 </p:sld>
 </file>
 
-<file path=ppt/slides/slide18.xml><?xml version="1.0" encoding="utf-8"?>
+<file path=ppt/slides/slide19.xml><?xml version="1.0" encoding="utf-8"?>
 <p:sld xmlns:a="http://schemas.openxmlformats.org/drawingml/2006/main" xmlns:r="http://schemas.openxmlformats.org/officeDocument/2006/relationships" xmlns:p="http://schemas.openxmlformats.org/presentationml/2006/main">
   <p:cSld>
     <p:spTree>
@@ -6047,34 +9393,60 @@
             </a:r>
           </a:p>
           <a:p>
-            <a:r>
-              <a:rPr lang="en-US" dirty="0" smtClean="0"/>
-              <a:t>EF Creates code that acts as snapshot</a:t>
-            </a:r>
-          </a:p>
-          <a:p>
             <a:pPr lvl="1"/>
             <a:r>
               <a:rPr lang="en-US" dirty="0" smtClean="0"/>
-              <a:t>Code only used by </a:t>
-            </a:r>
-            <a:r>
-              <a:rPr lang="en-US" dirty="0" smtClean="0"/>
-              <a:t>EF</a:t>
-            </a:r>
-          </a:p>
-          <a:p>
+              <a:t>Including upgrading and downgrading</a:t>
+            </a:r>
+          </a:p>
+          <a:p>
+            <a:r>
+              <a:rPr lang="en-US" dirty="0" smtClean="0"/>
+              <a:t>Can </a:t>
+            </a:r>
             <a:r>
               <a:rPr lang="en-US" dirty="0"/>
-              <a:t>Can this help for existing databases?</a:t>
+              <a:t>this help for existing databases?</a:t>
             </a:r>
           </a:p>
           <a:p>
             <a:pPr lvl="1"/>
             <a:r>
-              <a:rPr lang="en-US" dirty="0"/>
-              <a:t>Sure, existing database becomes initial snapshot</a:t>
-            </a:r>
+              <a:rPr lang="en-US" dirty="0" smtClean="0"/>
+              <a:t>Code or reverse engineer into models, add migration</a:t>
+            </a:r>
+          </a:p>
+          <a:p>
+            <a:pPr lvl="1"/>
+            <a:r>
+              <a:rPr lang="en-US" dirty="0">
+                <a:solidFill>
+                  <a:schemeClr val="accent6"/>
+                </a:solidFill>
+              </a:rPr>
+              <a:t>Add-Migration Initial </a:t>
+            </a:r>
+            <a:r>
+              <a:rPr lang="en-US" dirty="0" smtClean="0">
+                <a:solidFill>
+                  <a:schemeClr val="accent6"/>
+                </a:solidFill>
+              </a:rPr>
+              <a:t>–</a:t>
+            </a:r>
+            <a:r>
+              <a:rPr lang="en-US" dirty="0" err="1">
+                <a:solidFill>
+                  <a:schemeClr val="accent6"/>
+                </a:solidFill>
+              </a:rPr>
+              <a:t>IgnoreChanges</a:t>
+            </a:r>
+            <a:endParaRPr lang="en-US" dirty="0" smtClean="0">
+              <a:solidFill>
+                <a:schemeClr val="accent6"/>
+              </a:solidFill>
+            </a:endParaRPr>
           </a:p>
           <a:p>
             <a:endParaRPr lang="en-US" dirty="0" smtClean="0"/>
@@ -6088,154 +9460,6 @@
     <p:extLst>
       <p:ext uri="{BB962C8B-B14F-4D97-AF65-F5344CB8AC3E}">
         <p14:creationId xmlns:p14="http://schemas.microsoft.com/office/powerpoint/2010/main" val="2287400107"/>
-      </p:ext>
-    </p:extLst>
-  </p:cSld>
-  <p:clrMapOvr>
-    <a:masterClrMapping/>
-  </p:clrMapOvr>
-</p:sld>
-</file>
-
-<file path=ppt/slides/slide19.xml><?xml version="1.0" encoding="utf-8"?>
-<p:sld xmlns:a="http://schemas.openxmlformats.org/drawingml/2006/main" xmlns:r="http://schemas.openxmlformats.org/officeDocument/2006/relationships" xmlns:p="http://schemas.openxmlformats.org/presentationml/2006/main">
-  <p:cSld>
-    <p:spTree>
-      <p:nvGrpSpPr>
-        <p:cNvPr id="1" name=""/>
-        <p:cNvGrpSpPr/>
-        <p:nvPr/>
-      </p:nvGrpSpPr>
-      <p:grpSpPr>
-        <a:xfrm>
-          <a:off x="0" y="0"/>
-          <a:ext cx="0" cy="0"/>
-          <a:chOff x="0" y="0"/>
-          <a:chExt cx="0" cy="0"/>
-        </a:xfrm>
-      </p:grpSpPr>
-      <p:sp>
-        <p:nvSpPr>
-          <p:cNvPr id="3" name="Title 2"/>
-          <p:cNvSpPr>
-            <a:spLocks noGrp="1"/>
-          </p:cNvSpPr>
-          <p:nvPr>
-            <p:ph type="title"/>
-          </p:nvPr>
-        </p:nvSpPr>
-        <p:spPr/>
-        <p:txBody>
-          <a:bodyPr/>
-          <a:lstStyle/>
-          <a:p>
-            <a:r>
-              <a:rPr lang="en-US" dirty="0" smtClean="0"/>
-              <a:t>How do </a:t>
-            </a:r>
-            <a:r>
-              <a:rPr lang="en-US" dirty="0" smtClean="0"/>
-              <a:t>Code First Migrations work?</a:t>
-            </a:r>
-            <a:endParaRPr lang="en-US" dirty="0"/>
-          </a:p>
-        </p:txBody>
-      </p:sp>
-      <p:sp>
-        <p:nvSpPr>
-          <p:cNvPr id="4" name="Content Placeholder 3"/>
-          <p:cNvSpPr>
-            <a:spLocks noGrp="1"/>
-          </p:cNvSpPr>
-          <p:nvPr>
-            <p:ph sz="quarter" idx="10"/>
-          </p:nvPr>
-        </p:nvSpPr>
-        <p:spPr/>
-        <p:txBody>
-          <a:bodyPr/>
-          <a:lstStyle/>
-          <a:p>
-            <a:r>
-              <a:rPr lang="en-US" dirty="0" smtClean="0"/>
-              <a:t>Code created under default Migrations folder</a:t>
-            </a:r>
-          </a:p>
-          <a:p>
-            <a:r>
-              <a:rPr lang="en-US" dirty="0" smtClean="0"/>
-              <a:t>Each new Migration (add-migration) adds new code</a:t>
-            </a:r>
-          </a:p>
-          <a:p>
-            <a:r>
-              <a:rPr lang="en-US" dirty="0" smtClean="0"/>
-              <a:t>Can overwrite existing migrations</a:t>
-            </a:r>
-          </a:p>
-          <a:p>
-            <a:pPr lvl="1"/>
-            <a:r>
-              <a:rPr lang="en-US" dirty="0" smtClean="0"/>
-              <a:t>Add-migration </a:t>
-            </a:r>
-            <a:r>
-              <a:rPr lang="en-US" dirty="0" err="1" smtClean="0"/>
-              <a:t>AddedShipInfo</a:t>
-            </a:r>
-            <a:endParaRPr lang="en-US" dirty="0" smtClean="0"/>
-          </a:p>
-          <a:p>
-            <a:pPr lvl="1"/>
-            <a:r>
-              <a:rPr lang="en-US" dirty="0" smtClean="0"/>
-              <a:t>Developer adds more properties to </a:t>
-            </a:r>
-            <a:r>
-              <a:rPr lang="en-US" dirty="0" err="1" smtClean="0"/>
-              <a:t>ShipInfo</a:t>
-            </a:r>
-            <a:endParaRPr lang="en-US" dirty="0" smtClean="0"/>
-          </a:p>
-          <a:p>
-            <a:pPr lvl="1"/>
-            <a:r>
-              <a:rPr lang="en-US" dirty="0"/>
-              <a:t>Add-migration </a:t>
-            </a:r>
-            <a:r>
-              <a:rPr lang="en-US" dirty="0" err="1" smtClean="0"/>
-              <a:t>AddedShipInfo</a:t>
-            </a:r>
-            <a:r>
-              <a:rPr lang="en-US" dirty="0" smtClean="0"/>
-              <a:t>  (updates existing migration)</a:t>
-            </a:r>
-          </a:p>
-          <a:p>
-            <a:r>
-              <a:rPr lang="en-US" dirty="0" smtClean="0"/>
-              <a:t>Need to then push to database</a:t>
-            </a:r>
-          </a:p>
-          <a:p>
-            <a:pPr lvl="1"/>
-            <a:r>
-              <a:rPr lang="en-US" dirty="0" smtClean="0"/>
-              <a:t>Update-database </a:t>
-            </a:r>
-            <a:endParaRPr lang="en-US" dirty="0"/>
-          </a:p>
-          <a:p>
-            <a:pPr lvl="1"/>
-            <a:endParaRPr lang="en-US" dirty="0"/>
-          </a:p>
-        </p:txBody>
-      </p:sp>
-    </p:spTree>
-    <p:extLst>
-      <p:ext uri="{BB962C8B-B14F-4D97-AF65-F5344CB8AC3E}">
-        <p14:creationId xmlns:p14="http://schemas.microsoft.com/office/powerpoint/2010/main" val="3180091380"/>
       </p:ext>
     </p:extLst>
   </p:cSld>
@@ -6625,7 +9849,7 @@
       </p:grpSpPr>
       <p:sp>
         <p:nvSpPr>
-          <p:cNvPr id="4" name="Title 3"/>
+          <p:cNvPr id="3" name="Title 2"/>
           <p:cNvSpPr>
             <a:spLocks noGrp="1"/>
           </p:cNvSpPr>
@@ -6640,29 +9864,178 @@
           <a:p>
             <a:r>
               <a:rPr lang="en-US" dirty="0" smtClean="0"/>
-              <a:t>Setting up migrations</a:t>
+              <a:t>How do Code First Migrations work?</a:t>
             </a:r>
             <a:endParaRPr lang="en-US" dirty="0"/>
           </a:p>
         </p:txBody>
       </p:sp>
+      <p:sp>
+        <p:nvSpPr>
+          <p:cNvPr id="4" name="Content Placeholder 3"/>
+          <p:cNvSpPr>
+            <a:spLocks noGrp="1"/>
+          </p:cNvSpPr>
+          <p:nvPr>
+            <p:ph sz="quarter" idx="10"/>
+          </p:nvPr>
+        </p:nvSpPr>
+        <p:spPr/>
+        <p:txBody>
+          <a:bodyPr/>
+          <a:lstStyle/>
+          <a:p>
+            <a:r>
+              <a:rPr lang="en-US" dirty="0" smtClean="0"/>
+              <a:t>Code created under default </a:t>
+            </a:r>
+            <a:r>
+              <a:rPr lang="en-US" dirty="0" smtClean="0">
+                <a:solidFill>
+                  <a:schemeClr val="accent6"/>
+                </a:solidFill>
+              </a:rPr>
+              <a:t>Migrations</a:t>
+            </a:r>
+            <a:r>
+              <a:rPr lang="en-US" dirty="0" smtClean="0"/>
+              <a:t> folder</a:t>
+            </a:r>
+          </a:p>
+          <a:p>
+            <a:r>
+              <a:rPr lang="en-US" dirty="0" smtClean="0"/>
+              <a:t>Each new Migration (add-migration) adds new code</a:t>
+            </a:r>
+          </a:p>
+          <a:p>
+            <a:r>
+              <a:rPr lang="en-US" dirty="0" smtClean="0"/>
+              <a:t>Can overwrite/update existing migrations</a:t>
+            </a:r>
+          </a:p>
+          <a:p>
+            <a:pPr lvl="1"/>
+            <a:r>
+              <a:rPr lang="en-US" dirty="0" smtClean="0"/>
+              <a:t>Add-migration </a:t>
+            </a:r>
+            <a:r>
+              <a:rPr lang="en-US" dirty="0" err="1" smtClean="0">
+                <a:solidFill>
+                  <a:schemeClr val="accent6"/>
+                </a:solidFill>
+              </a:rPr>
+              <a:t>AddedShipInfo</a:t>
+            </a:r>
+            <a:endParaRPr lang="en-US" dirty="0" smtClean="0">
+              <a:solidFill>
+                <a:schemeClr val="accent6"/>
+              </a:solidFill>
+            </a:endParaRPr>
+          </a:p>
+          <a:p>
+            <a:pPr lvl="1"/>
+            <a:r>
+              <a:rPr lang="en-US" dirty="0" smtClean="0"/>
+              <a:t>Developer adds more properties to </a:t>
+            </a:r>
+            <a:r>
+              <a:rPr lang="en-US" dirty="0" err="1" smtClean="0"/>
+              <a:t>ShipInfo</a:t>
+            </a:r>
+            <a:r>
+              <a:rPr lang="en-US" dirty="0" smtClean="0"/>
+              <a:t> class</a:t>
+            </a:r>
+          </a:p>
+          <a:p>
+            <a:pPr lvl="1"/>
+            <a:r>
+              <a:rPr lang="en-US" dirty="0" smtClean="0"/>
+              <a:t>Add-migration </a:t>
+            </a:r>
+            <a:r>
+              <a:rPr lang="en-US" dirty="0" err="1" smtClean="0">
+                <a:solidFill>
+                  <a:schemeClr val="accent6"/>
+                </a:solidFill>
+              </a:rPr>
+              <a:t>AddedShipInfo</a:t>
+            </a:r>
+            <a:r>
+              <a:rPr lang="en-US" dirty="0" smtClean="0"/>
+              <a:t>  (updates existing migration)</a:t>
+            </a:r>
+          </a:p>
+          <a:p>
+            <a:r>
+              <a:rPr lang="en-US" dirty="0" smtClean="0"/>
+              <a:t>Push to database</a:t>
+            </a:r>
+          </a:p>
+          <a:p>
+            <a:pPr lvl="1"/>
+            <a:r>
+              <a:rPr lang="en-US" dirty="0" smtClean="0"/>
+              <a:t>Update-database </a:t>
+            </a:r>
+            <a:r>
+              <a:rPr lang="en-US" dirty="0" smtClean="0">
+                <a:solidFill>
+                  <a:srgbClr val="92D050"/>
+                </a:solidFill>
+              </a:rPr>
+              <a:t>-script</a:t>
+            </a:r>
+          </a:p>
+          <a:p>
+            <a:r>
+              <a:rPr lang="en-US" dirty="0" smtClean="0"/>
+              <a:t>Can configure automatic migrations</a:t>
+            </a:r>
+            <a:endParaRPr lang="en-US" dirty="0"/>
+          </a:p>
+          <a:p>
+            <a:pPr lvl="1"/>
+            <a:endParaRPr lang="en-US" dirty="0"/>
+          </a:p>
+        </p:txBody>
+      </p:sp>
+      <p:pic>
+        <p:nvPicPr>
+          <p:cNvPr id="5" name="Picture 4"/>
+          <p:cNvPicPr>
+            <a:picLocks noChangeAspect="1"/>
+          </p:cNvPicPr>
+          <p:nvPr/>
+        </p:nvPicPr>
+        <p:blipFill>
+          <a:blip r:embed="rId3"/>
+          <a:stretch>
+            <a:fillRect/>
+          </a:stretch>
+        </p:blipFill>
+        <p:spPr>
+          <a:xfrm>
+            <a:off x="7054274" y="6050623"/>
+            <a:ext cx="665915" cy="580884"/>
+          </a:xfrm>
+          <a:prstGeom prst="rect">
+            <a:avLst/>
+          </a:prstGeom>
+        </p:spPr>
+      </p:pic>
     </p:spTree>
     <p:extLst>
       <p:ext uri="{BB962C8B-B14F-4D97-AF65-F5344CB8AC3E}">
-        <p14:creationId xmlns:p14="http://schemas.microsoft.com/office/powerpoint/2010/main" val="2007932928"/>
+        <p14:creationId xmlns:p14="http://schemas.microsoft.com/office/powerpoint/2010/main" val="3180091380"/>
       </p:ext>
     </p:extLst>
   </p:cSld>
   <p:clrMapOvr>
     <a:masterClrMapping/>
   </p:clrMapOvr>
-  <p:timing>
-    <p:tnLst>
-      <p:par>
-        <p:cTn id="1" dur="indefinite" restart="never" nodeType="tmRoot"/>
-      </p:par>
-    </p:tnLst>
-  </p:timing>
 </p:sld>
 </file>
 
@@ -6700,7 +10073,7 @@
           <a:p>
             <a:r>
               <a:rPr lang="en-US" dirty="0" smtClean="0"/>
-              <a:t>Managing an existing database</a:t>
+              <a:t>Setting up migrations</a:t>
             </a:r>
             <a:endParaRPr lang="en-US" dirty="0"/>
           </a:p>
@@ -6709,7 +10082,7 @@
     </p:spTree>
     <p:extLst>
       <p:ext uri="{BB962C8B-B14F-4D97-AF65-F5344CB8AC3E}">
-        <p14:creationId xmlns:p14="http://schemas.microsoft.com/office/powerpoint/2010/main" val="1101191013"/>
+        <p14:creationId xmlns:p14="http://schemas.microsoft.com/office/powerpoint/2010/main" val="2007932928"/>
       </p:ext>
     </p:extLst>
   </p:cSld>
@@ -6745,7 +10118,7 @@
       </p:grpSpPr>
       <p:sp>
         <p:nvSpPr>
-          <p:cNvPr id="2" name="Title 1"/>
+          <p:cNvPr id="4" name="Title 3"/>
           <p:cNvSpPr>
             <a:spLocks noGrp="1"/>
           </p:cNvSpPr>
@@ -6760,30 +10133,7 @@
           <a:p>
             <a:r>
               <a:rPr lang="en-US" dirty="0" smtClean="0"/>
-              <a:t>Using on a team</a:t>
-            </a:r>
-            <a:endParaRPr lang="en-US" dirty="0"/>
-          </a:p>
-        </p:txBody>
-      </p:sp>
-      <p:sp>
-        <p:nvSpPr>
-          <p:cNvPr id="3" name="Content Placeholder 2"/>
-          <p:cNvSpPr>
-            <a:spLocks noGrp="1"/>
-          </p:cNvSpPr>
-          <p:nvPr>
-            <p:ph sz="quarter" idx="10"/>
-          </p:nvPr>
-        </p:nvSpPr>
-        <p:spPr/>
-        <p:txBody>
-          <a:bodyPr/>
-          <a:lstStyle/>
-          <a:p>
-            <a:r>
-              <a:rPr lang="en-US" dirty="0" smtClean="0"/>
-              <a:t>TBC</a:t>
+              <a:t>Customizing Migrations</a:t>
             </a:r>
             <a:endParaRPr lang="en-US" dirty="0"/>
           </a:p>
@@ -6792,7 +10142,7 @@
     </p:spTree>
     <p:extLst>
       <p:ext uri="{BB962C8B-B14F-4D97-AF65-F5344CB8AC3E}">
-        <p14:creationId xmlns:p14="http://schemas.microsoft.com/office/powerpoint/2010/main" val="1660721606"/>
+        <p14:creationId xmlns:p14="http://schemas.microsoft.com/office/powerpoint/2010/main" val="1764619507"/>
       </p:ext>
     </p:extLst>
   </p:cSld>
@@ -6828,6 +10178,66 @@
       </p:grpSpPr>
       <p:sp>
         <p:nvSpPr>
+          <p:cNvPr id="4" name="Title 3"/>
+          <p:cNvSpPr>
+            <a:spLocks noGrp="1"/>
+          </p:cNvSpPr>
+          <p:nvPr>
+            <p:ph type="title"/>
+          </p:nvPr>
+        </p:nvSpPr>
+        <p:spPr/>
+        <p:txBody>
+          <a:bodyPr/>
+          <a:lstStyle/>
+          <a:p>
+            <a:r>
+              <a:rPr lang="en-US" dirty="0" smtClean="0"/>
+              <a:t>Managing an existing database</a:t>
+            </a:r>
+            <a:endParaRPr lang="en-US" dirty="0"/>
+          </a:p>
+        </p:txBody>
+      </p:sp>
+    </p:spTree>
+    <p:extLst>
+      <p:ext uri="{BB962C8B-B14F-4D97-AF65-F5344CB8AC3E}">
+        <p14:creationId xmlns:p14="http://schemas.microsoft.com/office/powerpoint/2010/main" val="1101191013"/>
+      </p:ext>
+    </p:extLst>
+  </p:cSld>
+  <p:clrMapOvr>
+    <a:masterClrMapping/>
+  </p:clrMapOvr>
+  <p:timing>
+    <p:tnLst>
+      <p:par>
+        <p:cTn id="1" dur="indefinite" restart="never" nodeType="tmRoot"/>
+      </p:par>
+    </p:tnLst>
+  </p:timing>
+</p:sld>
+</file>
+
+<file path=ppt/slides/slide24.xml><?xml version="1.0" encoding="utf-8"?>
+<p:sld xmlns:a="http://schemas.openxmlformats.org/drawingml/2006/main" xmlns:r="http://schemas.openxmlformats.org/officeDocument/2006/relationships" xmlns:p="http://schemas.openxmlformats.org/presentationml/2006/main">
+  <p:cSld>
+    <p:spTree>
+      <p:nvGrpSpPr>
+        <p:cNvPr id="1" name=""/>
+        <p:cNvGrpSpPr/>
+        <p:nvPr/>
+      </p:nvGrpSpPr>
+      <p:grpSpPr>
+        <a:xfrm>
+          <a:off x="0" y="0"/>
+          <a:ext cx="0" cy="0"/>
+          <a:chOff x="0" y="0"/>
+          <a:chExt cx="0" cy="0"/>
+        </a:xfrm>
+      </p:grpSpPr>
+      <p:sp>
+        <p:nvSpPr>
           <p:cNvPr id="3" name="Title 2"/>
           <p:cNvSpPr>
             <a:spLocks noGrp="1"/>
@@ -6866,8 +10276,61 @@
           <a:p>
             <a:r>
               <a:rPr lang="en-US" dirty="0" smtClean="0"/>
-              <a:t>TBC</a:t>
-            </a:r>
+              <a:t>Code first migrations in team environments</a:t>
+            </a:r>
+          </a:p>
+          <a:p>
+            <a:pPr lvl="1"/>
+            <a:r>
+              <a:rPr lang="en-US" dirty="0">
+                <a:hlinkClick r:id="rId2"/>
+              </a:rPr>
+              <a:t>https://</a:t>
+            </a:r>
+            <a:r>
+              <a:rPr lang="en-US" dirty="0" smtClean="0">
+                <a:hlinkClick r:id="rId2"/>
+              </a:rPr>
+              <a:t>msdn.microsoft.com/en-us/data/dn481501.aspx</a:t>
+            </a:r>
+            <a:endParaRPr lang="en-US" dirty="0" smtClean="0"/>
+          </a:p>
+          <a:p>
+            <a:r>
+              <a:rPr lang="en-US" dirty="0"/>
+              <a:t>Configuring/Mapping Properties and Types with the Fluent </a:t>
+            </a:r>
+            <a:r>
+              <a:rPr lang="en-US" dirty="0" smtClean="0"/>
+              <a:t>API</a:t>
+            </a:r>
+          </a:p>
+          <a:p>
+            <a:pPr lvl="1"/>
+            <a:r>
+              <a:rPr lang="en-US" dirty="0" smtClean="0">
+                <a:hlinkClick r:id="rId3"/>
+              </a:rPr>
+              <a:t>https</a:t>
+            </a:r>
+            <a:r>
+              <a:rPr lang="en-US" dirty="0">
+                <a:hlinkClick r:id="rId3"/>
+              </a:rPr>
+              <a:t>://</a:t>
+            </a:r>
+            <a:r>
+              <a:rPr lang="en-US" dirty="0" smtClean="0">
+                <a:hlinkClick r:id="rId3"/>
+              </a:rPr>
+              <a:t>msdn.microsoft.com/en-us/data/jj591617.aspx</a:t>
+            </a:r>
+            <a:endParaRPr lang="en-US" dirty="0" smtClean="0"/>
+          </a:p>
+          <a:p>
+            <a:pPr marL="457046" lvl="1" indent="0">
+              <a:buNone/>
+            </a:pPr>
             <a:endParaRPr lang="en-US" dirty="0"/>
           </a:p>
         </p:txBody>
@@ -6892,7 +10355,7 @@
 </p:sld>
 </file>
 
-<file path=ppt/slides/slide24.xml><?xml version="1.0" encoding="utf-8"?>
+<file path=ppt/slides/slide25.xml><?xml version="1.0" encoding="utf-8"?>
 <p:sld xmlns:a="http://schemas.openxmlformats.org/drawingml/2006/main" xmlns:r="http://schemas.openxmlformats.org/officeDocument/2006/relationships" xmlns:p="http://schemas.openxmlformats.org/presentationml/2006/main">
   <p:cSld>
     <p:spTree>
@@ -7284,13 +10747,19 @@
               <a:rPr lang="en-US" dirty="0" smtClean="0"/>
               <a:t>Simple, works well for basic scenarios</a:t>
             </a:r>
-            <a:endParaRPr lang="en-US" dirty="0" smtClean="0"/>
           </a:p>
           <a:p>
             <a:pPr lvl="1"/>
             <a:r>
               <a:rPr lang="en-US" dirty="0" smtClean="0"/>
-              <a:t>Some like seeing attributes where they affect properties</a:t>
+              <a:t>Some like attributes where they affect properties</a:t>
+            </a:r>
+          </a:p>
+          <a:p>
+            <a:pPr lvl="1"/>
+            <a:r>
+              <a:rPr lang="en-US" dirty="0" smtClean="0"/>
+              <a:t>Integrates with MVC validation</a:t>
             </a:r>
           </a:p>
           <a:p>
@@ -7303,25 +10772,37 @@
             <a:pPr lvl="1"/>
             <a:r>
               <a:rPr lang="en-US" dirty="0" smtClean="0"/>
-              <a:t>Keeps domain classes clean</a:t>
-            </a:r>
-          </a:p>
-          <a:p>
-            <a:pPr lvl="2"/>
-            <a:r>
-              <a:rPr lang="en-US" dirty="0" smtClean="0"/>
-              <a:t>Configuration in separate </a:t>
-            </a:r>
-            <a:r>
-              <a:rPr lang="en-US" dirty="0" smtClean="0"/>
-              <a:t>section</a:t>
+              <a:t>Keeps domain classes clean - configuration in separate section</a:t>
             </a:r>
           </a:p>
           <a:p>
             <a:pPr lvl="1"/>
             <a:r>
               <a:rPr lang="en-US" dirty="0" smtClean="0"/>
-              <a:t>More supported operations above annotations</a:t>
+              <a:t>More supported operations (advanced mappings, </a:t>
+            </a:r>
+            <a:r>
+              <a:rPr lang="en-US" dirty="0" err="1" smtClean="0"/>
+              <a:t>datetime</a:t>
+            </a:r>
+            <a:r>
+              <a:rPr lang="en-US" dirty="0" smtClean="0"/>
+              <a:t> precision, fixed length and non-Unicode strings, </a:t>
+            </a:r>
+            <a:r>
+              <a:rPr lang="en-US" dirty="0" err="1" smtClean="0"/>
+              <a:t>etc</a:t>
+            </a:r>
+            <a:r>
+              <a:rPr lang="en-US" dirty="0" smtClean="0"/>
+              <a:t>)</a:t>
+            </a:r>
+          </a:p>
+          <a:p>
+            <a:pPr lvl="1"/>
+            <a:r>
+              <a:rPr lang="en-US" dirty="0" smtClean="0"/>
+              <a:t>Using view models for views? Use Fluent for domain entities</a:t>
             </a:r>
           </a:p>
           <a:p>
@@ -7369,14 +10850,6 @@
               <a:rPr lang="en-US" dirty="0" smtClean="0"/>
               <a:t>(60);</a:t>
             </a:r>
-            <a:endParaRPr lang="en-US" dirty="0" smtClean="0"/>
-          </a:p>
-          <a:p>
-            <a:r>
-              <a:rPr lang="en-US" dirty="0" smtClean="0"/>
-              <a:t>Database reverse engineering uses Fluent API</a:t>
-            </a:r>
-            <a:endParaRPr lang="en-US" dirty="0" smtClean="0"/>
           </a:p>
         </p:txBody>
       </p:sp>
@@ -7539,33 +11012,15 @@
                                   </p:childTnLst>
                                 </p:cTn>
                               </p:par>
-                            </p:childTnLst>
-                          </p:cTn>
-                        </p:par>
-                      </p:childTnLst>
-                    </p:cTn>
-                  </p:par>
-                  <p:par>
-                    <p:cTn id="14" fill="hold">
-                      <p:stCondLst>
-                        <p:cond delay="indefinite"/>
-                      </p:stCondLst>
-                      <p:childTnLst>
-                        <p:par>
-                          <p:cTn id="15" fill="hold">
-                            <p:stCondLst>
-                              <p:cond delay="0"/>
-                            </p:stCondLst>
-                            <p:childTnLst>
                               <p:par>
-                                <p:cTn id="16" presetID="10" presetClass="entr" presetSubtype="0" fill="hold" grpId="0" nodeType="clickEffect">
+                                <p:cTn id="14" presetID="10" presetClass="entr" presetSubtype="0" fill="hold" grpId="0" nodeType="withEffect">
                                   <p:stCondLst>
                                     <p:cond delay="0"/>
                                   </p:stCondLst>
                                   <p:childTnLst>
                                     <p:set>
                                       <p:cBhvr>
-                                        <p:cTn id="17" dur="1" fill="hold">
+                                        <p:cTn id="15" dur="1" fill="hold">
                                           <p:stCondLst>
                                             <p:cond delay="0"/>
                                           </p:stCondLst>
@@ -7587,7 +11042,7 @@
                                     </p:set>
                                     <p:animEffect transition="in" filter="fade">
                                       <p:cBhvr>
-                                        <p:cTn id="18" dur="500"/>
+                                        <p:cTn id="16" dur="500"/>
                                         <p:tgtEl>
                                           <p:spTgt spid="3">
                                             <p:txEl>
@@ -7600,8 +11055,26 @@
                                   </p:childTnLst>
                                 </p:cTn>
                               </p:par>
+                            </p:childTnLst>
+                          </p:cTn>
+                        </p:par>
+                      </p:childTnLst>
+                    </p:cTn>
+                  </p:par>
+                  <p:par>
+                    <p:cTn id="17" fill="hold">
+                      <p:stCondLst>
+                        <p:cond delay="indefinite"/>
+                      </p:stCondLst>
+                      <p:childTnLst>
+                        <p:par>
+                          <p:cTn id="18" fill="hold">
+                            <p:stCondLst>
+                              <p:cond delay="0"/>
+                            </p:stCondLst>
+                            <p:childTnLst>
                               <p:par>
-                                <p:cTn id="19" presetID="10" presetClass="entr" presetSubtype="0" fill="hold" grpId="0" nodeType="withEffect">
+                                <p:cTn id="19" presetID="10" presetClass="entr" presetSubtype="0" fill="hold" grpId="0" nodeType="clickEffect">
                                   <p:stCondLst>
                                     <p:cond delay="0"/>
                                   </p:stCondLst>
@@ -7815,33 +11288,15 @@
                                   </p:childTnLst>
                                 </p:cTn>
                               </p:par>
-                            </p:childTnLst>
-                          </p:cTn>
-                        </p:par>
-                      </p:childTnLst>
-                    </p:cTn>
-                  </p:par>
-                  <p:par>
-                    <p:cTn id="34" fill="hold">
-                      <p:stCondLst>
-                        <p:cond delay="indefinite"/>
-                      </p:stCondLst>
-                      <p:childTnLst>
-                        <p:par>
-                          <p:cTn id="35" fill="hold">
-                            <p:stCondLst>
-                              <p:cond delay="0"/>
-                            </p:stCondLst>
-                            <p:childTnLst>
                               <p:par>
-                                <p:cTn id="36" presetID="10" presetClass="entr" presetSubtype="0" fill="hold" grpId="0" nodeType="clickEffect">
+                                <p:cTn id="34" presetID="10" presetClass="entr" presetSubtype="0" fill="hold" grpId="0" nodeType="withEffect">
                                   <p:stCondLst>
                                     <p:cond delay="0"/>
                                   </p:stCondLst>
                                   <p:childTnLst>
                                     <p:set>
                                       <p:cBhvr>
-                                        <p:cTn id="37" dur="1" fill="hold">
+                                        <p:cTn id="35" dur="1" fill="hold">
                                           <p:stCondLst>
                                             <p:cond delay="0"/>
                                           </p:stCondLst>
@@ -7863,7 +11318,7 @@
                                     </p:set>
                                     <p:animEffect transition="in" filter="fade">
                                       <p:cBhvr>
-                                        <p:cTn id="38" dur="500"/>
+                                        <p:cTn id="36" dur="500"/>
                                         <p:tgtEl>
                                           <p:spTgt spid="3">
                                             <p:txEl>
@@ -7944,27 +11399,7 @@
           <a:p>
             <a:r>
               <a:rPr lang="en-US" dirty="0" smtClean="0"/>
-              <a:t>What does </a:t>
-            </a:r>
-            <a:r>
-              <a:rPr lang="en-US" dirty="0" smtClean="0"/>
-              <a:t>Fluent </a:t>
-            </a:r>
-            <a:r>
-              <a:rPr lang="en-US" dirty="0" err="1"/>
-              <a:t>A</a:t>
-            </a:r>
-            <a:r>
-              <a:rPr lang="en-US" dirty="0" err="1" smtClean="0"/>
-              <a:t>pi</a:t>
-            </a:r>
-            <a:r>
-              <a:rPr lang="en-US" dirty="0" smtClean="0"/>
-              <a:t> </a:t>
-            </a:r>
-            <a:r>
-              <a:rPr lang="en-US" dirty="0" smtClean="0"/>
-              <a:t>support?</a:t>
+              <a:t>Separate Fluent &amp; Data Annotations</a:t>
             </a:r>
             <a:endParaRPr lang="en-US" dirty="0"/>
           </a:p>
@@ -7987,22 +11422,36 @@
           <a:p>
             <a:r>
               <a:rPr lang="en-US" dirty="0" smtClean="0"/>
-              <a:t>Easily remapping legacy names to code names</a:t>
+              <a:t>EF recognizes subset</a:t>
             </a:r>
           </a:p>
           <a:p>
             <a:pPr lvl="1"/>
             <a:r>
               <a:rPr lang="en-US" dirty="0" err="1" smtClean="0"/>
-              <a:t>Customer.Unique_ID</a:t>
-            </a:r>
-            <a:r>
-              <a:rPr lang="en-US" dirty="0" smtClean="0"/>
-              <a:t> </a:t>
-            </a:r>
+              <a:t>StringLength</a:t>
+            </a:r>
+            <a:endParaRPr lang="en-US" dirty="0" smtClean="0"/>
+          </a:p>
+          <a:p>
+            <a:pPr lvl="1"/>
+            <a:r>
+              <a:rPr lang="en-US" dirty="0" smtClean="0"/>
+              <a:t>Range</a:t>
+            </a:r>
+          </a:p>
+          <a:p>
+            <a:pPr lvl="1"/>
+            <a:r>
+              <a:rPr lang="en-US" dirty="0" smtClean="0"/>
+              <a:t>Required</a:t>
+            </a:r>
+          </a:p>
+          <a:p>
+            <a:pPr lvl="1"/>
             <a:r>
               <a:rPr lang="en-US" dirty="0" err="1" smtClean="0"/>
-              <a:t>Customer.CustomerId</a:t>
+              <a:t>MinLength</a:t>
             </a:r>
             <a:endParaRPr lang="en-US" dirty="0" smtClean="0"/>
           </a:p>
@@ -8010,37 +11459,24 @@
             <a:pPr lvl="1"/>
             <a:r>
               <a:rPr lang="en-US" dirty="0" err="1" smtClean="0"/>
-              <a:t>ShipInfo.Unique_ID</a:t>
-            </a:r>
-            <a:r>
-              <a:rPr lang="en-US" dirty="0" smtClean="0"/>
-              <a:t> to </a:t>
-            </a:r>
-            <a:r>
-              <a:rPr lang="en-US" dirty="0" err="1" smtClean="0"/>
-              <a:t>ShipInfo.ShipInfoId</a:t>
+              <a:t>MaxLength</a:t>
             </a:r>
             <a:endParaRPr lang="en-US" dirty="0" smtClean="0"/>
           </a:p>
           <a:p>
             <a:r>
               <a:rPr lang="en-US" dirty="0" smtClean="0"/>
-              <a:t>Single type </a:t>
-            </a:r>
-            <a:r>
-              <a:rPr lang="en-US" dirty="0" smtClean="0"/>
-              <a:t>to multiple </a:t>
-            </a:r>
-            <a:r>
-              <a:rPr lang="en-US" dirty="0" smtClean="0"/>
-              <a:t>tables, vice versa</a:t>
-            </a:r>
-          </a:p>
-          <a:p>
-            <a:r>
-              <a:rPr lang="en-US" dirty="0" smtClean="0"/>
-              <a:t>TBC (more on supported operations)</a:t>
-            </a:r>
+              <a:t>This works, but purists may have a problem</a:t>
+            </a:r>
+          </a:p>
+          <a:p>
+            <a:pPr lvl="1"/>
+            <a:r>
+              <a:rPr lang="en-US" dirty="0" smtClean="0"/>
+              <a:t>Mixes persistence, presentation, and validation logic</a:t>
+            </a:r>
+          </a:p>
+          <a:p>
             <a:endParaRPr lang="en-US" dirty="0"/>
           </a:p>
         </p:txBody>
@@ -8048,7 +11484,7 @@
     </p:spTree>
     <p:extLst>
       <p:ext uri="{BB962C8B-B14F-4D97-AF65-F5344CB8AC3E}">
-        <p14:creationId xmlns:p14="http://schemas.microsoft.com/office/powerpoint/2010/main" val="2954413585"/>
+        <p14:creationId xmlns:p14="http://schemas.microsoft.com/office/powerpoint/2010/main" val="3520962807"/>
       </p:ext>
     </p:extLst>
   </p:cSld>
@@ -8092,7 +11528,7 @@
           <a:p>
             <a:r>
               <a:rPr lang="en-US" smtClean="0"/>
-              <a:t>OnModelCreating</a:t>
+              <a:t>Using Fluent API without Data Annotations</a:t>
             </a:r>
             <a:endParaRPr lang="en-US" dirty="0"/>
           </a:p>
@@ -8113,14 +11549,52 @@
           <a:bodyPr/>
           <a:lstStyle/>
           <a:p>
-            <a:endParaRPr lang="en-US"/>
+            <a:r>
+              <a:rPr lang="en-US" dirty="0" smtClean="0"/>
+              <a:t>Map view model to Entity</a:t>
+            </a:r>
+          </a:p>
+          <a:p>
+            <a:r>
+              <a:rPr lang="en-US" dirty="0" smtClean="0"/>
+              <a:t>Save Entity</a:t>
+            </a:r>
+          </a:p>
+          <a:p>
+            <a:r>
+              <a:rPr lang="en-US" dirty="0" smtClean="0"/>
+              <a:t>Catch </a:t>
+            </a:r>
+            <a:r>
+              <a:rPr lang="en-US" dirty="0" err="1" smtClean="0"/>
+              <a:t>DbEntityValidationException</a:t>
+            </a:r>
+            <a:endParaRPr lang="en-US" dirty="0" smtClean="0"/>
+          </a:p>
+          <a:p>
+            <a:r>
+              <a:rPr lang="en-US" dirty="0" smtClean="0"/>
+              <a:t>Add errors to </a:t>
+            </a:r>
+            <a:r>
+              <a:rPr lang="en-US" dirty="0" err="1" smtClean="0"/>
+              <a:t>ModelState</a:t>
+            </a:r>
+            <a:endParaRPr lang="en-US" dirty="0" smtClean="0"/>
+          </a:p>
+          <a:p>
+            <a:r>
+              <a:rPr lang="en-US" dirty="0" smtClean="0"/>
+              <a:t>See code comments</a:t>
+            </a:r>
+            <a:endParaRPr lang="en-US" dirty="0"/>
           </a:p>
         </p:txBody>
       </p:sp>
     </p:spTree>
     <p:extLst>
       <p:ext uri="{BB962C8B-B14F-4D97-AF65-F5344CB8AC3E}">
-        <p14:creationId xmlns:p14="http://schemas.microsoft.com/office/powerpoint/2010/main" val="4170731073"/>
+        <p14:creationId xmlns:p14="http://schemas.microsoft.com/office/powerpoint/2010/main" val="2816556387"/>
       </p:ext>
     </p:extLst>
   </p:cSld>
@@ -8149,7 +11623,7 @@
       </p:grpSpPr>
       <p:sp>
         <p:nvSpPr>
-          <p:cNvPr id="4" name="Title 3"/>
+          <p:cNvPr id="2" name="Title 1"/>
           <p:cNvSpPr>
             <a:spLocks noGrp="1"/>
           </p:cNvSpPr>
@@ -8164,7 +11638,98 @@
           <a:p>
             <a:r>
               <a:rPr lang="en-US" dirty="0" smtClean="0"/>
-              <a:t>Fluent API Basics</a:t>
+              <a:t>What does Fluent </a:t>
+            </a:r>
+            <a:r>
+              <a:rPr lang="en-US" dirty="0" err="1"/>
+              <a:t>A</a:t>
+            </a:r>
+            <a:r>
+              <a:rPr lang="en-US" dirty="0" err="1" smtClean="0"/>
+              <a:t>pi</a:t>
+            </a:r>
+            <a:r>
+              <a:rPr lang="en-US" dirty="0" smtClean="0"/>
+              <a:t> support?</a:t>
+            </a:r>
+            <a:endParaRPr lang="en-US" dirty="0"/>
+          </a:p>
+        </p:txBody>
+      </p:sp>
+      <p:sp>
+        <p:nvSpPr>
+          <p:cNvPr id="3" name="Content Placeholder 2"/>
+          <p:cNvSpPr>
+            <a:spLocks noGrp="1"/>
+          </p:cNvSpPr>
+          <p:nvPr>
+            <p:ph sz="quarter" idx="10"/>
+          </p:nvPr>
+        </p:nvSpPr>
+        <p:spPr/>
+        <p:txBody>
+          <a:bodyPr/>
+          <a:lstStyle/>
+          <a:p>
+            <a:r>
+              <a:rPr lang="en-US" dirty="0" smtClean="0"/>
+              <a:t>Easily remapping legacy names to code names</a:t>
+            </a:r>
+          </a:p>
+          <a:p>
+            <a:pPr lvl="1"/>
+            <a:r>
+              <a:rPr lang="en-US" dirty="0" err="1" smtClean="0"/>
+              <a:t>Customer.Unique_ID</a:t>
+            </a:r>
+            <a:r>
+              <a:rPr lang="en-US" dirty="0" smtClean="0"/>
+              <a:t> </a:t>
+            </a:r>
+            <a:r>
+              <a:rPr lang="en-US" dirty="0" err="1" smtClean="0"/>
+              <a:t>Customer.CustomerId</a:t>
+            </a:r>
+            <a:endParaRPr lang="en-US" dirty="0" smtClean="0"/>
+          </a:p>
+          <a:p>
+            <a:pPr lvl="1"/>
+            <a:r>
+              <a:rPr lang="en-US" dirty="0" err="1" smtClean="0"/>
+              <a:t>ShipInfo.Unique_ID</a:t>
+            </a:r>
+            <a:r>
+              <a:rPr lang="en-US" dirty="0" smtClean="0"/>
+              <a:t> to </a:t>
+            </a:r>
+            <a:r>
+              <a:rPr lang="en-US" dirty="0" err="1" smtClean="0"/>
+              <a:t>ShipInfo.ShipInfoId</a:t>
+            </a:r>
+            <a:endParaRPr lang="en-US" dirty="0" smtClean="0"/>
+          </a:p>
+          <a:p>
+            <a:r>
+              <a:rPr lang="en-US" dirty="0" smtClean="0"/>
+              <a:t>Single type to multiple tables, vice versa</a:t>
+            </a:r>
+          </a:p>
+          <a:p>
+            <a:r>
+              <a:rPr lang="en-US" dirty="0" smtClean="0"/>
+              <a:t>Schema mapping</a:t>
+            </a:r>
+          </a:p>
+          <a:p>
+            <a:r>
+              <a:rPr lang="en-US" dirty="0" smtClean="0"/>
+              <a:t>Mapping table per type, table per class, entity &amp; table splitting </a:t>
+            </a:r>
+          </a:p>
+          <a:p>
+            <a:r>
+              <a:rPr lang="en-US" dirty="0" smtClean="0"/>
+              <a:t>keys, length, index</a:t>
             </a:r>
             <a:endParaRPr lang="en-US" dirty="0"/>
           </a:p>
@@ -8173,7 +11738,7 @@
     </p:spTree>
     <p:extLst>
       <p:ext uri="{BB962C8B-B14F-4D97-AF65-F5344CB8AC3E}">
-        <p14:creationId xmlns:p14="http://schemas.microsoft.com/office/powerpoint/2010/main" val="3983632752"/>
+        <p14:creationId xmlns:p14="http://schemas.microsoft.com/office/powerpoint/2010/main" val="2954413585"/>
       </p:ext>
     </p:extLst>
   </p:cSld>
@@ -8998,28 +12563,6 @@
 </file>
 
 <file path=customXml/item1.xml><?xml version="1.0" encoding="utf-8"?>
-<?mso-contentType ?>
-<FormTemplates xmlns="http://schemas.microsoft.com/sharepoint/v3/contenttype/forms">
-  <Display>DocumentLibraryForm</Display>
-  <Edit>DocumentLibraryForm</Edit>
-  <New>DocumentLibraryForm</New>
-</FormTemplates>
-</file>
-
-<file path=customXml/item2.xml><?xml version="1.0" encoding="utf-8"?>
-<p:properties xmlns:p="http://schemas.microsoft.com/office/2006/metadata/properties" xmlns:xsi="http://www.w3.org/2001/XMLSchema-instance" xmlns:pc="http://schemas.microsoft.com/office/infopath/2007/PartnerControls">
-  <documentManagement>
-    <TaxCatchAll xmlns="230e9df3-be65-4c73-a93b-d1236ebd677e"/>
-    <PublishingExpirationDate xmlns="http://schemas.microsoft.com/sharepoint/v3" xsi:nil="true"/>
-    <PublishingStartDate xmlns="http://schemas.microsoft.com/sharepoint/v3" xsi:nil="true"/>
-    <TaxKeywordTaxHTField xmlns="230e9df3-be65-4c73-a93b-d1236ebd677e">
-      <Terms xmlns="http://schemas.microsoft.com/office/infopath/2007/PartnerControls"/>
-    </TaxKeywordTaxHTField>
-  </documentManagement>
-</p:properties>
-</file>
-
-<file path=customXml/item3.xml><?xml version="1.0" encoding="utf-8"?>
 <ct:contentTypeSchema xmlns:ct="http://schemas.microsoft.com/office/2006/metadata/contentType" xmlns:ma="http://schemas.microsoft.com/office/2006/metadata/properties/metaAttributes" ct:_="" ma:_="" ma:contentTypeName="Document" ma:contentTypeID="0x010100496889825850D44592AC5D2F43187AE4" ma:contentTypeVersion="5" ma:contentTypeDescription="Create a new document." ma:contentTypeScope="" ma:versionID="fde90edb5a63ba841bca516fd2abaf95">
   <xsd:schema xmlns:xsd="http://www.w3.org/2001/XMLSchema" xmlns:xs="http://www.w3.org/2001/XMLSchema" xmlns:p="http://schemas.microsoft.com/office/2006/metadata/properties" xmlns:ns1="http://schemas.microsoft.com/sharepoint/v3" xmlns:ns2="230e9df3-be65-4c73-a93b-d1236ebd677e" xmlns:ns3="27aa9422-7f1f-4c84-9cdf-302b1a67e513" targetNamespace="http://schemas.microsoft.com/office/2006/metadata/properties" ma:root="true" ma:fieldsID="5e7808ae941cc340dbe51a3031959734" ns1:_="" ns2:_="" ns3:_="">
     <xsd:import namespace="http://schemas.microsoft.com/sharepoint/v3"/>
@@ -9201,33 +12744,29 @@
 </ct:contentTypeSchema>
 </file>
 
-<file path=customXml/itemProps1.xml><?xml version="1.0" encoding="utf-8"?>
-<ds:datastoreItem xmlns:ds="http://schemas.openxmlformats.org/officeDocument/2006/customXml" ds:itemID="{B0CA13EC-1D3C-4D6F-8D1C-E8A452CFC79A}">
-  <ds:schemaRefs>
-    <ds:schemaRef ds:uri="http://schemas.microsoft.com/sharepoint/v3/contenttype/forms"/>
-  </ds:schemaRefs>
-</ds:datastoreItem>
+<file path=customXml/item2.xml><?xml version="1.0" encoding="utf-8"?>
+<?mso-contentType ?>
+<FormTemplates xmlns="http://schemas.microsoft.com/sharepoint/v3/contenttype/forms">
+  <Display>DocumentLibraryForm</Display>
+  <Edit>DocumentLibraryForm</Edit>
+  <New>DocumentLibraryForm</New>
+</FormTemplates>
 </file>
 
-<file path=customXml/itemProps2.xml><?xml version="1.0" encoding="utf-8"?>
-<ds:datastoreItem xmlns:ds="http://schemas.openxmlformats.org/officeDocument/2006/customXml" ds:itemID="{7025FDD9-4C58-4084-9F89-0E6ADD6FFF55}">
-  <ds:schemaRefs>
-    <ds:schemaRef ds:uri="http://purl.org/dc/elements/1.1/"/>
-    <ds:schemaRef ds:uri="http://www.w3.org/XML/1998/namespace"/>
-    <ds:schemaRef ds:uri="http://purl.org/dc/dcmitype/"/>
-    <ds:schemaRef ds:uri="http://schemas.microsoft.com/office/infopath/2007/PartnerControls"/>
-    <ds:schemaRef ds:uri="http://schemas.microsoft.com/sharepoint/v3"/>
-    <ds:schemaRef ds:uri="230e9df3-be65-4c73-a93b-d1236ebd677e"/>
-    <ds:schemaRef ds:uri="http://purl.org/dc/terms/"/>
-    <ds:schemaRef ds:uri="http://schemas.openxmlformats.org/package/2006/metadata/core-properties"/>
-    <ds:schemaRef ds:uri="http://schemas.microsoft.com/office/2006/documentManagement/types"/>
-    <ds:schemaRef ds:uri="27aa9422-7f1f-4c84-9cdf-302b1a67e513"/>
-    <ds:schemaRef ds:uri="http://schemas.microsoft.com/office/2006/metadata/properties"/>
-  </ds:schemaRefs>
-</ds:datastoreItem>
+<file path=customXml/item3.xml><?xml version="1.0" encoding="utf-8"?>
+<p:properties xmlns:p="http://schemas.microsoft.com/office/2006/metadata/properties" xmlns:xsi="http://www.w3.org/2001/XMLSchema-instance" xmlns:pc="http://schemas.microsoft.com/office/infopath/2007/PartnerControls">
+  <documentManagement>
+    <TaxCatchAll xmlns="230e9df3-be65-4c73-a93b-d1236ebd677e"/>
+    <PublishingExpirationDate xmlns="http://schemas.microsoft.com/sharepoint/v3" xsi:nil="true"/>
+    <PublishingStartDate xmlns="http://schemas.microsoft.com/sharepoint/v3" xsi:nil="true"/>
+    <TaxKeywordTaxHTField xmlns="230e9df3-be65-4c73-a93b-d1236ebd677e">
+      <Terms xmlns="http://schemas.microsoft.com/office/infopath/2007/PartnerControls"/>
+    </TaxKeywordTaxHTField>
+  </documentManagement>
+</p:properties>
 </file>
 
-<file path=customXml/itemProps3.xml><?xml version="1.0" encoding="utf-8"?>
+<file path=customXml/itemProps1.xml><?xml version="1.0" encoding="utf-8"?>
 <ds:datastoreItem xmlns:ds="http://schemas.openxmlformats.org/officeDocument/2006/customXml" ds:itemID="{3253B29C-1CCD-4FE8-A1C4-023A0910DF96}">
   <ds:schemaRefs>
     <ds:schemaRef ds:uri="http://schemas.microsoft.com/office/2006/metadata/contentType"/>
@@ -9245,4 +12784,30 @@
     <ds:schemaRef ds:uri="http://schemas.microsoft.com/internal/obd"/>
   </ds:schemaRefs>
 </ds:datastoreItem>
+</file>
+
+<file path=customXml/itemProps2.xml><?xml version="1.0" encoding="utf-8"?>
+<ds:datastoreItem xmlns:ds="http://schemas.openxmlformats.org/officeDocument/2006/customXml" ds:itemID="{B0CA13EC-1D3C-4D6F-8D1C-E8A452CFC79A}">
+  <ds:schemaRefs>
+    <ds:schemaRef ds:uri="http://schemas.microsoft.com/sharepoint/v3/contenttype/forms"/>
+  </ds:schemaRefs>
+</ds:datastoreItem>
+</file>
+
+<file path=customXml/itemProps3.xml><?xml version="1.0" encoding="utf-8"?>
+<ds:datastoreItem xmlns:ds="http://schemas.openxmlformats.org/officeDocument/2006/customXml" ds:itemID="{7025FDD9-4C58-4084-9F89-0E6ADD6FFF55}">
+  <ds:schemaRefs>
+    <ds:schemaRef ds:uri="http://purl.org/dc/elements/1.1/"/>
+    <ds:schemaRef ds:uri="http://schemas.openxmlformats.org/package/2006/metadata/core-properties"/>
+    <ds:schemaRef ds:uri="http://purl.org/dc/dcmitype/"/>
+    <ds:schemaRef ds:uri="230e9df3-be65-4c73-a93b-d1236ebd677e"/>
+    <ds:schemaRef ds:uri="http://www.w3.org/XML/1998/namespace"/>
+    <ds:schemaRef ds:uri="27aa9422-7f1f-4c84-9cdf-302b1a67e513"/>
+    <ds:schemaRef ds:uri="http://purl.org/dc/terms/"/>
+    <ds:schemaRef ds:uri="http://schemas.microsoft.com/office/2006/documentManagement/types"/>
+    <ds:schemaRef ds:uri="http://schemas.microsoft.com/office/infopath/2007/PartnerControls"/>
+    <ds:schemaRef ds:uri="http://schemas.microsoft.com/sharepoint/v3"/>
+    <ds:schemaRef ds:uri="http://schemas.microsoft.com/office/2006/metadata/properties"/>
+  </ds:schemaRefs>
+</ds:datastoreItem>
 </file>
--- a/Slides/04 - Managing the Database.pptx
+++ b/Slides/04 - Managing the Database.pptx
@@ -7,10 +7,10 @@
     <p:sldMasterId id="2147483683" r:id="rId6"/>
   </p:sldMasterIdLst>
   <p:notesMasterIdLst>
-    <p:notesMasterId r:id="rId30"/>
+    <p:notesMasterId r:id="rId32"/>
   </p:notesMasterIdLst>
   <p:handoutMasterIdLst>
-    <p:handoutMasterId r:id="rId31"/>
+    <p:handoutMasterId r:id="rId33"/>
   </p:handoutMasterIdLst>
   <p:sldIdLst>
     <p:sldId id="313" r:id="rId7"/>
@@ -32,10 +32,12 @@
     <p:sldId id="380" r:id="rId23"/>
     <p:sldId id="378" r:id="rId24"/>
     <p:sldId id="377" r:id="rId25"/>
-    <p:sldId id="384" r:id="rId26"/>
-    <p:sldId id="367" r:id="rId27"/>
-    <p:sldId id="347" r:id="rId28"/>
-    <p:sldId id="269" r:id="rId29"/>
+    <p:sldId id="387" r:id="rId26"/>
+    <p:sldId id="388" r:id="rId27"/>
+    <p:sldId id="384" r:id="rId28"/>
+    <p:sldId id="367" r:id="rId29"/>
+    <p:sldId id="347" r:id="rId30"/>
+    <p:sldId id="269" r:id="rId31"/>
   </p:sldIdLst>
   <p:sldSz cx="12192000" cy="6858000"/>
   <p:notesSz cx="6858000" cy="9144000"/>
@@ -227,7 +229,7 @@
           <a:p>
             <a:fld id="{312E7B4A-039C-48A2-9B2C-AF16AA3873D8}" type="datetimeFigureOut">
               <a:rPr lang="en-US" smtClean="0"/>
-              <a:t>1/27/2015</a:t>
+              <a:t>1/28/2015</a:t>
             </a:fld>
             <a:endParaRPr lang="en-US" dirty="0"/>
           </a:p>
@@ -392,7 +394,7 @@
           <a:p>
             <a:fld id="{DA005A0C-54D9-45AA-87D4-C551D08DFCE1}" type="datetimeFigureOut">
               <a:rPr lang="en-US" smtClean="0"/>
-              <a:t>1/27/2015</a:t>
+              <a:t>1/28/2015</a:t>
             </a:fld>
             <a:endParaRPr lang="en-US" dirty="0"/>
           </a:p>
@@ -1291,74 +1293,123 @@
           <a:bodyPr/>
           <a:lstStyle/>
           <a:p>
-            <a:pPr marL="228600" indent="-228600">
-              <a:buAutoNum type="arabicPeriod"/>
+            <a:pPr marL="0" indent="0">
+              <a:buNone/>
             </a:pPr>
             <a:r>
-              <a:rPr lang="en-US" baseline="0" dirty="0" smtClean="0"/>
-              <a:t>Add a decimal Cost field to Album class</a:t>
-            </a:r>
-          </a:p>
-          <a:p>
-            <a:pPr marL="228600" indent="-228600">
-              <a:buAutoNum type="arabicPeriod"/>
+              <a:rPr lang="en-US" sz="1200" dirty="0" smtClean="0">
+                <a:solidFill>
+                  <a:schemeClr val="accent6"/>
+                </a:solidFill>
+              </a:rPr>
+              <a:t>Enable-Migrations </a:t>
+            </a:r>
+            <a:r>
+              <a:rPr lang="en-US" sz="1200" dirty="0" smtClean="0"/>
+              <a:t>–</a:t>
+            </a:r>
+            <a:r>
+              <a:rPr lang="en-US" sz="1200" dirty="0" err="1" smtClean="0"/>
+              <a:t>MigrationsDirectory</a:t>
+            </a:r>
+            <a:r>
+              <a:rPr lang="en-US" sz="1200" dirty="0" smtClean="0"/>
+              <a:t> </a:t>
+            </a:r>
+            <a:r>
+              <a:rPr lang="en-US" sz="1200" dirty="0" err="1" smtClean="0"/>
+              <a:t>IdentityMigrations</a:t>
+            </a:r>
+            <a:endParaRPr lang="en-US" sz="1200" dirty="0" smtClean="0"/>
+          </a:p>
+          <a:p>
+            <a:pPr marL="0" indent="0">
+              <a:buNone/>
             </a:pPr>
             <a:r>
-              <a:rPr lang="en-US" baseline="0" dirty="0" smtClean="0"/>
-              <a:t>Add-migration </a:t>
-            </a:r>
-            <a:r>
-              <a:rPr lang="en-US" baseline="0" dirty="0" err="1" smtClean="0"/>
-              <a:t>AlbumCost</a:t>
-            </a:r>
-            <a:endParaRPr lang="en-US" baseline="0" dirty="0" smtClean="0"/>
-          </a:p>
-          <a:p>
-            <a:pPr marL="228600" indent="-228600">
-              <a:buAutoNum type="arabicPeriod"/>
+              <a:rPr lang="en-US" sz="1200" dirty="0" smtClean="0">
+                <a:solidFill>
+                  <a:schemeClr val="accent6"/>
+                </a:solidFill>
+              </a:rPr>
+              <a:t>Enable-Migrations </a:t>
+            </a:r>
+            <a:r>
+              <a:rPr lang="en-US" sz="1200" dirty="0" smtClean="0"/>
+              <a:t>–</a:t>
+            </a:r>
+            <a:r>
+              <a:rPr lang="en-US" sz="1200" dirty="0" err="1" smtClean="0"/>
+              <a:t>MigrationsDirectory</a:t>
+            </a:r>
+            <a:r>
+              <a:rPr lang="en-US" sz="1200" dirty="0" smtClean="0"/>
+              <a:t> </a:t>
+            </a:r>
+            <a:r>
+              <a:rPr lang="en-US" sz="1200" dirty="0" err="1" smtClean="0"/>
+              <a:t>MusicStoreMigrations</a:t>
+            </a:r>
+            <a:endParaRPr lang="en-US" sz="1200" dirty="0" smtClean="0"/>
+          </a:p>
+          <a:p>
+            <a:pPr marL="0" indent="0">
+              <a:buNone/>
             </a:pPr>
-            <a:r>
-              <a:rPr lang="en-US" baseline="0" dirty="0" smtClean="0"/>
-              <a:t>Customize</a:t>
-            </a:r>
-          </a:p>
-          <a:p>
-            <a:pPr marL="685800" lvl="1" indent="-228600">
-              <a:buAutoNum type="arabicPeriod"/>
+            <a:endParaRPr lang="en-US" sz="1200" dirty="0" smtClean="0"/>
+          </a:p>
+          <a:p>
+            <a:pPr marL="0" indent="0">
+              <a:buNone/>
             </a:pPr>
             <a:r>
-              <a:rPr lang="en-US" dirty="0" err="1" smtClean="0"/>
-              <a:t>AddColumn</a:t>
-            </a:r>
-            <a:r>
-              <a:rPr lang="en-US" dirty="0" smtClean="0"/>
-              <a:t>(“Album", “Cost", c =&gt; </a:t>
-            </a:r>
-            <a:r>
-              <a:rPr lang="en-US" dirty="0" err="1" smtClean="0"/>
-              <a:t>c.Decimal</a:t>
-            </a:r>
-            <a:r>
-              <a:rPr lang="en-US" dirty="0" smtClean="0"/>
-              <a:t>(</a:t>
-            </a:r>
-            <a:r>
-              <a:rPr lang="en-US" dirty="0" err="1" smtClean="0"/>
-              <a:t>nullable</a:t>
-            </a:r>
-            <a:r>
-              <a:rPr lang="en-US" dirty="0" smtClean="0"/>
-              <a:t>: false, </a:t>
-            </a:r>
-            <a:r>
-              <a:rPr lang="en-US" dirty="0" err="1" smtClean="0"/>
-              <a:t>defaultValue</a:t>
-            </a:r>
-            <a:r>
-              <a:rPr lang="en-US" dirty="0" smtClean="0"/>
-              <a:t>: 9.99m));</a:t>
-            </a:r>
-            <a:endParaRPr lang="en-US" baseline="0" dirty="0" smtClean="0"/>
+              <a:rPr lang="en-US" sz="1200" kern="1200" dirty="0" smtClean="0">
+                <a:solidFill>
+                  <a:schemeClr val="tx1"/>
+                </a:solidFill>
+                <a:latin typeface="+mn-lt"/>
+                <a:ea typeface="+mn-ea"/>
+                <a:cs typeface="+mn-cs"/>
+              </a:rPr>
+              <a:t>Add-migration Something -</a:t>
+            </a:r>
+            <a:r>
+              <a:rPr lang="en-US" sz="1200" kern="1200" dirty="0" err="1" smtClean="0">
+                <a:solidFill>
+                  <a:schemeClr val="tx1"/>
+                </a:solidFill>
+                <a:latin typeface="+mn-lt"/>
+                <a:ea typeface="+mn-ea"/>
+                <a:cs typeface="+mn-cs"/>
+              </a:rPr>
+              <a:t>ConfigurationTypeName</a:t>
+            </a:r>
+            <a:r>
+              <a:rPr lang="en-US" sz="1200" kern="1200" dirty="0" smtClean="0">
+                <a:solidFill>
+                  <a:schemeClr val="tx1"/>
+                </a:solidFill>
+                <a:latin typeface="+mn-lt"/>
+                <a:ea typeface="+mn-ea"/>
+                <a:cs typeface="+mn-cs"/>
+              </a:rPr>
+              <a:t> </a:t>
+            </a:r>
+            <a:r>
+              <a:rPr lang="en-US" sz="1200" kern="1200" dirty="0" err="1" smtClean="0">
+                <a:solidFill>
+                  <a:schemeClr val="tx1"/>
+                </a:solidFill>
+                <a:latin typeface="+mn-lt"/>
+                <a:ea typeface="+mn-ea"/>
+                <a:cs typeface="+mn-cs"/>
+              </a:rPr>
+              <a:t>TriviaMVCPlaya.Migrations.Configuration</a:t>
+            </a:r>
+            <a:endParaRPr lang="en-US" dirty="0" smtClean="0"/>
+          </a:p>
+          <a:p>
+            <a:endParaRPr lang="en-US" dirty="0"/>
           </a:p>
         </p:txBody>
       </p:sp>
@@ -1388,7 +1439,7 @@
     </p:spTree>
     <p:extLst>
       <p:ext uri="{BB962C8B-B14F-4D97-AF65-F5344CB8AC3E}">
-        <p14:creationId xmlns:p14="http://schemas.microsoft.com/office/powerpoint/2010/main" val="2342746553"/>
+        <p14:creationId xmlns:p14="http://schemas.microsoft.com/office/powerpoint/2010/main" val="2735133709"/>
       </p:ext>
     </p:extLst>
   </p:cSld>
@@ -1445,42 +1496,22 @@
             <a:pPr marL="228600" indent="-228600">
               <a:buAutoNum type="arabicPeriod"/>
             </a:pPr>
+            <a:endParaRPr lang="en-US" baseline="0" dirty="0" smtClean="0"/>
+          </a:p>
+          <a:p>
+            <a:pPr marL="0" indent="0">
+              <a:buNone/>
+            </a:pPr>
             <a:r>
               <a:rPr lang="en-US" baseline="0" dirty="0" smtClean="0"/>
-              <a:t>Point to existing database file.</a:t>
-            </a:r>
-          </a:p>
-          <a:p>
-            <a:pPr marL="228600" indent="-228600">
-              <a:buAutoNum type="arabicPeriod"/>
+              <a:t>Need to specify the full name of the configuration class you are pointing too</a:t>
+            </a:r>
+          </a:p>
+          <a:p>
+            <a:pPr marL="0" indent="0">
+              <a:buNone/>
             </a:pPr>
             <a:r>
-              <a:rPr lang="en-US" baseline="0" dirty="0" smtClean="0"/>
-              <a:t>Reverse engineer. Note that this process creates data annotations (to work with validation) AND fluent </a:t>
-            </a:r>
-            <a:r>
-              <a:rPr lang="en-US" baseline="0" dirty="0" err="1" smtClean="0"/>
-              <a:t>api</a:t>
-            </a:r>
-            <a:r>
-              <a:rPr lang="en-US" baseline="0" dirty="0" smtClean="0"/>
-              <a:t>.</a:t>
-            </a:r>
-          </a:p>
-          <a:p>
-            <a:pPr marL="228600" indent="-228600">
-              <a:buAutoNum type="arabicPeriod"/>
-            </a:pPr>
-            <a:r>
-              <a:rPr lang="en-US" baseline="0" dirty="0" smtClean="0"/>
-              <a:t>enable-migrations</a:t>
-            </a:r>
-          </a:p>
-          <a:p>
-            <a:pPr marL="228600" indent="-228600">
-              <a:buAutoNum type="arabicPeriod"/>
-            </a:pPr>
-            <a:r>
               <a:rPr lang="en-US" sz="1200" kern="1200" dirty="0" smtClean="0">
                 <a:solidFill>
                   <a:schemeClr val="tx1"/>
@@ -1489,10 +1520,21 @@
                 <a:ea typeface="+mn-ea"/>
                 <a:cs typeface="+mn-cs"/>
               </a:rPr>
-              <a:t>Add-Migration Initial</a:t>
-            </a:r>
-            <a:r>
-              <a:rPr lang="en-US" sz="1200" kern="1200" baseline="0" dirty="0" smtClean="0">
+              <a:t>Enable-Migrations -</a:t>
+            </a:r>
+            <a:r>
+              <a:rPr lang="en-US" sz="1200" kern="1200" dirty="0" err="1" smtClean="0">
+                <a:solidFill>
+                  <a:schemeClr val="tx1"/>
+                </a:solidFill>
+                <a:latin typeface="+mn-lt"/>
+                <a:ea typeface="+mn-ea"/>
+                <a:cs typeface="+mn-cs"/>
+              </a:rPr>
+              <a:t>ContextTypeName</a:t>
+            </a:r>
+            <a:r>
+              <a:rPr lang="en-US" sz="1200" kern="1200" dirty="0" smtClean="0">
                 <a:solidFill>
                   <a:schemeClr val="tx1"/>
                 </a:solidFill>
@@ -1503,17 +1545,6 @@
               <a:t> </a:t>
             </a:r>
             <a:r>
-              <a:rPr lang="en-US" sz="1200" kern="1200" dirty="0" smtClean="0">
-                <a:solidFill>
-                  <a:schemeClr val="tx1"/>
-                </a:solidFill>
-                <a:latin typeface="+mn-lt"/>
-                <a:ea typeface="+mn-ea"/>
-                <a:cs typeface="+mn-cs"/>
-              </a:rPr>
-              <a:t>–</a:t>
-            </a:r>
-            <a:r>
               <a:rPr lang="en-US" sz="1200" kern="1200" dirty="0" err="1" smtClean="0">
                 <a:solidFill>
                   <a:schemeClr val="tx1"/>
@@ -1522,7 +1553,7 @@
                 <a:ea typeface="+mn-ea"/>
                 <a:cs typeface="+mn-cs"/>
               </a:rPr>
-              <a:t>IgnoreChanges</a:t>
+              <a:t>TriviaMVCPlaya.Models.ApplicationDbContext</a:t>
             </a:r>
             <a:endParaRPr lang="en-US" sz="1200" kern="1200" dirty="0" smtClean="0">
               <a:solidFill>
@@ -1534,10 +1565,161 @@
             </a:endParaRPr>
           </a:p>
           <a:p>
+            <a:pPr marL="0" indent="0">
+              <a:buNone/>
+            </a:pPr>
+            <a:r>
+              <a:rPr lang="en-US" sz="1200" kern="1200" dirty="0" smtClean="0">
+                <a:solidFill>
+                  <a:schemeClr val="tx1"/>
+                </a:solidFill>
+                <a:latin typeface="+mn-lt"/>
+                <a:ea typeface="+mn-ea"/>
+                <a:cs typeface="+mn-cs"/>
+              </a:rPr>
+              <a:t>Enable-Migrations -</a:t>
+            </a:r>
+            <a:r>
+              <a:rPr lang="en-US" sz="1200" kern="1200" dirty="0" err="1" smtClean="0">
+                <a:solidFill>
+                  <a:schemeClr val="tx1"/>
+                </a:solidFill>
+                <a:latin typeface="+mn-lt"/>
+                <a:ea typeface="+mn-ea"/>
+                <a:cs typeface="+mn-cs"/>
+              </a:rPr>
+              <a:t>ContextTypeName</a:t>
+            </a:r>
+            <a:r>
+              <a:rPr lang="en-US" sz="1200" kern="1200" dirty="0" smtClean="0">
+                <a:solidFill>
+                  <a:schemeClr val="tx1"/>
+                </a:solidFill>
+                <a:latin typeface="+mn-lt"/>
+                <a:ea typeface="+mn-ea"/>
+                <a:cs typeface="+mn-cs"/>
+              </a:rPr>
+              <a:t> </a:t>
+            </a:r>
+            <a:r>
+              <a:rPr lang="en-US" sz="1200" kern="1200" dirty="0" err="1" smtClean="0">
+                <a:solidFill>
+                  <a:schemeClr val="tx1"/>
+                </a:solidFill>
+                <a:latin typeface="+mn-lt"/>
+                <a:ea typeface="+mn-ea"/>
+                <a:cs typeface="+mn-cs"/>
+              </a:rPr>
+              <a:t>TriviaMVCPlaya.Models.ApplicationDbContext</a:t>
+            </a:r>
+            <a:r>
+              <a:rPr lang="en-US" sz="1200" kern="1200" dirty="0" smtClean="0">
+                <a:solidFill>
+                  <a:schemeClr val="tx1"/>
+                </a:solidFill>
+                <a:latin typeface="+mn-lt"/>
+                <a:ea typeface="+mn-ea"/>
+                <a:cs typeface="+mn-cs"/>
+              </a:rPr>
+              <a:t> -</a:t>
+            </a:r>
+            <a:r>
+              <a:rPr lang="en-US" sz="1200" kern="1200" dirty="0" err="1" smtClean="0">
+                <a:solidFill>
+                  <a:schemeClr val="tx1"/>
+                </a:solidFill>
+                <a:latin typeface="+mn-lt"/>
+                <a:ea typeface="+mn-ea"/>
+                <a:cs typeface="+mn-cs"/>
+              </a:rPr>
+              <a:t>MigrationsDirectory</a:t>
+            </a:r>
+            <a:r>
+              <a:rPr lang="en-US" sz="1200" kern="1200" dirty="0" smtClean="0">
+                <a:solidFill>
+                  <a:schemeClr val="tx1"/>
+                </a:solidFill>
+                <a:latin typeface="+mn-lt"/>
+                <a:ea typeface="+mn-ea"/>
+                <a:cs typeface="+mn-cs"/>
+              </a:rPr>
+              <a:t> </a:t>
+            </a:r>
+            <a:r>
+              <a:rPr lang="en-US" sz="1200" kern="1200" dirty="0" err="1" smtClean="0">
+                <a:solidFill>
+                  <a:schemeClr val="tx1"/>
+                </a:solidFill>
+                <a:latin typeface="+mn-lt"/>
+                <a:ea typeface="+mn-ea"/>
+                <a:cs typeface="+mn-cs"/>
+              </a:rPr>
+              <a:t>MigrationsForIdentity</a:t>
+            </a:r>
+            <a:endParaRPr lang="en-US" sz="1200" kern="1200" dirty="0" smtClean="0">
+              <a:solidFill>
+                <a:schemeClr val="tx1"/>
+              </a:solidFill>
+              <a:latin typeface="+mn-lt"/>
+              <a:ea typeface="+mn-ea"/>
+              <a:cs typeface="+mn-cs"/>
+            </a:endParaRPr>
+          </a:p>
+          <a:p>
+            <a:pPr marL="0" indent="0">
+              <a:buNone/>
+            </a:pPr>
+            <a:endParaRPr lang="en-US" baseline="0" dirty="0" smtClean="0"/>
+          </a:p>
+          <a:p>
             <a:pPr marL="228600" indent="-228600">
               <a:buAutoNum type="arabicPeriod"/>
             </a:pPr>
-            <a:endParaRPr lang="en-US" sz="1200" kern="1200" baseline="0" dirty="0" smtClean="0">
+            <a:r>
+              <a:rPr lang="en-US" sz="1200" kern="1200" dirty="0" smtClean="0">
+                <a:solidFill>
+                  <a:schemeClr val="tx1"/>
+                </a:solidFill>
+                <a:latin typeface="+mn-lt"/>
+                <a:ea typeface="+mn-ea"/>
+                <a:cs typeface="+mn-cs"/>
+              </a:rPr>
+              <a:t>add-migration Something -</a:t>
+            </a:r>
+            <a:r>
+              <a:rPr lang="en-US" sz="1200" kern="1200" dirty="0" err="1" smtClean="0">
+                <a:solidFill>
+                  <a:schemeClr val="tx1"/>
+                </a:solidFill>
+                <a:latin typeface="+mn-lt"/>
+                <a:ea typeface="+mn-ea"/>
+                <a:cs typeface="+mn-cs"/>
+              </a:rPr>
+              <a:t>ConfigurationTypeName</a:t>
+            </a:r>
+            <a:r>
+              <a:rPr lang="en-US" sz="1200" kern="1200" dirty="0" smtClean="0">
+                <a:solidFill>
+                  <a:schemeClr val="tx1"/>
+                </a:solidFill>
+                <a:latin typeface="+mn-lt"/>
+                <a:ea typeface="+mn-ea"/>
+                <a:cs typeface="+mn-cs"/>
+              </a:rPr>
+              <a:t> </a:t>
+            </a:r>
+            <a:r>
+              <a:rPr lang="en-US" sz="1200" kern="1200" dirty="0" err="1" smtClean="0">
+                <a:solidFill>
+                  <a:schemeClr val="tx1"/>
+                </a:solidFill>
+                <a:latin typeface="+mn-lt"/>
+                <a:ea typeface="+mn-ea"/>
+                <a:cs typeface="+mn-cs"/>
+              </a:rPr>
+              <a:t>TriviaMVCPlaya.Migrations.Configuration</a:t>
+            </a:r>
+            <a:endParaRPr lang="en-US" sz="1200" kern="1200" dirty="0" smtClean="0">
               <a:solidFill>
                 <a:schemeClr val="tx1"/>
               </a:solidFill>
@@ -1572,6 +1754,395 @@
             <a:fld id="{4CFD207A-07DF-40AD-A916-9872E089CE7A}" type="slidenum">
               <a:rPr lang="en-US" smtClean="0"/>
               <a:t>21</a:t>
+            </a:fld>
+            <a:endParaRPr lang="en-US" dirty="0"/>
+          </a:p>
+        </p:txBody>
+      </p:sp>
+    </p:spTree>
+    <p:extLst>
+      <p:ext uri="{BB962C8B-B14F-4D97-AF65-F5344CB8AC3E}">
+        <p14:creationId xmlns:p14="http://schemas.microsoft.com/office/powerpoint/2010/main" val="2660338068"/>
+      </p:ext>
+    </p:extLst>
+  </p:cSld>
+  <p:clrMapOvr>
+    <a:masterClrMapping/>
+  </p:clrMapOvr>
+</p:notes>
+</file>
+
+<file path=ppt/notesSlides/notesSlide15.xml><?xml version="1.0" encoding="utf-8"?>
+<p:notes xmlns:a="http://schemas.openxmlformats.org/drawingml/2006/main" xmlns:r="http://schemas.openxmlformats.org/officeDocument/2006/relationships" xmlns:p="http://schemas.openxmlformats.org/presentationml/2006/main">
+  <p:cSld>
+    <p:spTree>
+      <p:nvGrpSpPr>
+        <p:cNvPr id="1" name=""/>
+        <p:cNvGrpSpPr/>
+        <p:nvPr/>
+      </p:nvGrpSpPr>
+      <p:grpSpPr>
+        <a:xfrm>
+          <a:off x="0" y="0"/>
+          <a:ext cx="0" cy="0"/>
+          <a:chOff x="0" y="0"/>
+          <a:chExt cx="0" cy="0"/>
+        </a:xfrm>
+      </p:grpSpPr>
+      <p:sp>
+        <p:nvSpPr>
+          <p:cNvPr id="2" name="Slide Image Placeholder 1"/>
+          <p:cNvSpPr>
+            <a:spLocks noGrp="1" noRot="1" noChangeAspect="1"/>
+          </p:cNvSpPr>
+          <p:nvPr>
+            <p:ph type="sldImg"/>
+          </p:nvPr>
+        </p:nvSpPr>
+        <p:spPr/>
+      </p:sp>
+      <p:sp>
+        <p:nvSpPr>
+          <p:cNvPr id="3" name="Notes Placeholder 2"/>
+          <p:cNvSpPr>
+            <a:spLocks noGrp="1"/>
+          </p:cNvSpPr>
+          <p:nvPr>
+            <p:ph type="body" idx="1"/>
+          </p:nvPr>
+        </p:nvSpPr>
+        <p:spPr/>
+        <p:txBody>
+          <a:bodyPr/>
+          <a:lstStyle/>
+          <a:p>
+            <a:pPr marL="228600" indent="-228600">
+              <a:buAutoNum type="arabicPeriod"/>
+            </a:pPr>
+            <a:r>
+              <a:rPr lang="en-US" baseline="0" dirty="0" smtClean="0"/>
+              <a:t>Add a decimal Cost field to Album class</a:t>
+            </a:r>
+          </a:p>
+          <a:p>
+            <a:pPr marL="228600" indent="-228600">
+              <a:buAutoNum type="arabicPeriod"/>
+            </a:pPr>
+            <a:r>
+              <a:rPr lang="en-US" baseline="0" dirty="0" smtClean="0"/>
+              <a:t>Add-migration </a:t>
+            </a:r>
+            <a:r>
+              <a:rPr lang="en-US" baseline="0" dirty="0" err="1" smtClean="0"/>
+              <a:t>AlbumCost</a:t>
+            </a:r>
+            <a:endParaRPr lang="en-US" baseline="0" dirty="0" smtClean="0"/>
+          </a:p>
+          <a:p>
+            <a:pPr marL="228600" indent="-228600">
+              <a:buAutoNum type="arabicPeriod"/>
+            </a:pPr>
+            <a:r>
+              <a:rPr lang="en-US" baseline="0" dirty="0" smtClean="0"/>
+              <a:t>Customize</a:t>
+            </a:r>
+          </a:p>
+          <a:p>
+            <a:pPr marL="685800" lvl="1" indent="-228600">
+              <a:buAutoNum type="arabicPeriod"/>
+            </a:pPr>
+            <a:r>
+              <a:rPr lang="it-IT" sz="1200" kern="1200" dirty="0" smtClean="0">
+                <a:solidFill>
+                  <a:schemeClr val="tx1"/>
+                </a:solidFill>
+                <a:latin typeface="+mn-lt"/>
+                <a:ea typeface="+mn-ea"/>
+                <a:cs typeface="+mn-cs"/>
+              </a:rPr>
+              <a:t> Price = c.Decimal(nullable: false, precision: 18, scale: 2, defaultValue:9.99m),</a:t>
+            </a:r>
+            <a:endParaRPr lang="en-US" baseline="0" dirty="0" smtClean="0"/>
+          </a:p>
+        </p:txBody>
+      </p:sp>
+      <p:sp>
+        <p:nvSpPr>
+          <p:cNvPr id="4" name="Slide Number Placeholder 3"/>
+          <p:cNvSpPr>
+            <a:spLocks noGrp="1"/>
+          </p:cNvSpPr>
+          <p:nvPr>
+            <p:ph type="sldNum" sz="quarter" idx="10"/>
+          </p:nvPr>
+        </p:nvSpPr>
+        <p:spPr/>
+        <p:txBody>
+          <a:bodyPr/>
+          <a:lstStyle/>
+          <a:p>
+            <a:fld id="{4CFD207A-07DF-40AD-A916-9872E089CE7A}" type="slidenum">
+              <a:rPr lang="en-US" smtClean="0"/>
+              <a:t>22</a:t>
+            </a:fld>
+            <a:endParaRPr lang="en-US" dirty="0"/>
+          </a:p>
+        </p:txBody>
+      </p:sp>
+    </p:spTree>
+    <p:extLst>
+      <p:ext uri="{BB962C8B-B14F-4D97-AF65-F5344CB8AC3E}">
+        <p14:creationId xmlns:p14="http://schemas.microsoft.com/office/powerpoint/2010/main" val="2342746553"/>
+      </p:ext>
+    </p:extLst>
+  </p:cSld>
+  <p:clrMapOvr>
+    <a:masterClrMapping/>
+  </p:clrMapOvr>
+</p:notes>
+</file>
+
+<file path=ppt/notesSlides/notesSlide16.xml><?xml version="1.0" encoding="utf-8"?>
+<p:notes xmlns:a="http://schemas.openxmlformats.org/drawingml/2006/main" xmlns:r="http://schemas.openxmlformats.org/officeDocument/2006/relationships" xmlns:p="http://schemas.openxmlformats.org/presentationml/2006/main">
+  <p:cSld>
+    <p:spTree>
+      <p:nvGrpSpPr>
+        <p:cNvPr id="1" name=""/>
+        <p:cNvGrpSpPr/>
+        <p:nvPr/>
+      </p:nvGrpSpPr>
+      <p:grpSpPr>
+        <a:xfrm>
+          <a:off x="0" y="0"/>
+          <a:ext cx="0" cy="0"/>
+          <a:chOff x="0" y="0"/>
+          <a:chExt cx="0" cy="0"/>
+        </a:xfrm>
+      </p:grpSpPr>
+      <p:sp>
+        <p:nvSpPr>
+          <p:cNvPr id="2" name="Slide Image Placeholder 1"/>
+          <p:cNvSpPr>
+            <a:spLocks noGrp="1" noRot="1" noChangeAspect="1"/>
+          </p:cNvSpPr>
+          <p:nvPr>
+            <p:ph type="sldImg"/>
+          </p:nvPr>
+        </p:nvSpPr>
+        <p:spPr/>
+      </p:sp>
+      <p:sp>
+        <p:nvSpPr>
+          <p:cNvPr id="3" name="Notes Placeholder 2"/>
+          <p:cNvSpPr>
+            <a:spLocks noGrp="1"/>
+          </p:cNvSpPr>
+          <p:nvPr>
+            <p:ph type="body" idx="1"/>
+          </p:nvPr>
+        </p:nvSpPr>
+        <p:spPr/>
+        <p:txBody>
+          <a:bodyPr/>
+          <a:lstStyle/>
+          <a:p>
+            <a:pPr marL="228600" indent="-228600">
+              <a:buAutoNum type="arabicPeriod"/>
+            </a:pPr>
+            <a:r>
+              <a:rPr lang="en-US" baseline="0" dirty="0" smtClean="0"/>
+              <a:t>Point to existing database file.</a:t>
+            </a:r>
+          </a:p>
+          <a:p>
+            <a:pPr marL="228600" indent="-228600">
+              <a:buAutoNum type="arabicPeriod"/>
+            </a:pPr>
+            <a:r>
+              <a:rPr lang="en-US" baseline="0" dirty="0" smtClean="0"/>
+              <a:t>Reverse engineer. Note that this process creates data annotations (to work with validation) AND fluent </a:t>
+            </a:r>
+            <a:r>
+              <a:rPr lang="en-US" baseline="0" dirty="0" err="1" smtClean="0"/>
+              <a:t>api</a:t>
+            </a:r>
+            <a:r>
+              <a:rPr lang="en-US" baseline="0" dirty="0" smtClean="0"/>
+              <a:t>.</a:t>
+            </a:r>
+          </a:p>
+          <a:p>
+            <a:pPr marL="228600" indent="-228600">
+              <a:buAutoNum type="arabicPeriod"/>
+            </a:pPr>
+            <a:r>
+              <a:rPr lang="en-US" baseline="0" dirty="0" smtClean="0"/>
+              <a:t>enable-migrations</a:t>
+            </a:r>
+          </a:p>
+          <a:p>
+            <a:pPr marL="228600" indent="-228600">
+              <a:buAutoNum type="arabicPeriod"/>
+            </a:pPr>
+            <a:r>
+              <a:rPr lang="en-US" sz="1200" kern="1200" dirty="0" smtClean="0">
+                <a:solidFill>
+                  <a:schemeClr val="tx1"/>
+                </a:solidFill>
+                <a:latin typeface="+mn-lt"/>
+                <a:ea typeface="+mn-ea"/>
+                <a:cs typeface="+mn-cs"/>
+              </a:rPr>
+              <a:t>Add-Migration Initial</a:t>
+            </a:r>
+            <a:r>
+              <a:rPr lang="en-US" sz="1200" kern="1200" baseline="0" dirty="0" smtClean="0">
+                <a:solidFill>
+                  <a:schemeClr val="tx1"/>
+                </a:solidFill>
+                <a:latin typeface="+mn-lt"/>
+                <a:ea typeface="+mn-ea"/>
+                <a:cs typeface="+mn-cs"/>
+              </a:rPr>
+              <a:t> </a:t>
+            </a:r>
+            <a:r>
+              <a:rPr lang="en-US" sz="1200" kern="1200" dirty="0" smtClean="0">
+                <a:solidFill>
+                  <a:schemeClr val="tx1"/>
+                </a:solidFill>
+                <a:latin typeface="+mn-lt"/>
+                <a:ea typeface="+mn-ea"/>
+                <a:cs typeface="+mn-cs"/>
+              </a:rPr>
+              <a:t>–</a:t>
+            </a:r>
+            <a:r>
+              <a:rPr lang="en-US" sz="1200" kern="1200" dirty="0" err="1" smtClean="0">
+                <a:solidFill>
+                  <a:schemeClr val="tx1"/>
+                </a:solidFill>
+                <a:latin typeface="+mn-lt"/>
+                <a:ea typeface="+mn-ea"/>
+                <a:cs typeface="+mn-cs"/>
+              </a:rPr>
+              <a:t>IgnoreChanges</a:t>
+            </a:r>
+            <a:endParaRPr lang="en-US" sz="1200" kern="1200" dirty="0" smtClean="0">
+              <a:solidFill>
+                <a:schemeClr val="tx1"/>
+              </a:solidFill>
+              <a:latin typeface="+mn-lt"/>
+              <a:ea typeface="+mn-ea"/>
+              <a:cs typeface="+mn-cs"/>
+            </a:endParaRPr>
+          </a:p>
+          <a:p>
+            <a:pPr marL="228600" indent="-228600">
+              <a:buAutoNum type="arabicPeriod"/>
+            </a:pPr>
+            <a:r>
+              <a:rPr lang="en-US" sz="1200" kern="1200" dirty="0" smtClean="0">
+                <a:solidFill>
+                  <a:schemeClr val="tx1"/>
+                </a:solidFill>
+                <a:latin typeface="+mn-lt"/>
+                <a:ea typeface="+mn-ea"/>
+                <a:cs typeface="+mn-cs"/>
+              </a:rPr>
+              <a:t>Update-database</a:t>
+            </a:r>
+            <a:r>
+              <a:rPr lang="en-US" sz="1200" kern="1200" baseline="0" dirty="0" smtClean="0">
+                <a:solidFill>
+                  <a:schemeClr val="tx1"/>
+                </a:solidFill>
+                <a:latin typeface="+mn-lt"/>
+                <a:ea typeface="+mn-ea"/>
+                <a:cs typeface="+mn-cs"/>
+              </a:rPr>
+              <a:t> –script shows nothing (or migrations?)</a:t>
+            </a:r>
+          </a:p>
+          <a:p>
+            <a:pPr marL="228600" indent="-228600">
+              <a:buAutoNum type="arabicPeriod"/>
+            </a:pPr>
+            <a:r>
+              <a:rPr lang="en-US" sz="1200" kern="1200" baseline="0" dirty="0" smtClean="0">
+                <a:solidFill>
+                  <a:schemeClr val="tx1"/>
+                </a:solidFill>
+                <a:latin typeface="+mn-lt"/>
+                <a:ea typeface="+mn-ea"/>
+                <a:cs typeface="+mn-cs"/>
+              </a:rPr>
+              <a:t>Run app</a:t>
+            </a:r>
+          </a:p>
+          <a:p>
+            <a:pPr marL="228600" indent="-228600">
+              <a:buAutoNum type="arabicPeriod"/>
+            </a:pPr>
+            <a:r>
+              <a:rPr lang="en-US" sz="1200" kern="1200" baseline="0" dirty="0" smtClean="0">
+                <a:solidFill>
+                  <a:schemeClr val="tx1"/>
+                </a:solidFill>
+                <a:latin typeface="+mn-lt"/>
+                <a:ea typeface="+mn-ea"/>
+                <a:cs typeface="+mn-cs"/>
+              </a:rPr>
+              <a:t>Add a new field, add new migration, update database. We now have migrations table</a:t>
+            </a:r>
+            <a:endParaRPr lang="en-US" sz="1200" kern="1200" dirty="0" smtClean="0">
+              <a:solidFill>
+                <a:schemeClr val="tx1"/>
+              </a:solidFill>
+              <a:latin typeface="+mn-lt"/>
+              <a:ea typeface="+mn-ea"/>
+              <a:cs typeface="+mn-cs"/>
+            </a:endParaRPr>
+          </a:p>
+          <a:p>
+            <a:pPr marL="228600" indent="-228600">
+              <a:buAutoNum type="arabicPeriod"/>
+            </a:pPr>
+            <a:endParaRPr lang="en-US" sz="1200" kern="1200" baseline="0" dirty="0" smtClean="0">
+              <a:solidFill>
+                <a:schemeClr val="tx1"/>
+              </a:solidFill>
+              <a:latin typeface="+mn-lt"/>
+              <a:ea typeface="+mn-ea"/>
+              <a:cs typeface="+mn-cs"/>
+            </a:endParaRPr>
+          </a:p>
+          <a:p>
+            <a:pPr marL="228600" indent="-228600">
+              <a:buAutoNum type="arabicPeriod"/>
+            </a:pPr>
+            <a:endParaRPr lang="en-US" baseline="0" dirty="0" smtClean="0"/>
+          </a:p>
+        </p:txBody>
+      </p:sp>
+      <p:sp>
+        <p:nvSpPr>
+          <p:cNvPr id="4" name="Slide Number Placeholder 3"/>
+          <p:cNvSpPr>
+            <a:spLocks noGrp="1"/>
+          </p:cNvSpPr>
+          <p:nvPr>
+            <p:ph type="sldNum" sz="quarter" idx="10"/>
+          </p:nvPr>
+        </p:nvSpPr>
+        <p:spPr/>
+        <p:txBody>
+          <a:bodyPr/>
+          <a:lstStyle/>
+          <a:p>
+            <a:fld id="{4CFD207A-07DF-40AD-A916-9872E089CE7A}" type="slidenum">
+              <a:rPr lang="en-US" smtClean="0"/>
+              <a:t>23</a:t>
             </a:fld>
             <a:endParaRPr lang="en-US" dirty="0"/>
           </a:p>
@@ -4360,9 +4931,12 @@
           <a:bodyPr/>
           <a:lstStyle/>
           <a:p>
+            <a:pPr marL="228600" indent="-228600">
+              <a:buAutoNum type="arabicPeriod"/>
+            </a:pPr>
             <a:r>
               <a:rPr lang="en-US" dirty="0" smtClean="0"/>
-              <a:t>1. Install-package</a:t>
+              <a:t>Install-package</a:t>
             </a:r>
             <a:r>
               <a:rPr lang="en-US" baseline="0" dirty="0" smtClean="0"/>
@@ -4371,6 +4945,667 @@
             <a:r>
               <a:rPr lang="en-US" baseline="0" dirty="0" err="1" smtClean="0"/>
               <a:t>entityframework</a:t>
+            </a:r>
+            <a:endParaRPr lang="en-US" baseline="0" dirty="0" smtClean="0"/>
+          </a:p>
+          <a:p>
+            <a:pPr marL="228600" indent="-228600">
+              <a:buAutoNum type="arabicPeriod"/>
+            </a:pPr>
+            <a:endParaRPr lang="en-US" baseline="0" dirty="0" smtClean="0"/>
+          </a:p>
+          <a:p>
+            <a:r>
+              <a:rPr lang="en-US" sz="1200" dirty="0" smtClean="0">
+                <a:solidFill>
+                  <a:srgbClr val="0000FF"/>
+                </a:solidFill>
+                <a:highlight>
+                  <a:srgbClr val="FFFFFF"/>
+                </a:highlight>
+                <a:latin typeface="Consolas" panose="020B0609020204030204" pitchFamily="49" charset="0"/>
+              </a:rPr>
+              <a:t>protected</a:t>
+            </a:r>
+            <a:r>
+              <a:rPr lang="en-US" sz="1200" dirty="0" smtClean="0">
+                <a:solidFill>
+                  <a:srgbClr val="000000"/>
+                </a:solidFill>
+                <a:highlight>
+                  <a:srgbClr val="FFFFFF"/>
+                </a:highlight>
+                <a:latin typeface="Consolas" panose="020B0609020204030204" pitchFamily="49" charset="0"/>
+              </a:rPr>
+              <a:t> </a:t>
+            </a:r>
+            <a:r>
+              <a:rPr lang="en-US" sz="1200" dirty="0" smtClean="0">
+                <a:solidFill>
+                  <a:srgbClr val="0000FF"/>
+                </a:solidFill>
+                <a:highlight>
+                  <a:srgbClr val="FFFFFF"/>
+                </a:highlight>
+                <a:latin typeface="Consolas" panose="020B0609020204030204" pitchFamily="49" charset="0"/>
+              </a:rPr>
+              <a:t>override</a:t>
+            </a:r>
+            <a:r>
+              <a:rPr lang="en-US" sz="1200" dirty="0" smtClean="0">
+                <a:solidFill>
+                  <a:srgbClr val="000000"/>
+                </a:solidFill>
+                <a:highlight>
+                  <a:srgbClr val="FFFFFF"/>
+                </a:highlight>
+                <a:latin typeface="Consolas" panose="020B0609020204030204" pitchFamily="49" charset="0"/>
+              </a:rPr>
+              <a:t> </a:t>
+            </a:r>
+            <a:r>
+              <a:rPr lang="en-US" sz="1200" dirty="0" smtClean="0">
+                <a:solidFill>
+                  <a:srgbClr val="0000FF"/>
+                </a:solidFill>
+                <a:highlight>
+                  <a:srgbClr val="FFFFFF"/>
+                </a:highlight>
+                <a:latin typeface="Consolas" panose="020B0609020204030204" pitchFamily="49" charset="0"/>
+              </a:rPr>
+              <a:t>void</a:t>
+            </a:r>
+            <a:r>
+              <a:rPr lang="en-US" sz="1200" dirty="0" smtClean="0">
+                <a:solidFill>
+                  <a:srgbClr val="000000"/>
+                </a:solidFill>
+                <a:highlight>
+                  <a:srgbClr val="FFFFFF"/>
+                </a:highlight>
+                <a:latin typeface="Consolas" panose="020B0609020204030204" pitchFamily="49" charset="0"/>
+              </a:rPr>
+              <a:t> </a:t>
+            </a:r>
+            <a:r>
+              <a:rPr lang="en-US" sz="1200" dirty="0" err="1" smtClean="0">
+                <a:solidFill>
+                  <a:srgbClr val="000000"/>
+                </a:solidFill>
+                <a:highlight>
+                  <a:srgbClr val="FFFFFF"/>
+                </a:highlight>
+                <a:latin typeface="Consolas" panose="020B0609020204030204" pitchFamily="49" charset="0"/>
+              </a:rPr>
+              <a:t>OnModelCreating</a:t>
+            </a:r>
+            <a:r>
+              <a:rPr lang="en-US" sz="1200" dirty="0" smtClean="0">
+                <a:solidFill>
+                  <a:srgbClr val="000000"/>
+                </a:solidFill>
+                <a:highlight>
+                  <a:srgbClr val="FFFFFF"/>
+                </a:highlight>
+                <a:latin typeface="Consolas" panose="020B0609020204030204" pitchFamily="49" charset="0"/>
+              </a:rPr>
+              <a:t>(</a:t>
+            </a:r>
+            <a:r>
+              <a:rPr lang="en-US" sz="1200" dirty="0" err="1" smtClean="0">
+                <a:solidFill>
+                  <a:srgbClr val="2B91AF"/>
+                </a:solidFill>
+                <a:highlight>
+                  <a:srgbClr val="FFFFFF"/>
+                </a:highlight>
+                <a:latin typeface="Consolas" panose="020B0609020204030204" pitchFamily="49" charset="0"/>
+              </a:rPr>
+              <a:t>DbModelBuilder</a:t>
+            </a:r>
+            <a:r>
+              <a:rPr lang="en-US" sz="1200" dirty="0" smtClean="0">
+                <a:solidFill>
+                  <a:srgbClr val="000000"/>
+                </a:solidFill>
+                <a:highlight>
+                  <a:srgbClr val="FFFFFF"/>
+                </a:highlight>
+                <a:latin typeface="Consolas" panose="020B0609020204030204" pitchFamily="49" charset="0"/>
+              </a:rPr>
+              <a:t> </a:t>
+            </a:r>
+            <a:r>
+              <a:rPr lang="en-US" sz="1200" dirty="0" err="1" smtClean="0">
+                <a:solidFill>
+                  <a:srgbClr val="000000"/>
+                </a:solidFill>
+                <a:highlight>
+                  <a:srgbClr val="FFFFFF"/>
+                </a:highlight>
+                <a:latin typeface="Consolas" panose="020B0609020204030204" pitchFamily="49" charset="0"/>
+              </a:rPr>
+              <a:t>modelBuilder</a:t>
+            </a:r>
+            <a:r>
+              <a:rPr lang="en-US" sz="1200" dirty="0" smtClean="0">
+                <a:solidFill>
+                  <a:srgbClr val="000000"/>
+                </a:solidFill>
+                <a:highlight>
+                  <a:srgbClr val="FFFFFF"/>
+                </a:highlight>
+                <a:latin typeface="Consolas" panose="020B0609020204030204" pitchFamily="49" charset="0"/>
+              </a:rPr>
+              <a:t>)</a:t>
+            </a:r>
+          </a:p>
+          <a:p>
+            <a:r>
+              <a:rPr lang="en-US" sz="1200" dirty="0" smtClean="0">
+                <a:solidFill>
+                  <a:srgbClr val="000000"/>
+                </a:solidFill>
+                <a:highlight>
+                  <a:srgbClr val="FFFFFF"/>
+                </a:highlight>
+                <a:latin typeface="Consolas" panose="020B0609020204030204" pitchFamily="49" charset="0"/>
+              </a:rPr>
+              <a:t>{</a:t>
+            </a:r>
+          </a:p>
+          <a:p>
+            <a:r>
+              <a:rPr lang="en-US" sz="1200" dirty="0" smtClean="0">
+                <a:solidFill>
+                  <a:srgbClr val="000000"/>
+                </a:solidFill>
+                <a:highlight>
+                  <a:srgbClr val="FFFFFF"/>
+                </a:highlight>
+                <a:latin typeface="Consolas" panose="020B0609020204030204" pitchFamily="49" charset="0"/>
+              </a:rPr>
+              <a:t>   </a:t>
+            </a:r>
+            <a:r>
+              <a:rPr lang="en-US" sz="1200" dirty="0" err="1" smtClean="0">
+                <a:solidFill>
+                  <a:srgbClr val="000000"/>
+                </a:solidFill>
+                <a:highlight>
+                  <a:srgbClr val="FFFFFF"/>
+                </a:highlight>
+                <a:latin typeface="Consolas" panose="020B0609020204030204" pitchFamily="49" charset="0"/>
+              </a:rPr>
+              <a:t>modelBuilder.HasDefaultSchema</a:t>
+            </a:r>
+            <a:r>
+              <a:rPr lang="en-US" sz="1200" dirty="0" smtClean="0">
+                <a:solidFill>
+                  <a:srgbClr val="000000"/>
+                </a:solidFill>
+                <a:highlight>
+                  <a:srgbClr val="FFFFFF"/>
+                </a:highlight>
+                <a:latin typeface="Consolas" panose="020B0609020204030204" pitchFamily="49" charset="0"/>
+              </a:rPr>
+              <a:t>("</a:t>
+            </a:r>
+            <a:r>
+              <a:rPr lang="en-US" sz="1200" dirty="0" err="1" smtClean="0">
+                <a:solidFill>
+                  <a:srgbClr val="000000"/>
+                </a:solidFill>
+                <a:highlight>
+                  <a:srgbClr val="FFFFFF"/>
+                </a:highlight>
+                <a:latin typeface="Consolas" panose="020B0609020204030204" pitchFamily="49" charset="0"/>
+              </a:rPr>
+              <a:t>MusicStore</a:t>
+            </a:r>
+            <a:r>
+              <a:rPr lang="en-US" sz="1200" dirty="0" smtClean="0">
+                <a:solidFill>
+                  <a:srgbClr val="000000"/>
+                </a:solidFill>
+                <a:highlight>
+                  <a:srgbClr val="FFFFFF"/>
+                </a:highlight>
+                <a:latin typeface="Consolas" panose="020B0609020204030204" pitchFamily="49" charset="0"/>
+              </a:rPr>
+              <a:t>");</a:t>
+            </a:r>
+          </a:p>
+          <a:p>
+            <a:endParaRPr lang="en-US" sz="1200" dirty="0" smtClean="0">
+              <a:solidFill>
+                <a:srgbClr val="000000"/>
+              </a:solidFill>
+              <a:highlight>
+                <a:srgbClr val="FFFFFF"/>
+              </a:highlight>
+              <a:latin typeface="Consolas" panose="020B0609020204030204" pitchFamily="49" charset="0"/>
+            </a:endParaRPr>
+          </a:p>
+          <a:p>
+            <a:r>
+              <a:rPr lang="en-US" sz="1200" dirty="0" smtClean="0">
+                <a:solidFill>
+                  <a:srgbClr val="000000"/>
+                </a:solidFill>
+                <a:highlight>
+                  <a:srgbClr val="FFFFFF"/>
+                </a:highlight>
+                <a:latin typeface="Consolas" panose="020B0609020204030204" pitchFamily="49" charset="0"/>
+              </a:rPr>
+              <a:t>   </a:t>
+            </a:r>
+            <a:r>
+              <a:rPr lang="en-US" sz="1200" dirty="0" err="1" smtClean="0">
+                <a:solidFill>
+                  <a:srgbClr val="000000"/>
+                </a:solidFill>
+                <a:highlight>
+                  <a:srgbClr val="FFFFFF"/>
+                </a:highlight>
+                <a:latin typeface="Consolas" panose="020B0609020204030204" pitchFamily="49" charset="0"/>
+              </a:rPr>
+              <a:t>modelBuilder.Entity</a:t>
+            </a:r>
+            <a:r>
+              <a:rPr lang="en-US" sz="1200" dirty="0" smtClean="0">
+                <a:solidFill>
+                  <a:srgbClr val="000000"/>
+                </a:solidFill>
+                <a:highlight>
+                  <a:srgbClr val="FFFFFF"/>
+                </a:highlight>
+                <a:latin typeface="Consolas" panose="020B0609020204030204" pitchFamily="49" charset="0"/>
+              </a:rPr>
+              <a:t>&lt;</a:t>
+            </a:r>
+            <a:r>
+              <a:rPr lang="en-US" sz="1200" dirty="0" smtClean="0">
+                <a:solidFill>
+                  <a:srgbClr val="2B91AF"/>
+                </a:solidFill>
+                <a:highlight>
+                  <a:srgbClr val="FFFFFF"/>
+                </a:highlight>
+                <a:latin typeface="Consolas" panose="020B0609020204030204" pitchFamily="49" charset="0"/>
+              </a:rPr>
+              <a:t>Album</a:t>
+            </a:r>
+            <a:r>
+              <a:rPr lang="en-US" sz="1200" dirty="0" smtClean="0">
+                <a:solidFill>
+                  <a:srgbClr val="000000"/>
+                </a:solidFill>
+                <a:highlight>
+                  <a:srgbClr val="FFFFFF"/>
+                </a:highlight>
+                <a:latin typeface="Consolas" panose="020B0609020204030204" pitchFamily="49" charset="0"/>
+              </a:rPr>
+              <a:t>&gt;()</a:t>
+            </a:r>
+          </a:p>
+          <a:p>
+            <a:r>
+              <a:rPr lang="en-US" sz="1200" dirty="0" smtClean="0">
+                <a:solidFill>
+                  <a:srgbClr val="000000"/>
+                </a:solidFill>
+                <a:highlight>
+                  <a:srgbClr val="FFFFFF"/>
+                </a:highlight>
+                <a:latin typeface="Consolas" panose="020B0609020204030204" pitchFamily="49" charset="0"/>
+              </a:rPr>
+              <a:t>               .Property(e =&gt; </a:t>
+            </a:r>
+            <a:r>
+              <a:rPr lang="en-US" sz="1200" dirty="0" err="1" smtClean="0">
+                <a:solidFill>
+                  <a:srgbClr val="000000"/>
+                </a:solidFill>
+                <a:highlight>
+                  <a:srgbClr val="FFFFFF"/>
+                </a:highlight>
+                <a:latin typeface="Consolas" panose="020B0609020204030204" pitchFamily="49" charset="0"/>
+              </a:rPr>
+              <a:t>e.Title</a:t>
+            </a:r>
+            <a:r>
+              <a:rPr lang="en-US" sz="1200" dirty="0" smtClean="0">
+                <a:solidFill>
+                  <a:srgbClr val="000000"/>
+                </a:solidFill>
+                <a:highlight>
+                  <a:srgbClr val="FFFFFF"/>
+                </a:highlight>
+                <a:latin typeface="Consolas" panose="020B0609020204030204" pitchFamily="49" charset="0"/>
+              </a:rPr>
+              <a:t>)</a:t>
+            </a:r>
+          </a:p>
+          <a:p>
+            <a:r>
+              <a:rPr lang="en-US" sz="1200" dirty="0" smtClean="0">
+                <a:solidFill>
+                  <a:srgbClr val="000000"/>
+                </a:solidFill>
+                <a:highlight>
+                  <a:srgbClr val="FFFFFF"/>
+                </a:highlight>
+                <a:latin typeface="Consolas" panose="020B0609020204030204" pitchFamily="49" charset="0"/>
+              </a:rPr>
+              <a:t>               .</a:t>
+            </a:r>
+            <a:r>
+              <a:rPr lang="en-US" sz="1200" dirty="0" err="1" smtClean="0">
+                <a:solidFill>
+                  <a:srgbClr val="000000"/>
+                </a:solidFill>
+                <a:highlight>
+                  <a:srgbClr val="FFFFFF"/>
+                </a:highlight>
+                <a:latin typeface="Consolas" panose="020B0609020204030204" pitchFamily="49" charset="0"/>
+              </a:rPr>
+              <a:t>HasColumnName</a:t>
+            </a:r>
+            <a:r>
+              <a:rPr lang="en-US" sz="1200" dirty="0" smtClean="0">
+                <a:solidFill>
+                  <a:srgbClr val="000000"/>
+                </a:solidFill>
+                <a:highlight>
+                  <a:srgbClr val="FFFFFF"/>
+                </a:highlight>
+                <a:latin typeface="Consolas" panose="020B0609020204030204" pitchFamily="49" charset="0"/>
+              </a:rPr>
+              <a:t>(</a:t>
+            </a:r>
+            <a:r>
+              <a:rPr lang="en-US" sz="1200" dirty="0" smtClean="0">
+                <a:solidFill>
+                  <a:srgbClr val="A31515"/>
+                </a:solidFill>
+                <a:highlight>
+                  <a:srgbClr val="FFFFFF"/>
+                </a:highlight>
+                <a:latin typeface="Consolas" panose="020B0609020204030204" pitchFamily="49" charset="0"/>
+              </a:rPr>
+              <a:t>"</a:t>
+            </a:r>
+            <a:r>
+              <a:rPr lang="en-US" sz="1200" dirty="0" err="1" smtClean="0">
+                <a:solidFill>
+                  <a:srgbClr val="A31515"/>
+                </a:solidFill>
+                <a:highlight>
+                  <a:srgbClr val="FFFFFF"/>
+                </a:highlight>
+                <a:latin typeface="Consolas" panose="020B0609020204030204" pitchFamily="49" charset="0"/>
+              </a:rPr>
+              <a:t>Album_Title</a:t>
+            </a:r>
+            <a:r>
+              <a:rPr lang="en-US" sz="1200" dirty="0" smtClean="0">
+                <a:solidFill>
+                  <a:srgbClr val="A31515"/>
+                </a:solidFill>
+                <a:highlight>
+                  <a:srgbClr val="FFFFFF"/>
+                </a:highlight>
+                <a:latin typeface="Consolas" panose="020B0609020204030204" pitchFamily="49" charset="0"/>
+              </a:rPr>
+              <a:t>"</a:t>
+            </a:r>
+            <a:r>
+              <a:rPr lang="en-US" sz="1200" dirty="0" smtClean="0">
+                <a:solidFill>
+                  <a:srgbClr val="000000"/>
+                </a:solidFill>
+                <a:highlight>
+                  <a:srgbClr val="FFFFFF"/>
+                </a:highlight>
+                <a:latin typeface="Consolas" panose="020B0609020204030204" pitchFamily="49" charset="0"/>
+              </a:rPr>
+              <a:t>);</a:t>
+            </a:r>
+          </a:p>
+          <a:p>
+            <a:endParaRPr lang="en-US" sz="1200" dirty="0" smtClean="0">
+              <a:solidFill>
+                <a:srgbClr val="000000"/>
+              </a:solidFill>
+              <a:highlight>
+                <a:srgbClr val="FFFFFF"/>
+              </a:highlight>
+              <a:latin typeface="Consolas" panose="020B0609020204030204" pitchFamily="49" charset="0"/>
+            </a:endParaRPr>
+          </a:p>
+          <a:p>
+            <a:r>
+              <a:rPr lang="en-US" sz="1200" dirty="0" smtClean="0">
+                <a:solidFill>
+                  <a:srgbClr val="000000"/>
+                </a:solidFill>
+                <a:highlight>
+                  <a:srgbClr val="FFFFFF"/>
+                </a:highlight>
+                <a:latin typeface="Consolas" panose="020B0609020204030204" pitchFamily="49" charset="0"/>
+              </a:rPr>
+              <a:t>    </a:t>
+            </a:r>
+            <a:r>
+              <a:rPr lang="en-US" sz="1200" dirty="0" err="1" smtClean="0">
+                <a:solidFill>
+                  <a:srgbClr val="000000"/>
+                </a:solidFill>
+                <a:highlight>
+                  <a:srgbClr val="FFFFFF"/>
+                </a:highlight>
+                <a:latin typeface="Consolas" panose="020B0609020204030204" pitchFamily="49" charset="0"/>
+              </a:rPr>
+              <a:t>modelBuilder.Entity</a:t>
+            </a:r>
+            <a:r>
+              <a:rPr lang="en-US" sz="1200" dirty="0" smtClean="0">
+                <a:solidFill>
+                  <a:srgbClr val="000000"/>
+                </a:solidFill>
+                <a:highlight>
+                  <a:srgbClr val="FFFFFF"/>
+                </a:highlight>
+                <a:latin typeface="Consolas" panose="020B0609020204030204" pitchFamily="49" charset="0"/>
+              </a:rPr>
+              <a:t>&lt;</a:t>
+            </a:r>
+            <a:r>
+              <a:rPr lang="en-US" sz="1200" dirty="0" smtClean="0">
+                <a:solidFill>
+                  <a:srgbClr val="2B91AF"/>
+                </a:solidFill>
+                <a:highlight>
+                  <a:srgbClr val="FFFFFF"/>
+                </a:highlight>
+                <a:latin typeface="Consolas" panose="020B0609020204030204" pitchFamily="49" charset="0"/>
+              </a:rPr>
+              <a:t>Album</a:t>
+            </a:r>
+            <a:r>
+              <a:rPr lang="en-US" sz="1200" dirty="0" smtClean="0">
+                <a:solidFill>
+                  <a:srgbClr val="000000"/>
+                </a:solidFill>
+                <a:highlight>
+                  <a:srgbClr val="FFFFFF"/>
+                </a:highlight>
+                <a:latin typeface="Consolas" panose="020B0609020204030204" pitchFamily="49" charset="0"/>
+              </a:rPr>
+              <a:t>&gt;()</a:t>
+            </a:r>
+          </a:p>
+          <a:p>
+            <a:r>
+              <a:rPr lang="en-US" sz="1200" dirty="0" smtClean="0">
+                <a:solidFill>
+                  <a:srgbClr val="000000"/>
+                </a:solidFill>
+                <a:highlight>
+                  <a:srgbClr val="FFFFFF"/>
+                </a:highlight>
+                <a:latin typeface="Consolas" panose="020B0609020204030204" pitchFamily="49" charset="0"/>
+              </a:rPr>
+              <a:t>                .</a:t>
+            </a:r>
+            <a:r>
+              <a:rPr lang="en-US" sz="1200" dirty="0" err="1" smtClean="0">
+                <a:solidFill>
+                  <a:srgbClr val="000000"/>
+                </a:solidFill>
+                <a:highlight>
+                  <a:srgbClr val="FFFFFF"/>
+                </a:highlight>
+                <a:latin typeface="Consolas" panose="020B0609020204030204" pitchFamily="49" charset="0"/>
+              </a:rPr>
+              <a:t>HasRequired</a:t>
+            </a:r>
+            <a:r>
+              <a:rPr lang="en-US" sz="1200" dirty="0" smtClean="0">
+                <a:solidFill>
+                  <a:srgbClr val="000000"/>
+                </a:solidFill>
+                <a:highlight>
+                  <a:srgbClr val="FFFFFF"/>
+                </a:highlight>
+                <a:latin typeface="Consolas" panose="020B0609020204030204" pitchFamily="49" charset="0"/>
+              </a:rPr>
+              <a:t>&lt;</a:t>
+            </a:r>
+            <a:r>
+              <a:rPr lang="en-US" sz="1200" dirty="0" smtClean="0">
+                <a:solidFill>
+                  <a:srgbClr val="2B91AF"/>
+                </a:solidFill>
+                <a:highlight>
+                  <a:srgbClr val="FFFFFF"/>
+                </a:highlight>
+                <a:latin typeface="Consolas" panose="020B0609020204030204" pitchFamily="49" charset="0"/>
+              </a:rPr>
+              <a:t>Artist</a:t>
+            </a:r>
+            <a:r>
+              <a:rPr lang="en-US" sz="1200" dirty="0" smtClean="0">
+                <a:solidFill>
+                  <a:srgbClr val="000000"/>
+                </a:solidFill>
+                <a:highlight>
+                  <a:srgbClr val="FFFFFF"/>
+                </a:highlight>
+                <a:latin typeface="Consolas" panose="020B0609020204030204" pitchFamily="49" charset="0"/>
+              </a:rPr>
+              <a:t>&gt;(s =&gt; </a:t>
+            </a:r>
+            <a:r>
+              <a:rPr lang="en-US" sz="1200" dirty="0" err="1" smtClean="0">
+                <a:solidFill>
+                  <a:srgbClr val="000000"/>
+                </a:solidFill>
+                <a:highlight>
+                  <a:srgbClr val="FFFFFF"/>
+                </a:highlight>
+                <a:latin typeface="Consolas" panose="020B0609020204030204" pitchFamily="49" charset="0"/>
+              </a:rPr>
+              <a:t>s.Artist</a:t>
+            </a:r>
+            <a:r>
+              <a:rPr lang="en-US" sz="1200" dirty="0" smtClean="0">
+                <a:solidFill>
+                  <a:srgbClr val="000000"/>
+                </a:solidFill>
+                <a:highlight>
+                  <a:srgbClr val="FFFFFF"/>
+                </a:highlight>
+                <a:latin typeface="Consolas" panose="020B0609020204030204" pitchFamily="49" charset="0"/>
+              </a:rPr>
+              <a:t>)</a:t>
+            </a:r>
+          </a:p>
+          <a:p>
+            <a:r>
+              <a:rPr lang="en-US" sz="1200" dirty="0" smtClean="0">
+                <a:solidFill>
+                  <a:srgbClr val="000000"/>
+                </a:solidFill>
+                <a:highlight>
+                  <a:srgbClr val="FFFFFF"/>
+                </a:highlight>
+                <a:latin typeface="Consolas" panose="020B0609020204030204" pitchFamily="49" charset="0"/>
+              </a:rPr>
+              <a:t>                .</a:t>
+            </a:r>
+            <a:r>
+              <a:rPr lang="en-US" sz="1200" dirty="0" err="1" smtClean="0">
+                <a:solidFill>
+                  <a:srgbClr val="000000"/>
+                </a:solidFill>
+                <a:highlight>
+                  <a:srgbClr val="FFFFFF"/>
+                </a:highlight>
+                <a:latin typeface="Consolas" panose="020B0609020204030204" pitchFamily="49" charset="0"/>
+              </a:rPr>
+              <a:t>WithMany</a:t>
+            </a:r>
+            <a:r>
+              <a:rPr lang="en-US" sz="1200" dirty="0" smtClean="0">
+                <a:solidFill>
+                  <a:srgbClr val="000000"/>
+                </a:solidFill>
+                <a:highlight>
+                  <a:srgbClr val="FFFFFF"/>
+                </a:highlight>
+                <a:latin typeface="Consolas" panose="020B0609020204030204" pitchFamily="49" charset="0"/>
+              </a:rPr>
+              <a:t>(s =&gt; </a:t>
+            </a:r>
+            <a:r>
+              <a:rPr lang="en-US" sz="1200" dirty="0" err="1" smtClean="0">
+                <a:solidFill>
+                  <a:srgbClr val="000000"/>
+                </a:solidFill>
+                <a:highlight>
+                  <a:srgbClr val="FFFFFF"/>
+                </a:highlight>
+                <a:latin typeface="Consolas" panose="020B0609020204030204" pitchFamily="49" charset="0"/>
+              </a:rPr>
+              <a:t>s.Albums</a:t>
+            </a:r>
+            <a:r>
+              <a:rPr lang="en-US" sz="1200" dirty="0" smtClean="0">
+                <a:solidFill>
+                  <a:srgbClr val="000000"/>
+                </a:solidFill>
+                <a:highlight>
+                  <a:srgbClr val="FFFFFF"/>
+                </a:highlight>
+                <a:latin typeface="Consolas" panose="020B0609020204030204" pitchFamily="49" charset="0"/>
+              </a:rPr>
+              <a:t>);</a:t>
+            </a:r>
+          </a:p>
+          <a:p>
+            <a:r>
+              <a:rPr lang="en-US" sz="1200" dirty="0" smtClean="0">
+                <a:solidFill>
+                  <a:srgbClr val="000000"/>
+                </a:solidFill>
+                <a:highlight>
+                  <a:srgbClr val="FFFFFF"/>
+                </a:highlight>
+                <a:latin typeface="Consolas" panose="020B0609020204030204" pitchFamily="49" charset="0"/>
+              </a:rPr>
+              <a:t>}</a:t>
             </a:r>
             <a:endParaRPr lang="en-US" dirty="0"/>
           </a:p>
@@ -4476,7 +5711,12 @@
               <a:rPr lang="en-US" baseline="0" dirty="0" smtClean="0"/>
               <a:t>Add below into context</a:t>
             </a:r>
-            <a:endParaRPr lang="en-US" baseline="0" dirty="0"/>
+          </a:p>
+          <a:p>
+            <a:pPr marL="228600" indent="-228600">
+              <a:buAutoNum type="arabicPeriod"/>
+            </a:pPr>
+            <a:endParaRPr lang="en-US" baseline="0" dirty="0" smtClean="0"/>
           </a:p>
           <a:p>
             <a:r>
@@ -4488,6 +5728,156 @@
                 <a:ea typeface="+mn-ea"/>
                 <a:cs typeface="+mn-cs"/>
               </a:rPr>
+              <a:t> public  </a:t>
+            </a:r>
+            <a:r>
+              <a:rPr lang="en-US" sz="1200" kern="1200" dirty="0" err="1" smtClean="0">
+                <a:solidFill>
+                  <a:schemeClr val="tx1"/>
+                </a:solidFill>
+                <a:latin typeface="+mn-lt"/>
+                <a:ea typeface="+mn-ea"/>
+                <a:cs typeface="+mn-cs"/>
+              </a:rPr>
+              <a:t>MusicContext</a:t>
+            </a:r>
+            <a:r>
+              <a:rPr lang="en-US" sz="1200" kern="1200" dirty="0" smtClean="0">
+                <a:solidFill>
+                  <a:schemeClr val="tx1"/>
+                </a:solidFill>
+                <a:latin typeface="+mn-lt"/>
+                <a:ea typeface="+mn-ea"/>
+                <a:cs typeface="+mn-cs"/>
+              </a:rPr>
+              <a:t>()</a:t>
+            </a:r>
+          </a:p>
+          <a:p>
+            <a:r>
+              <a:rPr lang="en-US" sz="1200" kern="1200" dirty="0" smtClean="0">
+                <a:solidFill>
+                  <a:schemeClr val="tx1"/>
+                </a:solidFill>
+                <a:latin typeface="+mn-lt"/>
+                <a:ea typeface="+mn-ea"/>
+                <a:cs typeface="+mn-cs"/>
+              </a:rPr>
+              <a:t>{</a:t>
+            </a:r>
+          </a:p>
+          <a:p>
+            <a:r>
+              <a:rPr lang="en-US" sz="1200" kern="1200" dirty="0" smtClean="0">
+                <a:solidFill>
+                  <a:schemeClr val="tx1"/>
+                </a:solidFill>
+                <a:latin typeface="+mn-lt"/>
+                <a:ea typeface="+mn-ea"/>
+                <a:cs typeface="+mn-cs"/>
+              </a:rPr>
+              <a:t>            </a:t>
+            </a:r>
+            <a:r>
+              <a:rPr lang="en-US" sz="1200" kern="1200" dirty="0" err="1" smtClean="0">
+                <a:solidFill>
+                  <a:schemeClr val="tx1"/>
+                </a:solidFill>
+                <a:latin typeface="+mn-lt"/>
+                <a:ea typeface="+mn-ea"/>
+                <a:cs typeface="+mn-cs"/>
+              </a:rPr>
+              <a:t>Database.SetInitializer</a:t>
+            </a:r>
+            <a:r>
+              <a:rPr lang="en-US" sz="1200" kern="1200" dirty="0" smtClean="0">
+                <a:solidFill>
+                  <a:schemeClr val="tx1"/>
+                </a:solidFill>
+                <a:latin typeface="+mn-lt"/>
+                <a:ea typeface="+mn-ea"/>
+                <a:cs typeface="+mn-cs"/>
+              </a:rPr>
+              <a:t>(new </a:t>
+            </a:r>
+            <a:r>
+              <a:rPr lang="en-US" sz="1200" kern="1200" dirty="0" err="1" smtClean="0">
+                <a:solidFill>
+                  <a:schemeClr val="tx1"/>
+                </a:solidFill>
+                <a:latin typeface="+mn-lt"/>
+                <a:ea typeface="+mn-ea"/>
+                <a:cs typeface="+mn-cs"/>
+              </a:rPr>
+              <a:t>DropCreateDatabaseAlways</a:t>
+            </a:r>
+            <a:r>
+              <a:rPr lang="en-US" sz="1200" kern="1200" dirty="0" smtClean="0">
+                <a:solidFill>
+                  <a:schemeClr val="tx1"/>
+                </a:solidFill>
+                <a:latin typeface="+mn-lt"/>
+                <a:ea typeface="+mn-ea"/>
+                <a:cs typeface="+mn-cs"/>
+              </a:rPr>
+              <a:t>&lt;</a:t>
+            </a:r>
+            <a:r>
+              <a:rPr lang="en-US" sz="1200" kern="1200" dirty="0" err="1" smtClean="0">
+                <a:solidFill>
+                  <a:schemeClr val="tx1"/>
+                </a:solidFill>
+                <a:latin typeface="+mn-lt"/>
+                <a:ea typeface="+mn-ea"/>
+                <a:cs typeface="+mn-cs"/>
+              </a:rPr>
+              <a:t>MusicContext</a:t>
+            </a:r>
+            <a:r>
+              <a:rPr lang="en-US" sz="1200" kern="1200" dirty="0" smtClean="0">
+                <a:solidFill>
+                  <a:schemeClr val="tx1"/>
+                </a:solidFill>
+                <a:latin typeface="+mn-lt"/>
+                <a:ea typeface="+mn-ea"/>
+                <a:cs typeface="+mn-cs"/>
+              </a:rPr>
+              <a:t>&gt;());</a:t>
+            </a:r>
+          </a:p>
+          <a:p>
+            <a:r>
+              <a:rPr lang="en-US" sz="1200" kern="1200" dirty="0" smtClean="0">
+                <a:solidFill>
+                  <a:schemeClr val="tx1"/>
+                </a:solidFill>
+                <a:latin typeface="+mn-lt"/>
+                <a:ea typeface="+mn-ea"/>
+                <a:cs typeface="+mn-cs"/>
+              </a:rPr>
+              <a:t>}</a:t>
+            </a:r>
+          </a:p>
+          <a:p>
+            <a:endParaRPr lang="en-US" sz="1200" kern="1200" dirty="0" smtClean="0">
+              <a:solidFill>
+                <a:schemeClr val="tx1"/>
+              </a:solidFill>
+              <a:latin typeface="+mn-lt"/>
+              <a:ea typeface="+mn-ea"/>
+              <a:cs typeface="+mn-cs"/>
+            </a:endParaRPr>
+          </a:p>
+          <a:p>
+            <a:r>
+              <a:rPr lang="en-US" sz="1200" kern="1200" dirty="0" smtClean="0">
+                <a:solidFill>
+                  <a:schemeClr val="tx1"/>
+                </a:solidFill>
+                <a:latin typeface="+mn-lt"/>
+                <a:ea typeface="+mn-ea"/>
+                <a:cs typeface="+mn-cs"/>
+              </a:rPr>
               <a:t>protected override void </a:t>
             </a:r>
             <a:r>
@@ -4572,15 +5962,116 @@
           </a:p>
           <a:p>
             <a:r>
-              <a:rPr lang="en-US" sz="1200" kern="1200" baseline="0" dirty="0" smtClean="0">
-                <a:solidFill>
-                  <a:schemeClr val="tx1"/>
-                </a:solidFill>
-                <a:latin typeface="+mn-lt"/>
-                <a:ea typeface="+mn-ea"/>
-                <a:cs typeface="+mn-cs"/>
-              </a:rPr>
-              <a:t>      </a:t>
+              <a:rPr lang="en-US" sz="1200" kern="1200" dirty="0" smtClean="0">
+                <a:solidFill>
+                  <a:schemeClr val="tx1"/>
+                </a:solidFill>
+                <a:latin typeface="+mn-lt"/>
+                <a:ea typeface="+mn-ea"/>
+                <a:cs typeface="+mn-cs"/>
+              </a:rPr>
+              <a:t>            </a:t>
+            </a:r>
+            <a:r>
+              <a:rPr lang="en-US" sz="1200" kern="1200" dirty="0" err="1" smtClean="0">
+                <a:solidFill>
+                  <a:schemeClr val="tx1"/>
+                </a:solidFill>
+                <a:latin typeface="+mn-lt"/>
+                <a:ea typeface="+mn-ea"/>
+                <a:cs typeface="+mn-cs"/>
+              </a:rPr>
+              <a:t>modelBuilder.Entity</a:t>
+            </a:r>
+            <a:r>
+              <a:rPr lang="en-US" sz="1200" kern="1200" dirty="0" smtClean="0">
+                <a:solidFill>
+                  <a:schemeClr val="tx1"/>
+                </a:solidFill>
+                <a:latin typeface="+mn-lt"/>
+                <a:ea typeface="+mn-ea"/>
+                <a:cs typeface="+mn-cs"/>
+              </a:rPr>
+              <a:t>&lt;Album&gt;().</a:t>
+            </a:r>
+            <a:r>
+              <a:rPr lang="en-US" sz="1200" kern="1200" dirty="0" err="1" smtClean="0">
+                <a:solidFill>
+                  <a:schemeClr val="tx1"/>
+                </a:solidFill>
+                <a:latin typeface="+mn-lt"/>
+                <a:ea typeface="+mn-ea"/>
+                <a:cs typeface="+mn-cs"/>
+              </a:rPr>
+              <a:t>ToTable</a:t>
+            </a:r>
+            <a:r>
+              <a:rPr lang="en-US" sz="1200" kern="1200" dirty="0" smtClean="0">
+                <a:solidFill>
+                  <a:schemeClr val="tx1"/>
+                </a:solidFill>
+                <a:latin typeface="+mn-lt"/>
+                <a:ea typeface="+mn-ea"/>
+                <a:cs typeface="+mn-cs"/>
+              </a:rPr>
+              <a:t>("</a:t>
+            </a:r>
+            <a:r>
+              <a:rPr lang="en-US" sz="1200" kern="1200" dirty="0" err="1" smtClean="0">
+                <a:solidFill>
+                  <a:schemeClr val="tx1"/>
+                </a:solidFill>
+                <a:latin typeface="+mn-lt"/>
+                <a:ea typeface="+mn-ea"/>
+                <a:cs typeface="+mn-cs"/>
+              </a:rPr>
+              <a:t>AlbumInfo</a:t>
+            </a:r>
+            <a:r>
+              <a:rPr lang="en-US" sz="1200" kern="1200" dirty="0" smtClean="0">
+                <a:solidFill>
+                  <a:schemeClr val="tx1"/>
+                </a:solidFill>
+                <a:latin typeface="+mn-lt"/>
+                <a:ea typeface="+mn-ea"/>
+                <a:cs typeface="+mn-cs"/>
+              </a:rPr>
+              <a:t>", "</a:t>
+            </a:r>
+            <a:r>
+              <a:rPr lang="en-US" sz="1200" kern="1200" dirty="0" err="1" smtClean="0">
+                <a:solidFill>
+                  <a:schemeClr val="tx1"/>
+                </a:solidFill>
+                <a:latin typeface="+mn-lt"/>
+                <a:ea typeface="+mn-ea"/>
+                <a:cs typeface="+mn-cs"/>
+              </a:rPr>
+              <a:t>dbo</a:t>
+            </a:r>
+            <a:r>
+              <a:rPr lang="en-US" sz="1200" kern="1200" dirty="0" smtClean="0">
+                <a:solidFill>
+                  <a:schemeClr val="tx1"/>
+                </a:solidFill>
+                <a:latin typeface="+mn-lt"/>
+                <a:ea typeface="+mn-ea"/>
+                <a:cs typeface="+mn-cs"/>
+              </a:rPr>
+              <a:t>");</a:t>
+            </a:r>
+          </a:p>
+          <a:p>
+            <a:r>
+              <a:rPr lang="en-US" sz="1200" kern="1200" dirty="0" smtClean="0">
+                <a:solidFill>
+                  <a:schemeClr val="tx1"/>
+                </a:solidFill>
+                <a:latin typeface="+mn-lt"/>
+                <a:ea typeface="+mn-ea"/>
+                <a:cs typeface="+mn-cs"/>
+              </a:rPr>
+              <a:t>            </a:t>
             </a:r>
             <a:r>
               <a:rPr lang="en-US" sz="1200" kern="1200" dirty="0" err="1" smtClean="0">
@@ -5552,17 +7043,17 @@
   <p:extLst mod="1">
     <p:ext uri="{DCECCB84-F9BA-43D5-87BE-67443E8EF086}">
       <p15:sldGuideLst xmlns:p15="http://schemas.microsoft.com/office/powerpoint/2012/main">
-        <p15:guide id="4294967295" orient="horz" pos="3792">
+        <p15:guide id="1" orient="horz" pos="3792">
           <p15:clr>
             <a:srgbClr val="FBAE40"/>
           </p15:clr>
         </p15:guide>
-        <p15:guide id="4294967295" pos="3839">
+        <p15:guide id="2" pos="3839">
           <p15:clr>
             <a:srgbClr val="FBAE40"/>
           </p15:clr>
         </p15:guide>
-        <p15:guide id="4294967295" orient="horz" pos="720">
+        <p15:guide id="3" orient="horz" pos="720">
           <p15:clr>
             <a:srgbClr val="FBAE40"/>
           </p15:clr>
@@ -6176,12 +7667,12 @@
   <p:extLst mod="1">
     <p:ext uri="{DCECCB84-F9BA-43D5-87BE-67443E8EF086}">
       <p15:sldGuideLst xmlns:p15="http://schemas.microsoft.com/office/powerpoint/2012/main">
-        <p15:guide id="4294967295" orient="horz" pos="2160">
+        <p15:guide id="1" orient="horz" pos="2160">
           <p15:clr>
             <a:srgbClr val="FBAE40"/>
           </p15:clr>
         </p15:guide>
-        <p15:guide id="4294967295" pos="3840">
+        <p15:guide id="2" pos="3840">
           <p15:clr>
             <a:srgbClr val="FBAE40"/>
           </p15:clr>
@@ -7731,11 +9222,11 @@
   <p:clrMapOvr>
     <a:masterClrMapping/>
   </p:clrMapOvr>
-  <mc:AlternateContent xmlns:mc="http://schemas.openxmlformats.org/markup-compatibility/2006">
-    <mc:Choice xmlns:p14="http://schemas.microsoft.com/office/powerpoint/2010/main" Requires="p14">
+  <mc:AlternateContent xmlns:mc="http://schemas.openxmlformats.org/markup-compatibility/2006" xmlns:p14="http://schemas.microsoft.com/office/powerpoint/2010/main">
+    <mc:Choice Requires="p14">
       <p:transition spd="slow" p14:dur="2000"/>
     </mc:Choice>
-    <mc:Fallback>
+    <mc:Fallback xmlns="">
       <p:transition spd="slow"/>
     </mc:Fallback>
   </mc:AlternateContent>
@@ -8352,12 +9843,12 @@
   <p:extLst mod="1">
     <p:ext uri="{DCECCB84-F9BA-43D5-87BE-67443E8EF086}">
       <p15:sldGuideLst xmlns:p15="http://schemas.microsoft.com/office/powerpoint/2012/main">
-        <p15:guide id="4294967295" orient="horz" pos="2160">
+        <p15:guide id="1" orient="horz" pos="2160">
           <p15:clr>
             <a:srgbClr val="FBAE40"/>
           </p15:clr>
         </p15:guide>
-        <p15:guide id="4294967295" pos="3840">
+        <p15:guide id="2" pos="3840">
           <p15:clr>
             <a:srgbClr val="FBAE40"/>
           </p15:clr>
@@ -9043,17 +10534,17 @@
   <p:extLst mod="1">
     <p:ext uri="{DCECCB84-F9BA-43D5-87BE-67443E8EF086}">
       <p15:sldGuideLst xmlns:p15="http://schemas.microsoft.com/office/powerpoint/2012/main">
-        <p15:guide id="4294967295" orient="horz" pos="3792">
+        <p15:guide id="1" orient="horz" pos="3792">
           <p15:clr>
             <a:srgbClr val="FBAE40"/>
           </p15:clr>
         </p15:guide>
-        <p15:guide id="4294967295" pos="3839">
+        <p15:guide id="2" pos="3839">
           <p15:clr>
             <a:srgbClr val="FBAE40"/>
           </p15:clr>
         </p15:guide>
-        <p15:guide id="4294967295" orient="horz" pos="720">
+        <p15:guide id="3" orient="horz" pos="720">
           <p15:clr>
             <a:srgbClr val="FBAE40"/>
           </p15:clr>
@@ -10056,12 +11547,12 @@
   <p:extLst mod="1">
     <p:ext uri="{DCECCB84-F9BA-43D5-87BE-67443E8EF086}">
       <p15:sldGuideLst xmlns:p15="http://schemas.microsoft.com/office/powerpoint/2012/main">
-        <p15:guide id="4294967295" orient="horz" pos="2160">
+        <p15:guide id="1" orient="horz" pos="2160">
           <p15:clr>
             <a:srgbClr val="FBAE40"/>
           </p15:clr>
         </p15:guide>
-        <p15:guide id="4294967295" pos="3840">
+        <p15:guide id="2" pos="3840">
           <p15:clr>
             <a:srgbClr val="FBAE40"/>
           </p15:clr>
@@ -11569,11 +13060,11 @@
   <p:clrMapOvr>
     <a:masterClrMapping/>
   </p:clrMapOvr>
-  <mc:AlternateContent xmlns:mc="http://schemas.openxmlformats.org/markup-compatibility/2006">
-    <mc:Choice xmlns:p14="http://schemas.microsoft.com/office/powerpoint/2010/main" Requires="p14">
+  <mc:AlternateContent xmlns:mc="http://schemas.openxmlformats.org/markup-compatibility/2006" xmlns:p14="http://schemas.microsoft.com/office/powerpoint/2010/main">
+    <mc:Choice Requires="p14">
       <p:transition spd="slow" p14:dur="2000"/>
     </mc:Choice>
-    <mc:Fallback>
+    <mc:Fallback xmlns="">
       <p:transition spd="slow"/>
     </mc:Fallback>
   </mc:AlternateContent>
@@ -14546,6 +16037,13 @@
   <p:clrMapOvr>
     <a:masterClrMapping/>
   </p:clrMapOvr>
+  <p:timing>
+    <p:tnLst>
+      <p:par>
+        <p:cTn id="1" dur="indefinite" restart="never" nodeType="tmRoot"/>
+      </p:par>
+    </p:tnLst>
+  </p:timing>
 </p:sld>
 </file>
 
@@ -14784,6 +16282,13 @@
   <p:clrMapOvr>
     <a:masterClrMapping/>
   </p:clrMapOvr>
+  <p:timing>
+    <p:tnLst>
+      <p:par>
+        <p:cTn id="1" dur="indefinite" restart="never" nodeType="tmRoot"/>
+      </p:par>
+    </p:tnLst>
+  </p:timing>
 </p:sld>
 </file>
 
@@ -14993,6 +16498,430 @@
   <p:clrMapOvr>
     <a:masterClrMapping/>
   </p:clrMapOvr>
+  <p:timing>
+    <p:tnLst>
+      <p:par>
+        <p:cTn id="1" dur="indefinite" restart="never" nodeType="tmRoot">
+          <p:childTnLst>
+            <p:seq concurrent="1" nextAc="seek">
+              <p:cTn id="2" dur="indefinite" nodeType="mainSeq">
+                <p:childTnLst>
+                  <p:par>
+                    <p:cTn id="3" fill="hold">
+                      <p:stCondLst>
+                        <p:cond delay="indefinite"/>
+                      </p:stCondLst>
+                      <p:childTnLst>
+                        <p:par>
+                          <p:cTn id="4" fill="hold">
+                            <p:stCondLst>
+                              <p:cond delay="0"/>
+                            </p:stCondLst>
+                            <p:childTnLst>
+                              <p:par>
+                                <p:cTn id="5" presetID="10" presetClass="entr" presetSubtype="0" fill="hold" grpId="0" nodeType="clickEffect">
+                                  <p:stCondLst>
+                                    <p:cond delay="0"/>
+                                  </p:stCondLst>
+                                  <p:childTnLst>
+                                    <p:set>
+                                      <p:cBhvr>
+                                        <p:cTn id="6" dur="1" fill="hold">
+                                          <p:stCondLst>
+                                            <p:cond delay="0"/>
+                                          </p:stCondLst>
+                                        </p:cTn>
+                                        <p:tgtEl>
+                                          <p:spTgt spid="5">
+                                            <p:txEl>
+                                              <p:pRg st="0" end="0"/>
+                                            </p:txEl>
+                                          </p:spTgt>
+                                        </p:tgtEl>
+                                        <p:attrNameLst>
+                                          <p:attrName>style.visibility</p:attrName>
+                                        </p:attrNameLst>
+                                      </p:cBhvr>
+                                      <p:to>
+                                        <p:strVal val="visible"/>
+                                      </p:to>
+                                    </p:set>
+                                    <p:animEffect transition="in" filter="fade">
+                                      <p:cBhvr>
+                                        <p:cTn id="7" dur="500"/>
+                                        <p:tgtEl>
+                                          <p:spTgt spid="5">
+                                            <p:txEl>
+                                              <p:pRg st="0" end="0"/>
+                                            </p:txEl>
+                                          </p:spTgt>
+                                        </p:tgtEl>
+                                      </p:cBhvr>
+                                    </p:animEffect>
+                                  </p:childTnLst>
+                                </p:cTn>
+                              </p:par>
+                            </p:childTnLst>
+                          </p:cTn>
+                        </p:par>
+                      </p:childTnLst>
+                    </p:cTn>
+                  </p:par>
+                  <p:par>
+                    <p:cTn id="8" fill="hold">
+                      <p:stCondLst>
+                        <p:cond delay="indefinite"/>
+                      </p:stCondLst>
+                      <p:childTnLst>
+                        <p:par>
+                          <p:cTn id="9" fill="hold">
+                            <p:stCondLst>
+                              <p:cond delay="0"/>
+                            </p:stCondLst>
+                            <p:childTnLst>
+                              <p:par>
+                                <p:cTn id="10" presetID="10" presetClass="entr" presetSubtype="0" fill="hold" grpId="0" nodeType="clickEffect">
+                                  <p:stCondLst>
+                                    <p:cond delay="0"/>
+                                  </p:stCondLst>
+                                  <p:childTnLst>
+                                    <p:set>
+                                      <p:cBhvr>
+                                        <p:cTn id="11" dur="1" fill="hold">
+                                          <p:stCondLst>
+                                            <p:cond delay="0"/>
+                                          </p:stCondLst>
+                                        </p:cTn>
+                                        <p:tgtEl>
+                                          <p:spTgt spid="5">
+                                            <p:txEl>
+                                              <p:pRg st="1" end="1"/>
+                                            </p:txEl>
+                                          </p:spTgt>
+                                        </p:tgtEl>
+                                        <p:attrNameLst>
+                                          <p:attrName>style.visibility</p:attrName>
+                                        </p:attrNameLst>
+                                      </p:cBhvr>
+                                      <p:to>
+                                        <p:strVal val="visible"/>
+                                      </p:to>
+                                    </p:set>
+                                    <p:animEffect transition="in" filter="fade">
+                                      <p:cBhvr>
+                                        <p:cTn id="12" dur="500"/>
+                                        <p:tgtEl>
+                                          <p:spTgt spid="5">
+                                            <p:txEl>
+                                              <p:pRg st="1" end="1"/>
+                                            </p:txEl>
+                                          </p:spTgt>
+                                        </p:tgtEl>
+                                      </p:cBhvr>
+                                    </p:animEffect>
+                                  </p:childTnLst>
+                                </p:cTn>
+                              </p:par>
+                            </p:childTnLst>
+                          </p:cTn>
+                        </p:par>
+                      </p:childTnLst>
+                    </p:cTn>
+                  </p:par>
+                  <p:par>
+                    <p:cTn id="13" fill="hold">
+                      <p:stCondLst>
+                        <p:cond delay="indefinite"/>
+                      </p:stCondLst>
+                      <p:childTnLst>
+                        <p:par>
+                          <p:cTn id="14" fill="hold">
+                            <p:stCondLst>
+                              <p:cond delay="0"/>
+                            </p:stCondLst>
+                            <p:childTnLst>
+                              <p:par>
+                                <p:cTn id="15" presetID="10" presetClass="entr" presetSubtype="0" fill="hold" grpId="0" nodeType="clickEffect">
+                                  <p:stCondLst>
+                                    <p:cond delay="0"/>
+                                  </p:stCondLst>
+                                  <p:childTnLst>
+                                    <p:set>
+                                      <p:cBhvr>
+                                        <p:cTn id="16" dur="1" fill="hold">
+                                          <p:stCondLst>
+                                            <p:cond delay="0"/>
+                                          </p:stCondLst>
+                                        </p:cTn>
+                                        <p:tgtEl>
+                                          <p:spTgt spid="5">
+                                            <p:txEl>
+                                              <p:pRg st="2" end="2"/>
+                                            </p:txEl>
+                                          </p:spTgt>
+                                        </p:tgtEl>
+                                        <p:attrNameLst>
+                                          <p:attrName>style.visibility</p:attrName>
+                                        </p:attrNameLst>
+                                      </p:cBhvr>
+                                      <p:to>
+                                        <p:strVal val="visible"/>
+                                      </p:to>
+                                    </p:set>
+                                    <p:animEffect transition="in" filter="fade">
+                                      <p:cBhvr>
+                                        <p:cTn id="17" dur="500"/>
+                                        <p:tgtEl>
+                                          <p:spTgt spid="5">
+                                            <p:txEl>
+                                              <p:pRg st="2" end="2"/>
+                                            </p:txEl>
+                                          </p:spTgt>
+                                        </p:tgtEl>
+                                      </p:cBhvr>
+                                    </p:animEffect>
+                                  </p:childTnLst>
+                                </p:cTn>
+                              </p:par>
+                            </p:childTnLst>
+                          </p:cTn>
+                        </p:par>
+                      </p:childTnLst>
+                    </p:cTn>
+                  </p:par>
+                  <p:par>
+                    <p:cTn id="18" fill="hold">
+                      <p:stCondLst>
+                        <p:cond delay="indefinite"/>
+                      </p:stCondLst>
+                      <p:childTnLst>
+                        <p:par>
+                          <p:cTn id="19" fill="hold">
+                            <p:stCondLst>
+                              <p:cond delay="0"/>
+                            </p:stCondLst>
+                            <p:childTnLst>
+                              <p:par>
+                                <p:cTn id="20" presetID="10" presetClass="entr" presetSubtype="0" fill="hold" grpId="0" nodeType="clickEffect">
+                                  <p:stCondLst>
+                                    <p:cond delay="0"/>
+                                  </p:stCondLst>
+                                  <p:childTnLst>
+                                    <p:set>
+                                      <p:cBhvr>
+                                        <p:cTn id="21" dur="1" fill="hold">
+                                          <p:stCondLst>
+                                            <p:cond delay="0"/>
+                                          </p:stCondLst>
+                                        </p:cTn>
+                                        <p:tgtEl>
+                                          <p:spTgt spid="5">
+                                            <p:txEl>
+                                              <p:pRg st="3" end="3"/>
+                                            </p:txEl>
+                                          </p:spTgt>
+                                        </p:tgtEl>
+                                        <p:attrNameLst>
+                                          <p:attrName>style.visibility</p:attrName>
+                                        </p:attrNameLst>
+                                      </p:cBhvr>
+                                      <p:to>
+                                        <p:strVal val="visible"/>
+                                      </p:to>
+                                    </p:set>
+                                    <p:animEffect transition="in" filter="fade">
+                                      <p:cBhvr>
+                                        <p:cTn id="22" dur="500"/>
+                                        <p:tgtEl>
+                                          <p:spTgt spid="5">
+                                            <p:txEl>
+                                              <p:pRg st="3" end="3"/>
+                                            </p:txEl>
+                                          </p:spTgt>
+                                        </p:tgtEl>
+                                      </p:cBhvr>
+                                    </p:animEffect>
+                                  </p:childTnLst>
+                                </p:cTn>
+                              </p:par>
+                              <p:par>
+                                <p:cTn id="23" presetID="10" presetClass="entr" presetSubtype="0" fill="hold" grpId="0" nodeType="withEffect">
+                                  <p:stCondLst>
+                                    <p:cond delay="0"/>
+                                  </p:stCondLst>
+                                  <p:childTnLst>
+                                    <p:set>
+                                      <p:cBhvr>
+                                        <p:cTn id="24" dur="1" fill="hold">
+                                          <p:stCondLst>
+                                            <p:cond delay="0"/>
+                                          </p:stCondLst>
+                                        </p:cTn>
+                                        <p:tgtEl>
+                                          <p:spTgt spid="5">
+                                            <p:txEl>
+                                              <p:pRg st="4" end="4"/>
+                                            </p:txEl>
+                                          </p:spTgt>
+                                        </p:tgtEl>
+                                        <p:attrNameLst>
+                                          <p:attrName>style.visibility</p:attrName>
+                                        </p:attrNameLst>
+                                      </p:cBhvr>
+                                      <p:to>
+                                        <p:strVal val="visible"/>
+                                      </p:to>
+                                    </p:set>
+                                    <p:animEffect transition="in" filter="fade">
+                                      <p:cBhvr>
+                                        <p:cTn id="25" dur="500"/>
+                                        <p:tgtEl>
+                                          <p:spTgt spid="5">
+                                            <p:txEl>
+                                              <p:pRg st="4" end="4"/>
+                                            </p:txEl>
+                                          </p:spTgt>
+                                        </p:tgtEl>
+                                      </p:cBhvr>
+                                    </p:animEffect>
+                                  </p:childTnLst>
+                                </p:cTn>
+                              </p:par>
+                            </p:childTnLst>
+                          </p:cTn>
+                        </p:par>
+                      </p:childTnLst>
+                    </p:cTn>
+                  </p:par>
+                  <p:par>
+                    <p:cTn id="26" fill="hold">
+                      <p:stCondLst>
+                        <p:cond delay="indefinite"/>
+                      </p:stCondLst>
+                      <p:childTnLst>
+                        <p:par>
+                          <p:cTn id="27" fill="hold">
+                            <p:stCondLst>
+                              <p:cond delay="0"/>
+                            </p:stCondLst>
+                            <p:childTnLst>
+                              <p:par>
+                                <p:cTn id="28" presetID="10" presetClass="entr" presetSubtype="0" fill="hold" grpId="0" nodeType="clickEffect">
+                                  <p:stCondLst>
+                                    <p:cond delay="0"/>
+                                  </p:stCondLst>
+                                  <p:childTnLst>
+                                    <p:set>
+                                      <p:cBhvr>
+                                        <p:cTn id="29" dur="1" fill="hold">
+                                          <p:stCondLst>
+                                            <p:cond delay="0"/>
+                                          </p:stCondLst>
+                                        </p:cTn>
+                                        <p:tgtEl>
+                                          <p:spTgt spid="5">
+                                            <p:txEl>
+                                              <p:pRg st="5" end="5"/>
+                                            </p:txEl>
+                                          </p:spTgt>
+                                        </p:tgtEl>
+                                        <p:attrNameLst>
+                                          <p:attrName>style.visibility</p:attrName>
+                                        </p:attrNameLst>
+                                      </p:cBhvr>
+                                      <p:to>
+                                        <p:strVal val="visible"/>
+                                      </p:to>
+                                    </p:set>
+                                    <p:animEffect transition="in" filter="fade">
+                                      <p:cBhvr>
+                                        <p:cTn id="30" dur="500"/>
+                                        <p:tgtEl>
+                                          <p:spTgt spid="5">
+                                            <p:txEl>
+                                              <p:pRg st="5" end="5"/>
+                                            </p:txEl>
+                                          </p:spTgt>
+                                        </p:tgtEl>
+                                      </p:cBhvr>
+                                    </p:animEffect>
+                                  </p:childTnLst>
+                                </p:cTn>
+                              </p:par>
+                              <p:par>
+                                <p:cTn id="31" presetID="10" presetClass="entr" presetSubtype="0" fill="hold" grpId="0" nodeType="withEffect">
+                                  <p:stCondLst>
+                                    <p:cond delay="0"/>
+                                  </p:stCondLst>
+                                  <p:childTnLst>
+                                    <p:set>
+                                      <p:cBhvr>
+                                        <p:cTn id="32" dur="1" fill="hold">
+                                          <p:stCondLst>
+                                            <p:cond delay="0"/>
+                                          </p:stCondLst>
+                                        </p:cTn>
+                                        <p:tgtEl>
+                                          <p:spTgt spid="5">
+                                            <p:txEl>
+                                              <p:pRg st="6" end="6"/>
+                                            </p:txEl>
+                                          </p:spTgt>
+                                        </p:tgtEl>
+                                        <p:attrNameLst>
+                                          <p:attrName>style.visibility</p:attrName>
+                                        </p:attrNameLst>
+                                      </p:cBhvr>
+                                      <p:to>
+                                        <p:strVal val="visible"/>
+                                      </p:to>
+                                    </p:set>
+                                    <p:animEffect transition="in" filter="fade">
+                                      <p:cBhvr>
+                                        <p:cTn id="33" dur="500"/>
+                                        <p:tgtEl>
+                                          <p:spTgt spid="5">
+                                            <p:txEl>
+                                              <p:pRg st="6" end="6"/>
+                                            </p:txEl>
+                                          </p:spTgt>
+                                        </p:tgtEl>
+                                      </p:cBhvr>
+                                    </p:animEffect>
+                                  </p:childTnLst>
+                                </p:cTn>
+                              </p:par>
+                            </p:childTnLst>
+                          </p:cTn>
+                        </p:par>
+                      </p:childTnLst>
+                    </p:cTn>
+                  </p:par>
+                </p:childTnLst>
+              </p:cTn>
+              <p:prevCondLst>
+                <p:cond evt="onPrev" delay="0">
+                  <p:tgtEl>
+                    <p:sldTgt/>
+                  </p:tgtEl>
+                </p:cond>
+              </p:prevCondLst>
+              <p:nextCondLst>
+                <p:cond evt="onNext" delay="0">
+                  <p:tgtEl>
+                    <p:sldTgt/>
+                  </p:tgtEl>
+                </p:cond>
+              </p:nextCondLst>
+            </p:seq>
+          </p:childTnLst>
+        </p:cTn>
+      </p:par>
+    </p:tnLst>
+    <p:bldLst>
+      <p:bldP spid="5" grpId="0" build="p"/>
+    </p:bldLst>
+  </p:timing>
 </p:sld>
 </file>
 
@@ -15070,6 +16999,13 @@
               <a:t>We write code, would be nice to have feature to manage scripts</a:t>
             </a:r>
           </a:p>
+          <a:p>
+            <a:pPr lvl="1"/>
+            <a:r>
+              <a:rPr lang="en-US" dirty="0" smtClean="0"/>
+              <a:t>This is where Code First applies</a:t>
+            </a:r>
+          </a:p>
         </p:txBody>
       </p:sp>
     </p:spTree>
@@ -15082,6 +17018,13 @@
   <p:clrMapOvr>
     <a:masterClrMapping/>
   </p:clrMapOvr>
+  <p:timing>
+    <p:tnLst>
+      <p:par>
+        <p:cTn id="1" dur="indefinite" restart="never" nodeType="tmRoot"/>
+      </p:par>
+    </p:tnLst>
+  </p:timing>
 </p:sld>
 </file>
 
@@ -15142,7 +17085,7 @@
           <a:p>
             <a:r>
               <a:rPr lang="en-US" dirty="0" smtClean="0"/>
-              <a:t>We need a way to manage that </a:t>
+              <a:t>Provides a way to manage </a:t>
             </a:r>
             <a:r>
               <a:rPr lang="en-US" dirty="0" err="1" smtClean="0"/>
@@ -15161,7 +17104,14 @@
           <a:p>
             <a:r>
               <a:rPr lang="en-US" dirty="0" smtClean="0"/>
-              <a:t>Allows you to create snapshots and</a:t>
+              <a:t>Allows you to</a:t>
+            </a:r>
+          </a:p>
+          <a:p>
+            <a:pPr lvl="1"/>
+            <a:r>
+              <a:rPr lang="en-US" dirty="0" smtClean="0"/>
+              <a:t>Create point in time snapshots as ‘migrations’</a:t>
             </a:r>
           </a:p>
           <a:p>
@@ -15252,6 +17202,13 @@
   <p:clrMapOvr>
     <a:masterClrMapping/>
   </p:clrMapOvr>
+  <p:timing>
+    <p:tnLst>
+      <p:par>
+        <p:cTn id="1" dur="indefinite" restart="never" nodeType="tmRoot"/>
+      </p:par>
+    </p:tnLst>
+  </p:timing>
 </p:sld>
 </file>
 
@@ -15461,6 +17418,551 @@
   <p:clrMapOvr>
     <a:masterClrMapping/>
   </p:clrMapOvr>
+  <p:timing>
+    <p:tnLst>
+      <p:par>
+        <p:cTn id="1" dur="indefinite" restart="never" nodeType="tmRoot">
+          <p:childTnLst>
+            <p:seq concurrent="1" nextAc="seek">
+              <p:cTn id="2" dur="indefinite" nodeType="mainSeq">
+                <p:childTnLst>
+                  <p:par>
+                    <p:cTn id="3" fill="hold">
+                      <p:stCondLst>
+                        <p:cond delay="indefinite"/>
+                      </p:stCondLst>
+                      <p:childTnLst>
+                        <p:par>
+                          <p:cTn id="4" fill="hold">
+                            <p:stCondLst>
+                              <p:cond delay="0"/>
+                            </p:stCondLst>
+                            <p:childTnLst>
+                              <p:par>
+                                <p:cTn id="5" presetID="10" presetClass="entr" presetSubtype="0" fill="hold" grpId="0" nodeType="clickEffect">
+                                  <p:stCondLst>
+                                    <p:cond delay="0"/>
+                                  </p:stCondLst>
+                                  <p:childTnLst>
+                                    <p:set>
+                                      <p:cBhvr>
+                                        <p:cTn id="6" dur="1" fill="hold">
+                                          <p:stCondLst>
+                                            <p:cond delay="0"/>
+                                          </p:stCondLst>
+                                        </p:cTn>
+                                        <p:tgtEl>
+                                          <p:spTgt spid="4">
+                                            <p:txEl>
+                                              <p:pRg st="0" end="0"/>
+                                            </p:txEl>
+                                          </p:spTgt>
+                                        </p:tgtEl>
+                                        <p:attrNameLst>
+                                          <p:attrName>style.visibility</p:attrName>
+                                        </p:attrNameLst>
+                                      </p:cBhvr>
+                                      <p:to>
+                                        <p:strVal val="visible"/>
+                                      </p:to>
+                                    </p:set>
+                                    <p:animEffect transition="in" filter="fade">
+                                      <p:cBhvr>
+                                        <p:cTn id="7" dur="500"/>
+                                        <p:tgtEl>
+                                          <p:spTgt spid="4">
+                                            <p:txEl>
+                                              <p:pRg st="0" end="0"/>
+                                            </p:txEl>
+                                          </p:spTgt>
+                                        </p:tgtEl>
+                                      </p:cBhvr>
+                                    </p:animEffect>
+                                  </p:childTnLst>
+                                </p:cTn>
+                              </p:par>
+                            </p:childTnLst>
+                          </p:cTn>
+                        </p:par>
+                      </p:childTnLst>
+                    </p:cTn>
+                  </p:par>
+                  <p:par>
+                    <p:cTn id="8" fill="hold">
+                      <p:stCondLst>
+                        <p:cond delay="indefinite"/>
+                      </p:stCondLst>
+                      <p:childTnLst>
+                        <p:par>
+                          <p:cTn id="9" fill="hold">
+                            <p:stCondLst>
+                              <p:cond delay="0"/>
+                            </p:stCondLst>
+                            <p:childTnLst>
+                              <p:par>
+                                <p:cTn id="10" presetID="10" presetClass="entr" presetSubtype="0" fill="hold" grpId="0" nodeType="clickEffect">
+                                  <p:stCondLst>
+                                    <p:cond delay="0"/>
+                                  </p:stCondLst>
+                                  <p:childTnLst>
+                                    <p:set>
+                                      <p:cBhvr>
+                                        <p:cTn id="11" dur="1" fill="hold">
+                                          <p:stCondLst>
+                                            <p:cond delay="0"/>
+                                          </p:stCondLst>
+                                        </p:cTn>
+                                        <p:tgtEl>
+                                          <p:spTgt spid="4">
+                                            <p:txEl>
+                                              <p:pRg st="1" end="1"/>
+                                            </p:txEl>
+                                          </p:spTgt>
+                                        </p:tgtEl>
+                                        <p:attrNameLst>
+                                          <p:attrName>style.visibility</p:attrName>
+                                        </p:attrNameLst>
+                                      </p:cBhvr>
+                                      <p:to>
+                                        <p:strVal val="visible"/>
+                                      </p:to>
+                                    </p:set>
+                                    <p:animEffect transition="in" filter="fade">
+                                      <p:cBhvr>
+                                        <p:cTn id="12" dur="500"/>
+                                        <p:tgtEl>
+                                          <p:spTgt spid="4">
+                                            <p:txEl>
+                                              <p:pRg st="1" end="1"/>
+                                            </p:txEl>
+                                          </p:spTgt>
+                                        </p:tgtEl>
+                                      </p:cBhvr>
+                                    </p:animEffect>
+                                  </p:childTnLst>
+                                </p:cTn>
+                              </p:par>
+                            </p:childTnLst>
+                          </p:cTn>
+                        </p:par>
+                      </p:childTnLst>
+                    </p:cTn>
+                  </p:par>
+                  <p:par>
+                    <p:cTn id="13" fill="hold">
+                      <p:stCondLst>
+                        <p:cond delay="indefinite"/>
+                      </p:stCondLst>
+                      <p:childTnLst>
+                        <p:par>
+                          <p:cTn id="14" fill="hold">
+                            <p:stCondLst>
+                              <p:cond delay="0"/>
+                            </p:stCondLst>
+                            <p:childTnLst>
+                              <p:par>
+                                <p:cTn id="15" presetID="10" presetClass="entr" presetSubtype="0" fill="hold" grpId="0" nodeType="clickEffect">
+                                  <p:stCondLst>
+                                    <p:cond delay="0"/>
+                                  </p:stCondLst>
+                                  <p:childTnLst>
+                                    <p:set>
+                                      <p:cBhvr>
+                                        <p:cTn id="16" dur="1" fill="hold">
+                                          <p:stCondLst>
+                                            <p:cond delay="0"/>
+                                          </p:stCondLst>
+                                        </p:cTn>
+                                        <p:tgtEl>
+                                          <p:spTgt spid="4">
+                                            <p:txEl>
+                                              <p:pRg st="2" end="2"/>
+                                            </p:txEl>
+                                          </p:spTgt>
+                                        </p:tgtEl>
+                                        <p:attrNameLst>
+                                          <p:attrName>style.visibility</p:attrName>
+                                        </p:attrNameLst>
+                                      </p:cBhvr>
+                                      <p:to>
+                                        <p:strVal val="visible"/>
+                                      </p:to>
+                                    </p:set>
+                                    <p:animEffect transition="in" filter="fade">
+                                      <p:cBhvr>
+                                        <p:cTn id="17" dur="500"/>
+                                        <p:tgtEl>
+                                          <p:spTgt spid="4">
+                                            <p:txEl>
+                                              <p:pRg st="2" end="2"/>
+                                            </p:txEl>
+                                          </p:spTgt>
+                                        </p:tgtEl>
+                                      </p:cBhvr>
+                                    </p:animEffect>
+                                  </p:childTnLst>
+                                </p:cTn>
+                              </p:par>
+                              <p:par>
+                                <p:cTn id="18" presetID="10" presetClass="entr" presetSubtype="0" fill="hold" grpId="0" nodeType="withEffect">
+                                  <p:stCondLst>
+                                    <p:cond delay="0"/>
+                                  </p:stCondLst>
+                                  <p:childTnLst>
+                                    <p:set>
+                                      <p:cBhvr>
+                                        <p:cTn id="19" dur="1" fill="hold">
+                                          <p:stCondLst>
+                                            <p:cond delay="0"/>
+                                          </p:stCondLst>
+                                        </p:cTn>
+                                        <p:tgtEl>
+                                          <p:spTgt spid="4">
+                                            <p:txEl>
+                                              <p:pRg st="3" end="3"/>
+                                            </p:txEl>
+                                          </p:spTgt>
+                                        </p:tgtEl>
+                                        <p:attrNameLst>
+                                          <p:attrName>style.visibility</p:attrName>
+                                        </p:attrNameLst>
+                                      </p:cBhvr>
+                                      <p:to>
+                                        <p:strVal val="visible"/>
+                                      </p:to>
+                                    </p:set>
+                                    <p:animEffect transition="in" filter="fade">
+                                      <p:cBhvr>
+                                        <p:cTn id="20" dur="500"/>
+                                        <p:tgtEl>
+                                          <p:spTgt spid="4">
+                                            <p:txEl>
+                                              <p:pRg st="3" end="3"/>
+                                            </p:txEl>
+                                          </p:spTgt>
+                                        </p:tgtEl>
+                                      </p:cBhvr>
+                                    </p:animEffect>
+                                  </p:childTnLst>
+                                </p:cTn>
+                              </p:par>
+                              <p:par>
+                                <p:cTn id="21" presetID="10" presetClass="entr" presetSubtype="0" fill="hold" grpId="0" nodeType="withEffect">
+                                  <p:stCondLst>
+                                    <p:cond delay="0"/>
+                                  </p:stCondLst>
+                                  <p:childTnLst>
+                                    <p:set>
+                                      <p:cBhvr>
+                                        <p:cTn id="22" dur="1" fill="hold">
+                                          <p:stCondLst>
+                                            <p:cond delay="0"/>
+                                          </p:stCondLst>
+                                        </p:cTn>
+                                        <p:tgtEl>
+                                          <p:spTgt spid="4">
+                                            <p:txEl>
+                                              <p:pRg st="4" end="4"/>
+                                            </p:txEl>
+                                          </p:spTgt>
+                                        </p:tgtEl>
+                                        <p:attrNameLst>
+                                          <p:attrName>style.visibility</p:attrName>
+                                        </p:attrNameLst>
+                                      </p:cBhvr>
+                                      <p:to>
+                                        <p:strVal val="visible"/>
+                                      </p:to>
+                                    </p:set>
+                                    <p:animEffect transition="in" filter="fade">
+                                      <p:cBhvr>
+                                        <p:cTn id="23" dur="500"/>
+                                        <p:tgtEl>
+                                          <p:spTgt spid="4">
+                                            <p:txEl>
+                                              <p:pRg st="4" end="4"/>
+                                            </p:txEl>
+                                          </p:spTgt>
+                                        </p:tgtEl>
+                                      </p:cBhvr>
+                                    </p:animEffect>
+                                  </p:childTnLst>
+                                </p:cTn>
+                              </p:par>
+                              <p:par>
+                                <p:cTn id="24" presetID="10" presetClass="entr" presetSubtype="0" fill="hold" grpId="0" nodeType="withEffect">
+                                  <p:stCondLst>
+                                    <p:cond delay="0"/>
+                                  </p:stCondLst>
+                                  <p:childTnLst>
+                                    <p:set>
+                                      <p:cBhvr>
+                                        <p:cTn id="25" dur="1" fill="hold">
+                                          <p:stCondLst>
+                                            <p:cond delay="0"/>
+                                          </p:stCondLst>
+                                        </p:cTn>
+                                        <p:tgtEl>
+                                          <p:spTgt spid="4">
+                                            <p:txEl>
+                                              <p:pRg st="5" end="5"/>
+                                            </p:txEl>
+                                          </p:spTgt>
+                                        </p:tgtEl>
+                                        <p:attrNameLst>
+                                          <p:attrName>style.visibility</p:attrName>
+                                        </p:attrNameLst>
+                                      </p:cBhvr>
+                                      <p:to>
+                                        <p:strVal val="visible"/>
+                                      </p:to>
+                                    </p:set>
+                                    <p:animEffect transition="in" filter="fade">
+                                      <p:cBhvr>
+                                        <p:cTn id="26" dur="500"/>
+                                        <p:tgtEl>
+                                          <p:spTgt spid="4">
+                                            <p:txEl>
+                                              <p:pRg st="5" end="5"/>
+                                            </p:txEl>
+                                          </p:spTgt>
+                                        </p:tgtEl>
+                                      </p:cBhvr>
+                                    </p:animEffect>
+                                  </p:childTnLst>
+                                </p:cTn>
+                              </p:par>
+                            </p:childTnLst>
+                          </p:cTn>
+                        </p:par>
+                      </p:childTnLst>
+                    </p:cTn>
+                  </p:par>
+                  <p:par>
+                    <p:cTn id="27" fill="hold">
+                      <p:stCondLst>
+                        <p:cond delay="indefinite"/>
+                      </p:stCondLst>
+                      <p:childTnLst>
+                        <p:par>
+                          <p:cTn id="28" fill="hold">
+                            <p:stCondLst>
+                              <p:cond delay="0"/>
+                            </p:stCondLst>
+                            <p:childTnLst>
+                              <p:par>
+                                <p:cTn id="29" presetID="10" presetClass="entr" presetSubtype="0" fill="hold" grpId="0" nodeType="clickEffect">
+                                  <p:stCondLst>
+                                    <p:cond delay="0"/>
+                                  </p:stCondLst>
+                                  <p:childTnLst>
+                                    <p:set>
+                                      <p:cBhvr>
+                                        <p:cTn id="30" dur="1" fill="hold">
+                                          <p:stCondLst>
+                                            <p:cond delay="0"/>
+                                          </p:stCondLst>
+                                        </p:cTn>
+                                        <p:tgtEl>
+                                          <p:spTgt spid="4">
+                                            <p:txEl>
+                                              <p:pRg st="6" end="6"/>
+                                            </p:txEl>
+                                          </p:spTgt>
+                                        </p:tgtEl>
+                                        <p:attrNameLst>
+                                          <p:attrName>style.visibility</p:attrName>
+                                        </p:attrNameLst>
+                                      </p:cBhvr>
+                                      <p:to>
+                                        <p:strVal val="visible"/>
+                                      </p:to>
+                                    </p:set>
+                                    <p:animEffect transition="in" filter="fade">
+                                      <p:cBhvr>
+                                        <p:cTn id="31" dur="500"/>
+                                        <p:tgtEl>
+                                          <p:spTgt spid="4">
+                                            <p:txEl>
+                                              <p:pRg st="6" end="6"/>
+                                            </p:txEl>
+                                          </p:spTgt>
+                                        </p:tgtEl>
+                                      </p:cBhvr>
+                                    </p:animEffect>
+                                  </p:childTnLst>
+                                </p:cTn>
+                              </p:par>
+                              <p:par>
+                                <p:cTn id="32" presetID="10" presetClass="entr" presetSubtype="0" fill="hold" grpId="0" nodeType="withEffect">
+                                  <p:stCondLst>
+                                    <p:cond delay="0"/>
+                                  </p:stCondLst>
+                                  <p:childTnLst>
+                                    <p:set>
+                                      <p:cBhvr>
+                                        <p:cTn id="33" dur="1" fill="hold">
+                                          <p:stCondLst>
+                                            <p:cond delay="0"/>
+                                          </p:stCondLst>
+                                        </p:cTn>
+                                        <p:tgtEl>
+                                          <p:spTgt spid="4">
+                                            <p:txEl>
+                                              <p:pRg st="7" end="7"/>
+                                            </p:txEl>
+                                          </p:spTgt>
+                                        </p:tgtEl>
+                                        <p:attrNameLst>
+                                          <p:attrName>style.visibility</p:attrName>
+                                        </p:attrNameLst>
+                                      </p:cBhvr>
+                                      <p:to>
+                                        <p:strVal val="visible"/>
+                                      </p:to>
+                                    </p:set>
+                                    <p:animEffect transition="in" filter="fade">
+                                      <p:cBhvr>
+                                        <p:cTn id="34" dur="500"/>
+                                        <p:tgtEl>
+                                          <p:spTgt spid="4">
+                                            <p:txEl>
+                                              <p:pRg st="7" end="7"/>
+                                            </p:txEl>
+                                          </p:spTgt>
+                                        </p:tgtEl>
+                                      </p:cBhvr>
+                                    </p:animEffect>
+                                  </p:childTnLst>
+                                </p:cTn>
+                              </p:par>
+                            </p:childTnLst>
+                          </p:cTn>
+                        </p:par>
+                      </p:childTnLst>
+                    </p:cTn>
+                  </p:par>
+                  <p:par>
+                    <p:cTn id="35" fill="hold">
+                      <p:stCondLst>
+                        <p:cond delay="indefinite"/>
+                      </p:stCondLst>
+                      <p:childTnLst>
+                        <p:par>
+                          <p:cTn id="36" fill="hold">
+                            <p:stCondLst>
+                              <p:cond delay="0"/>
+                            </p:stCondLst>
+                            <p:childTnLst>
+                              <p:par>
+                                <p:cTn id="37" presetID="10" presetClass="entr" presetSubtype="0" fill="hold" grpId="0" nodeType="clickEffect">
+                                  <p:stCondLst>
+                                    <p:cond delay="0"/>
+                                  </p:stCondLst>
+                                  <p:childTnLst>
+                                    <p:set>
+                                      <p:cBhvr>
+                                        <p:cTn id="38" dur="1" fill="hold">
+                                          <p:stCondLst>
+                                            <p:cond delay="0"/>
+                                          </p:stCondLst>
+                                        </p:cTn>
+                                        <p:tgtEl>
+                                          <p:spTgt spid="4">
+                                            <p:txEl>
+                                              <p:pRg st="8" end="8"/>
+                                            </p:txEl>
+                                          </p:spTgt>
+                                        </p:tgtEl>
+                                        <p:attrNameLst>
+                                          <p:attrName>style.visibility</p:attrName>
+                                        </p:attrNameLst>
+                                      </p:cBhvr>
+                                      <p:to>
+                                        <p:strVal val="visible"/>
+                                      </p:to>
+                                    </p:set>
+                                    <p:animEffect transition="in" filter="fade">
+                                      <p:cBhvr>
+                                        <p:cTn id="39" dur="500"/>
+                                        <p:tgtEl>
+                                          <p:spTgt spid="4">
+                                            <p:txEl>
+                                              <p:pRg st="8" end="8"/>
+                                            </p:txEl>
+                                          </p:spTgt>
+                                        </p:tgtEl>
+                                      </p:cBhvr>
+                                    </p:animEffect>
+                                  </p:childTnLst>
+                                </p:cTn>
+                              </p:par>
+                              <p:par>
+                                <p:cTn id="40" presetID="10" presetClass="entr" presetSubtype="0" fill="hold" nodeType="withEffect">
+                                  <p:stCondLst>
+                                    <p:cond delay="0"/>
+                                  </p:stCondLst>
+                                  <p:childTnLst>
+                                    <p:set>
+                                      <p:cBhvr>
+                                        <p:cTn id="41" dur="1" fill="hold">
+                                          <p:stCondLst>
+                                            <p:cond delay="0"/>
+                                          </p:stCondLst>
+                                        </p:cTn>
+                                        <p:tgtEl>
+                                          <p:spTgt spid="5"/>
+                                        </p:tgtEl>
+                                        <p:attrNameLst>
+                                          <p:attrName>style.visibility</p:attrName>
+                                        </p:attrNameLst>
+                                      </p:cBhvr>
+                                      <p:to>
+                                        <p:strVal val="visible"/>
+                                      </p:to>
+                                    </p:set>
+                                    <p:animEffect transition="in" filter="fade">
+                                      <p:cBhvr>
+                                        <p:cTn id="42" dur="500"/>
+                                        <p:tgtEl>
+                                          <p:spTgt spid="5"/>
+                                        </p:tgtEl>
+                                      </p:cBhvr>
+                                    </p:animEffect>
+                                  </p:childTnLst>
+                                </p:cTn>
+                              </p:par>
+                            </p:childTnLst>
+                          </p:cTn>
+                        </p:par>
+                      </p:childTnLst>
+                    </p:cTn>
+                  </p:par>
+                </p:childTnLst>
+              </p:cTn>
+              <p:prevCondLst>
+                <p:cond evt="onPrev" delay="0">
+                  <p:tgtEl>
+                    <p:sldTgt/>
+                  </p:tgtEl>
+                </p:cond>
+              </p:prevCondLst>
+              <p:nextCondLst>
+                <p:cond evt="onNext" delay="0">
+                  <p:tgtEl>
+                    <p:sldTgt/>
+                  </p:tgtEl>
+                </p:cond>
+              </p:nextCondLst>
+            </p:seq>
+          </p:childTnLst>
+        </p:cTn>
+      </p:par>
+    </p:tnLst>
+    <p:bldLst>
+      <p:bldP spid="4" grpId="0" build="p"/>
+    </p:bldLst>
+  </p:timing>
 </p:sld>
 </file>
 
@@ -15618,6 +18120,265 @@
 </file>
 
 <file path=ppt/slides/slide20.xml><?xml version="1.0" encoding="utf-8"?>
+<p:sld xmlns:a="http://schemas.openxmlformats.org/drawingml/2006/main" xmlns:r="http://schemas.openxmlformats.org/officeDocument/2006/relationships" xmlns:p="http://schemas.openxmlformats.org/presentationml/2006/main" show="0">
+  <p:cSld>
+    <p:spTree>
+      <p:nvGrpSpPr>
+        <p:cNvPr id="1" name=""/>
+        <p:cNvGrpSpPr/>
+        <p:nvPr/>
+      </p:nvGrpSpPr>
+      <p:grpSpPr>
+        <a:xfrm>
+          <a:off x="0" y="0"/>
+          <a:ext cx="0" cy="0"/>
+          <a:chOff x="0" y="0"/>
+          <a:chExt cx="0" cy="0"/>
+        </a:xfrm>
+      </p:grpSpPr>
+      <p:sp>
+        <p:nvSpPr>
+          <p:cNvPr id="2" name="Title 1"/>
+          <p:cNvSpPr>
+            <a:spLocks noGrp="1"/>
+          </p:cNvSpPr>
+          <p:nvPr>
+            <p:ph type="title"/>
+          </p:nvPr>
+        </p:nvSpPr>
+        <p:spPr/>
+        <p:txBody>
+          <a:bodyPr/>
+          <a:lstStyle/>
+          <a:p>
+            <a:r>
+              <a:rPr lang="en-US" dirty="0" smtClean="0"/>
+              <a:t>Multiple context classes</a:t>
+            </a:r>
+            <a:endParaRPr lang="en-US" dirty="0"/>
+          </a:p>
+        </p:txBody>
+      </p:sp>
+      <p:sp>
+        <p:nvSpPr>
+          <p:cNvPr id="3" name="Content Placeholder 2"/>
+          <p:cNvSpPr>
+            <a:spLocks noGrp="1"/>
+          </p:cNvSpPr>
+          <p:nvPr>
+            <p:ph sz="quarter" idx="10"/>
+          </p:nvPr>
+        </p:nvSpPr>
+        <p:spPr/>
+        <p:txBody>
+          <a:bodyPr/>
+          <a:lstStyle/>
+          <a:p>
+            <a:r>
+              <a:rPr lang="en-US" dirty="0"/>
+              <a:t>If you have two+ context classes</a:t>
+            </a:r>
+          </a:p>
+          <a:p>
+            <a:pPr lvl="1"/>
+            <a:r>
+              <a:rPr lang="en-US" dirty="0"/>
+              <a:t>One from selecting </a:t>
+            </a:r>
+            <a:r>
+              <a:rPr lang="en-US" dirty="0" err="1"/>
+              <a:t>auth</a:t>
+            </a:r>
+            <a:r>
+              <a:rPr lang="en-US" dirty="0"/>
+              <a:t> during app creation (Identity)</a:t>
+            </a:r>
+          </a:p>
+          <a:p>
+            <a:pPr lvl="1"/>
+            <a:r>
+              <a:rPr lang="en-US" dirty="0"/>
+              <a:t>One for your other </a:t>
+            </a:r>
+            <a:r>
+              <a:rPr lang="en-US" dirty="0" smtClean="0"/>
+              <a:t>entities</a:t>
+            </a:r>
+          </a:p>
+          <a:p>
+            <a:r>
+              <a:rPr lang="en-US" dirty="0" smtClean="0"/>
+              <a:t>Visual Studio will tell you what commands to run</a:t>
+            </a:r>
+            <a:endParaRPr lang="en-US" dirty="0"/>
+          </a:p>
+          <a:p>
+            <a:pPr marL="0" indent="0">
+              <a:buNone/>
+            </a:pPr>
+            <a:r>
+              <a:rPr lang="en-US" dirty="0"/>
+              <a:t>   Migrations should specify separate folders</a:t>
+            </a:r>
+          </a:p>
+          <a:p>
+            <a:pPr marL="0" indent="0">
+              <a:buNone/>
+            </a:pPr>
+            <a:r>
+              <a:rPr lang="en-US" sz="2800" dirty="0">
+                <a:solidFill>
+                  <a:schemeClr val="accent6"/>
+                </a:solidFill>
+              </a:rPr>
+              <a:t>	 Enable-Migrations </a:t>
+            </a:r>
+            <a:r>
+              <a:rPr lang="en-US" sz="2800" dirty="0"/>
+              <a:t>–</a:t>
+            </a:r>
+            <a:r>
+              <a:rPr lang="en-US" sz="2800" dirty="0" err="1"/>
+              <a:t>MigrationsDirectory</a:t>
+            </a:r>
+            <a:r>
+              <a:rPr lang="en-US" sz="2800" dirty="0"/>
+              <a:t> </a:t>
+            </a:r>
+            <a:r>
+              <a:rPr lang="en-US" sz="2800" dirty="0" err="1"/>
+              <a:t>IdentityMigrations</a:t>
+            </a:r>
+            <a:endParaRPr lang="en-US" sz="2800" dirty="0"/>
+          </a:p>
+          <a:p>
+            <a:pPr marL="0" indent="0">
+              <a:buNone/>
+            </a:pPr>
+            <a:r>
+              <a:rPr lang="en-US" sz="2800" dirty="0">
+                <a:solidFill>
+                  <a:schemeClr val="accent6"/>
+                </a:solidFill>
+              </a:rPr>
+              <a:t>	 Enable-Migrations </a:t>
+            </a:r>
+            <a:r>
+              <a:rPr lang="en-US" sz="2800" dirty="0"/>
+              <a:t>–</a:t>
+            </a:r>
+            <a:r>
+              <a:rPr lang="en-US" sz="2800" dirty="0" err="1"/>
+              <a:t>MigrationsDirectory</a:t>
+            </a:r>
+            <a:r>
+              <a:rPr lang="en-US" sz="2800" dirty="0"/>
+              <a:t> </a:t>
+            </a:r>
+            <a:r>
+              <a:rPr lang="en-US" sz="2800" dirty="0" err="1" smtClean="0"/>
+              <a:t>MusicStoreMigrations</a:t>
+            </a:r>
+            <a:endParaRPr lang="en-US" sz="2800" dirty="0" smtClean="0"/>
+          </a:p>
+          <a:p>
+            <a:pPr marL="0" indent="0">
+              <a:buNone/>
+            </a:pPr>
+            <a:endParaRPr lang="en-US" dirty="0"/>
+          </a:p>
+        </p:txBody>
+      </p:sp>
+    </p:spTree>
+    <p:extLst>
+      <p:ext uri="{BB962C8B-B14F-4D97-AF65-F5344CB8AC3E}">
+        <p14:creationId xmlns:p14="http://schemas.microsoft.com/office/powerpoint/2010/main" val="610476475"/>
+      </p:ext>
+    </p:extLst>
+  </p:cSld>
+  <p:clrMapOvr>
+    <a:masterClrMapping/>
+  </p:clrMapOvr>
+  <mc:AlternateContent xmlns:mc="http://schemas.openxmlformats.org/markup-compatibility/2006">
+    <mc:Choice xmlns:p14="http://schemas.microsoft.com/office/powerpoint/2010/main" Requires="p14">
+      <p:transition spd="slow" p14:dur="2000"/>
+    </mc:Choice>
+    <mc:Fallback>
+      <p:transition spd="slow"/>
+    </mc:Fallback>
+  </mc:AlternateContent>
+</p:sld>
+</file>
+
+<file path=ppt/slides/slide21.xml><?xml version="1.0" encoding="utf-8"?>
+<p:sld xmlns:a="http://schemas.openxmlformats.org/drawingml/2006/main" xmlns:r="http://schemas.openxmlformats.org/officeDocument/2006/relationships" xmlns:p="http://schemas.openxmlformats.org/presentationml/2006/main" show="0">
+  <p:cSld>
+    <p:spTree>
+      <p:nvGrpSpPr>
+        <p:cNvPr id="1" name=""/>
+        <p:cNvGrpSpPr/>
+        <p:nvPr/>
+      </p:nvGrpSpPr>
+      <p:grpSpPr>
+        <a:xfrm>
+          <a:off x="0" y="0"/>
+          <a:ext cx="0" cy="0"/>
+          <a:chOff x="0" y="0"/>
+          <a:chExt cx="0" cy="0"/>
+        </a:xfrm>
+      </p:grpSpPr>
+      <p:sp>
+        <p:nvSpPr>
+          <p:cNvPr id="4" name="Title 3"/>
+          <p:cNvSpPr>
+            <a:spLocks noGrp="1"/>
+          </p:cNvSpPr>
+          <p:nvPr>
+            <p:ph type="title"/>
+          </p:nvPr>
+        </p:nvSpPr>
+        <p:spPr/>
+        <p:txBody>
+          <a:bodyPr/>
+          <a:lstStyle/>
+          <a:p>
+            <a:r>
+              <a:rPr lang="en-US" dirty="0" smtClean="0"/>
+              <a:t>Working with Multiple Contexts</a:t>
+            </a:r>
+            <a:endParaRPr lang="en-US" dirty="0"/>
+          </a:p>
+        </p:txBody>
+      </p:sp>
+    </p:spTree>
+    <p:extLst>
+      <p:ext uri="{BB962C8B-B14F-4D97-AF65-F5344CB8AC3E}">
+        <p14:creationId xmlns:p14="http://schemas.microsoft.com/office/powerpoint/2010/main" val="1960275249"/>
+      </p:ext>
+    </p:extLst>
+  </p:cSld>
+  <p:clrMapOvr>
+    <a:masterClrMapping/>
+  </p:clrMapOvr>
+  <mc:AlternateContent xmlns:mc="http://schemas.openxmlformats.org/markup-compatibility/2006">
+    <mc:Choice xmlns:p14="http://schemas.microsoft.com/office/powerpoint/2010/main" Requires="p14">
+      <p:transition spd="slow" p14:dur="2000"/>
+    </mc:Choice>
+    <mc:Fallback>
+      <p:transition spd="slow"/>
+    </mc:Fallback>
+  </mc:AlternateContent>
+  <p:timing>
+    <p:tnLst>
+      <p:par>
+        <p:cTn id="1" dur="indefinite" restart="never" nodeType="tmRoot"/>
+      </p:par>
+    </p:tnLst>
+  </p:timing>
+</p:sld>
+</file>
+
+<file path=ppt/slides/slide22.xml><?xml version="1.0" encoding="utf-8"?>
 <p:sld xmlns:a="http://schemas.openxmlformats.org/drawingml/2006/main" xmlns:r="http://schemas.openxmlformats.org/officeDocument/2006/relationships" xmlns:p="http://schemas.openxmlformats.org/presentationml/2006/main">
   <p:cSld>
     <p:spTree>
@@ -15677,7 +18438,7 @@
 </p:sld>
 </file>
 
-<file path=ppt/slides/slide21.xml><?xml version="1.0" encoding="utf-8"?>
+<file path=ppt/slides/slide23.xml><?xml version="1.0" encoding="utf-8"?>
 <p:sld xmlns:a="http://schemas.openxmlformats.org/drawingml/2006/main" xmlns:r="http://schemas.openxmlformats.org/officeDocument/2006/relationships" xmlns:p="http://schemas.openxmlformats.org/presentationml/2006/main">
   <p:cSld>
     <p:spTree>
@@ -15737,7 +18498,7 @@
 </p:sld>
 </file>
 
-<file path=ppt/slides/slide22.xml><?xml version="1.0" encoding="utf-8"?>
+<file path=ppt/slides/slide24.xml><?xml version="1.0" encoding="utf-8"?>
 <p:sld xmlns:a="http://schemas.openxmlformats.org/drawingml/2006/main" xmlns:r="http://schemas.openxmlformats.org/officeDocument/2006/relationships" xmlns:p="http://schemas.openxmlformats.org/presentationml/2006/main">
   <p:cSld>
     <p:spTree>
@@ -15873,7 +18634,7 @@
 </p:sld>
 </file>
 
-<file path=ppt/slides/slide23.xml><?xml version="1.0" encoding="utf-8"?>
+<file path=ppt/slides/slide25.xml><?xml version="1.0" encoding="utf-8"?>
 <p:sld xmlns:a="http://schemas.openxmlformats.org/drawingml/2006/main" xmlns:r="http://schemas.openxmlformats.org/officeDocument/2006/relationships" xmlns:p="http://schemas.openxmlformats.org/presentationml/2006/main">
   <p:cSld>
     <p:spTree>
@@ -17923,9 +20684,88 @@
   <p:timing>
     <p:tnLst>
       <p:par>
-        <p:cTn id="1" dur="indefinite" restart="never" nodeType="tmRoot"/>
+        <p:cTn id="1" dur="indefinite" restart="never" nodeType="tmRoot">
+          <p:childTnLst>
+            <p:seq concurrent="1" nextAc="seek">
+              <p:cTn id="2" dur="indefinite" nodeType="mainSeq">
+                <p:childTnLst>
+                  <p:par>
+                    <p:cTn id="3" fill="hold">
+                      <p:stCondLst>
+                        <p:cond delay="indefinite"/>
+                      </p:stCondLst>
+                      <p:childTnLst>
+                        <p:par>
+                          <p:cTn id="4" fill="hold">
+                            <p:stCondLst>
+                              <p:cond delay="0"/>
+                            </p:stCondLst>
+                            <p:childTnLst>
+                              <p:par>
+                                <p:cTn id="5" presetID="10" presetClass="entr" presetSubtype="0" fill="hold" grpId="0" nodeType="clickEffect">
+                                  <p:stCondLst>
+                                    <p:cond delay="0"/>
+                                  </p:stCondLst>
+                                  <p:childTnLst>
+                                    <p:set>
+                                      <p:cBhvr>
+                                        <p:cTn id="6" dur="1" fill="hold">
+                                          <p:stCondLst>
+                                            <p:cond delay="0"/>
+                                          </p:stCondLst>
+                                        </p:cTn>
+                                        <p:tgtEl>
+                                          <p:spTgt spid="3"/>
+                                        </p:tgtEl>
+                                        <p:attrNameLst>
+                                          <p:attrName>style.visibility</p:attrName>
+                                        </p:attrNameLst>
+                                      </p:cBhvr>
+                                      <p:to>
+                                        <p:strVal val="visible"/>
+                                      </p:to>
+                                    </p:set>
+                                    <p:animEffect transition="in" filter="fade">
+                                      <p:cBhvr>
+                                        <p:cTn id="7" dur="500"/>
+                                        <p:tgtEl>
+                                          <p:spTgt spid="3"/>
+                                        </p:tgtEl>
+                                      </p:cBhvr>
+                                    </p:animEffect>
+                                  </p:childTnLst>
+                                </p:cTn>
+                              </p:par>
+                            </p:childTnLst>
+                          </p:cTn>
+                        </p:par>
+                      </p:childTnLst>
+                    </p:cTn>
+                  </p:par>
+                </p:childTnLst>
+              </p:cTn>
+              <p:prevCondLst>
+                <p:cond evt="onPrev" delay="0">
+                  <p:tgtEl>
+                    <p:sldTgt/>
+                  </p:tgtEl>
+                </p:cond>
+              </p:prevCondLst>
+              <p:nextCondLst>
+                <p:cond evt="onNext" delay="0">
+                  <p:tgtEl>
+                    <p:sldTgt/>
+                  </p:tgtEl>
+                </p:cond>
+              </p:nextCondLst>
+            </p:seq>
+          </p:childTnLst>
+        </p:cTn>
       </p:par>
     </p:tnLst>
+    <p:bldLst>
+      <p:bldP spid="3" grpId="0"/>
+    </p:bldLst>
   </p:timing>
 </p:sld>
 </file>

--- a/Slides/04 - Managing the Database.pptx
+++ b/Slides/04 - Managing the Database.pptx
@@ -1981,9 +1981,45 @@
             </a:r>
           </a:p>
           <a:p>
-            <a:pPr marL="228600" indent="-228600">
+            <a:pPr marL="228600" marR="0" indent="-228600" algn="l" defTabSz="914400" rtl="0" eaLnBrk="1" fontAlgn="auto" latinLnBrk="0" hangingPunct="1">
+              <a:lnSpc>
+                <a:spcPct val="100000"/>
+              </a:lnSpc>
+              <a:spcBef>
+                <a:spcPts val="0"/>
+              </a:spcBef>
+              <a:spcAft>
+                <a:spcPts val="0"/>
+              </a:spcAft>
+              <a:buClrTx/>
+              <a:buSzTx/>
+              <a:buFontTx/>
               <a:buAutoNum type="arabicPeriod"/>
+              <a:tabLst/>
+              <a:defRPr/>
             </a:pPr>
+            <a:r>
+              <a:rPr lang="en-US" sz="1200" kern="1200" dirty="0" smtClean="0">
+                <a:solidFill>
+                  <a:schemeClr val="tx1"/>
+                </a:solidFill>
+                <a:latin typeface="+mn-lt"/>
+                <a:ea typeface="+mn-ea"/>
+                <a:cs typeface="+mn-cs"/>
+              </a:rPr>
+              <a:t>Update-database</a:t>
+            </a:r>
+            <a:r>
+              <a:rPr lang="en-US" sz="1200" kern="1200" baseline="0" dirty="0" smtClean="0">
+                <a:solidFill>
+                  <a:schemeClr val="tx1"/>
+                </a:solidFill>
+                <a:latin typeface="+mn-lt"/>
+                <a:ea typeface="+mn-ea"/>
+                <a:cs typeface="+mn-cs"/>
+              </a:rPr>
+              <a:t> –</a:t>
+            </a:r>
             <a:r>
               <a:rPr lang="en-US" sz="1200" kern="1200" dirty="0" smtClean="0">
                 <a:solidFill>
@@ -2042,17 +2078,6 @@
               <a:buAutoNum type="arabicPeriod"/>
             </a:pPr>
             <a:r>
-              <a:rPr lang="en-US" sz="1200" kern="1200" dirty="0" smtClean="0">
-                <a:solidFill>
-                  <a:schemeClr val="tx1"/>
-                </a:solidFill>
-                <a:latin typeface="+mn-lt"/>
-                <a:ea typeface="+mn-ea"/>
-                <a:cs typeface="+mn-cs"/>
-              </a:rPr>
-              <a:t>Update-database</a:t>
-            </a:r>
-            <a:r>
               <a:rPr lang="en-US" sz="1200" kern="1200" baseline="0" dirty="0" smtClean="0">
                 <a:solidFill>
                   <a:schemeClr val="tx1"/>
@@ -2061,7 +2086,18 @@
                 <a:ea typeface="+mn-ea"/>
                 <a:cs typeface="+mn-cs"/>
               </a:rPr>
-              <a:t> –script shows nothing (or migrations?)</a:t>
+              <a:t>script </a:t>
+            </a:r>
+            <a:r>
+              <a:rPr lang="en-US" sz="1200" kern="1200" baseline="0" dirty="0" smtClean="0">
+                <a:solidFill>
+                  <a:schemeClr val="tx1"/>
+                </a:solidFill>
+                <a:latin typeface="+mn-lt"/>
+                <a:ea typeface="+mn-ea"/>
+                <a:cs typeface="+mn-cs"/>
+              </a:rPr>
+              <a:t>shows nothing (or migrations?)</a:t>
             </a:r>
           </a:p>
           <a:p>
@@ -15999,8 +16035,13 @@
             <a:pPr lvl="1"/>
             <a:r>
               <a:rPr lang="en-US" dirty="0" smtClean="0"/>
-              <a:t>Table per class –</a:t>
-            </a:r>
+              <a:t>Table per </a:t>
+            </a:r>
+            <a:r>
+              <a:rPr lang="en-US" dirty="0" smtClean="0"/>
+              <a:t>class</a:t>
+            </a:r>
+            <a:endParaRPr lang="en-US" dirty="0" smtClean="0"/>
           </a:p>
           <a:p>
             <a:pPr lvl="1"/>
@@ -18299,14 +18340,21 @@
   <p:clrMapOvr>
     <a:masterClrMapping/>
   </p:clrMapOvr>
-  <mc:AlternateContent xmlns:mc="http://schemas.openxmlformats.org/markup-compatibility/2006">
-    <mc:Choice xmlns:p14="http://schemas.microsoft.com/office/powerpoint/2010/main" Requires="p14">
+  <mc:AlternateContent xmlns:mc="http://schemas.openxmlformats.org/markup-compatibility/2006" xmlns:p14="http://schemas.microsoft.com/office/powerpoint/2010/main">
+    <mc:Choice Requires="p14">
       <p:transition spd="slow" p14:dur="2000"/>
     </mc:Choice>
-    <mc:Fallback>
+    <mc:Fallback xmlns="">
       <p:transition spd="slow"/>
     </mc:Fallback>
   </mc:AlternateContent>
+  <p:timing>
+    <p:tnLst>
+      <p:par>
+        <p:cTn id="1" dur="indefinite" restart="never" nodeType="tmRoot"/>
+      </p:par>
+    </p:tnLst>
+  </p:timing>
 </p:sld>
 </file>
 
@@ -18360,11 +18408,11 @@
   <p:clrMapOvr>
     <a:masterClrMapping/>
   </p:clrMapOvr>
-  <mc:AlternateContent xmlns:mc="http://schemas.openxmlformats.org/markup-compatibility/2006">
-    <mc:Choice xmlns:p14="http://schemas.microsoft.com/office/powerpoint/2010/main" Requires="p14">
+  <mc:AlternateContent xmlns:mc="http://schemas.openxmlformats.org/markup-compatibility/2006" xmlns:p14="http://schemas.microsoft.com/office/powerpoint/2010/main">
+    <mc:Choice Requires="p14">
       <p:transition spd="slow" p14:dur="2000"/>
     </mc:Choice>
-    <mc:Fallback>
+    <mc:Fallback xmlns="">
       <p:transition spd="slow"/>
     </mc:Fallback>
   </mc:AlternateContent>
@@ -19565,6 +19613,13 @@
   <p:clrMapOvr>
     <a:masterClrMapping/>
   </p:clrMapOvr>
+  <p:timing>
+    <p:tnLst>
+      <p:par>
+        <p:cTn id="1" dur="indefinite" restart="never" nodeType="tmRoot"/>
+      </p:par>
+    </p:tnLst>
+  </p:timing>
 </p:sld>
 </file>
 
@@ -19601,8 +19656,20 @@
           <a:lstStyle/>
           <a:p>
             <a:r>
-              <a:rPr lang="en-US" smtClean="0"/>
-              <a:t>Using Fluent API without Data Annotations</a:t>
+              <a:rPr lang="en-US" dirty="0" smtClean="0"/>
+              <a:t>Using Fluent API </a:t>
+            </a:r>
+            <a:r>
+              <a:rPr lang="en-US" u="sng" dirty="0" smtClean="0"/>
+              <a:t>without</a:t>
+            </a:r>
+            <a:r>
+              <a:rPr lang="en-US" dirty="0" smtClean="0"/>
+              <a:t> Data </a:t>
+            </a:r>
+            <a:r>
+              <a:rPr lang="en-US" dirty="0" smtClean="0"/>
+              <a:t>Annotations?</a:t>
             </a:r>
             <a:endParaRPr lang="en-US" dirty="0"/>
           </a:p>
@@ -19625,16 +19692,39 @@
           <a:p>
             <a:r>
               <a:rPr lang="en-US" dirty="0" smtClean="0"/>
-              <a:t>Map view model to Entity</a:t>
+              <a:t>How would we validate then?</a:t>
             </a:r>
           </a:p>
           <a:p>
             <a:r>
               <a:rPr lang="en-US" dirty="0" smtClean="0"/>
-              <a:t>Save Entity</a:t>
-            </a:r>
-          </a:p>
-          <a:p>
+              <a:t>We would</a:t>
+            </a:r>
+          </a:p>
+          <a:p>
+            <a:pPr lvl="1"/>
+            <a:r>
+              <a:rPr lang="en-US" dirty="0" smtClean="0"/>
+              <a:t>Map </a:t>
+            </a:r>
+            <a:r>
+              <a:rPr lang="en-US" dirty="0" smtClean="0"/>
+              <a:t>view model to Entity</a:t>
+            </a:r>
+          </a:p>
+          <a:p>
+            <a:pPr lvl="1"/>
+            <a:r>
+              <a:rPr lang="en-US" dirty="0" smtClean="0"/>
+              <a:t>Save </a:t>
+            </a:r>
+            <a:r>
+              <a:rPr lang="en-US" dirty="0" smtClean="0"/>
+              <a:t>Entity</a:t>
+            </a:r>
+          </a:p>
+          <a:p>
+            <a:pPr lvl="1"/>
             <a:r>
               <a:rPr lang="en-US" dirty="0" smtClean="0"/>
               <a:t>Catch </a:t>
@@ -19646,6 +19736,7 @@
             <a:endParaRPr lang="en-US" dirty="0" smtClean="0"/>
           </a:p>
           <a:p>
+            <a:pPr lvl="1"/>
             <a:r>
               <a:rPr lang="en-US" dirty="0" smtClean="0"/>
               <a:t>Add errors to </a:t>
@@ -19675,6 +19766,13 @@
   <p:clrMapOvr>
     <a:masterClrMapping/>
   </p:clrMapOvr>
+  <p:timing>
+    <p:tnLst>
+      <p:par>
+        <p:cTn id="1" dur="indefinite" restart="never" nodeType="tmRoot"/>
+      </p:par>
+    </p:tnLst>
+  </p:timing>
 </p:sld>
 </file>
 
@@ -19822,9 +19920,426 @@
   <p:timing>
     <p:tnLst>
       <p:par>
-        <p:cTn id="1" dur="indefinite" restart="never" nodeType="tmRoot"/>
+        <p:cTn id="1" dur="indefinite" restart="never" nodeType="tmRoot">
+          <p:childTnLst>
+            <p:seq concurrent="1" nextAc="seek">
+              <p:cTn id="2" dur="indefinite" nodeType="mainSeq">
+                <p:childTnLst>
+                  <p:par>
+                    <p:cTn id="3" fill="hold">
+                      <p:stCondLst>
+                        <p:cond delay="indefinite"/>
+                      </p:stCondLst>
+                      <p:childTnLst>
+                        <p:par>
+                          <p:cTn id="4" fill="hold">
+                            <p:stCondLst>
+                              <p:cond delay="0"/>
+                            </p:stCondLst>
+                            <p:childTnLst>
+                              <p:par>
+                                <p:cTn id="5" presetID="10" presetClass="entr" presetSubtype="0" fill="hold" grpId="0" nodeType="clickEffect">
+                                  <p:stCondLst>
+                                    <p:cond delay="0"/>
+                                  </p:stCondLst>
+                                  <p:childTnLst>
+                                    <p:set>
+                                      <p:cBhvr>
+                                        <p:cTn id="6" dur="1" fill="hold">
+                                          <p:stCondLst>
+                                            <p:cond delay="0"/>
+                                          </p:stCondLst>
+                                        </p:cTn>
+                                        <p:tgtEl>
+                                          <p:spTgt spid="3">
+                                            <p:txEl>
+                                              <p:pRg st="0" end="0"/>
+                                            </p:txEl>
+                                          </p:spTgt>
+                                        </p:tgtEl>
+                                        <p:attrNameLst>
+                                          <p:attrName>style.visibility</p:attrName>
+                                        </p:attrNameLst>
+                                      </p:cBhvr>
+                                      <p:to>
+                                        <p:strVal val="visible"/>
+                                      </p:to>
+                                    </p:set>
+                                    <p:animEffect transition="in" filter="fade">
+                                      <p:cBhvr>
+                                        <p:cTn id="7" dur="500"/>
+                                        <p:tgtEl>
+                                          <p:spTgt spid="3">
+                                            <p:txEl>
+                                              <p:pRg st="0" end="0"/>
+                                            </p:txEl>
+                                          </p:spTgt>
+                                        </p:tgtEl>
+                                      </p:cBhvr>
+                                    </p:animEffect>
+                                  </p:childTnLst>
+                                </p:cTn>
+                              </p:par>
+                              <p:par>
+                                <p:cTn id="8" presetID="10" presetClass="entr" presetSubtype="0" fill="hold" grpId="0" nodeType="withEffect">
+                                  <p:stCondLst>
+                                    <p:cond delay="0"/>
+                                  </p:stCondLst>
+                                  <p:childTnLst>
+                                    <p:set>
+                                      <p:cBhvr>
+                                        <p:cTn id="9" dur="1" fill="hold">
+                                          <p:stCondLst>
+                                            <p:cond delay="0"/>
+                                          </p:stCondLst>
+                                        </p:cTn>
+                                        <p:tgtEl>
+                                          <p:spTgt spid="3">
+                                            <p:txEl>
+                                              <p:pRg st="1" end="1"/>
+                                            </p:txEl>
+                                          </p:spTgt>
+                                        </p:tgtEl>
+                                        <p:attrNameLst>
+                                          <p:attrName>style.visibility</p:attrName>
+                                        </p:attrNameLst>
+                                      </p:cBhvr>
+                                      <p:to>
+                                        <p:strVal val="visible"/>
+                                      </p:to>
+                                    </p:set>
+                                    <p:animEffect transition="in" filter="fade">
+                                      <p:cBhvr>
+                                        <p:cTn id="10" dur="500"/>
+                                        <p:tgtEl>
+                                          <p:spTgt spid="3">
+                                            <p:txEl>
+                                              <p:pRg st="1" end="1"/>
+                                            </p:txEl>
+                                          </p:spTgt>
+                                        </p:tgtEl>
+                                      </p:cBhvr>
+                                    </p:animEffect>
+                                  </p:childTnLst>
+                                </p:cTn>
+                              </p:par>
+                              <p:par>
+                                <p:cTn id="11" presetID="10" presetClass="entr" presetSubtype="0" fill="hold" grpId="0" nodeType="withEffect">
+                                  <p:stCondLst>
+                                    <p:cond delay="0"/>
+                                  </p:stCondLst>
+                                  <p:childTnLst>
+                                    <p:set>
+                                      <p:cBhvr>
+                                        <p:cTn id="12" dur="1" fill="hold">
+                                          <p:stCondLst>
+                                            <p:cond delay="0"/>
+                                          </p:stCondLst>
+                                        </p:cTn>
+                                        <p:tgtEl>
+                                          <p:spTgt spid="3">
+                                            <p:txEl>
+                                              <p:pRg st="2" end="2"/>
+                                            </p:txEl>
+                                          </p:spTgt>
+                                        </p:tgtEl>
+                                        <p:attrNameLst>
+                                          <p:attrName>style.visibility</p:attrName>
+                                        </p:attrNameLst>
+                                      </p:cBhvr>
+                                      <p:to>
+                                        <p:strVal val="visible"/>
+                                      </p:to>
+                                    </p:set>
+                                    <p:animEffect transition="in" filter="fade">
+                                      <p:cBhvr>
+                                        <p:cTn id="13" dur="500"/>
+                                        <p:tgtEl>
+                                          <p:spTgt spid="3">
+                                            <p:txEl>
+                                              <p:pRg st="2" end="2"/>
+                                            </p:txEl>
+                                          </p:spTgt>
+                                        </p:tgtEl>
+                                      </p:cBhvr>
+                                    </p:animEffect>
+                                  </p:childTnLst>
+                                </p:cTn>
+                              </p:par>
+                            </p:childTnLst>
+                          </p:cTn>
+                        </p:par>
+                      </p:childTnLst>
+                    </p:cTn>
+                  </p:par>
+                  <p:par>
+                    <p:cTn id="14" fill="hold">
+                      <p:stCondLst>
+                        <p:cond delay="indefinite"/>
+                      </p:stCondLst>
+                      <p:childTnLst>
+                        <p:par>
+                          <p:cTn id="15" fill="hold">
+                            <p:stCondLst>
+                              <p:cond delay="0"/>
+                            </p:stCondLst>
+                            <p:childTnLst>
+                              <p:par>
+                                <p:cTn id="16" presetID="10" presetClass="entr" presetSubtype="0" fill="hold" grpId="0" nodeType="clickEffect">
+                                  <p:stCondLst>
+                                    <p:cond delay="0"/>
+                                  </p:stCondLst>
+                                  <p:childTnLst>
+                                    <p:set>
+                                      <p:cBhvr>
+                                        <p:cTn id="17" dur="1" fill="hold">
+                                          <p:stCondLst>
+                                            <p:cond delay="0"/>
+                                          </p:stCondLst>
+                                        </p:cTn>
+                                        <p:tgtEl>
+                                          <p:spTgt spid="3">
+                                            <p:txEl>
+                                              <p:pRg st="3" end="3"/>
+                                            </p:txEl>
+                                          </p:spTgt>
+                                        </p:tgtEl>
+                                        <p:attrNameLst>
+                                          <p:attrName>style.visibility</p:attrName>
+                                        </p:attrNameLst>
+                                      </p:cBhvr>
+                                      <p:to>
+                                        <p:strVal val="visible"/>
+                                      </p:to>
+                                    </p:set>
+                                    <p:animEffect transition="in" filter="fade">
+                                      <p:cBhvr>
+                                        <p:cTn id="18" dur="500"/>
+                                        <p:tgtEl>
+                                          <p:spTgt spid="3">
+                                            <p:txEl>
+                                              <p:pRg st="3" end="3"/>
+                                            </p:txEl>
+                                          </p:spTgt>
+                                        </p:tgtEl>
+                                      </p:cBhvr>
+                                    </p:animEffect>
+                                  </p:childTnLst>
+                                </p:cTn>
+                              </p:par>
+                            </p:childTnLst>
+                          </p:cTn>
+                        </p:par>
+                      </p:childTnLst>
+                    </p:cTn>
+                  </p:par>
+                  <p:par>
+                    <p:cTn id="19" fill="hold">
+                      <p:stCondLst>
+                        <p:cond delay="indefinite"/>
+                      </p:stCondLst>
+                      <p:childTnLst>
+                        <p:par>
+                          <p:cTn id="20" fill="hold">
+                            <p:stCondLst>
+                              <p:cond delay="0"/>
+                            </p:stCondLst>
+                            <p:childTnLst>
+                              <p:par>
+                                <p:cTn id="21" presetID="10" presetClass="entr" presetSubtype="0" fill="hold" grpId="0" nodeType="clickEffect">
+                                  <p:stCondLst>
+                                    <p:cond delay="0"/>
+                                  </p:stCondLst>
+                                  <p:childTnLst>
+                                    <p:set>
+                                      <p:cBhvr>
+                                        <p:cTn id="22" dur="1" fill="hold">
+                                          <p:stCondLst>
+                                            <p:cond delay="0"/>
+                                          </p:stCondLst>
+                                        </p:cTn>
+                                        <p:tgtEl>
+                                          <p:spTgt spid="3">
+                                            <p:txEl>
+                                              <p:pRg st="4" end="4"/>
+                                            </p:txEl>
+                                          </p:spTgt>
+                                        </p:tgtEl>
+                                        <p:attrNameLst>
+                                          <p:attrName>style.visibility</p:attrName>
+                                        </p:attrNameLst>
+                                      </p:cBhvr>
+                                      <p:to>
+                                        <p:strVal val="visible"/>
+                                      </p:to>
+                                    </p:set>
+                                    <p:animEffect transition="in" filter="fade">
+                                      <p:cBhvr>
+                                        <p:cTn id="23" dur="500"/>
+                                        <p:tgtEl>
+                                          <p:spTgt spid="3">
+                                            <p:txEl>
+                                              <p:pRg st="4" end="4"/>
+                                            </p:txEl>
+                                          </p:spTgt>
+                                        </p:tgtEl>
+                                      </p:cBhvr>
+                                    </p:animEffect>
+                                  </p:childTnLst>
+                                </p:cTn>
+                              </p:par>
+                            </p:childTnLst>
+                          </p:cTn>
+                        </p:par>
+                      </p:childTnLst>
+                    </p:cTn>
+                  </p:par>
+                  <p:par>
+                    <p:cTn id="24" fill="hold">
+                      <p:stCondLst>
+                        <p:cond delay="indefinite"/>
+                      </p:stCondLst>
+                      <p:childTnLst>
+                        <p:par>
+                          <p:cTn id="25" fill="hold">
+                            <p:stCondLst>
+                              <p:cond delay="0"/>
+                            </p:stCondLst>
+                            <p:childTnLst>
+                              <p:par>
+                                <p:cTn id="26" presetID="10" presetClass="entr" presetSubtype="0" fill="hold" grpId="0" nodeType="clickEffect">
+                                  <p:stCondLst>
+                                    <p:cond delay="0"/>
+                                  </p:stCondLst>
+                                  <p:childTnLst>
+                                    <p:set>
+                                      <p:cBhvr>
+                                        <p:cTn id="27" dur="1" fill="hold">
+                                          <p:stCondLst>
+                                            <p:cond delay="0"/>
+                                          </p:stCondLst>
+                                        </p:cTn>
+                                        <p:tgtEl>
+                                          <p:spTgt spid="3">
+                                            <p:txEl>
+                                              <p:pRg st="5" end="5"/>
+                                            </p:txEl>
+                                          </p:spTgt>
+                                        </p:tgtEl>
+                                        <p:attrNameLst>
+                                          <p:attrName>style.visibility</p:attrName>
+                                        </p:attrNameLst>
+                                      </p:cBhvr>
+                                      <p:to>
+                                        <p:strVal val="visible"/>
+                                      </p:to>
+                                    </p:set>
+                                    <p:animEffect transition="in" filter="fade">
+                                      <p:cBhvr>
+                                        <p:cTn id="28" dur="500"/>
+                                        <p:tgtEl>
+                                          <p:spTgt spid="3">
+                                            <p:txEl>
+                                              <p:pRg st="5" end="5"/>
+                                            </p:txEl>
+                                          </p:spTgt>
+                                        </p:tgtEl>
+                                      </p:cBhvr>
+                                    </p:animEffect>
+                                  </p:childTnLst>
+                                </p:cTn>
+                              </p:par>
+                            </p:childTnLst>
+                          </p:cTn>
+                        </p:par>
+                      </p:childTnLst>
+                    </p:cTn>
+                  </p:par>
+                  <p:par>
+                    <p:cTn id="29" fill="hold">
+                      <p:stCondLst>
+                        <p:cond delay="indefinite"/>
+                      </p:stCondLst>
+                      <p:childTnLst>
+                        <p:par>
+                          <p:cTn id="30" fill="hold">
+                            <p:stCondLst>
+                              <p:cond delay="0"/>
+                            </p:stCondLst>
+                            <p:childTnLst>
+                              <p:par>
+                                <p:cTn id="31" presetID="10" presetClass="entr" presetSubtype="0" fill="hold" grpId="0" nodeType="clickEffect">
+                                  <p:stCondLst>
+                                    <p:cond delay="0"/>
+                                  </p:stCondLst>
+                                  <p:childTnLst>
+                                    <p:set>
+                                      <p:cBhvr>
+                                        <p:cTn id="32" dur="1" fill="hold">
+                                          <p:stCondLst>
+                                            <p:cond delay="0"/>
+                                          </p:stCondLst>
+                                        </p:cTn>
+                                        <p:tgtEl>
+                                          <p:spTgt spid="3">
+                                            <p:txEl>
+                                              <p:pRg st="6" end="6"/>
+                                            </p:txEl>
+                                          </p:spTgt>
+                                        </p:tgtEl>
+                                        <p:attrNameLst>
+                                          <p:attrName>style.visibility</p:attrName>
+                                        </p:attrNameLst>
+                                      </p:cBhvr>
+                                      <p:to>
+                                        <p:strVal val="visible"/>
+                                      </p:to>
+                                    </p:set>
+                                    <p:animEffect transition="in" filter="fade">
+                                      <p:cBhvr>
+                                        <p:cTn id="33" dur="500"/>
+                                        <p:tgtEl>
+                                          <p:spTgt spid="3">
+                                            <p:txEl>
+                                              <p:pRg st="6" end="6"/>
+                                            </p:txEl>
+                                          </p:spTgt>
+                                        </p:tgtEl>
+                                      </p:cBhvr>
+                                    </p:animEffect>
+                                  </p:childTnLst>
+                                </p:cTn>
+                              </p:par>
+                            </p:childTnLst>
+                          </p:cTn>
+                        </p:par>
+                      </p:childTnLst>
+                    </p:cTn>
+                  </p:par>
+                </p:childTnLst>
+              </p:cTn>
+              <p:prevCondLst>
+                <p:cond evt="onPrev" delay="0">
+                  <p:tgtEl>
+                    <p:sldTgt/>
+                  </p:tgtEl>
+                </p:cond>
+              </p:prevCondLst>
+              <p:nextCondLst>
+                <p:cond evt="onNext" delay="0">
+                  <p:tgtEl>
+                    <p:sldTgt/>
+                  </p:tgtEl>
+                </p:cond>
+              </p:nextCondLst>
+            </p:seq>
+          </p:childTnLst>
+        </p:cTn>
       </p:par>
     </p:tnLst>
+    <p:bldLst>
+      <p:bldP spid="3" grpId="0" build="p"/>
+    </p:bldLst>
   </p:timing>
 </p:sld>
 </file>
@@ -22218,6 +22733,19 @@
 </file>
 
 <file path=customXml/item1.xml><?xml version="1.0" encoding="utf-8"?>
+<p:properties xmlns:p="http://schemas.microsoft.com/office/2006/metadata/properties" xmlns:xsi="http://www.w3.org/2001/XMLSchema-instance" xmlns:pc="http://schemas.microsoft.com/office/infopath/2007/PartnerControls">
+  <documentManagement>
+    <TaxCatchAll xmlns="230e9df3-be65-4c73-a93b-d1236ebd677e"/>
+    <PublishingExpirationDate xmlns="http://schemas.microsoft.com/sharepoint/v3" xsi:nil="true"/>
+    <PublishingStartDate xmlns="http://schemas.microsoft.com/sharepoint/v3" xsi:nil="true"/>
+    <TaxKeywordTaxHTField xmlns="230e9df3-be65-4c73-a93b-d1236ebd677e">
+      <Terms xmlns="http://schemas.microsoft.com/office/infopath/2007/PartnerControls"/>
+    </TaxKeywordTaxHTField>
+  </documentManagement>
+</p:properties>
+</file>
+
+<file path=customXml/item2.xml><?xml version="1.0" encoding="utf-8"?>
 <ct:contentTypeSchema xmlns:ct="http://schemas.microsoft.com/office/2006/metadata/contentType" xmlns:ma="http://schemas.microsoft.com/office/2006/metadata/properties/metaAttributes" ct:_="" ma:_="" ma:contentTypeName="Document" ma:contentTypeID="0x010100496889825850D44592AC5D2F43187AE4" ma:contentTypeVersion="5" ma:contentTypeDescription="Create a new document." ma:contentTypeScope="" ma:versionID="fde90edb5a63ba841bca516fd2abaf95">
   <xsd:schema xmlns:xsd="http://www.w3.org/2001/XMLSchema" xmlns:xs="http://www.w3.org/2001/XMLSchema" xmlns:p="http://schemas.microsoft.com/office/2006/metadata/properties" xmlns:ns1="http://schemas.microsoft.com/sharepoint/v3" xmlns:ns2="230e9df3-be65-4c73-a93b-d1236ebd677e" xmlns:ns3="27aa9422-7f1f-4c84-9cdf-302b1a67e513" targetNamespace="http://schemas.microsoft.com/office/2006/metadata/properties" ma:root="true" ma:fieldsID="5e7808ae941cc340dbe51a3031959734" ns1:_="" ns2:_="" ns3:_="">
     <xsd:import namespace="http://schemas.microsoft.com/sharepoint/v3"/>
@@ -22399,19 +22927,6 @@
 </ct:contentTypeSchema>
 </file>
 
-<file path=customXml/item2.xml><?xml version="1.0" encoding="utf-8"?>
-<p:properties xmlns:p="http://schemas.microsoft.com/office/2006/metadata/properties" xmlns:xsi="http://www.w3.org/2001/XMLSchema-instance" xmlns:pc="http://schemas.microsoft.com/office/infopath/2007/PartnerControls">
-  <documentManagement>
-    <TaxCatchAll xmlns="230e9df3-be65-4c73-a93b-d1236ebd677e"/>
-    <PublishingExpirationDate xmlns="http://schemas.microsoft.com/sharepoint/v3" xsi:nil="true"/>
-    <PublishingStartDate xmlns="http://schemas.microsoft.com/sharepoint/v3" xsi:nil="true"/>
-    <TaxKeywordTaxHTField xmlns="230e9df3-be65-4c73-a93b-d1236ebd677e">
-      <Terms xmlns="http://schemas.microsoft.com/office/infopath/2007/PartnerControls"/>
-    </TaxKeywordTaxHTField>
-  </documentManagement>
-</p:properties>
-</file>
-
 <file path=customXml/item3.xml><?xml version="1.0" encoding="utf-8"?>
 <?mso-contentType ?>
 <FormTemplates xmlns="http://schemas.microsoft.com/sharepoint/v3/contenttype/forms">
@@ -22422,6 +22937,24 @@
 </file>
 
 <file path=customXml/itemProps1.xml><?xml version="1.0" encoding="utf-8"?>
+<ds:datastoreItem xmlns:ds="http://schemas.openxmlformats.org/officeDocument/2006/customXml" ds:itemID="{7025FDD9-4C58-4084-9F89-0E6ADD6FFF55}">
+  <ds:schemaRefs>
+    <ds:schemaRef ds:uri="http://purl.org/dc/elements/1.1/"/>
+    <ds:schemaRef ds:uri="http://schemas.openxmlformats.org/package/2006/metadata/core-properties"/>
+    <ds:schemaRef ds:uri="http://purl.org/dc/dcmitype/"/>
+    <ds:schemaRef ds:uri="230e9df3-be65-4c73-a93b-d1236ebd677e"/>
+    <ds:schemaRef ds:uri="http://www.w3.org/XML/1998/namespace"/>
+    <ds:schemaRef ds:uri="27aa9422-7f1f-4c84-9cdf-302b1a67e513"/>
+    <ds:schemaRef ds:uri="http://purl.org/dc/terms/"/>
+    <ds:schemaRef ds:uri="http://schemas.microsoft.com/office/2006/documentManagement/types"/>
+    <ds:schemaRef ds:uri="http://schemas.microsoft.com/office/infopath/2007/PartnerControls"/>
+    <ds:schemaRef ds:uri="http://schemas.microsoft.com/sharepoint/v3"/>
+    <ds:schemaRef ds:uri="http://schemas.microsoft.com/office/2006/metadata/properties"/>
+  </ds:schemaRefs>
+</ds:datastoreItem>
+</file>
+
+<file path=customXml/itemProps2.xml><?xml version="1.0" encoding="utf-8"?>
 <ds:datastoreItem xmlns:ds="http://schemas.openxmlformats.org/officeDocument/2006/customXml" ds:itemID="{3253B29C-1CCD-4FE8-A1C4-023A0910DF96}">
   <ds:schemaRefs>
     <ds:schemaRef ds:uri="http://schemas.microsoft.com/office/2006/metadata/contentType"/>
@@ -22441,24 +22974,6 @@
 </ds:datastoreItem>
 </file>
 
-<file path=customXml/itemProps2.xml><?xml version="1.0" encoding="utf-8"?>
-<ds:datastoreItem xmlns:ds="http://schemas.openxmlformats.org/officeDocument/2006/customXml" ds:itemID="{7025FDD9-4C58-4084-9F89-0E6ADD6FFF55}">
-  <ds:schemaRefs>
-    <ds:schemaRef ds:uri="http://purl.org/dc/elements/1.1/"/>
-    <ds:schemaRef ds:uri="http://schemas.openxmlformats.org/package/2006/metadata/core-properties"/>
-    <ds:schemaRef ds:uri="http://purl.org/dc/dcmitype/"/>
-    <ds:schemaRef ds:uri="230e9df3-be65-4c73-a93b-d1236ebd677e"/>
-    <ds:schemaRef ds:uri="http://www.w3.org/XML/1998/namespace"/>
-    <ds:schemaRef ds:uri="27aa9422-7f1f-4c84-9cdf-302b1a67e513"/>
-    <ds:schemaRef ds:uri="http://purl.org/dc/terms/"/>
-    <ds:schemaRef ds:uri="http://schemas.microsoft.com/office/2006/documentManagement/types"/>
-    <ds:schemaRef ds:uri="http://schemas.microsoft.com/office/infopath/2007/PartnerControls"/>
-    <ds:schemaRef ds:uri="http://schemas.microsoft.com/sharepoint/v3"/>
-    <ds:schemaRef ds:uri="http://schemas.microsoft.com/office/2006/metadata/properties"/>
-  </ds:schemaRefs>
-</ds:datastoreItem>
-</file>
-
 <file path=customXml/itemProps3.xml><?xml version="1.0" encoding="utf-8"?>
 <ds:datastoreItem xmlns:ds="http://schemas.openxmlformats.org/officeDocument/2006/customXml" ds:itemID="{B0CA13EC-1D3C-4D6F-8D1C-E8A452CFC79A}">
   <ds:schemaRefs>
